--- a/Week10/week10 Introduction to tensorflow.pptx
+++ b/Week10/week10 Introduction to tensorflow.pptx
@@ -5,10 +5,10 @@
     <p:sldMasterId id="2147483660" r:id="rId1"/>
   </p:sldMasterIdLst>
   <p:notesMasterIdLst>
-    <p:notesMasterId r:id="rId26"/>
+    <p:notesMasterId r:id="rId32"/>
   </p:notesMasterIdLst>
   <p:handoutMasterIdLst>
-    <p:handoutMasterId r:id="rId27"/>
+    <p:handoutMasterId r:id="rId33"/>
   </p:handoutMasterIdLst>
   <p:sldIdLst>
     <p:sldId id="265" r:id="rId2"/>
@@ -34,7 +34,13 @@
     <p:sldId id="651" r:id="rId22"/>
     <p:sldId id="653" r:id="rId23"/>
     <p:sldId id="654" r:id="rId24"/>
-    <p:sldId id="636" r:id="rId25"/>
+    <p:sldId id="655" r:id="rId25"/>
+    <p:sldId id="656" r:id="rId26"/>
+    <p:sldId id="657" r:id="rId27"/>
+    <p:sldId id="660" r:id="rId28"/>
+    <p:sldId id="658" r:id="rId29"/>
+    <p:sldId id="659" r:id="rId30"/>
+    <p:sldId id="636" r:id="rId31"/>
   </p:sldIdLst>
   <p:sldSz cx="9144000" cy="6858000" type="screen4x3"/>
   <p:notesSz cx="6797675" cy="9874250"/>
@@ -246,7 +252,7 @@
           <a:p>
             <a:fld id="{D9D2A4DD-E6C5-4446-8814-DDCEAB64F4E0}" type="datetimeFigureOut">
               <a:rPr lang="ko-KR" altLang="en-US" smtClean="0"/>
-              <a:t>2022-12-19</a:t>
+              <a:t>2022-12-20</a:t>
             </a:fld>
             <a:endParaRPr lang="ko-KR" altLang="en-US"/>
           </a:p>
@@ -411,7 +417,7 @@
           <a:p>
             <a:fld id="{BF4D36B7-6BC9-4358-A9C9-63F4AFA82B46}" type="datetimeFigureOut">
               <a:rPr lang="ko-KR" altLang="en-US" smtClean="0"/>
-              <a:t>2022-12-19</a:t>
+              <a:t>2022-12-20</a:t>
             </a:fld>
             <a:endParaRPr lang="ko-KR" altLang="en-US"/>
           </a:p>
@@ -1938,6 +1944,510 @@
 </p:notes>
 </file>
 
+<file path=ppt/notesSlides/notesSlide23.xml><?xml version="1.0" encoding="utf-8"?>
+<p:notes xmlns:a="http://schemas.openxmlformats.org/drawingml/2006/main" xmlns:r="http://schemas.openxmlformats.org/officeDocument/2006/relationships" xmlns:p="http://schemas.openxmlformats.org/presentationml/2006/main">
+  <p:cSld>
+    <p:spTree>
+      <p:nvGrpSpPr>
+        <p:cNvPr id="1" name=""/>
+        <p:cNvGrpSpPr/>
+        <p:nvPr/>
+      </p:nvGrpSpPr>
+      <p:grpSpPr>
+        <a:xfrm>
+          <a:off x="0" y="0"/>
+          <a:ext cx="0" cy="0"/>
+          <a:chOff x="0" y="0"/>
+          <a:chExt cx="0" cy="0"/>
+        </a:xfrm>
+      </p:grpSpPr>
+      <p:sp>
+        <p:nvSpPr>
+          <p:cNvPr id="2" name="슬라이드 이미지 개체 틀 1"/>
+          <p:cNvSpPr>
+            <a:spLocks noGrp="1" noRot="1" noChangeAspect="1"/>
+          </p:cNvSpPr>
+          <p:nvPr>
+            <p:ph type="sldImg"/>
+          </p:nvPr>
+        </p:nvSpPr>
+        <p:spPr/>
+      </p:sp>
+      <p:sp>
+        <p:nvSpPr>
+          <p:cNvPr id="3" name="슬라이드 노트 개체 틀 2"/>
+          <p:cNvSpPr>
+            <a:spLocks noGrp="1"/>
+          </p:cNvSpPr>
+          <p:nvPr>
+            <p:ph type="body" idx="1"/>
+          </p:nvPr>
+        </p:nvSpPr>
+        <p:spPr/>
+        <p:txBody>
+          <a:bodyPr/>
+          <a:lstStyle/>
+          <a:p>
+            <a:endParaRPr lang="ko-KR" altLang="en-US" dirty="0"/>
+          </a:p>
+        </p:txBody>
+      </p:sp>
+      <p:sp>
+        <p:nvSpPr>
+          <p:cNvPr id="4" name="슬라이드 번호 개체 틀 3"/>
+          <p:cNvSpPr>
+            <a:spLocks noGrp="1"/>
+          </p:cNvSpPr>
+          <p:nvPr>
+            <p:ph type="sldNum" sz="quarter" idx="10"/>
+          </p:nvPr>
+        </p:nvSpPr>
+        <p:spPr/>
+        <p:txBody>
+          <a:bodyPr/>
+          <a:lstStyle/>
+          <a:p>
+            <a:fld id="{AE7DD7B4-6F0D-4FE3-8660-A7DE31D2AD67}" type="slidenum">
+              <a:rPr lang="ko-KR" altLang="en-US" smtClean="0"/>
+              <a:t>24</a:t>
+            </a:fld>
+            <a:endParaRPr lang="ko-KR" altLang="en-US"/>
+          </a:p>
+        </p:txBody>
+      </p:sp>
+    </p:spTree>
+    <p:extLst>
+      <p:ext uri="{BB962C8B-B14F-4D97-AF65-F5344CB8AC3E}">
+        <p14:creationId xmlns:p14="http://schemas.microsoft.com/office/powerpoint/2010/main" val="4155170567"/>
+      </p:ext>
+    </p:extLst>
+  </p:cSld>
+  <p:clrMapOvr>
+    <a:masterClrMapping/>
+  </p:clrMapOvr>
+</p:notes>
+</file>
+
+<file path=ppt/notesSlides/notesSlide24.xml><?xml version="1.0" encoding="utf-8"?>
+<p:notes xmlns:a="http://schemas.openxmlformats.org/drawingml/2006/main" xmlns:r="http://schemas.openxmlformats.org/officeDocument/2006/relationships" xmlns:p="http://schemas.openxmlformats.org/presentationml/2006/main">
+  <p:cSld>
+    <p:spTree>
+      <p:nvGrpSpPr>
+        <p:cNvPr id="1" name=""/>
+        <p:cNvGrpSpPr/>
+        <p:nvPr/>
+      </p:nvGrpSpPr>
+      <p:grpSpPr>
+        <a:xfrm>
+          <a:off x="0" y="0"/>
+          <a:ext cx="0" cy="0"/>
+          <a:chOff x="0" y="0"/>
+          <a:chExt cx="0" cy="0"/>
+        </a:xfrm>
+      </p:grpSpPr>
+      <p:sp>
+        <p:nvSpPr>
+          <p:cNvPr id="2" name="슬라이드 이미지 개체 틀 1"/>
+          <p:cNvSpPr>
+            <a:spLocks noGrp="1" noRot="1" noChangeAspect="1"/>
+          </p:cNvSpPr>
+          <p:nvPr>
+            <p:ph type="sldImg"/>
+          </p:nvPr>
+        </p:nvSpPr>
+        <p:spPr/>
+      </p:sp>
+      <p:sp>
+        <p:nvSpPr>
+          <p:cNvPr id="3" name="슬라이드 노트 개체 틀 2"/>
+          <p:cNvSpPr>
+            <a:spLocks noGrp="1"/>
+          </p:cNvSpPr>
+          <p:nvPr>
+            <p:ph type="body" idx="1"/>
+          </p:nvPr>
+        </p:nvSpPr>
+        <p:spPr/>
+        <p:txBody>
+          <a:bodyPr/>
+          <a:lstStyle/>
+          <a:p>
+            <a:endParaRPr lang="ko-KR" altLang="en-US" dirty="0"/>
+          </a:p>
+        </p:txBody>
+      </p:sp>
+      <p:sp>
+        <p:nvSpPr>
+          <p:cNvPr id="4" name="슬라이드 번호 개체 틀 3"/>
+          <p:cNvSpPr>
+            <a:spLocks noGrp="1"/>
+          </p:cNvSpPr>
+          <p:nvPr>
+            <p:ph type="sldNum" sz="quarter" idx="10"/>
+          </p:nvPr>
+        </p:nvSpPr>
+        <p:spPr/>
+        <p:txBody>
+          <a:bodyPr/>
+          <a:lstStyle/>
+          <a:p>
+            <a:fld id="{AE7DD7B4-6F0D-4FE3-8660-A7DE31D2AD67}" type="slidenum">
+              <a:rPr lang="ko-KR" altLang="en-US" smtClean="0"/>
+              <a:t>25</a:t>
+            </a:fld>
+            <a:endParaRPr lang="ko-KR" altLang="en-US"/>
+          </a:p>
+        </p:txBody>
+      </p:sp>
+    </p:spTree>
+    <p:extLst>
+      <p:ext uri="{BB962C8B-B14F-4D97-AF65-F5344CB8AC3E}">
+        <p14:creationId xmlns:p14="http://schemas.microsoft.com/office/powerpoint/2010/main" val="185024191"/>
+      </p:ext>
+    </p:extLst>
+  </p:cSld>
+  <p:clrMapOvr>
+    <a:masterClrMapping/>
+  </p:clrMapOvr>
+</p:notes>
+</file>
+
+<file path=ppt/notesSlides/notesSlide25.xml><?xml version="1.0" encoding="utf-8"?>
+<p:notes xmlns:a="http://schemas.openxmlformats.org/drawingml/2006/main" xmlns:r="http://schemas.openxmlformats.org/officeDocument/2006/relationships" xmlns:p="http://schemas.openxmlformats.org/presentationml/2006/main">
+  <p:cSld>
+    <p:spTree>
+      <p:nvGrpSpPr>
+        <p:cNvPr id="1" name=""/>
+        <p:cNvGrpSpPr/>
+        <p:nvPr/>
+      </p:nvGrpSpPr>
+      <p:grpSpPr>
+        <a:xfrm>
+          <a:off x="0" y="0"/>
+          <a:ext cx="0" cy="0"/>
+          <a:chOff x="0" y="0"/>
+          <a:chExt cx="0" cy="0"/>
+        </a:xfrm>
+      </p:grpSpPr>
+      <p:sp>
+        <p:nvSpPr>
+          <p:cNvPr id="2" name="슬라이드 이미지 개체 틀 1"/>
+          <p:cNvSpPr>
+            <a:spLocks noGrp="1" noRot="1" noChangeAspect="1"/>
+          </p:cNvSpPr>
+          <p:nvPr>
+            <p:ph type="sldImg"/>
+          </p:nvPr>
+        </p:nvSpPr>
+        <p:spPr/>
+      </p:sp>
+      <p:sp>
+        <p:nvSpPr>
+          <p:cNvPr id="3" name="슬라이드 노트 개체 틀 2"/>
+          <p:cNvSpPr>
+            <a:spLocks noGrp="1"/>
+          </p:cNvSpPr>
+          <p:nvPr>
+            <p:ph type="body" idx="1"/>
+          </p:nvPr>
+        </p:nvSpPr>
+        <p:spPr/>
+        <p:txBody>
+          <a:bodyPr/>
+          <a:lstStyle/>
+          <a:p>
+            <a:endParaRPr lang="ko-KR" altLang="en-US" dirty="0"/>
+          </a:p>
+        </p:txBody>
+      </p:sp>
+      <p:sp>
+        <p:nvSpPr>
+          <p:cNvPr id="4" name="슬라이드 번호 개체 틀 3"/>
+          <p:cNvSpPr>
+            <a:spLocks noGrp="1"/>
+          </p:cNvSpPr>
+          <p:nvPr>
+            <p:ph type="sldNum" sz="quarter" idx="10"/>
+          </p:nvPr>
+        </p:nvSpPr>
+        <p:spPr/>
+        <p:txBody>
+          <a:bodyPr/>
+          <a:lstStyle/>
+          <a:p>
+            <a:fld id="{AE7DD7B4-6F0D-4FE3-8660-A7DE31D2AD67}" type="slidenum">
+              <a:rPr lang="ko-KR" altLang="en-US" smtClean="0"/>
+              <a:t>26</a:t>
+            </a:fld>
+            <a:endParaRPr lang="ko-KR" altLang="en-US"/>
+          </a:p>
+        </p:txBody>
+      </p:sp>
+    </p:spTree>
+    <p:extLst>
+      <p:ext uri="{BB962C8B-B14F-4D97-AF65-F5344CB8AC3E}">
+        <p14:creationId xmlns:p14="http://schemas.microsoft.com/office/powerpoint/2010/main" val="1225569009"/>
+      </p:ext>
+    </p:extLst>
+  </p:cSld>
+  <p:clrMapOvr>
+    <a:masterClrMapping/>
+  </p:clrMapOvr>
+</p:notes>
+</file>
+
+<file path=ppt/notesSlides/notesSlide26.xml><?xml version="1.0" encoding="utf-8"?>
+<p:notes xmlns:a="http://schemas.openxmlformats.org/drawingml/2006/main" xmlns:r="http://schemas.openxmlformats.org/officeDocument/2006/relationships" xmlns:p="http://schemas.openxmlformats.org/presentationml/2006/main">
+  <p:cSld>
+    <p:spTree>
+      <p:nvGrpSpPr>
+        <p:cNvPr id="1" name=""/>
+        <p:cNvGrpSpPr/>
+        <p:nvPr/>
+      </p:nvGrpSpPr>
+      <p:grpSpPr>
+        <a:xfrm>
+          <a:off x="0" y="0"/>
+          <a:ext cx="0" cy="0"/>
+          <a:chOff x="0" y="0"/>
+          <a:chExt cx="0" cy="0"/>
+        </a:xfrm>
+      </p:grpSpPr>
+      <p:sp>
+        <p:nvSpPr>
+          <p:cNvPr id="2" name="슬라이드 이미지 개체 틀 1"/>
+          <p:cNvSpPr>
+            <a:spLocks noGrp="1" noRot="1" noChangeAspect="1"/>
+          </p:cNvSpPr>
+          <p:nvPr>
+            <p:ph type="sldImg"/>
+          </p:nvPr>
+        </p:nvSpPr>
+        <p:spPr/>
+      </p:sp>
+      <p:sp>
+        <p:nvSpPr>
+          <p:cNvPr id="3" name="슬라이드 노트 개체 틀 2"/>
+          <p:cNvSpPr>
+            <a:spLocks noGrp="1"/>
+          </p:cNvSpPr>
+          <p:nvPr>
+            <p:ph type="body" idx="1"/>
+          </p:nvPr>
+        </p:nvSpPr>
+        <p:spPr/>
+        <p:txBody>
+          <a:bodyPr/>
+          <a:lstStyle/>
+          <a:p>
+            <a:endParaRPr lang="ko-KR" altLang="en-US" dirty="0"/>
+          </a:p>
+        </p:txBody>
+      </p:sp>
+      <p:sp>
+        <p:nvSpPr>
+          <p:cNvPr id="4" name="슬라이드 번호 개체 틀 3"/>
+          <p:cNvSpPr>
+            <a:spLocks noGrp="1"/>
+          </p:cNvSpPr>
+          <p:nvPr>
+            <p:ph type="sldNum" sz="quarter" idx="10"/>
+          </p:nvPr>
+        </p:nvSpPr>
+        <p:spPr/>
+        <p:txBody>
+          <a:bodyPr/>
+          <a:lstStyle/>
+          <a:p>
+            <a:fld id="{AE7DD7B4-6F0D-4FE3-8660-A7DE31D2AD67}" type="slidenum">
+              <a:rPr lang="ko-KR" altLang="en-US" smtClean="0"/>
+              <a:t>27</a:t>
+            </a:fld>
+            <a:endParaRPr lang="ko-KR" altLang="en-US"/>
+          </a:p>
+        </p:txBody>
+      </p:sp>
+    </p:spTree>
+    <p:extLst>
+      <p:ext uri="{BB962C8B-B14F-4D97-AF65-F5344CB8AC3E}">
+        <p14:creationId xmlns:p14="http://schemas.microsoft.com/office/powerpoint/2010/main" val="1027110176"/>
+      </p:ext>
+    </p:extLst>
+  </p:cSld>
+  <p:clrMapOvr>
+    <a:masterClrMapping/>
+  </p:clrMapOvr>
+</p:notes>
+</file>
+
+<file path=ppt/notesSlides/notesSlide27.xml><?xml version="1.0" encoding="utf-8"?>
+<p:notes xmlns:a="http://schemas.openxmlformats.org/drawingml/2006/main" xmlns:r="http://schemas.openxmlformats.org/officeDocument/2006/relationships" xmlns:p="http://schemas.openxmlformats.org/presentationml/2006/main">
+  <p:cSld>
+    <p:spTree>
+      <p:nvGrpSpPr>
+        <p:cNvPr id="1" name=""/>
+        <p:cNvGrpSpPr/>
+        <p:nvPr/>
+      </p:nvGrpSpPr>
+      <p:grpSpPr>
+        <a:xfrm>
+          <a:off x="0" y="0"/>
+          <a:ext cx="0" cy="0"/>
+          <a:chOff x="0" y="0"/>
+          <a:chExt cx="0" cy="0"/>
+        </a:xfrm>
+      </p:grpSpPr>
+      <p:sp>
+        <p:nvSpPr>
+          <p:cNvPr id="2" name="슬라이드 이미지 개체 틀 1"/>
+          <p:cNvSpPr>
+            <a:spLocks noGrp="1" noRot="1" noChangeAspect="1"/>
+          </p:cNvSpPr>
+          <p:nvPr>
+            <p:ph type="sldImg"/>
+          </p:nvPr>
+        </p:nvSpPr>
+        <p:spPr/>
+      </p:sp>
+      <p:sp>
+        <p:nvSpPr>
+          <p:cNvPr id="3" name="슬라이드 노트 개체 틀 2"/>
+          <p:cNvSpPr>
+            <a:spLocks noGrp="1"/>
+          </p:cNvSpPr>
+          <p:nvPr>
+            <p:ph type="body" idx="1"/>
+          </p:nvPr>
+        </p:nvSpPr>
+        <p:spPr/>
+        <p:txBody>
+          <a:bodyPr/>
+          <a:lstStyle/>
+          <a:p>
+            <a:endParaRPr lang="ko-KR" altLang="en-US" dirty="0"/>
+          </a:p>
+        </p:txBody>
+      </p:sp>
+      <p:sp>
+        <p:nvSpPr>
+          <p:cNvPr id="4" name="슬라이드 번호 개체 틀 3"/>
+          <p:cNvSpPr>
+            <a:spLocks noGrp="1"/>
+          </p:cNvSpPr>
+          <p:nvPr>
+            <p:ph type="sldNum" sz="quarter" idx="10"/>
+          </p:nvPr>
+        </p:nvSpPr>
+        <p:spPr/>
+        <p:txBody>
+          <a:bodyPr/>
+          <a:lstStyle/>
+          <a:p>
+            <a:fld id="{AE7DD7B4-6F0D-4FE3-8660-A7DE31D2AD67}" type="slidenum">
+              <a:rPr lang="ko-KR" altLang="en-US" smtClean="0"/>
+              <a:t>28</a:t>
+            </a:fld>
+            <a:endParaRPr lang="ko-KR" altLang="en-US"/>
+          </a:p>
+        </p:txBody>
+      </p:sp>
+    </p:spTree>
+    <p:extLst>
+      <p:ext uri="{BB962C8B-B14F-4D97-AF65-F5344CB8AC3E}">
+        <p14:creationId xmlns:p14="http://schemas.microsoft.com/office/powerpoint/2010/main" val="2369343097"/>
+      </p:ext>
+    </p:extLst>
+  </p:cSld>
+  <p:clrMapOvr>
+    <a:masterClrMapping/>
+  </p:clrMapOvr>
+</p:notes>
+</file>
+
+<file path=ppt/notesSlides/notesSlide28.xml><?xml version="1.0" encoding="utf-8"?>
+<p:notes xmlns:a="http://schemas.openxmlformats.org/drawingml/2006/main" xmlns:r="http://schemas.openxmlformats.org/officeDocument/2006/relationships" xmlns:p="http://schemas.openxmlformats.org/presentationml/2006/main">
+  <p:cSld>
+    <p:spTree>
+      <p:nvGrpSpPr>
+        <p:cNvPr id="1" name=""/>
+        <p:cNvGrpSpPr/>
+        <p:nvPr/>
+      </p:nvGrpSpPr>
+      <p:grpSpPr>
+        <a:xfrm>
+          <a:off x="0" y="0"/>
+          <a:ext cx="0" cy="0"/>
+          <a:chOff x="0" y="0"/>
+          <a:chExt cx="0" cy="0"/>
+        </a:xfrm>
+      </p:grpSpPr>
+      <p:sp>
+        <p:nvSpPr>
+          <p:cNvPr id="2" name="슬라이드 이미지 개체 틀 1"/>
+          <p:cNvSpPr>
+            <a:spLocks noGrp="1" noRot="1" noChangeAspect="1"/>
+          </p:cNvSpPr>
+          <p:nvPr>
+            <p:ph type="sldImg"/>
+          </p:nvPr>
+        </p:nvSpPr>
+        <p:spPr/>
+      </p:sp>
+      <p:sp>
+        <p:nvSpPr>
+          <p:cNvPr id="3" name="슬라이드 노트 개체 틀 2"/>
+          <p:cNvSpPr>
+            <a:spLocks noGrp="1"/>
+          </p:cNvSpPr>
+          <p:nvPr>
+            <p:ph type="body" idx="1"/>
+          </p:nvPr>
+        </p:nvSpPr>
+        <p:spPr/>
+        <p:txBody>
+          <a:bodyPr/>
+          <a:lstStyle/>
+          <a:p>
+            <a:endParaRPr lang="ko-KR" altLang="en-US" dirty="0"/>
+          </a:p>
+        </p:txBody>
+      </p:sp>
+      <p:sp>
+        <p:nvSpPr>
+          <p:cNvPr id="4" name="슬라이드 번호 개체 틀 3"/>
+          <p:cNvSpPr>
+            <a:spLocks noGrp="1"/>
+          </p:cNvSpPr>
+          <p:nvPr>
+            <p:ph type="sldNum" sz="quarter" idx="10"/>
+          </p:nvPr>
+        </p:nvSpPr>
+        <p:spPr/>
+        <p:txBody>
+          <a:bodyPr/>
+          <a:lstStyle/>
+          <a:p>
+            <a:fld id="{AE7DD7B4-6F0D-4FE3-8660-A7DE31D2AD67}" type="slidenum">
+              <a:rPr lang="ko-KR" altLang="en-US" smtClean="0"/>
+              <a:t>29</a:t>
+            </a:fld>
+            <a:endParaRPr lang="ko-KR" altLang="en-US"/>
+          </a:p>
+        </p:txBody>
+      </p:sp>
+    </p:spTree>
+    <p:extLst>
+      <p:ext uri="{BB962C8B-B14F-4D97-AF65-F5344CB8AC3E}">
+        <p14:creationId xmlns:p14="http://schemas.microsoft.com/office/powerpoint/2010/main" val="633219828"/>
+      </p:ext>
+    </p:extLst>
+  </p:cSld>
+  <p:clrMapOvr>
+    <a:masterClrMapping/>
+  </p:clrMapOvr>
+</p:notes>
+</file>
+
 <file path=ppt/notesSlides/notesSlide3.xml><?xml version="1.0" encoding="utf-8"?>
 <p:notes xmlns:a="http://schemas.openxmlformats.org/drawingml/2006/main" xmlns:r="http://schemas.openxmlformats.org/officeDocument/2006/relationships" xmlns:p="http://schemas.openxmlformats.org/presentationml/2006/main">
   <p:cSld>
@@ -2657,7 +3167,7 @@
           <a:p>
             <a:fld id="{178ADFAC-D890-497A-A497-2A400DD02E74}" type="datetimeFigureOut">
               <a:rPr lang="ko-KR" altLang="en-US" smtClean="0"/>
-              <a:t>2022-12-19</a:t>
+              <a:t>2022-12-20</a:t>
             </a:fld>
             <a:endParaRPr lang="ko-KR" altLang="en-US"/>
           </a:p>
@@ -2827,7 +3337,7 @@
           <a:p>
             <a:fld id="{178ADFAC-D890-497A-A497-2A400DD02E74}" type="datetimeFigureOut">
               <a:rPr lang="ko-KR" altLang="en-US" smtClean="0"/>
-              <a:t>2022-12-19</a:t>
+              <a:t>2022-12-20</a:t>
             </a:fld>
             <a:endParaRPr lang="ko-KR" altLang="en-US"/>
           </a:p>
@@ -3007,7 +3517,7 @@
           <a:p>
             <a:fld id="{178ADFAC-D890-497A-A497-2A400DD02E74}" type="datetimeFigureOut">
               <a:rPr lang="ko-KR" altLang="en-US" smtClean="0"/>
-              <a:t>2022-12-19</a:t>
+              <a:t>2022-12-20</a:t>
             </a:fld>
             <a:endParaRPr lang="ko-KR" altLang="en-US"/>
           </a:p>
@@ -3177,7 +3687,7 @@
           <a:p>
             <a:fld id="{178ADFAC-D890-497A-A497-2A400DD02E74}" type="datetimeFigureOut">
               <a:rPr lang="ko-KR" altLang="en-US" smtClean="0"/>
-              <a:t>2022-12-19</a:t>
+              <a:t>2022-12-20</a:t>
             </a:fld>
             <a:endParaRPr lang="ko-KR" altLang="en-US"/>
           </a:p>
@@ -3421,7 +3931,7 @@
           <a:p>
             <a:fld id="{178ADFAC-D890-497A-A497-2A400DD02E74}" type="datetimeFigureOut">
               <a:rPr lang="ko-KR" altLang="en-US" smtClean="0"/>
-              <a:t>2022-12-19</a:t>
+              <a:t>2022-12-20</a:t>
             </a:fld>
             <a:endParaRPr lang="ko-KR" altLang="en-US"/>
           </a:p>
@@ -3653,7 +4163,7 @@
           <a:p>
             <a:fld id="{178ADFAC-D890-497A-A497-2A400DD02E74}" type="datetimeFigureOut">
               <a:rPr lang="ko-KR" altLang="en-US" smtClean="0"/>
-              <a:t>2022-12-19</a:t>
+              <a:t>2022-12-20</a:t>
             </a:fld>
             <a:endParaRPr lang="ko-KR" altLang="en-US"/>
           </a:p>
@@ -4020,7 +4530,7 @@
           <a:p>
             <a:fld id="{178ADFAC-D890-497A-A497-2A400DD02E74}" type="datetimeFigureOut">
               <a:rPr lang="ko-KR" altLang="en-US" smtClean="0"/>
-              <a:t>2022-12-19</a:t>
+              <a:t>2022-12-20</a:t>
             </a:fld>
             <a:endParaRPr lang="ko-KR" altLang="en-US"/>
           </a:p>
@@ -4138,7 +4648,7 @@
           <a:p>
             <a:fld id="{178ADFAC-D890-497A-A497-2A400DD02E74}" type="datetimeFigureOut">
               <a:rPr lang="ko-KR" altLang="en-US" smtClean="0"/>
-              <a:t>2022-12-19</a:t>
+              <a:t>2022-12-20</a:t>
             </a:fld>
             <a:endParaRPr lang="ko-KR" altLang="en-US"/>
           </a:p>
@@ -4233,7 +4743,7 @@
           <a:p>
             <a:fld id="{178ADFAC-D890-497A-A497-2A400DD02E74}" type="datetimeFigureOut">
               <a:rPr lang="ko-KR" altLang="en-US" smtClean="0"/>
-              <a:t>2022-12-19</a:t>
+              <a:t>2022-12-20</a:t>
             </a:fld>
             <a:endParaRPr lang="ko-KR" altLang="en-US"/>
           </a:p>
@@ -4510,7 +5020,7 @@
           <a:p>
             <a:fld id="{178ADFAC-D890-497A-A497-2A400DD02E74}" type="datetimeFigureOut">
               <a:rPr lang="ko-KR" altLang="en-US" smtClean="0"/>
-              <a:t>2022-12-19</a:t>
+              <a:t>2022-12-20</a:t>
             </a:fld>
             <a:endParaRPr lang="ko-KR" altLang="en-US"/>
           </a:p>
@@ -4767,7 +5277,7 @@
           <a:p>
             <a:fld id="{178ADFAC-D890-497A-A497-2A400DD02E74}" type="datetimeFigureOut">
               <a:rPr lang="ko-KR" altLang="en-US" smtClean="0"/>
-              <a:t>2022-12-19</a:t>
+              <a:t>2022-12-20</a:t>
             </a:fld>
             <a:endParaRPr lang="ko-KR" altLang="en-US"/>
           </a:p>
@@ -4980,7 +5490,7 @@
           <a:p>
             <a:fld id="{178ADFAC-D890-497A-A497-2A400DD02E74}" type="datetimeFigureOut">
               <a:rPr lang="ko-KR" altLang="en-US" smtClean="0"/>
-              <a:t>2022-12-19</a:t>
+              <a:t>2022-12-20</a:t>
             </a:fld>
             <a:endParaRPr lang="ko-KR" altLang="en-US"/>
           </a:p>
@@ -23301,7 +23811,7 @@
         <p:spPr>
           <a:xfrm>
             <a:off x="1045781" y="1788672"/>
-            <a:ext cx="6863307" cy="2457852"/>
+            <a:ext cx="6863307" cy="3073405"/>
           </a:xfrm>
           <a:prstGeom prst="rect">
             <a:avLst/>
@@ -23363,7 +23873,7 @@
                 </a:solidFill>
                 <a:latin typeface="Arial Narrow" panose="020B0606020202030204" pitchFamily="34" charset="0"/>
               </a:rPr>
-              <a:t>Prevent overfitting</a:t>
+              <a:t>Understanding overfitting</a:t>
             </a:r>
           </a:p>
           <a:p>
@@ -23374,12 +23884,33 @@
               <a:buFont typeface="Arial" panose="020B0604020202020204" pitchFamily="34" charset="0"/>
               <a:buChar char="•"/>
             </a:pPr>
-            <a:endParaRPr lang="en-US" altLang="ko-KR" sz="2000" dirty="0">
-              <a:solidFill>
-                <a:srgbClr val="222222"/>
-              </a:solidFill>
-              <a:latin typeface="Arial Narrow" panose="020B0606020202030204" pitchFamily="34" charset="0"/>
-            </a:endParaRPr>
+            <a:r>
+              <a:rPr lang="en-US" altLang="ko-KR" sz="2000" dirty="0">
+                <a:solidFill>
+                  <a:srgbClr val="222222"/>
+                </a:solidFill>
+                <a:latin typeface="Arial Narrow" panose="020B0606020202030204" pitchFamily="34" charset="0"/>
+              </a:rPr>
+              <a:t>Introduction to overfitting</a:t>
+            </a:r>
+          </a:p>
+          <a:p>
+            <a:pPr marL="914400" lvl="1" indent="-457200">
+              <a:lnSpc>
+                <a:spcPct val="200000"/>
+              </a:lnSpc>
+              <a:buFont typeface="Arial" panose="020B0604020202020204" pitchFamily="34" charset="0"/>
+              <a:buChar char="•"/>
+            </a:pPr>
+            <a:r>
+              <a:rPr lang="en-US" altLang="ko-KR" sz="2000" dirty="0">
+                <a:solidFill>
+                  <a:srgbClr val="222222"/>
+                </a:solidFill>
+                <a:latin typeface="Arial Narrow" panose="020B0606020202030204" pitchFamily="34" charset="0"/>
+              </a:rPr>
+              <a:t>Split the data into a training and test set</a:t>
+            </a:r>
           </a:p>
         </p:txBody>
       </p:sp>
@@ -23682,8 +24213,8 @@
           </a:p>
         </p:txBody>
       </p:sp>
-      <mc:AlternateContent xmlns:mc="http://schemas.openxmlformats.org/markup-compatibility/2006">
-        <mc:Choice xmlns:a14="http://schemas.microsoft.com/office/drawing/2010/main" Requires="a14">
+      <mc:AlternateContent xmlns:mc="http://schemas.openxmlformats.org/markup-compatibility/2006" xmlns:a14="http://schemas.microsoft.com/office/drawing/2010/main">
+        <mc:Choice Requires="a14">
           <p:sp>
             <p:nvSpPr>
               <p:cNvPr id="4" name="TextBox 3">
@@ -23712,6 +24243,7 @@
               </a:bodyPr>
               <a:lstStyle/>
               <a:p>
+                <a:pPr/>
                 <a14:m>
                   <m:oMathPara xmlns:m="http://schemas.openxmlformats.org/officeDocument/2006/math">
                     <m:oMathParaPr>
@@ -23886,7 +24418,7 @@
             </p:txBody>
           </p:sp>
         </mc:Choice>
-        <mc:Fallback>
+        <mc:Fallback xmlns="">
           <p:sp>
             <p:nvSpPr>
               <p:cNvPr id="4" name="TextBox 3">
@@ -24150,8 +24682,8 @@
           </a:p>
         </p:txBody>
       </p:sp>
-      <mc:AlternateContent xmlns:mc="http://schemas.openxmlformats.org/markup-compatibility/2006">
-        <mc:Choice xmlns:a14="http://schemas.microsoft.com/office/drawing/2010/main" Requires="a14">
+      <mc:AlternateContent xmlns:mc="http://schemas.openxmlformats.org/markup-compatibility/2006" xmlns:a14="http://schemas.microsoft.com/office/drawing/2010/main">
+        <mc:Choice Requires="a14">
           <p:sp>
             <p:nvSpPr>
               <p:cNvPr id="4" name="TextBox 3">
@@ -24180,6 +24712,7 @@
               </a:bodyPr>
               <a:lstStyle/>
               <a:p>
+                <a:pPr/>
                 <a14:m>
                   <m:oMathPara xmlns:m="http://schemas.openxmlformats.org/officeDocument/2006/math">
                     <m:oMathParaPr>
@@ -24354,7 +24887,7 @@
             </p:txBody>
           </p:sp>
         </mc:Choice>
-        <mc:Fallback>
+        <mc:Fallback xmlns="">
           <p:sp>
             <p:nvSpPr>
               <p:cNvPr id="4" name="TextBox 3">
@@ -24431,8 +24964,8 @@
           </a:p>
         </p:txBody>
       </p:sp>
-      <mc:AlternateContent xmlns:mc="http://schemas.openxmlformats.org/markup-compatibility/2006">
-        <mc:Choice xmlns:a14="http://schemas.microsoft.com/office/drawing/2010/main" Requires="a14">
+      <mc:AlternateContent xmlns:mc="http://schemas.openxmlformats.org/markup-compatibility/2006" xmlns:a14="http://schemas.microsoft.com/office/drawing/2010/main">
+        <mc:Choice Requires="a14">
           <p:sp>
             <p:nvSpPr>
               <p:cNvPr id="8" name="TextBox 7">
@@ -24461,6 +24994,7 @@
               </a:bodyPr>
               <a:lstStyle/>
               <a:p>
+                <a:pPr/>
                 <a14:m>
                   <m:oMathPara xmlns:m="http://schemas.openxmlformats.org/officeDocument/2006/math">
                     <m:oMathParaPr>
@@ -25061,7 +25595,7 @@
             </p:txBody>
           </p:sp>
         </mc:Choice>
-        <mc:Fallback>
+        <mc:Fallback xmlns="">
           <p:sp>
             <p:nvSpPr>
               <p:cNvPr id="8" name="TextBox 7">
@@ -25423,8 +25957,8 @@
           </a:p>
         </p:txBody>
       </p:sp>
-      <mc:AlternateContent xmlns:mc="http://schemas.openxmlformats.org/markup-compatibility/2006">
-        <mc:Choice xmlns:a14="http://schemas.microsoft.com/office/drawing/2010/main" Requires="a14">
+      <mc:AlternateContent xmlns:mc="http://schemas.openxmlformats.org/markup-compatibility/2006" xmlns:a14="http://schemas.microsoft.com/office/drawing/2010/main">
+        <mc:Choice Requires="a14">
           <p:sp>
             <p:nvSpPr>
               <p:cNvPr id="8" name="TextBox 7">
@@ -25453,6 +25987,7 @@
               </a:bodyPr>
               <a:lstStyle/>
               <a:p>
+                <a:pPr/>
                 <a14:m>
                   <m:oMathPara xmlns:m="http://schemas.openxmlformats.org/officeDocument/2006/math">
                     <m:oMathParaPr>
@@ -25489,7 +26024,7 @@
             </p:txBody>
           </p:sp>
         </mc:Choice>
-        <mc:Fallback>
+        <mc:Fallback xmlns="">
           <p:sp>
             <p:nvSpPr>
               <p:cNvPr id="8" name="TextBox 7">
@@ -25534,8 +26069,8 @@
           </p:sp>
         </mc:Fallback>
       </mc:AlternateContent>
-      <mc:AlternateContent xmlns:mc="http://schemas.openxmlformats.org/markup-compatibility/2006">
-        <mc:Choice xmlns:a14="http://schemas.microsoft.com/office/drawing/2010/main" Requires="a14">
+      <mc:AlternateContent xmlns:mc="http://schemas.openxmlformats.org/markup-compatibility/2006" xmlns:a14="http://schemas.microsoft.com/office/drawing/2010/main">
+        <mc:Choice Requires="a14">
           <p:sp>
             <p:nvSpPr>
               <p:cNvPr id="3" name="TextBox 2">
@@ -25564,6 +26099,7 @@
               </a:bodyPr>
               <a:lstStyle/>
               <a:p>
+                <a:pPr/>
                 <a14:m>
                   <m:oMathPara xmlns:m="http://schemas.openxmlformats.org/officeDocument/2006/math">
                     <m:oMathParaPr>
@@ -26164,7 +26700,7 @@
             </p:txBody>
           </p:sp>
         </mc:Choice>
-        <mc:Fallback>
+        <mc:Fallback xmlns="">
           <p:sp>
             <p:nvSpPr>
               <p:cNvPr id="3" name="TextBox 2">
@@ -27279,60 +27815,1900 @@
           <a:chExt cx="0" cy="0"/>
         </a:xfrm>
       </p:grpSpPr>
-      <p:sp>
-        <p:nvSpPr>
-          <p:cNvPr id="2" name="제목 1">
+      <p:cxnSp>
+        <p:nvCxnSpPr>
+          <p:cNvPr id="36" name="직선 연결선 35"/>
+          <p:cNvCxnSpPr/>
+          <p:nvPr/>
+        </p:nvCxnSpPr>
+        <p:spPr>
+          <a:xfrm>
+            <a:off x="361950" y="857250"/>
+            <a:ext cx="5391150" cy="0"/>
+          </a:xfrm>
+          <a:prstGeom prst="line">
+            <a:avLst/>
+          </a:prstGeom>
+          <a:ln w="38100">
+            <a:solidFill>
+              <a:schemeClr val="accent2">
+                <a:alpha val="60000"/>
+              </a:schemeClr>
+            </a:solidFill>
+          </a:ln>
+        </p:spPr>
+        <p:style>
+          <a:lnRef idx="1">
+            <a:schemeClr val="accent1"/>
+          </a:lnRef>
+          <a:fillRef idx="0">
+            <a:schemeClr val="accent1"/>
+          </a:fillRef>
+          <a:effectRef idx="0">
+            <a:schemeClr val="accent1"/>
+          </a:effectRef>
+          <a:fontRef idx="minor">
+            <a:schemeClr val="tx1"/>
+          </a:fontRef>
+        </p:style>
+      </p:cxnSp>
+      <p:cxnSp>
+        <p:nvCxnSpPr>
+          <p:cNvPr id="37" name="직선 연결선 36"/>
+          <p:cNvCxnSpPr/>
+          <p:nvPr/>
+        </p:nvCxnSpPr>
+        <p:spPr>
+          <a:xfrm>
+            <a:off x="3257550" y="933450"/>
+            <a:ext cx="5391150" cy="0"/>
+          </a:xfrm>
+          <a:prstGeom prst="line">
+            <a:avLst/>
+          </a:prstGeom>
+          <a:ln w="38100">
+            <a:solidFill>
+              <a:schemeClr val="accent6">
+                <a:alpha val="60000"/>
+              </a:schemeClr>
+            </a:solidFill>
+          </a:ln>
+        </p:spPr>
+        <p:style>
+          <a:lnRef idx="1">
+            <a:schemeClr val="accent1"/>
+          </a:lnRef>
+          <a:fillRef idx="0">
+            <a:schemeClr val="accent1"/>
+          </a:fillRef>
+          <a:effectRef idx="0">
+            <a:schemeClr val="accent1"/>
+          </a:effectRef>
+          <a:fontRef idx="minor">
+            <a:schemeClr val="tx1"/>
+          </a:fontRef>
+        </p:style>
+      </p:cxnSp>
+      <p:sp>
+        <p:nvSpPr>
+          <p:cNvPr id="6" name="직사각형 5">
             <a:extLst>
               <a:ext uri="{FF2B5EF4-FFF2-40B4-BE49-F238E27FC236}">
-                <a16:creationId xmlns:a16="http://schemas.microsoft.com/office/drawing/2014/main" id="{88F3FAA6-D151-5824-A7D9-E01B72498453}"/>
+                <a16:creationId xmlns:a16="http://schemas.microsoft.com/office/drawing/2014/main" id="{6AE458C1-6B85-ECDF-7351-770B57E86129}"/>
               </a:ext>
             </a:extLst>
           </p:cNvPr>
-          <p:cNvSpPr>
-            <a:spLocks noGrp="1"/>
-          </p:cNvSpPr>
-          <p:nvPr>
-            <p:ph type="title"/>
-          </p:nvPr>
-        </p:nvSpPr>
-        <p:spPr/>
+          <p:cNvSpPr/>
+          <p:nvPr/>
+        </p:nvSpPr>
+        <p:spPr>
+          <a:xfrm>
+            <a:off x="299839" y="70603"/>
+            <a:ext cx="8544322" cy="657168"/>
+          </a:xfrm>
+          <a:prstGeom prst="rect">
+            <a:avLst/>
+          </a:prstGeom>
+        </p:spPr>
         <p:txBody>
-          <a:bodyPr/>
+          <a:bodyPr wrap="square">
+            <a:spAutoFit/>
+          </a:bodyPr>
           <a:lstStyle/>
           <a:p>
-            <a:endParaRPr lang="ko-KR" altLang="en-US"/>
+            <a:pPr>
+              <a:lnSpc>
+                <a:spcPct val="150000"/>
+              </a:lnSpc>
+            </a:pPr>
+            <a:r>
+              <a:rPr lang="en-US" altLang="ko-KR" sz="2800" dirty="0">
+                <a:latin typeface="Arial Narrow" panose="020B0606020202030204" pitchFamily="34" charset="0"/>
+                <a:cs typeface="Times New Roman" panose="02020603050405020304" pitchFamily="18" charset="0"/>
+              </a:rPr>
+              <a:t>Multiclassification</a:t>
+            </a:r>
           </a:p>
         </p:txBody>
       </p:sp>
       <p:sp>
         <p:nvSpPr>
-          <p:cNvPr id="3" name="내용 개체 틀 2">
+          <p:cNvPr id="2" name="직사각형 1">
             <a:extLst>
               <a:ext uri="{FF2B5EF4-FFF2-40B4-BE49-F238E27FC236}">
-                <a16:creationId xmlns:a16="http://schemas.microsoft.com/office/drawing/2014/main" id="{1B4BA5D7-6139-ADF2-A469-E3893EF87664}"/>
+                <a16:creationId xmlns:a16="http://schemas.microsoft.com/office/drawing/2014/main" id="{24539B91-7724-8C2D-4000-9B98731F9B3C}"/>
               </a:ext>
             </a:extLst>
           </p:cNvPr>
-          <p:cNvSpPr>
-            <a:spLocks noGrp="1"/>
-          </p:cNvSpPr>
-          <p:nvPr>
-            <p:ph idx="1"/>
-          </p:nvPr>
-        </p:nvSpPr>
-        <p:spPr/>
+          <p:cNvSpPr/>
+          <p:nvPr/>
+        </p:nvSpPr>
+        <p:spPr>
+          <a:xfrm>
+            <a:off x="328771" y="1139130"/>
+            <a:ext cx="8742077" cy="1511439"/>
+          </a:xfrm>
+          <a:prstGeom prst="rect">
+            <a:avLst/>
+          </a:prstGeom>
+        </p:spPr>
         <p:txBody>
-          <a:bodyPr/>
+          <a:bodyPr wrap="square">
+            <a:spAutoFit/>
+          </a:bodyPr>
           <a:lstStyle/>
           <a:p>
-            <a:endParaRPr lang="ko-KR" altLang="en-US"/>
+            <a:pPr marL="284400" indent="-284400">
+              <a:lnSpc>
+                <a:spcPct val="150000"/>
+              </a:lnSpc>
+              <a:buFont typeface="Arial" panose="020B0604020202020204" pitchFamily="34" charset="0"/>
+              <a:buChar char="•"/>
+            </a:pPr>
+            <a:r>
+              <a:rPr lang="en-US" altLang="ko-KR" sz="2400" dirty="0">
+                <a:solidFill>
+                  <a:srgbClr val="222222"/>
+                </a:solidFill>
+                <a:latin typeface="Arial Narrow" panose="020B0606020202030204" pitchFamily="34" charset="0"/>
+              </a:rPr>
+              <a:t>How to define a multiclassification model?</a:t>
+            </a:r>
+          </a:p>
+          <a:p>
+            <a:pPr marL="741600" lvl="1" indent="-284400">
+              <a:lnSpc>
+                <a:spcPct val="150000"/>
+              </a:lnSpc>
+              <a:buFont typeface="Arial" panose="020B0604020202020204" pitchFamily="34" charset="0"/>
+              <a:buChar char="•"/>
+            </a:pPr>
+            <a:r>
+              <a:rPr lang="en-US" altLang="ko-KR" sz="2000" dirty="0">
+                <a:solidFill>
+                  <a:srgbClr val="222222"/>
+                </a:solidFill>
+                <a:latin typeface="Arial Narrow" panose="020B0606020202030204" pitchFamily="34" charset="0"/>
+              </a:rPr>
+              <a:t>multiclassification model structure with </a:t>
+            </a:r>
+            <a:r>
+              <a:rPr lang="en-US" altLang="ko-KR" sz="2000" dirty="0" err="1">
+                <a:solidFill>
+                  <a:srgbClr val="222222"/>
+                </a:solidFill>
+                <a:latin typeface="Arial Narrow" panose="020B0606020202030204" pitchFamily="34" charset="0"/>
+              </a:rPr>
+              <a:t>tensorflow</a:t>
+            </a:r>
+            <a:r>
+              <a:rPr lang="en-US" altLang="ko-KR" sz="2000" dirty="0">
+                <a:solidFill>
+                  <a:srgbClr val="222222"/>
+                </a:solidFill>
+                <a:latin typeface="Arial Narrow" panose="020B0606020202030204" pitchFamily="34" charset="0"/>
+              </a:rPr>
+              <a:t> 2.x</a:t>
+            </a:r>
+            <a:endParaRPr lang="ko-KR" altLang="en-US" sz="2000" dirty="0"/>
+          </a:p>
+          <a:p>
+            <a:pPr marL="741600" lvl="1" indent="-284400">
+              <a:lnSpc>
+                <a:spcPct val="150000"/>
+              </a:lnSpc>
+              <a:buFont typeface="Arial" panose="020B0604020202020204" pitchFamily="34" charset="0"/>
+              <a:buChar char="•"/>
+            </a:pPr>
+            <a:endParaRPr lang="en-US" altLang="ko-KR" sz="2000" dirty="0">
+              <a:solidFill>
+                <a:srgbClr val="222222"/>
+              </a:solidFill>
+              <a:latin typeface="Arial Narrow" panose="020B0606020202030204" pitchFamily="34" charset="0"/>
+            </a:endParaRPr>
+          </a:p>
+        </p:txBody>
+      </p:sp>
+      <p:sp>
+        <p:nvSpPr>
+          <p:cNvPr id="5" name="TextBox 4">
+            <a:extLst>
+              <a:ext uri="{FF2B5EF4-FFF2-40B4-BE49-F238E27FC236}">
+                <a16:creationId xmlns:a16="http://schemas.microsoft.com/office/drawing/2014/main" id="{FDCA051D-524C-2A1C-3EDB-1F6FBAD1B5A1}"/>
+              </a:ext>
+            </a:extLst>
+          </p:cNvPr>
+          <p:cNvSpPr txBox="1"/>
+          <p:nvPr/>
+        </p:nvSpPr>
+        <p:spPr>
+          <a:xfrm>
+            <a:off x="1979469" y="3909675"/>
+            <a:ext cx="4572000" cy="923330"/>
+          </a:xfrm>
+          <a:prstGeom prst="rect">
+            <a:avLst/>
+          </a:prstGeom>
+          <a:noFill/>
+        </p:spPr>
+        <p:txBody>
+          <a:bodyPr wrap="square">
+            <a:spAutoFit/>
+          </a:bodyPr>
+          <a:lstStyle/>
+          <a:p>
+            <a:r>
+              <a:rPr lang="en-US" altLang="ko-KR" dirty="0">
+                <a:hlinkClick r:id="rId3"/>
+              </a:rPr>
+              <a:t>https://colab.research.google.com/github/JunetaeKim/DeepLearningClass/blob/main/Week10/IrisMultiClassification.ipynb</a:t>
+            </a:r>
+            <a:endParaRPr lang="ko-KR" altLang="en-US" dirty="0"/>
           </a:p>
         </p:txBody>
       </p:sp>
     </p:spTree>
     <p:extLst>
       <p:ext uri="{BB962C8B-B14F-4D97-AF65-F5344CB8AC3E}">
-        <p14:creationId xmlns:p14="http://schemas.microsoft.com/office/powerpoint/2010/main" val="599154556"/>
+        <p14:creationId xmlns:p14="http://schemas.microsoft.com/office/powerpoint/2010/main" val="3323403222"/>
+      </p:ext>
+    </p:extLst>
+  </p:cSld>
+  <p:clrMapOvr>
+    <a:masterClrMapping/>
+  </p:clrMapOvr>
+</p:sld>
+</file>
+
+<file path=ppt/slides/slide25.xml><?xml version="1.0" encoding="utf-8"?>
+<p:sld xmlns:a="http://schemas.openxmlformats.org/drawingml/2006/main" xmlns:r="http://schemas.openxmlformats.org/officeDocument/2006/relationships" xmlns:p="http://schemas.openxmlformats.org/presentationml/2006/main">
+  <p:cSld>
+    <p:spTree>
+      <p:nvGrpSpPr>
+        <p:cNvPr id="1" name=""/>
+        <p:cNvGrpSpPr/>
+        <p:nvPr/>
+      </p:nvGrpSpPr>
+      <p:grpSpPr>
+        <a:xfrm>
+          <a:off x="0" y="0"/>
+          <a:ext cx="0" cy="0"/>
+          <a:chOff x="0" y="0"/>
+          <a:chExt cx="0" cy="0"/>
+        </a:xfrm>
+      </p:grpSpPr>
+      <p:cxnSp>
+        <p:nvCxnSpPr>
+          <p:cNvPr id="36" name="직선 연결선 35"/>
+          <p:cNvCxnSpPr/>
+          <p:nvPr/>
+        </p:nvCxnSpPr>
+        <p:spPr>
+          <a:xfrm>
+            <a:off x="361950" y="857250"/>
+            <a:ext cx="5391150" cy="0"/>
+          </a:xfrm>
+          <a:prstGeom prst="line">
+            <a:avLst/>
+          </a:prstGeom>
+          <a:ln w="38100">
+            <a:solidFill>
+              <a:schemeClr val="accent2">
+                <a:alpha val="60000"/>
+              </a:schemeClr>
+            </a:solidFill>
+          </a:ln>
+        </p:spPr>
+        <p:style>
+          <a:lnRef idx="1">
+            <a:schemeClr val="accent1"/>
+          </a:lnRef>
+          <a:fillRef idx="0">
+            <a:schemeClr val="accent1"/>
+          </a:fillRef>
+          <a:effectRef idx="0">
+            <a:schemeClr val="accent1"/>
+          </a:effectRef>
+          <a:fontRef idx="minor">
+            <a:schemeClr val="tx1"/>
+          </a:fontRef>
+        </p:style>
+      </p:cxnSp>
+      <p:cxnSp>
+        <p:nvCxnSpPr>
+          <p:cNvPr id="37" name="직선 연결선 36"/>
+          <p:cNvCxnSpPr/>
+          <p:nvPr/>
+        </p:nvCxnSpPr>
+        <p:spPr>
+          <a:xfrm>
+            <a:off x="3257550" y="933450"/>
+            <a:ext cx="5391150" cy="0"/>
+          </a:xfrm>
+          <a:prstGeom prst="line">
+            <a:avLst/>
+          </a:prstGeom>
+          <a:ln w="38100">
+            <a:solidFill>
+              <a:schemeClr val="accent6">
+                <a:alpha val="60000"/>
+              </a:schemeClr>
+            </a:solidFill>
+          </a:ln>
+        </p:spPr>
+        <p:style>
+          <a:lnRef idx="1">
+            <a:schemeClr val="accent1"/>
+          </a:lnRef>
+          <a:fillRef idx="0">
+            <a:schemeClr val="accent1"/>
+          </a:fillRef>
+          <a:effectRef idx="0">
+            <a:schemeClr val="accent1"/>
+          </a:effectRef>
+          <a:fontRef idx="minor">
+            <a:schemeClr val="tx1"/>
+          </a:fontRef>
+        </p:style>
+      </p:cxnSp>
+      <p:sp>
+        <p:nvSpPr>
+          <p:cNvPr id="10" name="직사각형 9">
+            <a:extLst>
+              <a:ext uri="{FF2B5EF4-FFF2-40B4-BE49-F238E27FC236}">
+                <a16:creationId xmlns:a16="http://schemas.microsoft.com/office/drawing/2014/main" id="{9DC7D8DF-F1AC-5E24-6D05-87B8D3343A78}"/>
+              </a:ext>
+            </a:extLst>
+          </p:cNvPr>
+          <p:cNvSpPr/>
+          <p:nvPr/>
+        </p:nvSpPr>
+        <p:spPr>
+          <a:xfrm>
+            <a:off x="328771" y="1139130"/>
+            <a:ext cx="8742077" cy="1973104"/>
+          </a:xfrm>
+          <a:prstGeom prst="rect">
+            <a:avLst/>
+          </a:prstGeom>
+        </p:spPr>
+        <p:txBody>
+          <a:bodyPr wrap="square">
+            <a:spAutoFit/>
+          </a:bodyPr>
+          <a:lstStyle/>
+          <a:p>
+            <a:pPr marL="284400" indent="-284400">
+              <a:lnSpc>
+                <a:spcPct val="150000"/>
+              </a:lnSpc>
+              <a:buFont typeface="Arial" panose="020B0604020202020204" pitchFamily="34" charset="0"/>
+              <a:buChar char="•"/>
+            </a:pPr>
+            <a:r>
+              <a:rPr lang="en-US" altLang="ko-KR" sz="2400" dirty="0">
+                <a:solidFill>
+                  <a:srgbClr val="222222"/>
+                </a:solidFill>
+                <a:latin typeface="Arial Narrow" panose="020B0606020202030204" pitchFamily="34" charset="0"/>
+              </a:rPr>
+              <a:t>Overfitting</a:t>
+            </a:r>
+          </a:p>
+          <a:p>
+            <a:pPr marL="741600" lvl="1" indent="-284400">
+              <a:lnSpc>
+                <a:spcPct val="150000"/>
+              </a:lnSpc>
+              <a:buFont typeface="Arial" panose="020B0604020202020204" pitchFamily="34" charset="0"/>
+              <a:buChar char="•"/>
+            </a:pPr>
+            <a:r>
+              <a:rPr lang="en-US" altLang="ko-KR" sz="2000" dirty="0">
+                <a:solidFill>
+                  <a:srgbClr val="222222"/>
+                </a:solidFill>
+                <a:latin typeface="Arial Narrow" panose="020B0606020202030204" pitchFamily="34" charset="0"/>
+              </a:rPr>
+              <a:t>The production of an analysis that corresponds too closely or exactly to a particular set of data, and may therefore fail to fit to additional data or predict future observations reliably (wiki)</a:t>
+            </a:r>
+          </a:p>
+        </p:txBody>
+      </p:sp>
+      <p:sp>
+        <p:nvSpPr>
+          <p:cNvPr id="6" name="직사각형 5">
+            <a:extLst>
+              <a:ext uri="{FF2B5EF4-FFF2-40B4-BE49-F238E27FC236}">
+                <a16:creationId xmlns:a16="http://schemas.microsoft.com/office/drawing/2014/main" id="{6AE458C1-6B85-ECDF-7351-770B57E86129}"/>
+              </a:ext>
+            </a:extLst>
+          </p:cNvPr>
+          <p:cNvSpPr/>
+          <p:nvPr/>
+        </p:nvSpPr>
+        <p:spPr>
+          <a:xfrm>
+            <a:off x="299839" y="70603"/>
+            <a:ext cx="8544322" cy="657168"/>
+          </a:xfrm>
+          <a:prstGeom prst="rect">
+            <a:avLst/>
+          </a:prstGeom>
+        </p:spPr>
+        <p:txBody>
+          <a:bodyPr wrap="square">
+            <a:spAutoFit/>
+          </a:bodyPr>
+          <a:lstStyle/>
+          <a:p>
+            <a:pPr>
+              <a:lnSpc>
+                <a:spcPct val="150000"/>
+              </a:lnSpc>
+            </a:pPr>
+            <a:r>
+              <a:rPr lang="en-US" altLang="ko-KR" sz="2800" dirty="0">
+                <a:latin typeface="Arial Narrow" panose="020B0606020202030204" pitchFamily="34" charset="0"/>
+                <a:cs typeface="Times New Roman" panose="02020603050405020304" pitchFamily="18" charset="0"/>
+              </a:rPr>
+              <a:t>Understanding Overfitting</a:t>
+            </a:r>
+          </a:p>
+        </p:txBody>
+      </p:sp>
+      <p:pic>
+        <p:nvPicPr>
+          <p:cNvPr id="1026" name="Picture 2" descr="머신 러닝] 과적합 (Overfitting)과 Validation Dataset의 개념">
+            <a:extLst>
+              <a:ext uri="{FF2B5EF4-FFF2-40B4-BE49-F238E27FC236}">
+                <a16:creationId xmlns:a16="http://schemas.microsoft.com/office/drawing/2014/main" id="{F765E582-E61C-2428-D606-515AF0B4B7CA}"/>
+              </a:ext>
+            </a:extLst>
+          </p:cNvPr>
+          <p:cNvPicPr>
+            <a:picLocks noChangeAspect="1" noChangeArrowheads="1"/>
+          </p:cNvPicPr>
+          <p:nvPr/>
+        </p:nvPicPr>
+        <p:blipFill>
+          <a:blip r:embed="rId3">
+            <a:extLst>
+              <a:ext uri="{28A0092B-C50C-407E-A947-70E740481C1C}">
+                <a14:useLocalDpi xmlns:a14="http://schemas.microsoft.com/office/drawing/2010/main" val="0"/>
+              </a:ext>
+            </a:extLst>
+          </a:blip>
+          <a:srcRect/>
+          <a:stretch>
+            <a:fillRect/>
+          </a:stretch>
+        </p:blipFill>
+        <p:spPr bwMode="auto">
+          <a:xfrm>
+            <a:off x="2774936" y="3214081"/>
+            <a:ext cx="3849745" cy="3194469"/>
+          </a:xfrm>
+          <a:prstGeom prst="rect">
+            <a:avLst/>
+          </a:prstGeom>
+          <a:noFill/>
+          <a:extLst>
+            <a:ext uri="{909E8E84-426E-40DD-AFC4-6F175D3DCCD1}">
+              <a14:hiddenFill xmlns:a14="http://schemas.microsoft.com/office/drawing/2010/main">
+                <a:solidFill>
+                  <a:srgbClr val="FFFFFF"/>
+                </a:solidFill>
+              </a14:hiddenFill>
+            </a:ext>
+          </a:extLst>
+        </p:spPr>
+      </p:pic>
+      <p:sp>
+        <p:nvSpPr>
+          <p:cNvPr id="4" name="TextBox 3">
+            <a:extLst>
+              <a:ext uri="{FF2B5EF4-FFF2-40B4-BE49-F238E27FC236}">
+                <a16:creationId xmlns:a16="http://schemas.microsoft.com/office/drawing/2014/main" id="{71D65128-8CB1-BB54-D381-AF5ED4F5426C}"/>
+              </a:ext>
+            </a:extLst>
+          </p:cNvPr>
+          <p:cNvSpPr txBox="1"/>
+          <p:nvPr/>
+        </p:nvSpPr>
+        <p:spPr>
+          <a:xfrm>
+            <a:off x="6462506" y="6510398"/>
+            <a:ext cx="2681494" cy="276999"/>
+          </a:xfrm>
+          <a:prstGeom prst="rect">
+            <a:avLst/>
+          </a:prstGeom>
+          <a:noFill/>
+        </p:spPr>
+        <p:txBody>
+          <a:bodyPr wrap="square">
+            <a:spAutoFit/>
+          </a:bodyPr>
+          <a:lstStyle/>
+          <a:p>
+            <a:r>
+              <a:rPr lang="en-US" altLang="ko-KR" sz="1200" dirty="0"/>
+              <a:t>https://untitledtblog.tistory.com/158</a:t>
+            </a:r>
+            <a:endParaRPr lang="ko-KR" altLang="en-US" sz="1200" dirty="0"/>
+          </a:p>
+        </p:txBody>
+      </p:sp>
+    </p:spTree>
+    <p:extLst>
+      <p:ext uri="{BB962C8B-B14F-4D97-AF65-F5344CB8AC3E}">
+        <p14:creationId xmlns:p14="http://schemas.microsoft.com/office/powerpoint/2010/main" val="1999084971"/>
+      </p:ext>
+    </p:extLst>
+  </p:cSld>
+  <p:clrMapOvr>
+    <a:masterClrMapping/>
+  </p:clrMapOvr>
+</p:sld>
+</file>
+
+<file path=ppt/slides/slide26.xml><?xml version="1.0" encoding="utf-8"?>
+<p:sld xmlns:a="http://schemas.openxmlformats.org/drawingml/2006/main" xmlns:r="http://schemas.openxmlformats.org/officeDocument/2006/relationships" xmlns:p="http://schemas.openxmlformats.org/presentationml/2006/main">
+  <p:cSld>
+    <p:spTree>
+      <p:nvGrpSpPr>
+        <p:cNvPr id="1" name=""/>
+        <p:cNvGrpSpPr/>
+        <p:nvPr/>
+      </p:nvGrpSpPr>
+      <p:grpSpPr>
+        <a:xfrm>
+          <a:off x="0" y="0"/>
+          <a:ext cx="0" cy="0"/>
+          <a:chOff x="0" y="0"/>
+          <a:chExt cx="0" cy="0"/>
+        </a:xfrm>
+      </p:grpSpPr>
+      <p:cxnSp>
+        <p:nvCxnSpPr>
+          <p:cNvPr id="36" name="직선 연결선 35"/>
+          <p:cNvCxnSpPr/>
+          <p:nvPr/>
+        </p:nvCxnSpPr>
+        <p:spPr>
+          <a:xfrm>
+            <a:off x="361950" y="857250"/>
+            <a:ext cx="5391150" cy="0"/>
+          </a:xfrm>
+          <a:prstGeom prst="line">
+            <a:avLst/>
+          </a:prstGeom>
+          <a:ln w="38100">
+            <a:solidFill>
+              <a:schemeClr val="accent2">
+                <a:alpha val="60000"/>
+              </a:schemeClr>
+            </a:solidFill>
+          </a:ln>
+        </p:spPr>
+        <p:style>
+          <a:lnRef idx="1">
+            <a:schemeClr val="accent1"/>
+          </a:lnRef>
+          <a:fillRef idx="0">
+            <a:schemeClr val="accent1"/>
+          </a:fillRef>
+          <a:effectRef idx="0">
+            <a:schemeClr val="accent1"/>
+          </a:effectRef>
+          <a:fontRef idx="minor">
+            <a:schemeClr val="tx1"/>
+          </a:fontRef>
+        </p:style>
+      </p:cxnSp>
+      <p:cxnSp>
+        <p:nvCxnSpPr>
+          <p:cNvPr id="37" name="직선 연결선 36"/>
+          <p:cNvCxnSpPr/>
+          <p:nvPr/>
+        </p:nvCxnSpPr>
+        <p:spPr>
+          <a:xfrm>
+            <a:off x="3257550" y="933450"/>
+            <a:ext cx="5391150" cy="0"/>
+          </a:xfrm>
+          <a:prstGeom prst="line">
+            <a:avLst/>
+          </a:prstGeom>
+          <a:ln w="38100">
+            <a:solidFill>
+              <a:schemeClr val="accent6">
+                <a:alpha val="60000"/>
+              </a:schemeClr>
+            </a:solidFill>
+          </a:ln>
+        </p:spPr>
+        <p:style>
+          <a:lnRef idx="1">
+            <a:schemeClr val="accent1"/>
+          </a:lnRef>
+          <a:fillRef idx="0">
+            <a:schemeClr val="accent1"/>
+          </a:fillRef>
+          <a:effectRef idx="0">
+            <a:schemeClr val="accent1"/>
+          </a:effectRef>
+          <a:fontRef idx="minor">
+            <a:schemeClr val="tx1"/>
+          </a:fontRef>
+        </p:style>
+      </p:cxnSp>
+      <p:sp>
+        <p:nvSpPr>
+          <p:cNvPr id="10" name="직사각형 9">
+            <a:extLst>
+              <a:ext uri="{FF2B5EF4-FFF2-40B4-BE49-F238E27FC236}">
+                <a16:creationId xmlns:a16="http://schemas.microsoft.com/office/drawing/2014/main" id="{9DC7D8DF-F1AC-5E24-6D05-87B8D3343A78}"/>
+              </a:ext>
+            </a:extLst>
+          </p:cNvPr>
+          <p:cNvSpPr/>
+          <p:nvPr/>
+        </p:nvSpPr>
+        <p:spPr>
+          <a:xfrm>
+            <a:off x="328771" y="1139130"/>
+            <a:ext cx="8742077" cy="1973104"/>
+          </a:xfrm>
+          <a:prstGeom prst="rect">
+            <a:avLst/>
+          </a:prstGeom>
+        </p:spPr>
+        <p:txBody>
+          <a:bodyPr wrap="square">
+            <a:spAutoFit/>
+          </a:bodyPr>
+          <a:lstStyle/>
+          <a:p>
+            <a:pPr marL="284400" indent="-284400">
+              <a:lnSpc>
+                <a:spcPct val="150000"/>
+              </a:lnSpc>
+              <a:buFont typeface="Arial" panose="020B0604020202020204" pitchFamily="34" charset="0"/>
+              <a:buChar char="•"/>
+            </a:pPr>
+            <a:r>
+              <a:rPr lang="en-US" altLang="ko-KR" sz="2400" dirty="0">
+                <a:solidFill>
+                  <a:srgbClr val="222222"/>
+                </a:solidFill>
+                <a:latin typeface="Arial Narrow" panose="020B0606020202030204" pitchFamily="34" charset="0"/>
+              </a:rPr>
+              <a:t>Overfitting</a:t>
+            </a:r>
+          </a:p>
+          <a:p>
+            <a:pPr marL="741600" lvl="1" indent="-284400">
+              <a:lnSpc>
+                <a:spcPct val="150000"/>
+              </a:lnSpc>
+              <a:buFont typeface="Arial" panose="020B0604020202020204" pitchFamily="34" charset="0"/>
+              <a:buChar char="•"/>
+            </a:pPr>
+            <a:r>
+              <a:rPr lang="en-US" altLang="ko-KR" sz="2000" dirty="0">
+                <a:solidFill>
+                  <a:srgbClr val="222222"/>
+                </a:solidFill>
+                <a:latin typeface="Arial Narrow" panose="020B0606020202030204" pitchFamily="34" charset="0"/>
+              </a:rPr>
+              <a:t>The production of an analysis that corresponds too closely or exactly to a particular set of data, and may therefore fail to fit to additional data or predict future observations reliably (wiki)</a:t>
+            </a:r>
+          </a:p>
+        </p:txBody>
+      </p:sp>
+      <p:sp>
+        <p:nvSpPr>
+          <p:cNvPr id="6" name="직사각형 5">
+            <a:extLst>
+              <a:ext uri="{FF2B5EF4-FFF2-40B4-BE49-F238E27FC236}">
+                <a16:creationId xmlns:a16="http://schemas.microsoft.com/office/drawing/2014/main" id="{6AE458C1-6B85-ECDF-7351-770B57E86129}"/>
+              </a:ext>
+            </a:extLst>
+          </p:cNvPr>
+          <p:cNvSpPr/>
+          <p:nvPr/>
+        </p:nvSpPr>
+        <p:spPr>
+          <a:xfrm>
+            <a:off x="299839" y="70603"/>
+            <a:ext cx="8544322" cy="657168"/>
+          </a:xfrm>
+          <a:prstGeom prst="rect">
+            <a:avLst/>
+          </a:prstGeom>
+        </p:spPr>
+        <p:txBody>
+          <a:bodyPr wrap="square">
+            <a:spAutoFit/>
+          </a:bodyPr>
+          <a:lstStyle/>
+          <a:p>
+            <a:pPr>
+              <a:lnSpc>
+                <a:spcPct val="150000"/>
+              </a:lnSpc>
+            </a:pPr>
+            <a:r>
+              <a:rPr lang="en-US" altLang="ko-KR" sz="2800" dirty="0">
+                <a:latin typeface="Arial Narrow" panose="020B0606020202030204" pitchFamily="34" charset="0"/>
+                <a:cs typeface="Times New Roman" panose="02020603050405020304" pitchFamily="18" charset="0"/>
+              </a:rPr>
+              <a:t>Understanding Overfitting</a:t>
+            </a:r>
+          </a:p>
+        </p:txBody>
+      </p:sp>
+      <p:pic>
+        <p:nvPicPr>
+          <p:cNvPr id="2050" name="Picture 2">
+            <a:extLst>
+              <a:ext uri="{FF2B5EF4-FFF2-40B4-BE49-F238E27FC236}">
+                <a16:creationId xmlns:a16="http://schemas.microsoft.com/office/drawing/2014/main" id="{072C8544-B2DC-01DA-A9B9-D87197603DBD}"/>
+              </a:ext>
+            </a:extLst>
+          </p:cNvPr>
+          <p:cNvPicPr>
+            <a:picLocks noChangeAspect="1" noChangeArrowheads="1"/>
+          </p:cNvPicPr>
+          <p:nvPr/>
+        </p:nvPicPr>
+        <p:blipFill>
+          <a:blip r:embed="rId3" cstate="print">
+            <a:extLst>
+              <a:ext uri="{28A0092B-C50C-407E-A947-70E740481C1C}">
+                <a14:useLocalDpi xmlns:a14="http://schemas.microsoft.com/office/drawing/2010/main" val="0"/>
+              </a:ext>
+            </a:extLst>
+          </a:blip>
+          <a:srcRect/>
+          <a:stretch>
+            <a:fillRect/>
+          </a:stretch>
+        </p:blipFill>
+        <p:spPr bwMode="auto">
+          <a:xfrm>
+            <a:off x="2682349" y="3429000"/>
+            <a:ext cx="2899712" cy="2899712"/>
+          </a:xfrm>
+          <a:prstGeom prst="rect">
+            <a:avLst/>
+          </a:prstGeom>
+          <a:noFill/>
+          <a:extLst>
+            <a:ext uri="{909E8E84-426E-40DD-AFC4-6F175D3DCCD1}">
+              <a14:hiddenFill xmlns:a14="http://schemas.microsoft.com/office/drawing/2010/main">
+                <a:solidFill>
+                  <a:srgbClr val="FFFFFF"/>
+                </a:solidFill>
+              </a14:hiddenFill>
+            </a:ext>
+          </a:extLst>
+        </p:spPr>
+      </p:pic>
+      <p:sp>
+        <p:nvSpPr>
+          <p:cNvPr id="2" name="TextBox 1">
+            <a:extLst>
+              <a:ext uri="{FF2B5EF4-FFF2-40B4-BE49-F238E27FC236}">
+                <a16:creationId xmlns:a16="http://schemas.microsoft.com/office/drawing/2014/main" id="{10DC557E-15BA-EE4A-5817-76DA52BAAA72}"/>
+              </a:ext>
+            </a:extLst>
+          </p:cNvPr>
+          <p:cNvSpPr txBox="1"/>
+          <p:nvPr/>
+        </p:nvSpPr>
+        <p:spPr>
+          <a:xfrm>
+            <a:off x="4525951" y="6510398"/>
+            <a:ext cx="4618049" cy="276999"/>
+          </a:xfrm>
+          <a:prstGeom prst="rect">
+            <a:avLst/>
+          </a:prstGeom>
+          <a:noFill/>
+        </p:spPr>
+        <p:txBody>
+          <a:bodyPr wrap="square">
+            <a:spAutoFit/>
+          </a:bodyPr>
+          <a:lstStyle/>
+          <a:p>
+            <a:r>
+              <a:rPr lang="en-US" altLang="ko-KR" sz="1200" dirty="0"/>
+              <a:t>https://en.wikipedia.org/wiki/Overfitting#/media/File:Overfitting.svg</a:t>
+            </a:r>
+            <a:endParaRPr lang="ko-KR" altLang="en-US" sz="1200" dirty="0"/>
+          </a:p>
+        </p:txBody>
+      </p:sp>
+      <p:sp>
+        <p:nvSpPr>
+          <p:cNvPr id="5" name="TextBox 4">
+            <a:extLst>
+              <a:ext uri="{FF2B5EF4-FFF2-40B4-BE49-F238E27FC236}">
+                <a16:creationId xmlns:a16="http://schemas.microsoft.com/office/drawing/2014/main" id="{0E89A3E4-4D18-F9A4-4DAA-6C322A0CC3A0}"/>
+              </a:ext>
+            </a:extLst>
+          </p:cNvPr>
+          <p:cNvSpPr txBox="1"/>
+          <p:nvPr/>
+        </p:nvSpPr>
+        <p:spPr>
+          <a:xfrm>
+            <a:off x="5634414" y="3808395"/>
+            <a:ext cx="2068912" cy="1351588"/>
+          </a:xfrm>
+          <a:prstGeom prst="rect">
+            <a:avLst/>
+          </a:prstGeom>
+          <a:noFill/>
+        </p:spPr>
+        <p:txBody>
+          <a:bodyPr wrap="square">
+            <a:spAutoFit/>
+          </a:bodyPr>
+          <a:lstStyle/>
+          <a:p>
+            <a:pPr>
+              <a:lnSpc>
+                <a:spcPct val="150000"/>
+              </a:lnSpc>
+            </a:pPr>
+            <a:r>
+              <a:rPr lang="en-US" altLang="ko-KR" sz="1400" dirty="0">
+                <a:solidFill>
+                  <a:srgbClr val="222222"/>
+                </a:solidFill>
+                <a:latin typeface="Arial Narrow" panose="020B0606020202030204" pitchFamily="34" charset="0"/>
+              </a:rPr>
+              <a:t>Black: excellent fit</a:t>
+            </a:r>
+          </a:p>
+          <a:p>
+            <a:pPr>
+              <a:lnSpc>
+                <a:spcPct val="150000"/>
+              </a:lnSpc>
+            </a:pPr>
+            <a:r>
+              <a:rPr lang="en-US" altLang="ko-KR" sz="1400" dirty="0">
+                <a:solidFill>
+                  <a:srgbClr val="222222"/>
+                </a:solidFill>
+                <a:latin typeface="Arial Narrow" panose="020B0606020202030204" pitchFamily="34" charset="0"/>
+              </a:rPr>
+              <a:t>Green: overfit </a:t>
+            </a:r>
+          </a:p>
+          <a:p>
+            <a:pPr>
+              <a:lnSpc>
+                <a:spcPct val="150000"/>
+              </a:lnSpc>
+            </a:pPr>
+            <a:r>
+              <a:rPr lang="en-US" altLang="ko-KR" sz="1400" dirty="0">
+                <a:solidFill>
+                  <a:srgbClr val="222222"/>
+                </a:solidFill>
+                <a:latin typeface="Arial Narrow" panose="020B0606020202030204" pitchFamily="34" charset="0"/>
+              </a:rPr>
+              <a:t>Yellow: underfit</a:t>
+            </a:r>
+          </a:p>
+          <a:p>
+            <a:pPr>
+              <a:lnSpc>
+                <a:spcPct val="150000"/>
+              </a:lnSpc>
+            </a:pPr>
+            <a:endParaRPr lang="ko-KR" altLang="en-US" sz="1400" dirty="0"/>
+          </a:p>
+        </p:txBody>
+      </p:sp>
+      <p:sp>
+        <p:nvSpPr>
+          <p:cNvPr id="9" name="자유형: 도형 8">
+            <a:extLst>
+              <a:ext uri="{FF2B5EF4-FFF2-40B4-BE49-F238E27FC236}">
+                <a16:creationId xmlns:a16="http://schemas.microsoft.com/office/drawing/2014/main" id="{12F94D23-73D1-6828-7477-9CDA1A65E52B}"/>
+              </a:ext>
+            </a:extLst>
+          </p:cNvPr>
+          <p:cNvSpPr/>
+          <p:nvPr/>
+        </p:nvSpPr>
+        <p:spPr>
+          <a:xfrm>
+            <a:off x="2948152" y="3512615"/>
+            <a:ext cx="1844566" cy="2732482"/>
+          </a:xfrm>
+          <a:custGeom>
+            <a:avLst/>
+            <a:gdLst>
+              <a:gd name="connsiteX0" fmla="*/ 0 w 1407782"/>
+              <a:gd name="connsiteY0" fmla="*/ 0 h 2697151"/>
+              <a:gd name="connsiteX1" fmla="*/ 263137 w 1407782"/>
+              <a:gd name="connsiteY1" fmla="*/ 855194 h 2697151"/>
+              <a:gd name="connsiteX2" fmla="*/ 1407782 w 1407782"/>
+              <a:gd name="connsiteY2" fmla="*/ 2697151 h 2697151"/>
+            </a:gdLst>
+            <a:ahLst/>
+            <a:cxnLst>
+              <a:cxn ang="0">
+                <a:pos x="connsiteX0" y="connsiteY0"/>
+              </a:cxn>
+              <a:cxn ang="0">
+                <a:pos x="connsiteX1" y="connsiteY1"/>
+              </a:cxn>
+              <a:cxn ang="0">
+                <a:pos x="connsiteX2" y="connsiteY2"/>
+              </a:cxn>
+            </a:cxnLst>
+            <a:rect l="l" t="t" r="r" b="b"/>
+            <a:pathLst>
+              <a:path w="1407782" h="2697151">
+                <a:moveTo>
+                  <a:pt x="0" y="0"/>
+                </a:moveTo>
+                <a:cubicBezTo>
+                  <a:pt x="14253" y="202834"/>
+                  <a:pt x="28507" y="405669"/>
+                  <a:pt x="263137" y="855194"/>
+                </a:cubicBezTo>
+                <a:cubicBezTo>
+                  <a:pt x="497767" y="1304719"/>
+                  <a:pt x="952774" y="2000935"/>
+                  <a:pt x="1407782" y="2697151"/>
+                </a:cubicBezTo>
+              </a:path>
+            </a:pathLst>
+          </a:custGeom>
+          <a:noFill/>
+          <a:ln w="25400">
+            <a:solidFill>
+              <a:schemeClr val="accent4"/>
+            </a:solidFill>
+          </a:ln>
+        </p:spPr>
+        <p:style>
+          <a:lnRef idx="2">
+            <a:schemeClr val="accent1">
+              <a:shade val="50000"/>
+            </a:schemeClr>
+          </a:lnRef>
+          <a:fillRef idx="1">
+            <a:schemeClr val="accent1"/>
+          </a:fillRef>
+          <a:effectRef idx="0">
+            <a:schemeClr val="accent1"/>
+          </a:effectRef>
+          <a:fontRef idx="minor">
+            <a:schemeClr val="lt1"/>
+          </a:fontRef>
+        </p:style>
+        <p:txBody>
+          <a:bodyPr rtlCol="0" anchor="ctr"/>
+          <a:lstStyle/>
+          <a:p>
+            <a:pPr algn="ctr"/>
+            <a:endParaRPr lang="ko-KR" altLang="en-US"/>
+          </a:p>
+        </p:txBody>
+      </p:sp>
+    </p:spTree>
+    <p:extLst>
+      <p:ext uri="{BB962C8B-B14F-4D97-AF65-F5344CB8AC3E}">
+        <p14:creationId xmlns:p14="http://schemas.microsoft.com/office/powerpoint/2010/main" val="4261853019"/>
+      </p:ext>
+    </p:extLst>
+  </p:cSld>
+  <p:clrMapOvr>
+    <a:masterClrMapping/>
+  </p:clrMapOvr>
+</p:sld>
+</file>
+
+<file path=ppt/slides/slide27.xml><?xml version="1.0" encoding="utf-8"?>
+<p:sld xmlns:a="http://schemas.openxmlformats.org/drawingml/2006/main" xmlns:r="http://schemas.openxmlformats.org/officeDocument/2006/relationships" xmlns:p="http://schemas.openxmlformats.org/presentationml/2006/main">
+  <p:cSld>
+    <p:spTree>
+      <p:nvGrpSpPr>
+        <p:cNvPr id="1" name=""/>
+        <p:cNvGrpSpPr/>
+        <p:nvPr/>
+      </p:nvGrpSpPr>
+      <p:grpSpPr>
+        <a:xfrm>
+          <a:off x="0" y="0"/>
+          <a:ext cx="0" cy="0"/>
+          <a:chOff x="0" y="0"/>
+          <a:chExt cx="0" cy="0"/>
+        </a:xfrm>
+      </p:grpSpPr>
+      <p:cxnSp>
+        <p:nvCxnSpPr>
+          <p:cNvPr id="36" name="직선 연결선 35"/>
+          <p:cNvCxnSpPr/>
+          <p:nvPr/>
+        </p:nvCxnSpPr>
+        <p:spPr>
+          <a:xfrm>
+            <a:off x="361950" y="857250"/>
+            <a:ext cx="5391150" cy="0"/>
+          </a:xfrm>
+          <a:prstGeom prst="line">
+            <a:avLst/>
+          </a:prstGeom>
+          <a:ln w="38100">
+            <a:solidFill>
+              <a:schemeClr val="accent2">
+                <a:alpha val="60000"/>
+              </a:schemeClr>
+            </a:solidFill>
+          </a:ln>
+        </p:spPr>
+        <p:style>
+          <a:lnRef idx="1">
+            <a:schemeClr val="accent1"/>
+          </a:lnRef>
+          <a:fillRef idx="0">
+            <a:schemeClr val="accent1"/>
+          </a:fillRef>
+          <a:effectRef idx="0">
+            <a:schemeClr val="accent1"/>
+          </a:effectRef>
+          <a:fontRef idx="minor">
+            <a:schemeClr val="tx1"/>
+          </a:fontRef>
+        </p:style>
+      </p:cxnSp>
+      <p:cxnSp>
+        <p:nvCxnSpPr>
+          <p:cNvPr id="37" name="직선 연결선 36"/>
+          <p:cNvCxnSpPr/>
+          <p:nvPr/>
+        </p:nvCxnSpPr>
+        <p:spPr>
+          <a:xfrm>
+            <a:off x="3257550" y="933450"/>
+            <a:ext cx="5391150" cy="0"/>
+          </a:xfrm>
+          <a:prstGeom prst="line">
+            <a:avLst/>
+          </a:prstGeom>
+          <a:ln w="38100">
+            <a:solidFill>
+              <a:schemeClr val="accent6">
+                <a:alpha val="60000"/>
+              </a:schemeClr>
+            </a:solidFill>
+          </a:ln>
+        </p:spPr>
+        <p:style>
+          <a:lnRef idx="1">
+            <a:schemeClr val="accent1"/>
+          </a:lnRef>
+          <a:fillRef idx="0">
+            <a:schemeClr val="accent1"/>
+          </a:fillRef>
+          <a:effectRef idx="0">
+            <a:schemeClr val="accent1"/>
+          </a:effectRef>
+          <a:fontRef idx="minor">
+            <a:schemeClr val="tx1"/>
+          </a:fontRef>
+        </p:style>
+      </p:cxnSp>
+      <p:sp>
+        <p:nvSpPr>
+          <p:cNvPr id="10" name="직사각형 9">
+            <a:extLst>
+              <a:ext uri="{FF2B5EF4-FFF2-40B4-BE49-F238E27FC236}">
+                <a16:creationId xmlns:a16="http://schemas.microsoft.com/office/drawing/2014/main" id="{9DC7D8DF-F1AC-5E24-6D05-87B8D3343A78}"/>
+              </a:ext>
+            </a:extLst>
+          </p:cNvPr>
+          <p:cNvSpPr/>
+          <p:nvPr/>
+        </p:nvSpPr>
+        <p:spPr>
+          <a:xfrm>
+            <a:off x="328771" y="1139130"/>
+            <a:ext cx="8742077" cy="1973104"/>
+          </a:xfrm>
+          <a:prstGeom prst="rect">
+            <a:avLst/>
+          </a:prstGeom>
+        </p:spPr>
+        <p:txBody>
+          <a:bodyPr wrap="square">
+            <a:spAutoFit/>
+          </a:bodyPr>
+          <a:lstStyle/>
+          <a:p>
+            <a:pPr marL="284400" indent="-284400">
+              <a:lnSpc>
+                <a:spcPct val="150000"/>
+              </a:lnSpc>
+              <a:buFont typeface="Arial" panose="020B0604020202020204" pitchFamily="34" charset="0"/>
+              <a:buChar char="•"/>
+            </a:pPr>
+            <a:r>
+              <a:rPr lang="en-US" altLang="ko-KR" sz="2400" dirty="0">
+                <a:solidFill>
+                  <a:srgbClr val="222222"/>
+                </a:solidFill>
+                <a:latin typeface="Arial Narrow" panose="020B0606020202030204" pitchFamily="34" charset="0"/>
+              </a:rPr>
+              <a:t>Overfitting</a:t>
+            </a:r>
+          </a:p>
+          <a:p>
+            <a:pPr marL="741600" lvl="1" indent="-284400">
+              <a:lnSpc>
+                <a:spcPct val="150000"/>
+              </a:lnSpc>
+              <a:buFont typeface="Arial" panose="020B0604020202020204" pitchFamily="34" charset="0"/>
+              <a:buChar char="•"/>
+            </a:pPr>
+            <a:r>
+              <a:rPr lang="en-US" altLang="ko-KR" sz="2000" dirty="0">
+                <a:solidFill>
+                  <a:srgbClr val="222222"/>
+                </a:solidFill>
+                <a:latin typeface="Arial Narrow" panose="020B0606020202030204" pitchFamily="34" charset="0"/>
+              </a:rPr>
+              <a:t>The production of an analysis that corresponds too closely or exactly to a particular set of data, and may therefore fail to fit to additional data or predict future observations reliably (wiki)</a:t>
+            </a:r>
+          </a:p>
+        </p:txBody>
+      </p:sp>
+      <p:sp>
+        <p:nvSpPr>
+          <p:cNvPr id="6" name="직사각형 5">
+            <a:extLst>
+              <a:ext uri="{FF2B5EF4-FFF2-40B4-BE49-F238E27FC236}">
+                <a16:creationId xmlns:a16="http://schemas.microsoft.com/office/drawing/2014/main" id="{6AE458C1-6B85-ECDF-7351-770B57E86129}"/>
+              </a:ext>
+            </a:extLst>
+          </p:cNvPr>
+          <p:cNvSpPr/>
+          <p:nvPr/>
+        </p:nvSpPr>
+        <p:spPr>
+          <a:xfrm>
+            <a:off x="299839" y="70603"/>
+            <a:ext cx="8544322" cy="657168"/>
+          </a:xfrm>
+          <a:prstGeom prst="rect">
+            <a:avLst/>
+          </a:prstGeom>
+        </p:spPr>
+        <p:txBody>
+          <a:bodyPr wrap="square">
+            <a:spAutoFit/>
+          </a:bodyPr>
+          <a:lstStyle/>
+          <a:p>
+            <a:pPr>
+              <a:lnSpc>
+                <a:spcPct val="150000"/>
+              </a:lnSpc>
+            </a:pPr>
+            <a:r>
+              <a:rPr lang="en-US" altLang="ko-KR" sz="2800" dirty="0">
+                <a:latin typeface="Arial Narrow" panose="020B0606020202030204" pitchFamily="34" charset="0"/>
+                <a:cs typeface="Times New Roman" panose="02020603050405020304" pitchFamily="18" charset="0"/>
+              </a:rPr>
+              <a:t>Understanding Overfitting</a:t>
+            </a:r>
+          </a:p>
+        </p:txBody>
+      </p:sp>
+      <p:sp>
+        <p:nvSpPr>
+          <p:cNvPr id="3" name="TextBox 2">
+            <a:extLst>
+              <a:ext uri="{FF2B5EF4-FFF2-40B4-BE49-F238E27FC236}">
+                <a16:creationId xmlns:a16="http://schemas.microsoft.com/office/drawing/2014/main" id="{4BB0F7C4-1411-5A4E-6442-045C47FF25D9}"/>
+              </a:ext>
+            </a:extLst>
+          </p:cNvPr>
+          <p:cNvSpPr txBox="1"/>
+          <p:nvPr/>
+        </p:nvSpPr>
+        <p:spPr>
+          <a:xfrm>
+            <a:off x="1979469" y="3909675"/>
+            <a:ext cx="4572000" cy="923330"/>
+          </a:xfrm>
+          <a:prstGeom prst="rect">
+            <a:avLst/>
+          </a:prstGeom>
+          <a:noFill/>
+        </p:spPr>
+        <p:txBody>
+          <a:bodyPr wrap="square">
+            <a:spAutoFit/>
+          </a:bodyPr>
+          <a:lstStyle/>
+          <a:p>
+            <a:r>
+              <a:rPr lang="en-US" altLang="ko-KR" dirty="0">
+                <a:hlinkClick r:id="rId3"/>
+              </a:rPr>
+              <a:t>https://colab.research.google.com/github/JunetaeKim/DeepLearningClass/blob/main/Week10/IntroOverfit.ipynb</a:t>
+            </a:r>
+            <a:endParaRPr lang="ko-KR" altLang="en-US" dirty="0"/>
+          </a:p>
+        </p:txBody>
+      </p:sp>
+    </p:spTree>
+    <p:extLst>
+      <p:ext uri="{BB962C8B-B14F-4D97-AF65-F5344CB8AC3E}">
+        <p14:creationId xmlns:p14="http://schemas.microsoft.com/office/powerpoint/2010/main" val="1663918560"/>
+      </p:ext>
+    </p:extLst>
+  </p:cSld>
+  <p:clrMapOvr>
+    <a:masterClrMapping/>
+  </p:clrMapOvr>
+</p:sld>
+</file>
+
+<file path=ppt/slides/slide28.xml><?xml version="1.0" encoding="utf-8"?>
+<p:sld xmlns:a="http://schemas.openxmlformats.org/drawingml/2006/main" xmlns:r="http://schemas.openxmlformats.org/officeDocument/2006/relationships" xmlns:p="http://schemas.openxmlformats.org/presentationml/2006/main">
+  <p:cSld>
+    <p:spTree>
+      <p:nvGrpSpPr>
+        <p:cNvPr id="1" name=""/>
+        <p:cNvGrpSpPr/>
+        <p:nvPr/>
+      </p:nvGrpSpPr>
+      <p:grpSpPr>
+        <a:xfrm>
+          <a:off x="0" y="0"/>
+          <a:ext cx="0" cy="0"/>
+          <a:chOff x="0" y="0"/>
+          <a:chExt cx="0" cy="0"/>
+        </a:xfrm>
+      </p:grpSpPr>
+      <p:cxnSp>
+        <p:nvCxnSpPr>
+          <p:cNvPr id="36" name="직선 연결선 35"/>
+          <p:cNvCxnSpPr/>
+          <p:nvPr/>
+        </p:nvCxnSpPr>
+        <p:spPr>
+          <a:xfrm>
+            <a:off x="361950" y="857250"/>
+            <a:ext cx="5391150" cy="0"/>
+          </a:xfrm>
+          <a:prstGeom prst="line">
+            <a:avLst/>
+          </a:prstGeom>
+          <a:ln w="38100">
+            <a:solidFill>
+              <a:schemeClr val="accent2">
+                <a:alpha val="60000"/>
+              </a:schemeClr>
+            </a:solidFill>
+          </a:ln>
+        </p:spPr>
+        <p:style>
+          <a:lnRef idx="1">
+            <a:schemeClr val="accent1"/>
+          </a:lnRef>
+          <a:fillRef idx="0">
+            <a:schemeClr val="accent1"/>
+          </a:fillRef>
+          <a:effectRef idx="0">
+            <a:schemeClr val="accent1"/>
+          </a:effectRef>
+          <a:fontRef idx="minor">
+            <a:schemeClr val="tx1"/>
+          </a:fontRef>
+        </p:style>
+      </p:cxnSp>
+      <p:cxnSp>
+        <p:nvCxnSpPr>
+          <p:cNvPr id="37" name="직선 연결선 36"/>
+          <p:cNvCxnSpPr/>
+          <p:nvPr/>
+        </p:nvCxnSpPr>
+        <p:spPr>
+          <a:xfrm>
+            <a:off x="3257550" y="933450"/>
+            <a:ext cx="5391150" cy="0"/>
+          </a:xfrm>
+          <a:prstGeom prst="line">
+            <a:avLst/>
+          </a:prstGeom>
+          <a:ln w="38100">
+            <a:solidFill>
+              <a:schemeClr val="accent6">
+                <a:alpha val="60000"/>
+              </a:schemeClr>
+            </a:solidFill>
+          </a:ln>
+        </p:spPr>
+        <p:style>
+          <a:lnRef idx="1">
+            <a:schemeClr val="accent1"/>
+          </a:lnRef>
+          <a:fillRef idx="0">
+            <a:schemeClr val="accent1"/>
+          </a:fillRef>
+          <a:effectRef idx="0">
+            <a:schemeClr val="accent1"/>
+          </a:effectRef>
+          <a:fontRef idx="minor">
+            <a:schemeClr val="tx1"/>
+          </a:fontRef>
+        </p:style>
+      </p:cxnSp>
+      <p:sp>
+        <p:nvSpPr>
+          <p:cNvPr id="10" name="직사각형 9">
+            <a:extLst>
+              <a:ext uri="{FF2B5EF4-FFF2-40B4-BE49-F238E27FC236}">
+                <a16:creationId xmlns:a16="http://schemas.microsoft.com/office/drawing/2014/main" id="{9DC7D8DF-F1AC-5E24-6D05-87B8D3343A78}"/>
+              </a:ext>
+            </a:extLst>
+          </p:cNvPr>
+          <p:cNvSpPr/>
+          <p:nvPr/>
+        </p:nvSpPr>
+        <p:spPr>
+          <a:xfrm>
+            <a:off x="328771" y="1139130"/>
+            <a:ext cx="8742077" cy="1973104"/>
+          </a:xfrm>
+          <a:prstGeom prst="rect">
+            <a:avLst/>
+          </a:prstGeom>
+        </p:spPr>
+        <p:txBody>
+          <a:bodyPr wrap="square">
+            <a:spAutoFit/>
+          </a:bodyPr>
+          <a:lstStyle/>
+          <a:p>
+            <a:pPr marL="284400" indent="-284400">
+              <a:lnSpc>
+                <a:spcPct val="150000"/>
+              </a:lnSpc>
+              <a:buFont typeface="Arial" panose="020B0604020202020204" pitchFamily="34" charset="0"/>
+              <a:buChar char="•"/>
+            </a:pPr>
+            <a:r>
+              <a:rPr lang="en-US" altLang="ko-KR" sz="2400" dirty="0">
+                <a:solidFill>
+                  <a:srgbClr val="222222"/>
+                </a:solidFill>
+                <a:latin typeface="Arial Narrow" panose="020B0606020202030204" pitchFamily="34" charset="0"/>
+              </a:rPr>
+              <a:t>When does the overfitting problem occur?</a:t>
+            </a:r>
+          </a:p>
+          <a:p>
+            <a:pPr marL="741600" lvl="1" indent="-284400">
+              <a:lnSpc>
+                <a:spcPct val="150000"/>
+              </a:lnSpc>
+              <a:buFont typeface="Arial" panose="020B0604020202020204" pitchFamily="34" charset="0"/>
+              <a:buChar char="•"/>
+            </a:pPr>
+            <a:r>
+              <a:rPr lang="en-US" altLang="ko-KR" sz="2000" dirty="0">
+                <a:solidFill>
+                  <a:srgbClr val="222222"/>
+                </a:solidFill>
+                <a:latin typeface="Arial Narrow" panose="020B0606020202030204" pitchFamily="34" charset="0"/>
+              </a:rPr>
+              <a:t>When the model structure is complex.</a:t>
+            </a:r>
+          </a:p>
+          <a:p>
+            <a:pPr marL="741600" lvl="1" indent="-284400">
+              <a:lnSpc>
+                <a:spcPct val="150000"/>
+              </a:lnSpc>
+              <a:buFont typeface="Arial" panose="020B0604020202020204" pitchFamily="34" charset="0"/>
+              <a:buChar char="•"/>
+            </a:pPr>
+            <a:endParaRPr lang="en-US" altLang="ko-KR" sz="2000" dirty="0">
+              <a:solidFill>
+                <a:srgbClr val="222222"/>
+              </a:solidFill>
+              <a:latin typeface="Arial Narrow" panose="020B0606020202030204" pitchFamily="34" charset="0"/>
+            </a:endParaRPr>
+          </a:p>
+          <a:p>
+            <a:pPr marL="741600" lvl="1" indent="-284400">
+              <a:lnSpc>
+                <a:spcPct val="150000"/>
+              </a:lnSpc>
+              <a:buFont typeface="Arial" panose="020B0604020202020204" pitchFamily="34" charset="0"/>
+              <a:buChar char="•"/>
+            </a:pPr>
+            <a:endParaRPr lang="en-US" altLang="ko-KR" sz="2000" dirty="0">
+              <a:solidFill>
+                <a:srgbClr val="222222"/>
+              </a:solidFill>
+              <a:latin typeface="Arial Narrow" panose="020B0606020202030204" pitchFamily="34" charset="0"/>
+            </a:endParaRPr>
+          </a:p>
+        </p:txBody>
+      </p:sp>
+      <p:sp>
+        <p:nvSpPr>
+          <p:cNvPr id="6" name="직사각형 5">
+            <a:extLst>
+              <a:ext uri="{FF2B5EF4-FFF2-40B4-BE49-F238E27FC236}">
+                <a16:creationId xmlns:a16="http://schemas.microsoft.com/office/drawing/2014/main" id="{6AE458C1-6B85-ECDF-7351-770B57E86129}"/>
+              </a:ext>
+            </a:extLst>
+          </p:cNvPr>
+          <p:cNvSpPr/>
+          <p:nvPr/>
+        </p:nvSpPr>
+        <p:spPr>
+          <a:xfrm>
+            <a:off x="299839" y="70603"/>
+            <a:ext cx="8544322" cy="657168"/>
+          </a:xfrm>
+          <a:prstGeom prst="rect">
+            <a:avLst/>
+          </a:prstGeom>
+        </p:spPr>
+        <p:txBody>
+          <a:bodyPr wrap="square">
+            <a:spAutoFit/>
+          </a:bodyPr>
+          <a:lstStyle/>
+          <a:p>
+            <a:pPr>
+              <a:lnSpc>
+                <a:spcPct val="150000"/>
+              </a:lnSpc>
+            </a:pPr>
+            <a:r>
+              <a:rPr lang="en-US" altLang="ko-KR" sz="2800" dirty="0">
+                <a:latin typeface="Arial Narrow" panose="020B0606020202030204" pitchFamily="34" charset="0"/>
+                <a:cs typeface="Times New Roman" panose="02020603050405020304" pitchFamily="18" charset="0"/>
+              </a:rPr>
+              <a:t>Understanding Overfitting</a:t>
+            </a:r>
+          </a:p>
+        </p:txBody>
+      </p:sp>
+      <p:sp>
+        <p:nvSpPr>
+          <p:cNvPr id="2" name="TextBox 1">
+            <a:extLst>
+              <a:ext uri="{FF2B5EF4-FFF2-40B4-BE49-F238E27FC236}">
+                <a16:creationId xmlns:a16="http://schemas.microsoft.com/office/drawing/2014/main" id="{10DC557E-15BA-EE4A-5817-76DA52BAAA72}"/>
+              </a:ext>
+            </a:extLst>
+          </p:cNvPr>
+          <p:cNvSpPr txBox="1"/>
+          <p:nvPr/>
+        </p:nvSpPr>
+        <p:spPr>
+          <a:xfrm>
+            <a:off x="3397469" y="6396335"/>
+            <a:ext cx="5746531" cy="461665"/>
+          </a:xfrm>
+          <a:prstGeom prst="rect">
+            <a:avLst/>
+          </a:prstGeom>
+          <a:noFill/>
+        </p:spPr>
+        <p:txBody>
+          <a:bodyPr wrap="square">
+            <a:spAutoFit/>
+          </a:bodyPr>
+          <a:lstStyle/>
+          <a:p>
+            <a:r>
+              <a:rPr lang="en-US" altLang="ko-KR" sz="1200" dirty="0"/>
+              <a:t>https://image.jimcdn.com/app/cms/image/transf/dimension=1920x400:format=png/path/s8ff3310143614e07/image/i21af0dd4f2772075/version/1550368786/image.png</a:t>
+            </a:r>
+            <a:endParaRPr lang="ko-KR" altLang="en-US" sz="1200" dirty="0"/>
+          </a:p>
+        </p:txBody>
+      </p:sp>
+      <p:pic>
+        <p:nvPicPr>
+          <p:cNvPr id="3074" name="Picture 2" descr="Overfitting, bias-variance and learning curves - rmartinshort">
+            <a:extLst>
+              <a:ext uri="{FF2B5EF4-FFF2-40B4-BE49-F238E27FC236}">
+                <a16:creationId xmlns:a16="http://schemas.microsoft.com/office/drawing/2014/main" id="{2754319B-E0FB-0F0D-1870-B459EEC61566}"/>
+              </a:ext>
+            </a:extLst>
+          </p:cNvPr>
+          <p:cNvPicPr>
+            <a:picLocks noChangeAspect="1" noChangeArrowheads="1"/>
+          </p:cNvPicPr>
+          <p:nvPr/>
+        </p:nvPicPr>
+        <p:blipFill>
+          <a:blip r:embed="rId3">
+            <a:extLst>
+              <a:ext uri="{28A0092B-C50C-407E-A947-70E740481C1C}">
+                <a14:useLocalDpi xmlns:a14="http://schemas.microsoft.com/office/drawing/2010/main" val="0"/>
+              </a:ext>
+            </a:extLst>
+          </a:blip>
+          <a:srcRect/>
+          <a:stretch>
+            <a:fillRect/>
+          </a:stretch>
+        </p:blipFill>
+        <p:spPr bwMode="auto">
+          <a:xfrm>
+            <a:off x="479206" y="2657805"/>
+            <a:ext cx="7301077" cy="3195220"/>
+          </a:xfrm>
+          <a:prstGeom prst="rect">
+            <a:avLst/>
+          </a:prstGeom>
+          <a:noFill/>
+          <a:extLst>
+            <a:ext uri="{909E8E84-426E-40DD-AFC4-6F175D3DCCD1}">
+              <a14:hiddenFill xmlns:a14="http://schemas.microsoft.com/office/drawing/2010/main">
+                <a:solidFill>
+                  <a:srgbClr val="FFFFFF"/>
+                </a:solidFill>
+              </a14:hiddenFill>
+            </a:ext>
+          </a:extLst>
+        </p:spPr>
+      </p:pic>
+    </p:spTree>
+    <p:extLst>
+      <p:ext uri="{BB962C8B-B14F-4D97-AF65-F5344CB8AC3E}">
+        <p14:creationId xmlns:p14="http://schemas.microsoft.com/office/powerpoint/2010/main" val="3497652926"/>
+      </p:ext>
+    </p:extLst>
+  </p:cSld>
+  <p:clrMapOvr>
+    <a:masterClrMapping/>
+  </p:clrMapOvr>
+</p:sld>
+</file>
+
+<file path=ppt/slides/slide29.xml><?xml version="1.0" encoding="utf-8"?>
+<p:sld xmlns:a="http://schemas.openxmlformats.org/drawingml/2006/main" xmlns:r="http://schemas.openxmlformats.org/officeDocument/2006/relationships" xmlns:p="http://schemas.openxmlformats.org/presentationml/2006/main">
+  <p:cSld>
+    <p:spTree>
+      <p:nvGrpSpPr>
+        <p:cNvPr id="1" name=""/>
+        <p:cNvGrpSpPr/>
+        <p:nvPr/>
+      </p:nvGrpSpPr>
+      <p:grpSpPr>
+        <a:xfrm>
+          <a:off x="0" y="0"/>
+          <a:ext cx="0" cy="0"/>
+          <a:chOff x="0" y="0"/>
+          <a:chExt cx="0" cy="0"/>
+        </a:xfrm>
+      </p:grpSpPr>
+      <p:cxnSp>
+        <p:nvCxnSpPr>
+          <p:cNvPr id="36" name="직선 연결선 35"/>
+          <p:cNvCxnSpPr/>
+          <p:nvPr/>
+        </p:nvCxnSpPr>
+        <p:spPr>
+          <a:xfrm>
+            <a:off x="361950" y="857250"/>
+            <a:ext cx="5391150" cy="0"/>
+          </a:xfrm>
+          <a:prstGeom prst="line">
+            <a:avLst/>
+          </a:prstGeom>
+          <a:ln w="38100">
+            <a:solidFill>
+              <a:schemeClr val="accent2">
+                <a:alpha val="60000"/>
+              </a:schemeClr>
+            </a:solidFill>
+          </a:ln>
+        </p:spPr>
+        <p:style>
+          <a:lnRef idx="1">
+            <a:schemeClr val="accent1"/>
+          </a:lnRef>
+          <a:fillRef idx="0">
+            <a:schemeClr val="accent1"/>
+          </a:fillRef>
+          <a:effectRef idx="0">
+            <a:schemeClr val="accent1"/>
+          </a:effectRef>
+          <a:fontRef idx="minor">
+            <a:schemeClr val="tx1"/>
+          </a:fontRef>
+        </p:style>
+      </p:cxnSp>
+      <p:cxnSp>
+        <p:nvCxnSpPr>
+          <p:cNvPr id="37" name="직선 연결선 36"/>
+          <p:cNvCxnSpPr/>
+          <p:nvPr/>
+        </p:nvCxnSpPr>
+        <p:spPr>
+          <a:xfrm>
+            <a:off x="3257550" y="933450"/>
+            <a:ext cx="5391150" cy="0"/>
+          </a:xfrm>
+          <a:prstGeom prst="line">
+            <a:avLst/>
+          </a:prstGeom>
+          <a:ln w="38100">
+            <a:solidFill>
+              <a:schemeClr val="accent6">
+                <a:alpha val="60000"/>
+              </a:schemeClr>
+            </a:solidFill>
+          </a:ln>
+        </p:spPr>
+        <p:style>
+          <a:lnRef idx="1">
+            <a:schemeClr val="accent1"/>
+          </a:lnRef>
+          <a:fillRef idx="0">
+            <a:schemeClr val="accent1"/>
+          </a:fillRef>
+          <a:effectRef idx="0">
+            <a:schemeClr val="accent1"/>
+          </a:effectRef>
+          <a:fontRef idx="minor">
+            <a:schemeClr val="tx1"/>
+          </a:fontRef>
+        </p:style>
+      </p:cxnSp>
+      <p:sp>
+        <p:nvSpPr>
+          <p:cNvPr id="10" name="직사각형 9">
+            <a:extLst>
+              <a:ext uri="{FF2B5EF4-FFF2-40B4-BE49-F238E27FC236}">
+                <a16:creationId xmlns:a16="http://schemas.microsoft.com/office/drawing/2014/main" id="{9DC7D8DF-F1AC-5E24-6D05-87B8D3343A78}"/>
+              </a:ext>
+            </a:extLst>
+          </p:cNvPr>
+          <p:cNvSpPr/>
+          <p:nvPr/>
+        </p:nvSpPr>
+        <p:spPr>
+          <a:xfrm>
+            <a:off x="328771" y="1139130"/>
+            <a:ext cx="8742077" cy="1973104"/>
+          </a:xfrm>
+          <a:prstGeom prst="rect">
+            <a:avLst/>
+          </a:prstGeom>
+        </p:spPr>
+        <p:txBody>
+          <a:bodyPr wrap="square">
+            <a:spAutoFit/>
+          </a:bodyPr>
+          <a:lstStyle/>
+          <a:p>
+            <a:pPr marL="284400" indent="-284400">
+              <a:lnSpc>
+                <a:spcPct val="150000"/>
+              </a:lnSpc>
+              <a:buFont typeface="Arial" panose="020B0604020202020204" pitchFamily="34" charset="0"/>
+              <a:buChar char="•"/>
+            </a:pPr>
+            <a:r>
+              <a:rPr lang="en-US" altLang="ko-KR" sz="2400" dirty="0">
+                <a:solidFill>
+                  <a:srgbClr val="222222"/>
+                </a:solidFill>
+                <a:latin typeface="Arial Narrow" panose="020B0606020202030204" pitchFamily="34" charset="0"/>
+              </a:rPr>
+              <a:t>When does the overfitting problem occur?</a:t>
+            </a:r>
+          </a:p>
+          <a:p>
+            <a:pPr marL="741600" lvl="1" indent="-284400">
+              <a:lnSpc>
+                <a:spcPct val="150000"/>
+              </a:lnSpc>
+              <a:buFont typeface="Arial" panose="020B0604020202020204" pitchFamily="34" charset="0"/>
+              <a:buChar char="•"/>
+            </a:pPr>
+            <a:r>
+              <a:rPr lang="en-US" altLang="ko-KR" sz="2000" dirty="0">
+                <a:solidFill>
+                  <a:srgbClr val="222222"/>
+                </a:solidFill>
+                <a:latin typeface="Arial Narrow" panose="020B0606020202030204" pitchFamily="34" charset="0"/>
+              </a:rPr>
+              <a:t>When data is insufficient</a:t>
+            </a:r>
+          </a:p>
+          <a:p>
+            <a:pPr marL="741600" lvl="1" indent="-284400">
+              <a:lnSpc>
+                <a:spcPct val="150000"/>
+              </a:lnSpc>
+              <a:buFont typeface="Arial" panose="020B0604020202020204" pitchFamily="34" charset="0"/>
+              <a:buChar char="•"/>
+            </a:pPr>
+            <a:endParaRPr lang="en-US" altLang="ko-KR" sz="2000" dirty="0">
+              <a:solidFill>
+                <a:srgbClr val="222222"/>
+              </a:solidFill>
+              <a:latin typeface="Arial Narrow" panose="020B0606020202030204" pitchFamily="34" charset="0"/>
+            </a:endParaRPr>
+          </a:p>
+          <a:p>
+            <a:pPr marL="741600" lvl="1" indent="-284400">
+              <a:lnSpc>
+                <a:spcPct val="150000"/>
+              </a:lnSpc>
+              <a:buFont typeface="Arial" panose="020B0604020202020204" pitchFamily="34" charset="0"/>
+              <a:buChar char="•"/>
+            </a:pPr>
+            <a:endParaRPr lang="en-US" altLang="ko-KR" sz="2000" dirty="0">
+              <a:solidFill>
+                <a:srgbClr val="222222"/>
+              </a:solidFill>
+              <a:latin typeface="Arial Narrow" panose="020B0606020202030204" pitchFamily="34" charset="0"/>
+            </a:endParaRPr>
+          </a:p>
+        </p:txBody>
+      </p:sp>
+      <p:sp>
+        <p:nvSpPr>
+          <p:cNvPr id="6" name="직사각형 5">
+            <a:extLst>
+              <a:ext uri="{FF2B5EF4-FFF2-40B4-BE49-F238E27FC236}">
+                <a16:creationId xmlns:a16="http://schemas.microsoft.com/office/drawing/2014/main" id="{6AE458C1-6B85-ECDF-7351-770B57E86129}"/>
+              </a:ext>
+            </a:extLst>
+          </p:cNvPr>
+          <p:cNvSpPr/>
+          <p:nvPr/>
+        </p:nvSpPr>
+        <p:spPr>
+          <a:xfrm>
+            <a:off x="299839" y="70603"/>
+            <a:ext cx="8544322" cy="657168"/>
+          </a:xfrm>
+          <a:prstGeom prst="rect">
+            <a:avLst/>
+          </a:prstGeom>
+        </p:spPr>
+        <p:txBody>
+          <a:bodyPr wrap="square">
+            <a:spAutoFit/>
+          </a:bodyPr>
+          <a:lstStyle/>
+          <a:p>
+            <a:pPr>
+              <a:lnSpc>
+                <a:spcPct val="150000"/>
+              </a:lnSpc>
+            </a:pPr>
+            <a:r>
+              <a:rPr lang="en-US" altLang="ko-KR" sz="2800" dirty="0">
+                <a:latin typeface="Arial Narrow" panose="020B0606020202030204" pitchFamily="34" charset="0"/>
+                <a:cs typeface="Times New Roman" panose="02020603050405020304" pitchFamily="18" charset="0"/>
+              </a:rPr>
+              <a:t>Understanding Overfitting</a:t>
+            </a:r>
+          </a:p>
+        </p:txBody>
+      </p:sp>
+      <p:sp>
+        <p:nvSpPr>
+          <p:cNvPr id="2" name="TextBox 1">
+            <a:extLst>
+              <a:ext uri="{FF2B5EF4-FFF2-40B4-BE49-F238E27FC236}">
+                <a16:creationId xmlns:a16="http://schemas.microsoft.com/office/drawing/2014/main" id="{10DC557E-15BA-EE4A-5817-76DA52BAAA72}"/>
+              </a:ext>
+            </a:extLst>
+          </p:cNvPr>
+          <p:cNvSpPr txBox="1"/>
+          <p:nvPr/>
+        </p:nvSpPr>
+        <p:spPr>
+          <a:xfrm>
+            <a:off x="3397469" y="6396335"/>
+            <a:ext cx="5746531" cy="276999"/>
+          </a:xfrm>
+          <a:prstGeom prst="rect">
+            <a:avLst/>
+          </a:prstGeom>
+          <a:noFill/>
+        </p:spPr>
+        <p:txBody>
+          <a:bodyPr wrap="square">
+            <a:spAutoFit/>
+          </a:bodyPr>
+          <a:lstStyle/>
+          <a:p>
+            <a:r>
+              <a:rPr lang="en-US" altLang="ko-KR" sz="1200" dirty="0"/>
+              <a:t>https://blog.kakaocdn.net/dn/bsNLy6/btq4bBRDhgu/pt8cbOq1e9pkalI695QnTK/img.png</a:t>
+            </a:r>
+            <a:endParaRPr lang="ko-KR" altLang="en-US" sz="1200" dirty="0"/>
+          </a:p>
+        </p:txBody>
+      </p:sp>
+      <p:pic>
+        <p:nvPicPr>
+          <p:cNvPr id="4" name="그림 3">
+            <a:extLst>
+              <a:ext uri="{FF2B5EF4-FFF2-40B4-BE49-F238E27FC236}">
+                <a16:creationId xmlns:a16="http://schemas.microsoft.com/office/drawing/2014/main" id="{13CED178-2D62-9B89-43C1-C6BBA86C8991}"/>
+              </a:ext>
+            </a:extLst>
+          </p:cNvPr>
+          <p:cNvPicPr>
+            <a:picLocks noChangeAspect="1"/>
+          </p:cNvPicPr>
+          <p:nvPr/>
+        </p:nvPicPr>
+        <p:blipFill>
+          <a:blip r:embed="rId3"/>
+          <a:stretch>
+            <a:fillRect/>
+          </a:stretch>
+        </p:blipFill>
+        <p:spPr>
+          <a:xfrm>
+            <a:off x="1049016" y="2616935"/>
+            <a:ext cx="6421871" cy="3305804"/>
+          </a:xfrm>
+          <a:prstGeom prst="rect">
+            <a:avLst/>
+          </a:prstGeom>
+        </p:spPr>
+      </p:pic>
+    </p:spTree>
+    <p:extLst>
+      <p:ext uri="{BB962C8B-B14F-4D97-AF65-F5344CB8AC3E}">
+        <p14:creationId xmlns:p14="http://schemas.microsoft.com/office/powerpoint/2010/main" val="2392127345"/>
       </p:ext>
     </p:extLst>
   </p:cSld>
@@ -27614,6 +29990,86 @@
     <p:extLst>
       <p:ext uri="{BB962C8B-B14F-4D97-AF65-F5344CB8AC3E}">
         <p14:creationId xmlns:p14="http://schemas.microsoft.com/office/powerpoint/2010/main" val="808935537"/>
+      </p:ext>
+    </p:extLst>
+  </p:cSld>
+  <p:clrMapOvr>
+    <a:masterClrMapping/>
+  </p:clrMapOvr>
+</p:sld>
+</file>
+
+<file path=ppt/slides/slide30.xml><?xml version="1.0" encoding="utf-8"?>
+<p:sld xmlns:a="http://schemas.openxmlformats.org/drawingml/2006/main" xmlns:r="http://schemas.openxmlformats.org/officeDocument/2006/relationships" xmlns:p="http://schemas.openxmlformats.org/presentationml/2006/main">
+  <p:cSld>
+    <p:spTree>
+      <p:nvGrpSpPr>
+        <p:cNvPr id="1" name=""/>
+        <p:cNvGrpSpPr/>
+        <p:nvPr/>
+      </p:nvGrpSpPr>
+      <p:grpSpPr>
+        <a:xfrm>
+          <a:off x="0" y="0"/>
+          <a:ext cx="0" cy="0"/>
+          <a:chOff x="0" y="0"/>
+          <a:chExt cx="0" cy="0"/>
+        </a:xfrm>
+      </p:grpSpPr>
+      <p:sp>
+        <p:nvSpPr>
+          <p:cNvPr id="2" name="제목 1">
+            <a:extLst>
+              <a:ext uri="{FF2B5EF4-FFF2-40B4-BE49-F238E27FC236}">
+                <a16:creationId xmlns:a16="http://schemas.microsoft.com/office/drawing/2014/main" id="{88F3FAA6-D151-5824-A7D9-E01B72498453}"/>
+              </a:ext>
+            </a:extLst>
+          </p:cNvPr>
+          <p:cNvSpPr>
+            <a:spLocks noGrp="1"/>
+          </p:cNvSpPr>
+          <p:nvPr>
+            <p:ph type="title"/>
+          </p:nvPr>
+        </p:nvSpPr>
+        <p:spPr/>
+        <p:txBody>
+          <a:bodyPr/>
+          <a:lstStyle/>
+          <a:p>
+            <a:endParaRPr lang="ko-KR" altLang="en-US"/>
+          </a:p>
+        </p:txBody>
+      </p:sp>
+      <p:sp>
+        <p:nvSpPr>
+          <p:cNvPr id="3" name="내용 개체 틀 2">
+            <a:extLst>
+              <a:ext uri="{FF2B5EF4-FFF2-40B4-BE49-F238E27FC236}">
+                <a16:creationId xmlns:a16="http://schemas.microsoft.com/office/drawing/2014/main" id="{1B4BA5D7-6139-ADF2-A469-E3893EF87664}"/>
+              </a:ext>
+            </a:extLst>
+          </p:cNvPr>
+          <p:cNvSpPr>
+            <a:spLocks noGrp="1"/>
+          </p:cNvSpPr>
+          <p:nvPr>
+            <p:ph idx="1"/>
+          </p:nvPr>
+        </p:nvSpPr>
+        <p:spPr/>
+        <p:txBody>
+          <a:bodyPr/>
+          <a:lstStyle/>
+          <a:p>
+            <a:endParaRPr lang="ko-KR" altLang="en-US"/>
+          </a:p>
+        </p:txBody>
+      </p:sp>
+    </p:spTree>
+    <p:extLst>
+      <p:ext uri="{BB962C8B-B14F-4D97-AF65-F5344CB8AC3E}">
+        <p14:creationId xmlns:p14="http://schemas.microsoft.com/office/powerpoint/2010/main" val="599154556"/>
       </p:ext>
     </p:extLst>
   </p:cSld>

--- a/Week10/week10 Introduction to tensorflow.pptx
+++ b/Week10/week10 Introduction to tensorflow.pptx
@@ -5,10 +5,10 @@
     <p:sldMasterId id="2147483660" r:id="rId1"/>
   </p:sldMasterIdLst>
   <p:notesMasterIdLst>
-    <p:notesMasterId r:id="rId32"/>
+    <p:notesMasterId r:id="rId41"/>
   </p:notesMasterIdLst>
   <p:handoutMasterIdLst>
-    <p:handoutMasterId r:id="rId33"/>
+    <p:handoutMasterId r:id="rId42"/>
   </p:handoutMasterIdLst>
   <p:sldIdLst>
     <p:sldId id="265" r:id="rId2"/>
@@ -37,10 +37,19 @@
     <p:sldId id="655" r:id="rId25"/>
     <p:sldId id="656" r:id="rId26"/>
     <p:sldId id="657" r:id="rId27"/>
-    <p:sldId id="660" r:id="rId28"/>
-    <p:sldId id="658" r:id="rId29"/>
-    <p:sldId id="659" r:id="rId30"/>
-    <p:sldId id="636" r:id="rId31"/>
+    <p:sldId id="662" r:id="rId28"/>
+    <p:sldId id="663" r:id="rId29"/>
+    <p:sldId id="665" r:id="rId30"/>
+    <p:sldId id="660" r:id="rId31"/>
+    <p:sldId id="666" r:id="rId32"/>
+    <p:sldId id="658" r:id="rId33"/>
+    <p:sldId id="661" r:id="rId34"/>
+    <p:sldId id="659" r:id="rId35"/>
+    <p:sldId id="664" r:id="rId36"/>
+    <p:sldId id="667" r:id="rId37"/>
+    <p:sldId id="668" r:id="rId38"/>
+    <p:sldId id="669" r:id="rId39"/>
+    <p:sldId id="636" r:id="rId40"/>
   </p:sldIdLst>
   <p:sldSz cx="9144000" cy="6858000" type="screen4x3"/>
   <p:notesSz cx="6797675" cy="9874250"/>
@@ -2270,7 +2279,7 @@
     </p:spTree>
     <p:extLst>
       <p:ext uri="{BB962C8B-B14F-4D97-AF65-F5344CB8AC3E}">
-        <p14:creationId xmlns:p14="http://schemas.microsoft.com/office/powerpoint/2010/main" val="1027110176"/>
+        <p14:creationId xmlns:p14="http://schemas.microsoft.com/office/powerpoint/2010/main" val="300968650"/>
       </p:ext>
     </p:extLst>
   </p:cSld>
@@ -2354,7 +2363,7 @@
     </p:spTree>
     <p:extLst>
       <p:ext uri="{BB962C8B-B14F-4D97-AF65-F5344CB8AC3E}">
-        <p14:creationId xmlns:p14="http://schemas.microsoft.com/office/powerpoint/2010/main" val="2369343097"/>
+        <p14:creationId xmlns:p14="http://schemas.microsoft.com/office/powerpoint/2010/main" val="3054171292"/>
       </p:ext>
     </p:extLst>
   </p:cSld>
@@ -2438,7 +2447,91 @@
     </p:spTree>
     <p:extLst>
       <p:ext uri="{BB962C8B-B14F-4D97-AF65-F5344CB8AC3E}">
-        <p14:creationId xmlns:p14="http://schemas.microsoft.com/office/powerpoint/2010/main" val="633219828"/>
+        <p14:creationId xmlns:p14="http://schemas.microsoft.com/office/powerpoint/2010/main" val="1973389436"/>
+      </p:ext>
+    </p:extLst>
+  </p:cSld>
+  <p:clrMapOvr>
+    <a:masterClrMapping/>
+  </p:clrMapOvr>
+</p:notes>
+</file>
+
+<file path=ppt/notesSlides/notesSlide29.xml><?xml version="1.0" encoding="utf-8"?>
+<p:notes xmlns:a="http://schemas.openxmlformats.org/drawingml/2006/main" xmlns:r="http://schemas.openxmlformats.org/officeDocument/2006/relationships" xmlns:p="http://schemas.openxmlformats.org/presentationml/2006/main">
+  <p:cSld>
+    <p:spTree>
+      <p:nvGrpSpPr>
+        <p:cNvPr id="1" name=""/>
+        <p:cNvGrpSpPr/>
+        <p:nvPr/>
+      </p:nvGrpSpPr>
+      <p:grpSpPr>
+        <a:xfrm>
+          <a:off x="0" y="0"/>
+          <a:ext cx="0" cy="0"/>
+          <a:chOff x="0" y="0"/>
+          <a:chExt cx="0" cy="0"/>
+        </a:xfrm>
+      </p:grpSpPr>
+      <p:sp>
+        <p:nvSpPr>
+          <p:cNvPr id="2" name="슬라이드 이미지 개체 틀 1"/>
+          <p:cNvSpPr>
+            <a:spLocks noGrp="1" noRot="1" noChangeAspect="1"/>
+          </p:cNvSpPr>
+          <p:nvPr>
+            <p:ph type="sldImg"/>
+          </p:nvPr>
+        </p:nvSpPr>
+        <p:spPr/>
+      </p:sp>
+      <p:sp>
+        <p:nvSpPr>
+          <p:cNvPr id="3" name="슬라이드 노트 개체 틀 2"/>
+          <p:cNvSpPr>
+            <a:spLocks noGrp="1"/>
+          </p:cNvSpPr>
+          <p:nvPr>
+            <p:ph type="body" idx="1"/>
+          </p:nvPr>
+        </p:nvSpPr>
+        <p:spPr/>
+        <p:txBody>
+          <a:bodyPr/>
+          <a:lstStyle/>
+          <a:p>
+            <a:endParaRPr lang="ko-KR" altLang="en-US" dirty="0"/>
+          </a:p>
+        </p:txBody>
+      </p:sp>
+      <p:sp>
+        <p:nvSpPr>
+          <p:cNvPr id="4" name="슬라이드 번호 개체 틀 3"/>
+          <p:cNvSpPr>
+            <a:spLocks noGrp="1"/>
+          </p:cNvSpPr>
+          <p:nvPr>
+            <p:ph type="sldNum" sz="quarter" idx="10"/>
+          </p:nvPr>
+        </p:nvSpPr>
+        <p:spPr/>
+        <p:txBody>
+          <a:bodyPr/>
+          <a:lstStyle/>
+          <a:p>
+            <a:fld id="{AE7DD7B4-6F0D-4FE3-8660-A7DE31D2AD67}" type="slidenum">
+              <a:rPr lang="ko-KR" altLang="en-US" smtClean="0"/>
+              <a:t>30</a:t>
+            </a:fld>
+            <a:endParaRPr lang="ko-KR" altLang="en-US"/>
+          </a:p>
+        </p:txBody>
+      </p:sp>
+    </p:spTree>
+    <p:extLst>
+      <p:ext uri="{BB962C8B-B14F-4D97-AF65-F5344CB8AC3E}">
+        <p14:creationId xmlns:p14="http://schemas.microsoft.com/office/powerpoint/2010/main" val="1027110176"/>
       </p:ext>
     </p:extLst>
   </p:cSld>
@@ -2523,6 +2616,678 @@
     <p:extLst>
       <p:ext uri="{BB962C8B-B14F-4D97-AF65-F5344CB8AC3E}">
         <p14:creationId xmlns:p14="http://schemas.microsoft.com/office/powerpoint/2010/main" val="1954162780"/>
+      </p:ext>
+    </p:extLst>
+  </p:cSld>
+  <p:clrMapOvr>
+    <a:masterClrMapping/>
+  </p:clrMapOvr>
+</p:notes>
+</file>
+
+<file path=ppt/notesSlides/notesSlide30.xml><?xml version="1.0" encoding="utf-8"?>
+<p:notes xmlns:a="http://schemas.openxmlformats.org/drawingml/2006/main" xmlns:r="http://schemas.openxmlformats.org/officeDocument/2006/relationships" xmlns:p="http://schemas.openxmlformats.org/presentationml/2006/main">
+  <p:cSld>
+    <p:spTree>
+      <p:nvGrpSpPr>
+        <p:cNvPr id="1" name=""/>
+        <p:cNvGrpSpPr/>
+        <p:nvPr/>
+      </p:nvGrpSpPr>
+      <p:grpSpPr>
+        <a:xfrm>
+          <a:off x="0" y="0"/>
+          <a:ext cx="0" cy="0"/>
+          <a:chOff x="0" y="0"/>
+          <a:chExt cx="0" cy="0"/>
+        </a:xfrm>
+      </p:grpSpPr>
+      <p:sp>
+        <p:nvSpPr>
+          <p:cNvPr id="2" name="슬라이드 이미지 개체 틀 1"/>
+          <p:cNvSpPr>
+            <a:spLocks noGrp="1" noRot="1" noChangeAspect="1"/>
+          </p:cNvSpPr>
+          <p:nvPr>
+            <p:ph type="sldImg"/>
+          </p:nvPr>
+        </p:nvSpPr>
+        <p:spPr/>
+      </p:sp>
+      <p:sp>
+        <p:nvSpPr>
+          <p:cNvPr id="3" name="슬라이드 노트 개체 틀 2"/>
+          <p:cNvSpPr>
+            <a:spLocks noGrp="1"/>
+          </p:cNvSpPr>
+          <p:nvPr>
+            <p:ph type="body" idx="1"/>
+          </p:nvPr>
+        </p:nvSpPr>
+        <p:spPr/>
+        <p:txBody>
+          <a:bodyPr/>
+          <a:lstStyle/>
+          <a:p>
+            <a:endParaRPr lang="ko-KR" altLang="en-US" dirty="0"/>
+          </a:p>
+        </p:txBody>
+      </p:sp>
+      <p:sp>
+        <p:nvSpPr>
+          <p:cNvPr id="4" name="슬라이드 번호 개체 틀 3"/>
+          <p:cNvSpPr>
+            <a:spLocks noGrp="1"/>
+          </p:cNvSpPr>
+          <p:nvPr>
+            <p:ph type="sldNum" sz="quarter" idx="10"/>
+          </p:nvPr>
+        </p:nvSpPr>
+        <p:spPr/>
+        <p:txBody>
+          <a:bodyPr/>
+          <a:lstStyle/>
+          <a:p>
+            <a:fld id="{AE7DD7B4-6F0D-4FE3-8660-A7DE31D2AD67}" type="slidenum">
+              <a:rPr lang="ko-KR" altLang="en-US" smtClean="0"/>
+              <a:t>31</a:t>
+            </a:fld>
+            <a:endParaRPr lang="ko-KR" altLang="en-US"/>
+          </a:p>
+        </p:txBody>
+      </p:sp>
+    </p:spTree>
+    <p:extLst>
+      <p:ext uri="{BB962C8B-B14F-4D97-AF65-F5344CB8AC3E}">
+        <p14:creationId xmlns:p14="http://schemas.microsoft.com/office/powerpoint/2010/main" val="1210835213"/>
+      </p:ext>
+    </p:extLst>
+  </p:cSld>
+  <p:clrMapOvr>
+    <a:masterClrMapping/>
+  </p:clrMapOvr>
+</p:notes>
+</file>
+
+<file path=ppt/notesSlides/notesSlide31.xml><?xml version="1.0" encoding="utf-8"?>
+<p:notes xmlns:a="http://schemas.openxmlformats.org/drawingml/2006/main" xmlns:r="http://schemas.openxmlformats.org/officeDocument/2006/relationships" xmlns:p="http://schemas.openxmlformats.org/presentationml/2006/main">
+  <p:cSld>
+    <p:spTree>
+      <p:nvGrpSpPr>
+        <p:cNvPr id="1" name=""/>
+        <p:cNvGrpSpPr/>
+        <p:nvPr/>
+      </p:nvGrpSpPr>
+      <p:grpSpPr>
+        <a:xfrm>
+          <a:off x="0" y="0"/>
+          <a:ext cx="0" cy="0"/>
+          <a:chOff x="0" y="0"/>
+          <a:chExt cx="0" cy="0"/>
+        </a:xfrm>
+      </p:grpSpPr>
+      <p:sp>
+        <p:nvSpPr>
+          <p:cNvPr id="2" name="슬라이드 이미지 개체 틀 1"/>
+          <p:cNvSpPr>
+            <a:spLocks noGrp="1" noRot="1" noChangeAspect="1"/>
+          </p:cNvSpPr>
+          <p:nvPr>
+            <p:ph type="sldImg"/>
+          </p:nvPr>
+        </p:nvSpPr>
+        <p:spPr/>
+      </p:sp>
+      <p:sp>
+        <p:nvSpPr>
+          <p:cNvPr id="3" name="슬라이드 노트 개체 틀 2"/>
+          <p:cNvSpPr>
+            <a:spLocks noGrp="1"/>
+          </p:cNvSpPr>
+          <p:nvPr>
+            <p:ph type="body" idx="1"/>
+          </p:nvPr>
+        </p:nvSpPr>
+        <p:spPr/>
+        <p:txBody>
+          <a:bodyPr/>
+          <a:lstStyle/>
+          <a:p>
+            <a:endParaRPr lang="ko-KR" altLang="en-US" dirty="0"/>
+          </a:p>
+        </p:txBody>
+      </p:sp>
+      <p:sp>
+        <p:nvSpPr>
+          <p:cNvPr id="4" name="슬라이드 번호 개체 틀 3"/>
+          <p:cNvSpPr>
+            <a:spLocks noGrp="1"/>
+          </p:cNvSpPr>
+          <p:nvPr>
+            <p:ph type="sldNum" sz="quarter" idx="10"/>
+          </p:nvPr>
+        </p:nvSpPr>
+        <p:spPr/>
+        <p:txBody>
+          <a:bodyPr/>
+          <a:lstStyle/>
+          <a:p>
+            <a:fld id="{AE7DD7B4-6F0D-4FE3-8660-A7DE31D2AD67}" type="slidenum">
+              <a:rPr lang="ko-KR" altLang="en-US" smtClean="0"/>
+              <a:t>32</a:t>
+            </a:fld>
+            <a:endParaRPr lang="ko-KR" altLang="en-US"/>
+          </a:p>
+        </p:txBody>
+      </p:sp>
+    </p:spTree>
+    <p:extLst>
+      <p:ext uri="{BB962C8B-B14F-4D97-AF65-F5344CB8AC3E}">
+        <p14:creationId xmlns:p14="http://schemas.microsoft.com/office/powerpoint/2010/main" val="2369343097"/>
+      </p:ext>
+    </p:extLst>
+  </p:cSld>
+  <p:clrMapOvr>
+    <a:masterClrMapping/>
+  </p:clrMapOvr>
+</p:notes>
+</file>
+
+<file path=ppt/notesSlides/notesSlide32.xml><?xml version="1.0" encoding="utf-8"?>
+<p:notes xmlns:a="http://schemas.openxmlformats.org/drawingml/2006/main" xmlns:r="http://schemas.openxmlformats.org/officeDocument/2006/relationships" xmlns:p="http://schemas.openxmlformats.org/presentationml/2006/main">
+  <p:cSld>
+    <p:spTree>
+      <p:nvGrpSpPr>
+        <p:cNvPr id="1" name=""/>
+        <p:cNvGrpSpPr/>
+        <p:nvPr/>
+      </p:nvGrpSpPr>
+      <p:grpSpPr>
+        <a:xfrm>
+          <a:off x="0" y="0"/>
+          <a:ext cx="0" cy="0"/>
+          <a:chOff x="0" y="0"/>
+          <a:chExt cx="0" cy="0"/>
+        </a:xfrm>
+      </p:grpSpPr>
+      <p:sp>
+        <p:nvSpPr>
+          <p:cNvPr id="2" name="슬라이드 이미지 개체 틀 1"/>
+          <p:cNvSpPr>
+            <a:spLocks noGrp="1" noRot="1" noChangeAspect="1"/>
+          </p:cNvSpPr>
+          <p:nvPr>
+            <p:ph type="sldImg"/>
+          </p:nvPr>
+        </p:nvSpPr>
+        <p:spPr/>
+      </p:sp>
+      <p:sp>
+        <p:nvSpPr>
+          <p:cNvPr id="3" name="슬라이드 노트 개체 틀 2"/>
+          <p:cNvSpPr>
+            <a:spLocks noGrp="1"/>
+          </p:cNvSpPr>
+          <p:nvPr>
+            <p:ph type="body" idx="1"/>
+          </p:nvPr>
+        </p:nvSpPr>
+        <p:spPr/>
+        <p:txBody>
+          <a:bodyPr/>
+          <a:lstStyle/>
+          <a:p>
+            <a:endParaRPr lang="ko-KR" altLang="en-US" dirty="0"/>
+          </a:p>
+        </p:txBody>
+      </p:sp>
+      <p:sp>
+        <p:nvSpPr>
+          <p:cNvPr id="4" name="슬라이드 번호 개체 틀 3"/>
+          <p:cNvSpPr>
+            <a:spLocks noGrp="1"/>
+          </p:cNvSpPr>
+          <p:nvPr>
+            <p:ph type="sldNum" sz="quarter" idx="10"/>
+          </p:nvPr>
+        </p:nvSpPr>
+        <p:spPr/>
+        <p:txBody>
+          <a:bodyPr/>
+          <a:lstStyle/>
+          <a:p>
+            <a:fld id="{AE7DD7B4-6F0D-4FE3-8660-A7DE31D2AD67}" type="slidenum">
+              <a:rPr lang="ko-KR" altLang="en-US" smtClean="0"/>
+              <a:t>33</a:t>
+            </a:fld>
+            <a:endParaRPr lang="ko-KR" altLang="en-US"/>
+          </a:p>
+        </p:txBody>
+      </p:sp>
+    </p:spTree>
+    <p:extLst>
+      <p:ext uri="{BB962C8B-B14F-4D97-AF65-F5344CB8AC3E}">
+        <p14:creationId xmlns:p14="http://schemas.microsoft.com/office/powerpoint/2010/main" val="3902012511"/>
+      </p:ext>
+    </p:extLst>
+  </p:cSld>
+  <p:clrMapOvr>
+    <a:masterClrMapping/>
+  </p:clrMapOvr>
+</p:notes>
+</file>
+
+<file path=ppt/notesSlides/notesSlide33.xml><?xml version="1.0" encoding="utf-8"?>
+<p:notes xmlns:a="http://schemas.openxmlformats.org/drawingml/2006/main" xmlns:r="http://schemas.openxmlformats.org/officeDocument/2006/relationships" xmlns:p="http://schemas.openxmlformats.org/presentationml/2006/main">
+  <p:cSld>
+    <p:spTree>
+      <p:nvGrpSpPr>
+        <p:cNvPr id="1" name=""/>
+        <p:cNvGrpSpPr/>
+        <p:nvPr/>
+      </p:nvGrpSpPr>
+      <p:grpSpPr>
+        <a:xfrm>
+          <a:off x="0" y="0"/>
+          <a:ext cx="0" cy="0"/>
+          <a:chOff x="0" y="0"/>
+          <a:chExt cx="0" cy="0"/>
+        </a:xfrm>
+      </p:grpSpPr>
+      <p:sp>
+        <p:nvSpPr>
+          <p:cNvPr id="2" name="슬라이드 이미지 개체 틀 1"/>
+          <p:cNvSpPr>
+            <a:spLocks noGrp="1" noRot="1" noChangeAspect="1"/>
+          </p:cNvSpPr>
+          <p:nvPr>
+            <p:ph type="sldImg"/>
+          </p:nvPr>
+        </p:nvSpPr>
+        <p:spPr/>
+      </p:sp>
+      <p:sp>
+        <p:nvSpPr>
+          <p:cNvPr id="3" name="슬라이드 노트 개체 틀 2"/>
+          <p:cNvSpPr>
+            <a:spLocks noGrp="1"/>
+          </p:cNvSpPr>
+          <p:nvPr>
+            <p:ph type="body" idx="1"/>
+          </p:nvPr>
+        </p:nvSpPr>
+        <p:spPr/>
+        <p:txBody>
+          <a:bodyPr/>
+          <a:lstStyle/>
+          <a:p>
+            <a:endParaRPr lang="ko-KR" altLang="en-US" dirty="0"/>
+          </a:p>
+        </p:txBody>
+      </p:sp>
+      <p:sp>
+        <p:nvSpPr>
+          <p:cNvPr id="4" name="슬라이드 번호 개체 틀 3"/>
+          <p:cNvSpPr>
+            <a:spLocks noGrp="1"/>
+          </p:cNvSpPr>
+          <p:nvPr>
+            <p:ph type="sldNum" sz="quarter" idx="10"/>
+          </p:nvPr>
+        </p:nvSpPr>
+        <p:spPr/>
+        <p:txBody>
+          <a:bodyPr/>
+          <a:lstStyle/>
+          <a:p>
+            <a:fld id="{AE7DD7B4-6F0D-4FE3-8660-A7DE31D2AD67}" type="slidenum">
+              <a:rPr lang="ko-KR" altLang="en-US" smtClean="0"/>
+              <a:t>34</a:t>
+            </a:fld>
+            <a:endParaRPr lang="ko-KR" altLang="en-US"/>
+          </a:p>
+        </p:txBody>
+      </p:sp>
+    </p:spTree>
+    <p:extLst>
+      <p:ext uri="{BB962C8B-B14F-4D97-AF65-F5344CB8AC3E}">
+        <p14:creationId xmlns:p14="http://schemas.microsoft.com/office/powerpoint/2010/main" val="633219828"/>
+      </p:ext>
+    </p:extLst>
+  </p:cSld>
+  <p:clrMapOvr>
+    <a:masterClrMapping/>
+  </p:clrMapOvr>
+</p:notes>
+</file>
+
+<file path=ppt/notesSlides/notesSlide34.xml><?xml version="1.0" encoding="utf-8"?>
+<p:notes xmlns:a="http://schemas.openxmlformats.org/drawingml/2006/main" xmlns:r="http://schemas.openxmlformats.org/officeDocument/2006/relationships" xmlns:p="http://schemas.openxmlformats.org/presentationml/2006/main">
+  <p:cSld>
+    <p:spTree>
+      <p:nvGrpSpPr>
+        <p:cNvPr id="1" name=""/>
+        <p:cNvGrpSpPr/>
+        <p:nvPr/>
+      </p:nvGrpSpPr>
+      <p:grpSpPr>
+        <a:xfrm>
+          <a:off x="0" y="0"/>
+          <a:ext cx="0" cy="0"/>
+          <a:chOff x="0" y="0"/>
+          <a:chExt cx="0" cy="0"/>
+        </a:xfrm>
+      </p:grpSpPr>
+      <p:sp>
+        <p:nvSpPr>
+          <p:cNvPr id="2" name="슬라이드 이미지 개체 틀 1"/>
+          <p:cNvSpPr>
+            <a:spLocks noGrp="1" noRot="1" noChangeAspect="1"/>
+          </p:cNvSpPr>
+          <p:nvPr>
+            <p:ph type="sldImg"/>
+          </p:nvPr>
+        </p:nvSpPr>
+        <p:spPr/>
+      </p:sp>
+      <p:sp>
+        <p:nvSpPr>
+          <p:cNvPr id="3" name="슬라이드 노트 개체 틀 2"/>
+          <p:cNvSpPr>
+            <a:spLocks noGrp="1"/>
+          </p:cNvSpPr>
+          <p:nvPr>
+            <p:ph type="body" idx="1"/>
+          </p:nvPr>
+        </p:nvSpPr>
+        <p:spPr/>
+        <p:txBody>
+          <a:bodyPr/>
+          <a:lstStyle/>
+          <a:p>
+            <a:endParaRPr lang="ko-KR" altLang="en-US" dirty="0"/>
+          </a:p>
+        </p:txBody>
+      </p:sp>
+      <p:sp>
+        <p:nvSpPr>
+          <p:cNvPr id="4" name="슬라이드 번호 개체 틀 3"/>
+          <p:cNvSpPr>
+            <a:spLocks noGrp="1"/>
+          </p:cNvSpPr>
+          <p:nvPr>
+            <p:ph type="sldNum" sz="quarter" idx="10"/>
+          </p:nvPr>
+        </p:nvSpPr>
+        <p:spPr/>
+        <p:txBody>
+          <a:bodyPr/>
+          <a:lstStyle/>
+          <a:p>
+            <a:fld id="{AE7DD7B4-6F0D-4FE3-8660-A7DE31D2AD67}" type="slidenum">
+              <a:rPr lang="ko-KR" altLang="en-US" smtClean="0"/>
+              <a:t>35</a:t>
+            </a:fld>
+            <a:endParaRPr lang="ko-KR" altLang="en-US"/>
+          </a:p>
+        </p:txBody>
+      </p:sp>
+    </p:spTree>
+    <p:extLst>
+      <p:ext uri="{BB962C8B-B14F-4D97-AF65-F5344CB8AC3E}">
+        <p14:creationId xmlns:p14="http://schemas.microsoft.com/office/powerpoint/2010/main" val="2661484510"/>
+      </p:ext>
+    </p:extLst>
+  </p:cSld>
+  <p:clrMapOvr>
+    <a:masterClrMapping/>
+  </p:clrMapOvr>
+</p:notes>
+</file>
+
+<file path=ppt/notesSlides/notesSlide35.xml><?xml version="1.0" encoding="utf-8"?>
+<p:notes xmlns:a="http://schemas.openxmlformats.org/drawingml/2006/main" xmlns:r="http://schemas.openxmlformats.org/officeDocument/2006/relationships" xmlns:p="http://schemas.openxmlformats.org/presentationml/2006/main">
+  <p:cSld>
+    <p:spTree>
+      <p:nvGrpSpPr>
+        <p:cNvPr id="1" name=""/>
+        <p:cNvGrpSpPr/>
+        <p:nvPr/>
+      </p:nvGrpSpPr>
+      <p:grpSpPr>
+        <a:xfrm>
+          <a:off x="0" y="0"/>
+          <a:ext cx="0" cy="0"/>
+          <a:chOff x="0" y="0"/>
+          <a:chExt cx="0" cy="0"/>
+        </a:xfrm>
+      </p:grpSpPr>
+      <p:sp>
+        <p:nvSpPr>
+          <p:cNvPr id="2" name="슬라이드 이미지 개체 틀 1"/>
+          <p:cNvSpPr>
+            <a:spLocks noGrp="1" noRot="1" noChangeAspect="1"/>
+          </p:cNvSpPr>
+          <p:nvPr>
+            <p:ph type="sldImg"/>
+          </p:nvPr>
+        </p:nvSpPr>
+        <p:spPr/>
+      </p:sp>
+      <p:sp>
+        <p:nvSpPr>
+          <p:cNvPr id="3" name="슬라이드 노트 개체 틀 2"/>
+          <p:cNvSpPr>
+            <a:spLocks noGrp="1"/>
+          </p:cNvSpPr>
+          <p:nvPr>
+            <p:ph type="body" idx="1"/>
+          </p:nvPr>
+        </p:nvSpPr>
+        <p:spPr/>
+        <p:txBody>
+          <a:bodyPr/>
+          <a:lstStyle/>
+          <a:p>
+            <a:endParaRPr lang="ko-KR" altLang="en-US" dirty="0"/>
+          </a:p>
+        </p:txBody>
+      </p:sp>
+      <p:sp>
+        <p:nvSpPr>
+          <p:cNvPr id="4" name="슬라이드 번호 개체 틀 3"/>
+          <p:cNvSpPr>
+            <a:spLocks noGrp="1"/>
+          </p:cNvSpPr>
+          <p:nvPr>
+            <p:ph type="sldNum" sz="quarter" idx="10"/>
+          </p:nvPr>
+        </p:nvSpPr>
+        <p:spPr/>
+        <p:txBody>
+          <a:bodyPr/>
+          <a:lstStyle/>
+          <a:p>
+            <a:fld id="{AE7DD7B4-6F0D-4FE3-8660-A7DE31D2AD67}" type="slidenum">
+              <a:rPr lang="ko-KR" altLang="en-US" smtClean="0"/>
+              <a:t>36</a:t>
+            </a:fld>
+            <a:endParaRPr lang="ko-KR" altLang="en-US"/>
+          </a:p>
+        </p:txBody>
+      </p:sp>
+    </p:spTree>
+    <p:extLst>
+      <p:ext uri="{BB962C8B-B14F-4D97-AF65-F5344CB8AC3E}">
+        <p14:creationId xmlns:p14="http://schemas.microsoft.com/office/powerpoint/2010/main" val="2461541971"/>
+      </p:ext>
+    </p:extLst>
+  </p:cSld>
+  <p:clrMapOvr>
+    <a:masterClrMapping/>
+  </p:clrMapOvr>
+</p:notes>
+</file>
+
+<file path=ppt/notesSlides/notesSlide36.xml><?xml version="1.0" encoding="utf-8"?>
+<p:notes xmlns:a="http://schemas.openxmlformats.org/drawingml/2006/main" xmlns:r="http://schemas.openxmlformats.org/officeDocument/2006/relationships" xmlns:p="http://schemas.openxmlformats.org/presentationml/2006/main">
+  <p:cSld>
+    <p:spTree>
+      <p:nvGrpSpPr>
+        <p:cNvPr id="1" name=""/>
+        <p:cNvGrpSpPr/>
+        <p:nvPr/>
+      </p:nvGrpSpPr>
+      <p:grpSpPr>
+        <a:xfrm>
+          <a:off x="0" y="0"/>
+          <a:ext cx="0" cy="0"/>
+          <a:chOff x="0" y="0"/>
+          <a:chExt cx="0" cy="0"/>
+        </a:xfrm>
+      </p:grpSpPr>
+      <p:sp>
+        <p:nvSpPr>
+          <p:cNvPr id="2" name="슬라이드 이미지 개체 틀 1"/>
+          <p:cNvSpPr>
+            <a:spLocks noGrp="1" noRot="1" noChangeAspect="1"/>
+          </p:cNvSpPr>
+          <p:nvPr>
+            <p:ph type="sldImg"/>
+          </p:nvPr>
+        </p:nvSpPr>
+        <p:spPr/>
+      </p:sp>
+      <p:sp>
+        <p:nvSpPr>
+          <p:cNvPr id="3" name="슬라이드 노트 개체 틀 2"/>
+          <p:cNvSpPr>
+            <a:spLocks noGrp="1"/>
+          </p:cNvSpPr>
+          <p:nvPr>
+            <p:ph type="body" idx="1"/>
+          </p:nvPr>
+        </p:nvSpPr>
+        <p:spPr/>
+        <p:txBody>
+          <a:bodyPr/>
+          <a:lstStyle/>
+          <a:p>
+            <a:endParaRPr lang="ko-KR" altLang="en-US" dirty="0"/>
+          </a:p>
+        </p:txBody>
+      </p:sp>
+      <p:sp>
+        <p:nvSpPr>
+          <p:cNvPr id="4" name="슬라이드 번호 개체 틀 3"/>
+          <p:cNvSpPr>
+            <a:spLocks noGrp="1"/>
+          </p:cNvSpPr>
+          <p:nvPr>
+            <p:ph type="sldNum" sz="quarter" idx="10"/>
+          </p:nvPr>
+        </p:nvSpPr>
+        <p:spPr/>
+        <p:txBody>
+          <a:bodyPr/>
+          <a:lstStyle/>
+          <a:p>
+            <a:fld id="{AE7DD7B4-6F0D-4FE3-8660-A7DE31D2AD67}" type="slidenum">
+              <a:rPr lang="ko-KR" altLang="en-US" smtClean="0"/>
+              <a:t>37</a:t>
+            </a:fld>
+            <a:endParaRPr lang="ko-KR" altLang="en-US"/>
+          </a:p>
+        </p:txBody>
+      </p:sp>
+    </p:spTree>
+    <p:extLst>
+      <p:ext uri="{BB962C8B-B14F-4D97-AF65-F5344CB8AC3E}">
+        <p14:creationId xmlns:p14="http://schemas.microsoft.com/office/powerpoint/2010/main" val="2163373453"/>
+      </p:ext>
+    </p:extLst>
+  </p:cSld>
+  <p:clrMapOvr>
+    <a:masterClrMapping/>
+  </p:clrMapOvr>
+</p:notes>
+</file>
+
+<file path=ppt/notesSlides/notesSlide37.xml><?xml version="1.0" encoding="utf-8"?>
+<p:notes xmlns:a="http://schemas.openxmlformats.org/drawingml/2006/main" xmlns:r="http://schemas.openxmlformats.org/officeDocument/2006/relationships" xmlns:p="http://schemas.openxmlformats.org/presentationml/2006/main">
+  <p:cSld>
+    <p:spTree>
+      <p:nvGrpSpPr>
+        <p:cNvPr id="1" name=""/>
+        <p:cNvGrpSpPr/>
+        <p:nvPr/>
+      </p:nvGrpSpPr>
+      <p:grpSpPr>
+        <a:xfrm>
+          <a:off x="0" y="0"/>
+          <a:ext cx="0" cy="0"/>
+          <a:chOff x="0" y="0"/>
+          <a:chExt cx="0" cy="0"/>
+        </a:xfrm>
+      </p:grpSpPr>
+      <p:sp>
+        <p:nvSpPr>
+          <p:cNvPr id="2" name="슬라이드 이미지 개체 틀 1"/>
+          <p:cNvSpPr>
+            <a:spLocks noGrp="1" noRot="1" noChangeAspect="1"/>
+          </p:cNvSpPr>
+          <p:nvPr>
+            <p:ph type="sldImg"/>
+          </p:nvPr>
+        </p:nvSpPr>
+        <p:spPr/>
+      </p:sp>
+      <p:sp>
+        <p:nvSpPr>
+          <p:cNvPr id="3" name="슬라이드 노트 개체 틀 2"/>
+          <p:cNvSpPr>
+            <a:spLocks noGrp="1"/>
+          </p:cNvSpPr>
+          <p:nvPr>
+            <p:ph type="body" idx="1"/>
+          </p:nvPr>
+        </p:nvSpPr>
+        <p:spPr/>
+        <p:txBody>
+          <a:bodyPr/>
+          <a:lstStyle/>
+          <a:p>
+            <a:endParaRPr lang="ko-KR" altLang="en-US" dirty="0"/>
+          </a:p>
+        </p:txBody>
+      </p:sp>
+      <p:sp>
+        <p:nvSpPr>
+          <p:cNvPr id="4" name="슬라이드 번호 개체 틀 3"/>
+          <p:cNvSpPr>
+            <a:spLocks noGrp="1"/>
+          </p:cNvSpPr>
+          <p:nvPr>
+            <p:ph type="sldNum" sz="quarter" idx="10"/>
+          </p:nvPr>
+        </p:nvSpPr>
+        <p:spPr/>
+        <p:txBody>
+          <a:bodyPr/>
+          <a:lstStyle/>
+          <a:p>
+            <a:fld id="{AE7DD7B4-6F0D-4FE3-8660-A7DE31D2AD67}" type="slidenum">
+              <a:rPr lang="ko-KR" altLang="en-US" smtClean="0"/>
+              <a:t>38</a:t>
+            </a:fld>
+            <a:endParaRPr lang="ko-KR" altLang="en-US"/>
+          </a:p>
+        </p:txBody>
+      </p:sp>
+    </p:spTree>
+    <p:extLst>
+      <p:ext uri="{BB962C8B-B14F-4D97-AF65-F5344CB8AC3E}">
+        <p14:creationId xmlns:p14="http://schemas.microsoft.com/office/powerpoint/2010/main" val="4095906910"/>
       </p:ext>
     </p:extLst>
   </p:cSld>
@@ -6268,7 +7033,7 @@
         <p:spPr>
           <a:xfrm>
             <a:off x="328771" y="1139130"/>
-            <a:ext cx="8742077" cy="3819764"/>
+            <a:ext cx="8742077" cy="4927759"/>
           </a:xfrm>
           <a:prstGeom prst="rect">
             <a:avLst/>
@@ -6332,6 +7097,108 @@
               </a:rPr>
               <a:t>For this, a one-hot encoding scheme is required.</a:t>
             </a:r>
+          </a:p>
+          <a:p>
+            <a:pPr marL="741600" lvl="1" indent="-284400">
+              <a:lnSpc>
+                <a:spcPct val="150000"/>
+              </a:lnSpc>
+              <a:buFont typeface="Arial" panose="020B0604020202020204" pitchFamily="34" charset="0"/>
+              <a:buChar char="•"/>
+            </a:pPr>
+            <a:r>
+              <a:rPr lang="en-US" altLang="ko-KR" sz="2400" dirty="0">
+                <a:solidFill>
+                  <a:schemeClr val="accent6"/>
+                </a:solidFill>
+                <a:latin typeface="Arial Narrow" panose="020B0606020202030204" pitchFamily="34" charset="0"/>
+              </a:rPr>
+              <a:t>from</a:t>
+            </a:r>
+            <a:r>
+              <a:rPr lang="en-US" altLang="ko-KR" sz="2400" dirty="0">
+                <a:solidFill>
+                  <a:srgbClr val="222222"/>
+                </a:solidFill>
+                <a:latin typeface="Arial Narrow" panose="020B0606020202030204" pitchFamily="34" charset="0"/>
+              </a:rPr>
+              <a:t> </a:t>
+            </a:r>
+            <a:r>
+              <a:rPr lang="en-US" altLang="ko-KR" sz="2400" dirty="0" err="1">
+                <a:solidFill>
+                  <a:srgbClr val="222222"/>
+                </a:solidFill>
+                <a:latin typeface="Arial Narrow" panose="020B0606020202030204" pitchFamily="34" charset="0"/>
+              </a:rPr>
+              <a:t>sklearn.</a:t>
+            </a:r>
+            <a:r>
+              <a:rPr lang="en-US" altLang="ko-KR" sz="2400" dirty="0" err="1">
+                <a:solidFill>
+                  <a:schemeClr val="accent5"/>
+                </a:solidFill>
+                <a:latin typeface="Arial Narrow" panose="020B0606020202030204" pitchFamily="34" charset="0"/>
+              </a:rPr>
+              <a:t>preprocessing</a:t>
+            </a:r>
+            <a:r>
+              <a:rPr lang="en-US" altLang="ko-KR" sz="2400" dirty="0">
+                <a:solidFill>
+                  <a:srgbClr val="222222"/>
+                </a:solidFill>
+                <a:latin typeface="Arial Narrow" panose="020B0606020202030204" pitchFamily="34" charset="0"/>
+              </a:rPr>
+              <a:t> </a:t>
+            </a:r>
+            <a:r>
+              <a:rPr lang="en-US" altLang="ko-KR" sz="2400" dirty="0">
+                <a:solidFill>
+                  <a:schemeClr val="accent6"/>
+                </a:solidFill>
+                <a:latin typeface="Arial Narrow" panose="020B0606020202030204" pitchFamily="34" charset="0"/>
+              </a:rPr>
+              <a:t>import</a:t>
+            </a:r>
+            <a:r>
+              <a:rPr lang="en-US" altLang="ko-KR" sz="2400" dirty="0">
+                <a:solidFill>
+                  <a:srgbClr val="222222"/>
+                </a:solidFill>
+                <a:latin typeface="Arial Narrow" panose="020B0606020202030204" pitchFamily="34" charset="0"/>
+              </a:rPr>
+              <a:t> </a:t>
+            </a:r>
+            <a:r>
+              <a:rPr lang="en-US" altLang="ko-KR" sz="2400" dirty="0" err="1">
+                <a:solidFill>
+                  <a:srgbClr val="222222"/>
+                </a:solidFill>
+                <a:latin typeface="Arial Narrow" panose="020B0606020202030204" pitchFamily="34" charset="0"/>
+              </a:rPr>
+              <a:t>LabelEncoder</a:t>
+            </a:r>
+            <a:endParaRPr lang="en-US" altLang="ko-KR" sz="2400" dirty="0">
+              <a:solidFill>
+                <a:srgbClr val="222222"/>
+              </a:solidFill>
+              <a:latin typeface="Arial Narrow" panose="020B0606020202030204" pitchFamily="34" charset="0"/>
+            </a:endParaRPr>
+          </a:p>
+          <a:p>
+            <a:pPr marL="741600" lvl="1" indent="-284400">
+              <a:lnSpc>
+                <a:spcPct val="150000"/>
+              </a:lnSpc>
+              <a:buFont typeface="Arial" panose="020B0604020202020204" pitchFamily="34" charset="0"/>
+              <a:buChar char="•"/>
+            </a:pPr>
+            <a:endParaRPr lang="en-US" altLang="ko-KR" sz="2400" dirty="0">
+              <a:solidFill>
+                <a:srgbClr val="222222"/>
+              </a:solidFill>
+              <a:latin typeface="Arial Narrow" panose="020B0606020202030204" pitchFamily="34" charset="0"/>
+            </a:endParaRPr>
           </a:p>
           <a:p>
             <a:pPr marL="741600" lvl="1" indent="-284400">
@@ -23762,7 +24629,7 @@
         <p:spPr>
           <a:xfrm>
             <a:off x="895546" y="1901292"/>
-            <a:ext cx="7626285" cy="3010072"/>
+            <a:ext cx="7626285" cy="3794658"/>
           </a:xfrm>
           <a:prstGeom prst="roundRect">
             <a:avLst>
@@ -23811,7 +24678,7 @@
         <p:spPr>
           <a:xfrm>
             <a:off x="1045781" y="1788672"/>
-            <a:ext cx="6863307" cy="3073405"/>
+            <a:ext cx="6863307" cy="3688959"/>
           </a:xfrm>
           <a:prstGeom prst="rect">
             <a:avLst/>
@@ -23909,7 +24776,25 @@
                 </a:solidFill>
                 <a:latin typeface="Arial Narrow" panose="020B0606020202030204" pitchFamily="34" charset="0"/>
               </a:rPr>
-              <a:t>Split the data into a training and test set</a:t>
+              <a:t>Split the data into a training and validation set</a:t>
+            </a:r>
+          </a:p>
+          <a:p>
+            <a:pPr marL="457200" indent="-457200">
+              <a:lnSpc>
+                <a:spcPct val="200000"/>
+              </a:lnSpc>
+              <a:buFont typeface="Arial" panose="020B0604020202020204" pitchFamily="34" charset="0"/>
+              <a:buChar char="•"/>
+            </a:pPr>
+            <a:r>
+              <a:rPr lang="en-US" altLang="ko-KR" sz="2000" dirty="0">
+                <a:solidFill>
+                  <a:srgbClr val="222222"/>
+                </a:solidFill>
+                <a:latin typeface="Arial Narrow" panose="020B0606020202030204" pitchFamily="34" charset="0"/>
+              </a:rPr>
+              <a:t>K-fold cross validation</a:t>
             </a:r>
           </a:p>
         </p:txBody>
@@ -28947,7 +29832,7 @@
         <p:spPr>
           <a:xfrm>
             <a:off x="328771" y="1139130"/>
-            <a:ext cx="8742077" cy="1973104"/>
+            <a:ext cx="8742077" cy="1049775"/>
           </a:xfrm>
           <a:prstGeom prst="rect">
             <a:avLst/>
@@ -28973,7 +29858,7 @@
                 </a:solidFill>
                 <a:latin typeface="Arial Narrow" panose="020B0606020202030204" pitchFamily="34" charset="0"/>
               </a:rPr>
-              <a:t>Overfitting</a:t>
+              <a:t>Data split</a:t>
             </a:r>
           </a:p>
           <a:p>
@@ -28991,7 +29876,25 @@
                 </a:solidFill>
                 <a:latin typeface="Arial Narrow" panose="020B0606020202030204" pitchFamily="34" charset="0"/>
               </a:rPr>
-              <a:t>The production of an analysis that corresponds too closely or exactly to a particular set of data, and may therefore fail to fit to additional data or predict future observations reliably (wiki)</a:t>
+              <a:t>How to control learning to produce </a:t>
+            </a:r>
+            <a:r>
+              <a:rPr lang="en-US" altLang="ko-KR" sz="2000" dirty="0">
+                <a:solidFill>
+                  <a:schemeClr val="accent6"/>
+                </a:solidFill>
+                <a:latin typeface="Arial Narrow" panose="020B0606020202030204" pitchFamily="34" charset="0"/>
+              </a:rPr>
+              <a:t>optimal results</a:t>
+            </a:r>
+            <a:r>
+              <a:rPr lang="en-US" altLang="ko-KR" sz="2000" dirty="0">
+                <a:solidFill>
+                  <a:srgbClr val="222222"/>
+                </a:solidFill>
+                <a:latin typeface="Arial Narrow" panose="020B0606020202030204" pitchFamily="34" charset="0"/>
+              </a:rPr>
+              <a:t>?</a:t>
             </a:r>
           </a:p>
         </p:txBody>
@@ -29038,12 +29941,103 @@
           </a:p>
         </p:txBody>
       </p:sp>
-      <p:sp>
-        <p:nvSpPr>
-          <p:cNvPr id="3" name="TextBox 2">
+      <p:pic>
+        <p:nvPicPr>
+          <p:cNvPr id="3" name="Picture 2" descr="머신 러닝] 과적합 (Overfitting)과 Validation Dataset의 개념">
             <a:extLst>
               <a:ext uri="{FF2B5EF4-FFF2-40B4-BE49-F238E27FC236}">
-                <a16:creationId xmlns:a16="http://schemas.microsoft.com/office/drawing/2014/main" id="{4BB0F7C4-1411-5A4E-6442-045C47FF25D9}"/>
+                <a16:creationId xmlns:a16="http://schemas.microsoft.com/office/drawing/2014/main" id="{E824FC7C-F0F7-E8FF-C4AC-47F137522417}"/>
+              </a:ext>
+            </a:extLst>
+          </p:cNvPr>
+          <p:cNvPicPr>
+            <a:picLocks noChangeAspect="1" noChangeArrowheads="1"/>
+          </p:cNvPicPr>
+          <p:nvPr/>
+        </p:nvPicPr>
+        <p:blipFill>
+          <a:blip r:embed="rId3">
+            <a:extLst>
+              <a:ext uri="{28A0092B-C50C-407E-A947-70E740481C1C}">
+                <a14:useLocalDpi xmlns:a14="http://schemas.microsoft.com/office/drawing/2010/main" val="0"/>
+              </a:ext>
+            </a:extLst>
+          </a:blip>
+          <a:srcRect/>
+          <a:stretch>
+            <a:fillRect/>
+          </a:stretch>
+        </p:blipFill>
+        <p:spPr bwMode="auto">
+          <a:xfrm>
+            <a:off x="2103380" y="2730081"/>
+            <a:ext cx="3849745" cy="3194469"/>
+          </a:xfrm>
+          <a:prstGeom prst="rect">
+            <a:avLst/>
+          </a:prstGeom>
+          <a:noFill/>
+          <a:extLst>
+            <a:ext uri="{909E8E84-426E-40DD-AFC4-6F175D3DCCD1}">
+              <a14:hiddenFill xmlns:a14="http://schemas.microsoft.com/office/drawing/2010/main">
+                <a:solidFill>
+                  <a:srgbClr val="FFFFFF"/>
+                </a:solidFill>
+              </a14:hiddenFill>
+            </a:ext>
+          </a:extLst>
+        </p:spPr>
+      </p:pic>
+      <p:cxnSp>
+        <p:nvCxnSpPr>
+          <p:cNvPr id="7" name="직선 연결선 6">
+            <a:extLst>
+              <a:ext uri="{FF2B5EF4-FFF2-40B4-BE49-F238E27FC236}">
+                <a16:creationId xmlns:a16="http://schemas.microsoft.com/office/drawing/2014/main" id="{D8857CBF-1C7C-A533-170B-60C664690A01}"/>
+              </a:ext>
+            </a:extLst>
+          </p:cNvPr>
+          <p:cNvCxnSpPr>
+            <a:cxnSpLocks/>
+          </p:cNvCxnSpPr>
+          <p:nvPr/>
+        </p:nvCxnSpPr>
+        <p:spPr>
+          <a:xfrm>
+            <a:off x="3868109" y="2601310"/>
+            <a:ext cx="0" cy="3453303"/>
+          </a:xfrm>
+          <a:prstGeom prst="line">
+            <a:avLst/>
+          </a:prstGeom>
+          <a:ln w="31750">
+            <a:solidFill>
+              <a:schemeClr val="accent6"/>
+            </a:solidFill>
+            <a:prstDash val="sysDash"/>
+          </a:ln>
+        </p:spPr>
+        <p:style>
+          <a:lnRef idx="1">
+            <a:schemeClr val="accent1"/>
+          </a:lnRef>
+          <a:fillRef idx="0">
+            <a:schemeClr val="accent1"/>
+          </a:fillRef>
+          <a:effectRef idx="0">
+            <a:schemeClr val="accent1"/>
+          </a:effectRef>
+          <a:fontRef idx="minor">
+            <a:schemeClr val="tx1"/>
+          </a:fontRef>
+        </p:style>
+      </p:cxnSp>
+      <p:sp>
+        <p:nvSpPr>
+          <p:cNvPr id="16" name="TextBox 15">
+            <a:extLst>
+              <a:ext uri="{FF2B5EF4-FFF2-40B4-BE49-F238E27FC236}">
+                <a16:creationId xmlns:a16="http://schemas.microsoft.com/office/drawing/2014/main" id="{74F7814F-8FA3-0B7C-E181-55B9D8B72DA5}"/>
               </a:ext>
             </a:extLst>
           </p:cNvPr>
@@ -29052,8 +30046,8 @@
         </p:nvSpPr>
         <p:spPr>
           <a:xfrm>
-            <a:off x="1979469" y="3909675"/>
-            <a:ext cx="4572000" cy="923330"/>
+            <a:off x="3057525" y="2233270"/>
+            <a:ext cx="1640599" cy="369332"/>
           </a:xfrm>
           <a:prstGeom prst="rect">
             <a:avLst/>
@@ -29068,18 +30062,59 @@
           <a:p>
             <a:r>
               <a:rPr lang="en-US" altLang="ko-KR" dirty="0">
-                <a:hlinkClick r:id="rId3"/>
+                <a:solidFill>
+                  <a:schemeClr val="accent6"/>
+                </a:solidFill>
               </a:rPr>
-              <a:t>https://colab.research.google.com/github/JunetaeKim/DeepLearningClass/blob/main/Week10/IntroOverfit.ipynb</a:t>
+              <a:t>Optimal results</a:t>
             </a:r>
-            <a:endParaRPr lang="ko-KR" altLang="en-US" dirty="0"/>
+            <a:endParaRPr lang="ko-KR" altLang="en-US" dirty="0">
+              <a:solidFill>
+                <a:schemeClr val="accent6"/>
+              </a:solidFill>
+            </a:endParaRPr>
+          </a:p>
+        </p:txBody>
+      </p:sp>
+      <p:sp>
+        <p:nvSpPr>
+          <p:cNvPr id="18" name="TextBox 17">
+            <a:extLst>
+              <a:ext uri="{FF2B5EF4-FFF2-40B4-BE49-F238E27FC236}">
+                <a16:creationId xmlns:a16="http://schemas.microsoft.com/office/drawing/2014/main" id="{D144DFF2-B76C-A757-1AB1-7EB18847F732}"/>
+              </a:ext>
+            </a:extLst>
+          </p:cNvPr>
+          <p:cNvSpPr txBox="1"/>
+          <p:nvPr/>
+        </p:nvSpPr>
+        <p:spPr>
+          <a:xfrm>
+            <a:off x="1789547" y="6133838"/>
+            <a:ext cx="5170927" cy="646331"/>
+          </a:xfrm>
+          <a:prstGeom prst="rect">
+            <a:avLst/>
+          </a:prstGeom>
+          <a:noFill/>
+        </p:spPr>
+        <p:txBody>
+          <a:bodyPr wrap="square">
+            <a:spAutoFit/>
+          </a:bodyPr>
+          <a:lstStyle/>
+          <a:p>
+            <a:r>
+              <a:rPr lang="en-US" altLang="ko-KR" dirty="0"/>
+              <a:t>Training should be stopped at a point where the test results no longer improve with training.</a:t>
+            </a:r>
           </a:p>
         </p:txBody>
       </p:sp>
     </p:spTree>
     <p:extLst>
       <p:ext uri="{BB962C8B-B14F-4D97-AF65-F5344CB8AC3E}">
-        <p14:creationId xmlns:p14="http://schemas.microsoft.com/office/powerpoint/2010/main" val="1663918560"/>
+        <p14:creationId xmlns:p14="http://schemas.microsoft.com/office/powerpoint/2010/main" val="1252322907"/>
       </p:ext>
     </p:extLst>
   </p:cSld>
@@ -29195,7 +30230,7 @@
         <p:spPr>
           <a:xfrm>
             <a:off x="328771" y="1139130"/>
-            <a:ext cx="8742077" cy="1973104"/>
+            <a:ext cx="8742077" cy="1049775"/>
           </a:xfrm>
           <a:prstGeom prst="rect">
             <a:avLst/>
@@ -29221,7 +30256,7 @@
                 </a:solidFill>
                 <a:latin typeface="Arial Narrow" panose="020B0606020202030204" pitchFamily="34" charset="0"/>
               </a:rPr>
-              <a:t>When does the overfitting problem occur?</a:t>
+              <a:t>Data split</a:t>
             </a:r>
           </a:p>
           <a:p>
@@ -29239,38 +30274,26 @@
                 </a:solidFill>
                 <a:latin typeface="Arial Narrow" panose="020B0606020202030204" pitchFamily="34" charset="0"/>
               </a:rPr>
-              <a:t>When the model structure is complex.</a:t>
+              <a:t>How to control learning to produce </a:t>
             </a:r>
-          </a:p>
-          <a:p>
-            <a:pPr marL="741600" lvl="1" indent="-284400">
-              <a:lnSpc>
-                <a:spcPct val="150000"/>
-              </a:lnSpc>
-              <a:buFont typeface="Arial" panose="020B0604020202020204" pitchFamily="34" charset="0"/>
-              <a:buChar char="•"/>
-            </a:pPr>
-            <a:endParaRPr lang="en-US" altLang="ko-KR" sz="2000" dirty="0">
-              <a:solidFill>
-                <a:srgbClr val="222222"/>
-              </a:solidFill>
-              <a:latin typeface="Arial Narrow" panose="020B0606020202030204" pitchFamily="34" charset="0"/>
-            </a:endParaRPr>
-          </a:p>
-          <a:p>
-            <a:pPr marL="741600" lvl="1" indent="-284400">
-              <a:lnSpc>
-                <a:spcPct val="150000"/>
-              </a:lnSpc>
-              <a:buFont typeface="Arial" panose="020B0604020202020204" pitchFamily="34" charset="0"/>
-              <a:buChar char="•"/>
-            </a:pPr>
-            <a:endParaRPr lang="en-US" altLang="ko-KR" sz="2000" dirty="0">
-              <a:solidFill>
-                <a:srgbClr val="222222"/>
-              </a:solidFill>
-              <a:latin typeface="Arial Narrow" panose="020B0606020202030204" pitchFamily="34" charset="0"/>
-            </a:endParaRPr>
+            <a:r>
+              <a:rPr lang="en-US" altLang="ko-KR" sz="2000" dirty="0">
+                <a:solidFill>
+                  <a:schemeClr val="accent6"/>
+                </a:solidFill>
+                <a:latin typeface="Arial Narrow" panose="020B0606020202030204" pitchFamily="34" charset="0"/>
+              </a:rPr>
+              <a:t>optimal results</a:t>
+            </a:r>
+            <a:r>
+              <a:rPr lang="en-US" altLang="ko-KR" sz="2000" dirty="0">
+                <a:solidFill>
+                  <a:srgbClr val="222222"/>
+                </a:solidFill>
+                <a:latin typeface="Arial Narrow" panose="020B0606020202030204" pitchFamily="34" charset="0"/>
+              </a:rPr>
+              <a:t>?</a:t>
+            </a:r>
           </a:p>
         </p:txBody>
       </p:sp>
@@ -29316,48 +30339,12 @@
           </a:p>
         </p:txBody>
       </p:sp>
-      <p:sp>
-        <p:nvSpPr>
-          <p:cNvPr id="2" name="TextBox 1">
+      <p:pic>
+        <p:nvPicPr>
+          <p:cNvPr id="3" name="Picture 2" descr="머신 러닝] 과적합 (Overfitting)과 Validation Dataset의 개념">
             <a:extLst>
               <a:ext uri="{FF2B5EF4-FFF2-40B4-BE49-F238E27FC236}">
-                <a16:creationId xmlns:a16="http://schemas.microsoft.com/office/drawing/2014/main" id="{10DC557E-15BA-EE4A-5817-76DA52BAAA72}"/>
-              </a:ext>
-            </a:extLst>
-          </p:cNvPr>
-          <p:cNvSpPr txBox="1"/>
-          <p:nvPr/>
-        </p:nvSpPr>
-        <p:spPr>
-          <a:xfrm>
-            <a:off x="3397469" y="6396335"/>
-            <a:ext cx="5746531" cy="461665"/>
-          </a:xfrm>
-          <a:prstGeom prst="rect">
-            <a:avLst/>
-          </a:prstGeom>
-          <a:noFill/>
-        </p:spPr>
-        <p:txBody>
-          <a:bodyPr wrap="square">
-            <a:spAutoFit/>
-          </a:bodyPr>
-          <a:lstStyle/>
-          <a:p>
-            <a:r>
-              <a:rPr lang="en-US" altLang="ko-KR" sz="1200" dirty="0"/>
-              <a:t>https://image.jimcdn.com/app/cms/image/transf/dimension=1920x400:format=png/path/s8ff3310143614e07/image/i21af0dd4f2772075/version/1550368786/image.png</a:t>
-            </a:r>
-            <a:endParaRPr lang="ko-KR" altLang="en-US" sz="1200" dirty="0"/>
-          </a:p>
-        </p:txBody>
-      </p:sp>
-      <p:pic>
-        <p:nvPicPr>
-          <p:cNvPr id="3074" name="Picture 2" descr="Overfitting, bias-variance and learning curves - rmartinshort">
-            <a:extLst>
-              <a:ext uri="{FF2B5EF4-FFF2-40B4-BE49-F238E27FC236}">
-                <a16:creationId xmlns:a16="http://schemas.microsoft.com/office/drawing/2014/main" id="{2754319B-E0FB-0F0D-1870-B459EEC61566}"/>
+                <a16:creationId xmlns:a16="http://schemas.microsoft.com/office/drawing/2014/main" id="{E824FC7C-F0F7-E8FF-C4AC-47F137522417}"/>
               </a:ext>
             </a:extLst>
           </p:cNvPr>
@@ -29381,8 +30368,8 @@
         </p:blipFill>
         <p:spPr bwMode="auto">
           <a:xfrm>
-            <a:off x="479206" y="2657805"/>
-            <a:ext cx="7301077" cy="3195220"/>
+            <a:off x="2103380" y="2730081"/>
+            <a:ext cx="3849745" cy="3194469"/>
           </a:xfrm>
           <a:prstGeom prst="rect">
             <a:avLst/>
@@ -29399,10 +30386,146 @@
           </a:extLst>
         </p:spPr>
       </p:pic>
+      <p:cxnSp>
+        <p:nvCxnSpPr>
+          <p:cNvPr id="7" name="직선 연결선 6">
+            <a:extLst>
+              <a:ext uri="{FF2B5EF4-FFF2-40B4-BE49-F238E27FC236}">
+                <a16:creationId xmlns:a16="http://schemas.microsoft.com/office/drawing/2014/main" id="{D8857CBF-1C7C-A533-170B-60C664690A01}"/>
+              </a:ext>
+            </a:extLst>
+          </p:cNvPr>
+          <p:cNvCxnSpPr>
+            <a:cxnSpLocks/>
+          </p:cNvCxnSpPr>
+          <p:nvPr/>
+        </p:nvCxnSpPr>
+        <p:spPr>
+          <a:xfrm>
+            <a:off x="3868109" y="2601310"/>
+            <a:ext cx="0" cy="3453303"/>
+          </a:xfrm>
+          <a:prstGeom prst="line">
+            <a:avLst/>
+          </a:prstGeom>
+          <a:ln w="31750">
+            <a:solidFill>
+              <a:schemeClr val="accent6"/>
+            </a:solidFill>
+            <a:prstDash val="sysDash"/>
+          </a:ln>
+        </p:spPr>
+        <p:style>
+          <a:lnRef idx="1">
+            <a:schemeClr val="accent1"/>
+          </a:lnRef>
+          <a:fillRef idx="0">
+            <a:schemeClr val="accent1"/>
+          </a:fillRef>
+          <a:effectRef idx="0">
+            <a:schemeClr val="accent1"/>
+          </a:effectRef>
+          <a:fontRef idx="minor">
+            <a:schemeClr val="tx1"/>
+          </a:fontRef>
+        </p:style>
+      </p:cxnSp>
+      <p:sp>
+        <p:nvSpPr>
+          <p:cNvPr id="12" name="TextBox 11">
+            <a:extLst>
+              <a:ext uri="{FF2B5EF4-FFF2-40B4-BE49-F238E27FC236}">
+                <a16:creationId xmlns:a16="http://schemas.microsoft.com/office/drawing/2014/main" id="{A3035C4E-A922-8287-45D8-97236EF327EB}"/>
+              </a:ext>
+            </a:extLst>
+          </p:cNvPr>
+          <p:cNvSpPr txBox="1"/>
+          <p:nvPr/>
+        </p:nvSpPr>
+        <p:spPr>
+          <a:xfrm>
+            <a:off x="1840705" y="6182092"/>
+            <a:ext cx="5462590" cy="646331"/>
+          </a:xfrm>
+          <a:prstGeom prst="rect">
+            <a:avLst/>
+          </a:prstGeom>
+          <a:noFill/>
+        </p:spPr>
+        <p:txBody>
+          <a:bodyPr wrap="square">
+            <a:spAutoFit/>
+          </a:bodyPr>
+          <a:lstStyle/>
+          <a:p>
+            <a:r>
+              <a:rPr lang="en-US" altLang="ko-KR" sz="1800" dirty="0">
+                <a:solidFill>
+                  <a:srgbClr val="222222"/>
+                </a:solidFill>
+                <a:latin typeface="Arial Narrow" panose="020B0606020202030204" pitchFamily="34" charset="0"/>
+              </a:rPr>
+              <a:t>We need to split the data into a training and validation set</a:t>
+            </a:r>
+          </a:p>
+          <a:p>
+            <a:endParaRPr lang="en-US" altLang="ko-KR" sz="1800" dirty="0">
+              <a:solidFill>
+                <a:srgbClr val="222222"/>
+              </a:solidFill>
+              <a:latin typeface="Arial Narrow" panose="020B0606020202030204" pitchFamily="34" charset="0"/>
+            </a:endParaRPr>
+          </a:p>
+        </p:txBody>
+      </p:sp>
+      <p:sp>
+        <p:nvSpPr>
+          <p:cNvPr id="15" name="TextBox 14">
+            <a:extLst>
+              <a:ext uri="{FF2B5EF4-FFF2-40B4-BE49-F238E27FC236}">
+                <a16:creationId xmlns:a16="http://schemas.microsoft.com/office/drawing/2014/main" id="{5B26AB61-7C64-DE37-2012-6FE6BA346A50}"/>
+              </a:ext>
+            </a:extLst>
+          </p:cNvPr>
+          <p:cNvSpPr txBox="1"/>
+          <p:nvPr/>
+        </p:nvSpPr>
+        <p:spPr>
+          <a:xfrm>
+            <a:off x="3057525" y="2233270"/>
+            <a:ext cx="1640599" cy="369332"/>
+          </a:xfrm>
+          <a:prstGeom prst="rect">
+            <a:avLst/>
+          </a:prstGeom>
+          <a:noFill/>
+        </p:spPr>
+        <p:txBody>
+          <a:bodyPr wrap="square">
+            <a:spAutoFit/>
+          </a:bodyPr>
+          <a:lstStyle/>
+          <a:p>
+            <a:r>
+              <a:rPr lang="en-US" altLang="ko-KR" dirty="0">
+                <a:solidFill>
+                  <a:schemeClr val="accent6"/>
+                </a:solidFill>
+              </a:rPr>
+              <a:t>Optimal results</a:t>
+            </a:r>
+            <a:endParaRPr lang="ko-KR" altLang="en-US" dirty="0">
+              <a:solidFill>
+                <a:schemeClr val="accent6"/>
+              </a:solidFill>
+            </a:endParaRPr>
+          </a:p>
+        </p:txBody>
+      </p:sp>
     </p:spTree>
     <p:extLst>
       <p:ext uri="{BB962C8B-B14F-4D97-AF65-F5344CB8AC3E}">
-        <p14:creationId xmlns:p14="http://schemas.microsoft.com/office/powerpoint/2010/main" val="3497652926"/>
+        <p14:creationId xmlns:p14="http://schemas.microsoft.com/office/powerpoint/2010/main" val="627869029"/>
       </p:ext>
     </p:extLst>
   </p:cSld>
@@ -29518,7 +30641,7 @@
         <p:spPr>
           <a:xfrm>
             <a:off x="328771" y="1139130"/>
-            <a:ext cx="8742077" cy="1973104"/>
+            <a:ext cx="8742077" cy="1049775"/>
           </a:xfrm>
           <a:prstGeom prst="rect">
             <a:avLst/>
@@ -29544,7 +30667,7 @@
                 </a:solidFill>
                 <a:latin typeface="Arial Narrow" panose="020B0606020202030204" pitchFamily="34" charset="0"/>
               </a:rPr>
-              <a:t>When does the overfitting problem occur?</a:t>
+              <a:t>Data split</a:t>
             </a:r>
           </a:p>
           <a:p>
@@ -29562,38 +30685,8 @@
                 </a:solidFill>
                 <a:latin typeface="Arial Narrow" panose="020B0606020202030204" pitchFamily="34" charset="0"/>
               </a:rPr>
-              <a:t>When data is insufficient</a:t>
+              <a:t>How to split the data into a training and validation set using python?</a:t>
             </a:r>
-          </a:p>
-          <a:p>
-            <a:pPr marL="741600" lvl="1" indent="-284400">
-              <a:lnSpc>
-                <a:spcPct val="150000"/>
-              </a:lnSpc>
-              <a:buFont typeface="Arial" panose="020B0604020202020204" pitchFamily="34" charset="0"/>
-              <a:buChar char="•"/>
-            </a:pPr>
-            <a:endParaRPr lang="en-US" altLang="ko-KR" sz="2000" dirty="0">
-              <a:solidFill>
-                <a:srgbClr val="222222"/>
-              </a:solidFill>
-              <a:latin typeface="Arial Narrow" panose="020B0606020202030204" pitchFamily="34" charset="0"/>
-            </a:endParaRPr>
-          </a:p>
-          <a:p>
-            <a:pPr marL="741600" lvl="1" indent="-284400">
-              <a:lnSpc>
-                <a:spcPct val="150000"/>
-              </a:lnSpc>
-              <a:buFont typeface="Arial" panose="020B0604020202020204" pitchFamily="34" charset="0"/>
-              <a:buChar char="•"/>
-            </a:pPr>
-            <a:endParaRPr lang="en-US" altLang="ko-KR" sz="2000" dirty="0">
-              <a:solidFill>
-                <a:srgbClr val="222222"/>
-              </a:solidFill>
-              <a:latin typeface="Arial Narrow" panose="020B0606020202030204" pitchFamily="34" charset="0"/>
-            </a:endParaRPr>
           </a:p>
         </p:txBody>
       </p:sp>
@@ -29641,10 +30734,10 @@
       </p:sp>
       <p:sp>
         <p:nvSpPr>
-          <p:cNvPr id="2" name="TextBox 1">
+          <p:cNvPr id="8" name="TextBox 7">
             <a:extLst>
               <a:ext uri="{FF2B5EF4-FFF2-40B4-BE49-F238E27FC236}">
-                <a16:creationId xmlns:a16="http://schemas.microsoft.com/office/drawing/2014/main" id="{10DC557E-15BA-EE4A-5817-76DA52BAAA72}"/>
+                <a16:creationId xmlns:a16="http://schemas.microsoft.com/office/drawing/2014/main" id="{E362F12F-F64A-7A3A-9F54-7F3E0B692ED8}"/>
               </a:ext>
             </a:extLst>
           </p:cNvPr>
@@ -29653,8 +30746,8 @@
         </p:nvSpPr>
         <p:spPr>
           <a:xfrm>
-            <a:off x="3397469" y="6396335"/>
-            <a:ext cx="5746531" cy="276999"/>
+            <a:off x="622737" y="2505290"/>
+            <a:ext cx="6251028" cy="369332"/>
           </a:xfrm>
           <a:prstGeom prst="rect">
             <a:avLst/>
@@ -29668,47 +30761,671 @@
           <a:lstStyle/>
           <a:p>
             <a:r>
-              <a:rPr lang="en-US" altLang="ko-KR" sz="1200" dirty="0"/>
-              <a:t>https://blog.kakaocdn.net/dn/bsNLy6/btq4bBRDhgu/pt8cbOq1e9pkalI695QnTK/img.png</a:t>
+              <a:rPr lang="ko-KR" altLang="en-US" dirty="0" err="1">
+                <a:solidFill>
+                  <a:schemeClr val="accent6">
+                    <a:lumMod val="75000"/>
+                  </a:schemeClr>
+                </a:solidFill>
+              </a:rPr>
+              <a:t>from</a:t>
             </a:r>
-            <a:endParaRPr lang="ko-KR" altLang="en-US" sz="1200" dirty="0"/>
-          </a:p>
-        </p:txBody>
-      </p:sp>
-      <p:pic>
-        <p:nvPicPr>
-          <p:cNvPr id="4" name="그림 3">
+            <a:r>
+              <a:rPr lang="ko-KR" altLang="en-US" dirty="0"/>
+              <a:t> </a:t>
+            </a:r>
+            <a:r>
+              <a:rPr lang="ko-KR" altLang="en-US" dirty="0" err="1"/>
+              <a:t>sklearn.</a:t>
+            </a:r>
+            <a:r>
+              <a:rPr lang="ko-KR" altLang="en-US" dirty="0" err="1">
+                <a:solidFill>
+                  <a:schemeClr val="accent5"/>
+                </a:solidFill>
+              </a:rPr>
+              <a:t>model_selection</a:t>
+            </a:r>
+            <a:r>
+              <a:rPr lang="ko-KR" altLang="en-US" dirty="0">
+                <a:solidFill>
+                  <a:schemeClr val="accent5"/>
+                </a:solidFill>
+              </a:rPr>
+              <a:t> </a:t>
+            </a:r>
+            <a:r>
+              <a:rPr lang="ko-KR" altLang="en-US" dirty="0" err="1">
+                <a:solidFill>
+                  <a:schemeClr val="accent6">
+                    <a:lumMod val="75000"/>
+                  </a:schemeClr>
+                </a:solidFill>
+              </a:rPr>
+              <a:t>import</a:t>
+            </a:r>
+            <a:r>
+              <a:rPr lang="ko-KR" altLang="en-US" dirty="0"/>
+              <a:t> </a:t>
+            </a:r>
+            <a:r>
+              <a:rPr lang="ko-KR" altLang="en-US" dirty="0" err="1"/>
+              <a:t>train_test_split</a:t>
+            </a:r>
+            <a:endParaRPr lang="ko-KR" altLang="en-US" dirty="0"/>
+          </a:p>
+        </p:txBody>
+      </p:sp>
+      <p:sp>
+        <p:nvSpPr>
+          <p:cNvPr id="11" name="TextBox 10">
             <a:extLst>
               <a:ext uri="{FF2B5EF4-FFF2-40B4-BE49-F238E27FC236}">
-                <a16:creationId xmlns:a16="http://schemas.microsoft.com/office/drawing/2014/main" id="{13CED178-2D62-9B89-43C1-C6BBA86C8991}"/>
+                <a16:creationId xmlns:a16="http://schemas.microsoft.com/office/drawing/2014/main" id="{17109FA8-B4E0-6C56-EE65-B7573B5ABD75}"/>
               </a:ext>
             </a:extLst>
           </p:cNvPr>
-          <p:cNvPicPr>
-            <a:picLocks noChangeAspect="1"/>
-          </p:cNvPicPr>
-          <p:nvPr/>
-        </p:nvPicPr>
-        <p:blipFill>
-          <a:blip r:embed="rId3"/>
-          <a:stretch>
-            <a:fillRect/>
-          </a:stretch>
-        </p:blipFill>
+          <p:cNvSpPr txBox="1"/>
+          <p:nvPr/>
+        </p:nvSpPr>
         <p:spPr>
           <a:xfrm>
-            <a:off x="1049016" y="2616935"/>
-            <a:ext cx="6421871" cy="3305804"/>
+            <a:off x="622737" y="2976669"/>
+            <a:ext cx="7898525" cy="369332"/>
           </a:xfrm>
           <a:prstGeom prst="rect">
             <a:avLst/>
           </a:prstGeom>
-        </p:spPr>
-      </p:pic>
+          <a:noFill/>
+        </p:spPr>
+        <p:txBody>
+          <a:bodyPr wrap="square">
+            <a:spAutoFit/>
+          </a:bodyPr>
+          <a:lstStyle/>
+          <a:p>
+            <a:r>
+              <a:rPr lang="ko-KR" altLang="en-US" dirty="0" err="1"/>
+              <a:t>X_train</a:t>
+            </a:r>
+            <a:r>
+              <a:rPr lang="ko-KR" altLang="en-US" dirty="0"/>
+              <a:t>, </a:t>
+            </a:r>
+            <a:r>
+              <a:rPr lang="ko-KR" altLang="en-US" dirty="0" err="1"/>
+              <a:t>X_test</a:t>
+            </a:r>
+            <a:r>
+              <a:rPr lang="ko-KR" altLang="en-US" dirty="0"/>
+              <a:t>, </a:t>
+            </a:r>
+            <a:r>
+              <a:rPr lang="ko-KR" altLang="en-US" dirty="0" err="1"/>
+              <a:t>Y_train</a:t>
+            </a:r>
+            <a:r>
+              <a:rPr lang="ko-KR" altLang="en-US" dirty="0"/>
+              <a:t>, </a:t>
+            </a:r>
+            <a:r>
+              <a:rPr lang="ko-KR" altLang="en-US" dirty="0" err="1"/>
+              <a:t>Y_test</a:t>
+            </a:r>
+            <a:r>
+              <a:rPr lang="ko-KR" altLang="en-US" dirty="0"/>
+              <a:t> = </a:t>
+            </a:r>
+            <a:r>
+              <a:rPr lang="ko-KR" altLang="en-US" dirty="0" err="1"/>
+              <a:t>train_test_split</a:t>
+            </a:r>
+            <a:r>
+              <a:rPr lang="ko-KR" altLang="en-US" dirty="0"/>
+              <a:t>(X,Y, </a:t>
+            </a:r>
+            <a:r>
+              <a:rPr lang="ko-KR" altLang="en-US" dirty="0" err="1"/>
+              <a:t>test_size</a:t>
+            </a:r>
+            <a:r>
+              <a:rPr lang="ko-KR" altLang="en-US" dirty="0"/>
+              <a:t>=</a:t>
+            </a:r>
+            <a:r>
+              <a:rPr lang="ko-KR" altLang="en-US" dirty="0">
+                <a:solidFill>
+                  <a:schemeClr val="accent6">
+                    <a:lumMod val="75000"/>
+                  </a:schemeClr>
+                </a:solidFill>
+              </a:rPr>
+              <a:t>0.2</a:t>
+            </a:r>
+            <a:r>
+              <a:rPr lang="ko-KR" altLang="en-US" dirty="0"/>
+              <a:t>, </a:t>
+            </a:r>
+            <a:r>
+              <a:rPr lang="ko-KR" altLang="en-US" dirty="0" err="1"/>
+              <a:t>random_state</a:t>
+            </a:r>
+            <a:r>
+              <a:rPr lang="ko-KR" altLang="en-US" dirty="0"/>
+              <a:t>=</a:t>
+            </a:r>
+            <a:r>
+              <a:rPr lang="ko-KR" altLang="en-US" dirty="0">
+                <a:solidFill>
+                  <a:schemeClr val="accent6">
+                    <a:lumMod val="75000"/>
+                  </a:schemeClr>
+                </a:solidFill>
+              </a:rPr>
+              <a:t>0</a:t>
+            </a:r>
+            <a:r>
+              <a:rPr lang="ko-KR" altLang="en-US" dirty="0"/>
+              <a:t>)</a:t>
+            </a:r>
+          </a:p>
+        </p:txBody>
+      </p:sp>
+      <p:sp>
+        <p:nvSpPr>
+          <p:cNvPr id="13" name="사각형: 둥근 모서리 12">
+            <a:extLst>
+              <a:ext uri="{FF2B5EF4-FFF2-40B4-BE49-F238E27FC236}">
+                <a16:creationId xmlns:a16="http://schemas.microsoft.com/office/drawing/2014/main" id="{0F3B43EA-E886-1B74-CA32-6FB792A3A2FE}"/>
+              </a:ext>
+            </a:extLst>
+          </p:cNvPr>
+          <p:cNvSpPr/>
+          <p:nvPr/>
+        </p:nvSpPr>
+        <p:spPr>
+          <a:xfrm>
+            <a:off x="3351858" y="3872191"/>
+            <a:ext cx="1347951" cy="735141"/>
+          </a:xfrm>
+          <a:prstGeom prst="roundRect">
+            <a:avLst/>
+          </a:prstGeom>
+          <a:solidFill>
+            <a:schemeClr val="accent4">
+              <a:lumMod val="20000"/>
+              <a:lumOff val="80000"/>
+            </a:schemeClr>
+          </a:solidFill>
+          <a:ln>
+            <a:solidFill>
+              <a:schemeClr val="accent4"/>
+            </a:solidFill>
+          </a:ln>
+        </p:spPr>
+        <p:style>
+          <a:lnRef idx="2">
+            <a:schemeClr val="accent1">
+              <a:shade val="50000"/>
+            </a:schemeClr>
+          </a:lnRef>
+          <a:fillRef idx="1">
+            <a:schemeClr val="accent1"/>
+          </a:fillRef>
+          <a:effectRef idx="0">
+            <a:schemeClr val="accent1"/>
+          </a:effectRef>
+          <a:fontRef idx="minor">
+            <a:schemeClr val="lt1"/>
+          </a:fontRef>
+        </p:style>
+        <p:txBody>
+          <a:bodyPr rtlCol="0" anchor="ctr"/>
+          <a:lstStyle/>
+          <a:p>
+            <a:pPr algn="ctr"/>
+            <a:endParaRPr lang="ko-KR" altLang="en-US"/>
+          </a:p>
+        </p:txBody>
+      </p:sp>
+      <p:sp>
+        <p:nvSpPr>
+          <p:cNvPr id="17" name="TextBox 16">
+            <a:extLst>
+              <a:ext uri="{FF2B5EF4-FFF2-40B4-BE49-F238E27FC236}">
+                <a16:creationId xmlns:a16="http://schemas.microsoft.com/office/drawing/2014/main" id="{ABC66ABF-86EB-91E7-36B9-2F7A53483773}"/>
+              </a:ext>
+            </a:extLst>
+          </p:cNvPr>
+          <p:cNvSpPr txBox="1"/>
+          <p:nvPr/>
+        </p:nvSpPr>
+        <p:spPr>
+          <a:xfrm>
+            <a:off x="3604105" y="4055096"/>
+            <a:ext cx="843456" cy="369332"/>
+          </a:xfrm>
+          <a:prstGeom prst="rect">
+            <a:avLst/>
+          </a:prstGeom>
+          <a:noFill/>
+        </p:spPr>
+        <p:txBody>
+          <a:bodyPr wrap="square">
+            <a:spAutoFit/>
+          </a:bodyPr>
+          <a:lstStyle/>
+          <a:p>
+            <a:r>
+              <a:rPr lang="en-US" altLang="ko-KR" sz="1800" dirty="0">
+                <a:solidFill>
+                  <a:srgbClr val="222222"/>
+                </a:solidFill>
+                <a:latin typeface="Arial Narrow" panose="020B0606020202030204" pitchFamily="34" charset="0"/>
+              </a:rPr>
+              <a:t>Dataset</a:t>
+            </a:r>
+            <a:endParaRPr lang="ko-KR" altLang="en-US" dirty="0"/>
+          </a:p>
+        </p:txBody>
+      </p:sp>
+      <p:sp>
+        <p:nvSpPr>
+          <p:cNvPr id="18" name="사각형: 둥근 모서리 17">
+            <a:extLst>
+              <a:ext uri="{FF2B5EF4-FFF2-40B4-BE49-F238E27FC236}">
+                <a16:creationId xmlns:a16="http://schemas.microsoft.com/office/drawing/2014/main" id="{68FA1F58-7A8B-3476-641F-9DA16F43A955}"/>
+              </a:ext>
+            </a:extLst>
+          </p:cNvPr>
+          <p:cNvSpPr/>
+          <p:nvPr/>
+        </p:nvSpPr>
+        <p:spPr>
+          <a:xfrm>
+            <a:off x="2139596" y="5188815"/>
+            <a:ext cx="1347951" cy="735141"/>
+          </a:xfrm>
+          <a:prstGeom prst="roundRect">
+            <a:avLst/>
+          </a:prstGeom>
+          <a:solidFill>
+            <a:schemeClr val="accent1">
+              <a:lumMod val="20000"/>
+              <a:lumOff val="80000"/>
+            </a:schemeClr>
+          </a:solidFill>
+        </p:spPr>
+        <p:style>
+          <a:lnRef idx="2">
+            <a:schemeClr val="accent1">
+              <a:shade val="50000"/>
+            </a:schemeClr>
+          </a:lnRef>
+          <a:fillRef idx="1">
+            <a:schemeClr val="accent1"/>
+          </a:fillRef>
+          <a:effectRef idx="0">
+            <a:schemeClr val="accent1"/>
+          </a:effectRef>
+          <a:fontRef idx="minor">
+            <a:schemeClr val="lt1"/>
+          </a:fontRef>
+        </p:style>
+        <p:txBody>
+          <a:bodyPr rtlCol="0" anchor="ctr"/>
+          <a:lstStyle/>
+          <a:p>
+            <a:pPr algn="ctr"/>
+            <a:endParaRPr lang="ko-KR" altLang="en-US"/>
+          </a:p>
+        </p:txBody>
+      </p:sp>
+      <p:sp>
+        <p:nvSpPr>
+          <p:cNvPr id="19" name="사각형: 둥근 모서리 18">
+            <a:extLst>
+              <a:ext uri="{FF2B5EF4-FFF2-40B4-BE49-F238E27FC236}">
+                <a16:creationId xmlns:a16="http://schemas.microsoft.com/office/drawing/2014/main" id="{09C06872-6CE3-0CE2-4D2C-077753B4F107}"/>
+              </a:ext>
+            </a:extLst>
+          </p:cNvPr>
+          <p:cNvSpPr/>
+          <p:nvPr/>
+        </p:nvSpPr>
+        <p:spPr>
+          <a:xfrm>
+            <a:off x="4573687" y="5188814"/>
+            <a:ext cx="1347951" cy="735141"/>
+          </a:xfrm>
+          <a:prstGeom prst="roundRect">
+            <a:avLst/>
+          </a:prstGeom>
+          <a:solidFill>
+            <a:schemeClr val="accent6">
+              <a:lumMod val="20000"/>
+              <a:lumOff val="80000"/>
+            </a:schemeClr>
+          </a:solidFill>
+          <a:ln>
+            <a:solidFill>
+              <a:schemeClr val="accent6">
+                <a:lumMod val="75000"/>
+              </a:schemeClr>
+            </a:solidFill>
+          </a:ln>
+        </p:spPr>
+        <p:style>
+          <a:lnRef idx="2">
+            <a:schemeClr val="accent1">
+              <a:shade val="50000"/>
+            </a:schemeClr>
+          </a:lnRef>
+          <a:fillRef idx="1">
+            <a:schemeClr val="accent1"/>
+          </a:fillRef>
+          <a:effectRef idx="0">
+            <a:schemeClr val="accent1"/>
+          </a:effectRef>
+          <a:fontRef idx="minor">
+            <a:schemeClr val="lt1"/>
+          </a:fontRef>
+        </p:style>
+        <p:txBody>
+          <a:bodyPr rtlCol="0" anchor="ctr"/>
+          <a:lstStyle/>
+          <a:p>
+            <a:pPr algn="ctr"/>
+            <a:endParaRPr lang="ko-KR" altLang="en-US"/>
+          </a:p>
+        </p:txBody>
+      </p:sp>
+      <p:sp>
+        <p:nvSpPr>
+          <p:cNvPr id="21" name="TextBox 20">
+            <a:extLst>
+              <a:ext uri="{FF2B5EF4-FFF2-40B4-BE49-F238E27FC236}">
+                <a16:creationId xmlns:a16="http://schemas.microsoft.com/office/drawing/2014/main" id="{9BB3B3DE-FCB0-EA1F-6602-5274E5A7A700}"/>
+              </a:ext>
+            </a:extLst>
+          </p:cNvPr>
+          <p:cNvSpPr txBox="1"/>
+          <p:nvPr/>
+        </p:nvSpPr>
+        <p:spPr>
+          <a:xfrm>
+            <a:off x="2366511" y="5371718"/>
+            <a:ext cx="859221" cy="369332"/>
+          </a:xfrm>
+          <a:prstGeom prst="rect">
+            <a:avLst/>
+          </a:prstGeom>
+          <a:noFill/>
+        </p:spPr>
+        <p:txBody>
+          <a:bodyPr wrap="square">
+            <a:spAutoFit/>
+          </a:bodyPr>
+          <a:lstStyle/>
+          <a:p>
+            <a:r>
+              <a:rPr lang="en-US" altLang="ko-KR" sz="1800" dirty="0">
+                <a:solidFill>
+                  <a:srgbClr val="222222"/>
+                </a:solidFill>
+                <a:latin typeface="Arial Narrow" panose="020B0606020202030204" pitchFamily="34" charset="0"/>
+              </a:rPr>
+              <a:t>Training</a:t>
+            </a:r>
+            <a:endParaRPr lang="ko-KR" altLang="en-US" dirty="0"/>
+          </a:p>
+        </p:txBody>
+      </p:sp>
+      <p:sp>
+        <p:nvSpPr>
+          <p:cNvPr id="22" name="TextBox 21">
+            <a:extLst>
+              <a:ext uri="{FF2B5EF4-FFF2-40B4-BE49-F238E27FC236}">
+                <a16:creationId xmlns:a16="http://schemas.microsoft.com/office/drawing/2014/main" id="{7D67E3F3-E633-55F4-81DC-B34E63CC798F}"/>
+              </a:ext>
+            </a:extLst>
+          </p:cNvPr>
+          <p:cNvSpPr txBox="1"/>
+          <p:nvPr/>
+        </p:nvSpPr>
+        <p:spPr>
+          <a:xfrm>
+            <a:off x="4706094" y="5371718"/>
+            <a:ext cx="1083136" cy="369332"/>
+          </a:xfrm>
+          <a:prstGeom prst="rect">
+            <a:avLst/>
+          </a:prstGeom>
+          <a:noFill/>
+        </p:spPr>
+        <p:txBody>
+          <a:bodyPr wrap="square">
+            <a:spAutoFit/>
+          </a:bodyPr>
+          <a:lstStyle/>
+          <a:p>
+            <a:r>
+              <a:rPr lang="en-US" altLang="ko-KR" sz="1800" dirty="0">
+                <a:solidFill>
+                  <a:srgbClr val="222222"/>
+                </a:solidFill>
+                <a:latin typeface="Arial Narrow" panose="020B0606020202030204" pitchFamily="34" charset="0"/>
+              </a:rPr>
+              <a:t>Validation</a:t>
+            </a:r>
+            <a:endParaRPr lang="ko-KR" altLang="en-US" dirty="0"/>
+          </a:p>
+        </p:txBody>
+      </p:sp>
+      <p:sp>
+        <p:nvSpPr>
+          <p:cNvPr id="23" name="화살표: 아래쪽 22">
+            <a:extLst>
+              <a:ext uri="{FF2B5EF4-FFF2-40B4-BE49-F238E27FC236}">
+                <a16:creationId xmlns:a16="http://schemas.microsoft.com/office/drawing/2014/main" id="{52A54D13-38B0-1673-7A36-DA100FFA421E}"/>
+              </a:ext>
+            </a:extLst>
+          </p:cNvPr>
+          <p:cNvSpPr/>
+          <p:nvPr/>
+        </p:nvSpPr>
+        <p:spPr>
+          <a:xfrm rot="2123536">
+            <a:off x="3093974" y="4700265"/>
+            <a:ext cx="327152" cy="433899"/>
+          </a:xfrm>
+          <a:prstGeom prst="downArrow">
+            <a:avLst/>
+          </a:prstGeom>
+          <a:solidFill>
+            <a:schemeClr val="bg2">
+              <a:lumMod val="90000"/>
+            </a:schemeClr>
+          </a:solidFill>
+          <a:ln>
+            <a:solidFill>
+              <a:schemeClr val="tx1">
+                <a:lumMod val="65000"/>
+                <a:lumOff val="35000"/>
+              </a:schemeClr>
+            </a:solidFill>
+          </a:ln>
+        </p:spPr>
+        <p:style>
+          <a:lnRef idx="2">
+            <a:schemeClr val="accent1">
+              <a:shade val="50000"/>
+            </a:schemeClr>
+          </a:lnRef>
+          <a:fillRef idx="1">
+            <a:schemeClr val="accent1"/>
+          </a:fillRef>
+          <a:effectRef idx="0">
+            <a:schemeClr val="accent1"/>
+          </a:effectRef>
+          <a:fontRef idx="minor">
+            <a:schemeClr val="lt1"/>
+          </a:fontRef>
+        </p:style>
+        <p:txBody>
+          <a:bodyPr rtlCol="0" anchor="ctr"/>
+          <a:lstStyle/>
+          <a:p>
+            <a:pPr algn="ctr"/>
+            <a:endParaRPr lang="ko-KR" altLang="en-US"/>
+          </a:p>
+        </p:txBody>
+      </p:sp>
+      <p:sp>
+        <p:nvSpPr>
+          <p:cNvPr id="24" name="화살표: 아래쪽 23">
+            <a:extLst>
+              <a:ext uri="{FF2B5EF4-FFF2-40B4-BE49-F238E27FC236}">
+                <a16:creationId xmlns:a16="http://schemas.microsoft.com/office/drawing/2014/main" id="{E9C2155D-D83F-AE94-E1D2-A7C901AB5B9F}"/>
+              </a:ext>
+            </a:extLst>
+          </p:cNvPr>
+          <p:cNvSpPr/>
+          <p:nvPr/>
+        </p:nvSpPr>
+        <p:spPr>
+          <a:xfrm rot="19671574">
+            <a:off x="4629694" y="4661979"/>
+            <a:ext cx="327152" cy="433899"/>
+          </a:xfrm>
+          <a:prstGeom prst="downArrow">
+            <a:avLst/>
+          </a:prstGeom>
+          <a:solidFill>
+            <a:schemeClr val="bg2">
+              <a:lumMod val="90000"/>
+            </a:schemeClr>
+          </a:solidFill>
+          <a:ln>
+            <a:solidFill>
+              <a:schemeClr val="tx1">
+                <a:lumMod val="65000"/>
+                <a:lumOff val="35000"/>
+              </a:schemeClr>
+            </a:solidFill>
+          </a:ln>
+        </p:spPr>
+        <p:style>
+          <a:lnRef idx="2">
+            <a:schemeClr val="accent1">
+              <a:shade val="50000"/>
+            </a:schemeClr>
+          </a:lnRef>
+          <a:fillRef idx="1">
+            <a:schemeClr val="accent1"/>
+          </a:fillRef>
+          <a:effectRef idx="0">
+            <a:schemeClr val="accent1"/>
+          </a:effectRef>
+          <a:fontRef idx="minor">
+            <a:schemeClr val="lt1"/>
+          </a:fontRef>
+        </p:style>
+        <p:txBody>
+          <a:bodyPr rtlCol="0" anchor="ctr"/>
+          <a:lstStyle/>
+          <a:p>
+            <a:pPr algn="ctr"/>
+            <a:endParaRPr lang="ko-KR" altLang="en-US"/>
+          </a:p>
+        </p:txBody>
+      </p:sp>
+      <p:sp>
+        <p:nvSpPr>
+          <p:cNvPr id="26" name="TextBox 25">
+            <a:extLst>
+              <a:ext uri="{FF2B5EF4-FFF2-40B4-BE49-F238E27FC236}">
+                <a16:creationId xmlns:a16="http://schemas.microsoft.com/office/drawing/2014/main" id="{05B36545-FCEF-E5E4-330F-9C59B7DBF1AA}"/>
+              </a:ext>
+            </a:extLst>
+          </p:cNvPr>
+          <p:cNvSpPr txBox="1"/>
+          <p:nvPr/>
+        </p:nvSpPr>
+        <p:spPr>
+          <a:xfrm>
+            <a:off x="1907627" y="5994213"/>
+            <a:ext cx="1923394" cy="369332"/>
+          </a:xfrm>
+          <a:prstGeom prst="rect">
+            <a:avLst/>
+          </a:prstGeom>
+          <a:noFill/>
+        </p:spPr>
+        <p:txBody>
+          <a:bodyPr wrap="square">
+            <a:spAutoFit/>
+          </a:bodyPr>
+          <a:lstStyle/>
+          <a:p>
+            <a:r>
+              <a:rPr lang="en-US" altLang="ko-KR" dirty="0">
+                <a:solidFill>
+                  <a:srgbClr val="222222"/>
+                </a:solidFill>
+                <a:latin typeface="Arial Narrow" panose="020B0606020202030204" pitchFamily="34" charset="0"/>
+              </a:rPr>
+              <a:t>For training weights </a:t>
+            </a:r>
+            <a:endParaRPr lang="ko-KR" altLang="en-US" dirty="0"/>
+          </a:p>
+        </p:txBody>
+      </p:sp>
+      <p:sp>
+        <p:nvSpPr>
+          <p:cNvPr id="27" name="TextBox 26">
+            <a:extLst>
+              <a:ext uri="{FF2B5EF4-FFF2-40B4-BE49-F238E27FC236}">
+                <a16:creationId xmlns:a16="http://schemas.microsoft.com/office/drawing/2014/main" id="{912A3971-831D-ECEC-A639-77FF93314897}"/>
+              </a:ext>
+            </a:extLst>
+          </p:cNvPr>
+          <p:cNvSpPr txBox="1"/>
+          <p:nvPr/>
+        </p:nvSpPr>
+        <p:spPr>
+          <a:xfrm>
+            <a:off x="4447561" y="5991215"/>
+            <a:ext cx="1923394" cy="369332"/>
+          </a:xfrm>
+          <a:prstGeom prst="rect">
+            <a:avLst/>
+          </a:prstGeom>
+          <a:noFill/>
+        </p:spPr>
+        <p:txBody>
+          <a:bodyPr wrap="square">
+            <a:spAutoFit/>
+          </a:bodyPr>
+          <a:lstStyle/>
+          <a:p>
+            <a:r>
+              <a:rPr lang="en-US" altLang="ko-KR" dirty="0">
+                <a:solidFill>
+                  <a:srgbClr val="222222"/>
+                </a:solidFill>
+                <a:latin typeface="Arial Narrow" panose="020B0606020202030204" pitchFamily="34" charset="0"/>
+              </a:rPr>
+              <a:t>For stop training</a:t>
+            </a:r>
+            <a:endParaRPr lang="ko-KR" altLang="en-US" dirty="0"/>
+          </a:p>
+        </p:txBody>
+      </p:sp>
     </p:spTree>
     <p:extLst>
       <p:ext uri="{BB962C8B-B14F-4D97-AF65-F5344CB8AC3E}">
-        <p14:creationId xmlns:p14="http://schemas.microsoft.com/office/powerpoint/2010/main" val="2392127345"/>
+        <p14:creationId xmlns:p14="http://schemas.microsoft.com/office/powerpoint/2010/main" val="1199381525"/>
       </p:ext>
     </p:extLst>
   </p:cSld>
@@ -30000,6 +31717,3439 @@
 </file>
 
 <file path=ppt/slides/slide30.xml><?xml version="1.0" encoding="utf-8"?>
+<p:sld xmlns:a="http://schemas.openxmlformats.org/drawingml/2006/main" xmlns:r="http://schemas.openxmlformats.org/officeDocument/2006/relationships" xmlns:p="http://schemas.openxmlformats.org/presentationml/2006/main">
+  <p:cSld>
+    <p:spTree>
+      <p:nvGrpSpPr>
+        <p:cNvPr id="1" name=""/>
+        <p:cNvGrpSpPr/>
+        <p:nvPr/>
+      </p:nvGrpSpPr>
+      <p:grpSpPr>
+        <a:xfrm>
+          <a:off x="0" y="0"/>
+          <a:ext cx="0" cy="0"/>
+          <a:chOff x="0" y="0"/>
+          <a:chExt cx="0" cy="0"/>
+        </a:xfrm>
+      </p:grpSpPr>
+      <p:cxnSp>
+        <p:nvCxnSpPr>
+          <p:cNvPr id="36" name="직선 연결선 35"/>
+          <p:cNvCxnSpPr/>
+          <p:nvPr/>
+        </p:nvCxnSpPr>
+        <p:spPr>
+          <a:xfrm>
+            <a:off x="361950" y="857250"/>
+            <a:ext cx="5391150" cy="0"/>
+          </a:xfrm>
+          <a:prstGeom prst="line">
+            <a:avLst/>
+          </a:prstGeom>
+          <a:ln w="38100">
+            <a:solidFill>
+              <a:schemeClr val="accent2">
+                <a:alpha val="60000"/>
+              </a:schemeClr>
+            </a:solidFill>
+          </a:ln>
+        </p:spPr>
+        <p:style>
+          <a:lnRef idx="1">
+            <a:schemeClr val="accent1"/>
+          </a:lnRef>
+          <a:fillRef idx="0">
+            <a:schemeClr val="accent1"/>
+          </a:fillRef>
+          <a:effectRef idx="0">
+            <a:schemeClr val="accent1"/>
+          </a:effectRef>
+          <a:fontRef idx="minor">
+            <a:schemeClr val="tx1"/>
+          </a:fontRef>
+        </p:style>
+      </p:cxnSp>
+      <p:cxnSp>
+        <p:nvCxnSpPr>
+          <p:cNvPr id="37" name="직선 연결선 36"/>
+          <p:cNvCxnSpPr/>
+          <p:nvPr/>
+        </p:nvCxnSpPr>
+        <p:spPr>
+          <a:xfrm>
+            <a:off x="3257550" y="933450"/>
+            <a:ext cx="5391150" cy="0"/>
+          </a:xfrm>
+          <a:prstGeom prst="line">
+            <a:avLst/>
+          </a:prstGeom>
+          <a:ln w="38100">
+            <a:solidFill>
+              <a:schemeClr val="accent6">
+                <a:alpha val="60000"/>
+              </a:schemeClr>
+            </a:solidFill>
+          </a:ln>
+        </p:spPr>
+        <p:style>
+          <a:lnRef idx="1">
+            <a:schemeClr val="accent1"/>
+          </a:lnRef>
+          <a:fillRef idx="0">
+            <a:schemeClr val="accent1"/>
+          </a:fillRef>
+          <a:effectRef idx="0">
+            <a:schemeClr val="accent1"/>
+          </a:effectRef>
+          <a:fontRef idx="minor">
+            <a:schemeClr val="tx1"/>
+          </a:fontRef>
+        </p:style>
+      </p:cxnSp>
+      <p:sp>
+        <p:nvSpPr>
+          <p:cNvPr id="10" name="직사각형 9">
+            <a:extLst>
+              <a:ext uri="{FF2B5EF4-FFF2-40B4-BE49-F238E27FC236}">
+                <a16:creationId xmlns:a16="http://schemas.microsoft.com/office/drawing/2014/main" id="{9DC7D8DF-F1AC-5E24-6D05-87B8D3343A78}"/>
+              </a:ext>
+            </a:extLst>
+          </p:cNvPr>
+          <p:cNvSpPr/>
+          <p:nvPr/>
+        </p:nvSpPr>
+        <p:spPr>
+          <a:xfrm>
+            <a:off x="328771" y="1139130"/>
+            <a:ext cx="8742077" cy="1049775"/>
+          </a:xfrm>
+          <a:prstGeom prst="rect">
+            <a:avLst/>
+          </a:prstGeom>
+        </p:spPr>
+        <p:txBody>
+          <a:bodyPr wrap="square">
+            <a:spAutoFit/>
+          </a:bodyPr>
+          <a:lstStyle/>
+          <a:p>
+            <a:pPr marL="284400" indent="-284400">
+              <a:lnSpc>
+                <a:spcPct val="150000"/>
+              </a:lnSpc>
+              <a:buFont typeface="Arial" panose="020B0604020202020204" pitchFamily="34" charset="0"/>
+              <a:buChar char="•"/>
+            </a:pPr>
+            <a:r>
+              <a:rPr lang="en-US" altLang="ko-KR" sz="2400" dirty="0">
+                <a:solidFill>
+                  <a:srgbClr val="222222"/>
+                </a:solidFill>
+                <a:latin typeface="Arial Narrow" panose="020B0606020202030204" pitchFamily="34" charset="0"/>
+              </a:rPr>
+              <a:t>Overfitting</a:t>
+            </a:r>
+          </a:p>
+          <a:p>
+            <a:pPr marL="741600" lvl="1" indent="-284400">
+              <a:lnSpc>
+                <a:spcPct val="150000"/>
+              </a:lnSpc>
+              <a:buFont typeface="Arial" panose="020B0604020202020204" pitchFamily="34" charset="0"/>
+              <a:buChar char="•"/>
+            </a:pPr>
+            <a:r>
+              <a:rPr lang="en-US" altLang="ko-KR" sz="2000" dirty="0">
+                <a:solidFill>
+                  <a:srgbClr val="222222"/>
+                </a:solidFill>
+                <a:latin typeface="Arial Narrow" panose="020B0606020202030204" pitchFamily="34" charset="0"/>
+              </a:rPr>
+              <a:t>Understanding overfitting based on implementation</a:t>
+            </a:r>
+          </a:p>
+        </p:txBody>
+      </p:sp>
+      <p:sp>
+        <p:nvSpPr>
+          <p:cNvPr id="6" name="직사각형 5">
+            <a:extLst>
+              <a:ext uri="{FF2B5EF4-FFF2-40B4-BE49-F238E27FC236}">
+                <a16:creationId xmlns:a16="http://schemas.microsoft.com/office/drawing/2014/main" id="{6AE458C1-6B85-ECDF-7351-770B57E86129}"/>
+              </a:ext>
+            </a:extLst>
+          </p:cNvPr>
+          <p:cNvSpPr/>
+          <p:nvPr/>
+        </p:nvSpPr>
+        <p:spPr>
+          <a:xfrm>
+            <a:off x="299839" y="70603"/>
+            <a:ext cx="8544322" cy="657168"/>
+          </a:xfrm>
+          <a:prstGeom prst="rect">
+            <a:avLst/>
+          </a:prstGeom>
+        </p:spPr>
+        <p:txBody>
+          <a:bodyPr wrap="square">
+            <a:spAutoFit/>
+          </a:bodyPr>
+          <a:lstStyle/>
+          <a:p>
+            <a:pPr>
+              <a:lnSpc>
+                <a:spcPct val="150000"/>
+              </a:lnSpc>
+            </a:pPr>
+            <a:r>
+              <a:rPr lang="en-US" altLang="ko-KR" sz="2800" dirty="0">
+                <a:latin typeface="Arial Narrow" panose="020B0606020202030204" pitchFamily="34" charset="0"/>
+                <a:cs typeface="Times New Roman" panose="02020603050405020304" pitchFamily="18" charset="0"/>
+              </a:rPr>
+              <a:t>Understanding Overfitting</a:t>
+            </a:r>
+          </a:p>
+        </p:txBody>
+      </p:sp>
+      <p:sp>
+        <p:nvSpPr>
+          <p:cNvPr id="3" name="TextBox 2">
+            <a:extLst>
+              <a:ext uri="{FF2B5EF4-FFF2-40B4-BE49-F238E27FC236}">
+                <a16:creationId xmlns:a16="http://schemas.microsoft.com/office/drawing/2014/main" id="{4BB0F7C4-1411-5A4E-6442-045C47FF25D9}"/>
+              </a:ext>
+            </a:extLst>
+          </p:cNvPr>
+          <p:cNvSpPr txBox="1"/>
+          <p:nvPr/>
+        </p:nvSpPr>
+        <p:spPr>
+          <a:xfrm>
+            <a:off x="1979469" y="3909675"/>
+            <a:ext cx="4572000" cy="923330"/>
+          </a:xfrm>
+          <a:prstGeom prst="rect">
+            <a:avLst/>
+          </a:prstGeom>
+          <a:noFill/>
+        </p:spPr>
+        <p:txBody>
+          <a:bodyPr wrap="square">
+            <a:spAutoFit/>
+          </a:bodyPr>
+          <a:lstStyle/>
+          <a:p>
+            <a:r>
+              <a:rPr lang="en-US" altLang="ko-KR" dirty="0">
+                <a:hlinkClick r:id="rId3"/>
+              </a:rPr>
+              <a:t>https://colab.research.google.com/github/JunetaeKim/DeepLearningClass/blob/main/Week10/IntroOverfit.ipynb</a:t>
+            </a:r>
+            <a:endParaRPr lang="ko-KR" altLang="en-US" dirty="0"/>
+          </a:p>
+        </p:txBody>
+      </p:sp>
+    </p:spTree>
+    <p:extLst>
+      <p:ext uri="{BB962C8B-B14F-4D97-AF65-F5344CB8AC3E}">
+        <p14:creationId xmlns:p14="http://schemas.microsoft.com/office/powerpoint/2010/main" val="1663918560"/>
+      </p:ext>
+    </p:extLst>
+  </p:cSld>
+  <p:clrMapOvr>
+    <a:masterClrMapping/>
+  </p:clrMapOvr>
+</p:sld>
+</file>
+
+<file path=ppt/slides/slide31.xml><?xml version="1.0" encoding="utf-8"?>
+<p:sld xmlns:a="http://schemas.openxmlformats.org/drawingml/2006/main" xmlns:r="http://schemas.openxmlformats.org/officeDocument/2006/relationships" xmlns:p="http://schemas.openxmlformats.org/presentationml/2006/main">
+  <p:cSld>
+    <p:spTree>
+      <p:nvGrpSpPr>
+        <p:cNvPr id="1" name=""/>
+        <p:cNvGrpSpPr/>
+        <p:nvPr/>
+      </p:nvGrpSpPr>
+      <p:grpSpPr>
+        <a:xfrm>
+          <a:off x="0" y="0"/>
+          <a:ext cx="0" cy="0"/>
+          <a:chOff x="0" y="0"/>
+          <a:chExt cx="0" cy="0"/>
+        </a:xfrm>
+      </p:grpSpPr>
+      <p:sp>
+        <p:nvSpPr>
+          <p:cNvPr id="16" name="사각형: 둥근 모서리 15">
+            <a:extLst>
+              <a:ext uri="{FF2B5EF4-FFF2-40B4-BE49-F238E27FC236}">
+                <a16:creationId xmlns:a16="http://schemas.microsoft.com/office/drawing/2014/main" id="{9E429AA5-479B-B7A3-A598-D5B9D170DEF6}"/>
+              </a:ext>
+            </a:extLst>
+          </p:cNvPr>
+          <p:cNvSpPr/>
+          <p:nvPr/>
+        </p:nvSpPr>
+        <p:spPr>
+          <a:xfrm>
+            <a:off x="4147089" y="5652083"/>
+            <a:ext cx="1575137" cy="529668"/>
+          </a:xfrm>
+          <a:prstGeom prst="roundRect">
+            <a:avLst/>
+          </a:prstGeom>
+          <a:solidFill>
+            <a:srgbClr val="CC3300">
+              <a:alpha val="30000"/>
+            </a:srgbClr>
+          </a:solidFill>
+          <a:ln>
+            <a:solidFill>
+              <a:srgbClr val="C00000"/>
+            </a:solidFill>
+          </a:ln>
+        </p:spPr>
+        <p:style>
+          <a:lnRef idx="2">
+            <a:schemeClr val="accent1">
+              <a:shade val="50000"/>
+            </a:schemeClr>
+          </a:lnRef>
+          <a:fillRef idx="1">
+            <a:schemeClr val="accent1"/>
+          </a:fillRef>
+          <a:effectRef idx="0">
+            <a:schemeClr val="accent1"/>
+          </a:effectRef>
+          <a:fontRef idx="minor">
+            <a:schemeClr val="lt1"/>
+          </a:fontRef>
+        </p:style>
+        <p:txBody>
+          <a:bodyPr rtlCol="0" anchor="ctr"/>
+          <a:lstStyle/>
+          <a:p>
+            <a:pPr algn="ctr"/>
+            <a:endParaRPr lang="ko-KR" altLang="en-US"/>
+          </a:p>
+        </p:txBody>
+      </p:sp>
+      <p:cxnSp>
+        <p:nvCxnSpPr>
+          <p:cNvPr id="36" name="직선 연결선 35"/>
+          <p:cNvCxnSpPr/>
+          <p:nvPr/>
+        </p:nvCxnSpPr>
+        <p:spPr>
+          <a:xfrm>
+            <a:off x="361950" y="857250"/>
+            <a:ext cx="5391150" cy="0"/>
+          </a:xfrm>
+          <a:prstGeom prst="line">
+            <a:avLst/>
+          </a:prstGeom>
+          <a:ln w="38100">
+            <a:solidFill>
+              <a:schemeClr val="accent2">
+                <a:alpha val="60000"/>
+              </a:schemeClr>
+            </a:solidFill>
+          </a:ln>
+        </p:spPr>
+        <p:style>
+          <a:lnRef idx="1">
+            <a:schemeClr val="accent1"/>
+          </a:lnRef>
+          <a:fillRef idx="0">
+            <a:schemeClr val="accent1"/>
+          </a:fillRef>
+          <a:effectRef idx="0">
+            <a:schemeClr val="accent1"/>
+          </a:effectRef>
+          <a:fontRef idx="minor">
+            <a:schemeClr val="tx1"/>
+          </a:fontRef>
+        </p:style>
+      </p:cxnSp>
+      <p:cxnSp>
+        <p:nvCxnSpPr>
+          <p:cNvPr id="37" name="직선 연결선 36"/>
+          <p:cNvCxnSpPr/>
+          <p:nvPr/>
+        </p:nvCxnSpPr>
+        <p:spPr>
+          <a:xfrm>
+            <a:off x="3257550" y="933450"/>
+            <a:ext cx="5391150" cy="0"/>
+          </a:xfrm>
+          <a:prstGeom prst="line">
+            <a:avLst/>
+          </a:prstGeom>
+          <a:ln w="38100">
+            <a:solidFill>
+              <a:schemeClr val="accent6">
+                <a:alpha val="60000"/>
+              </a:schemeClr>
+            </a:solidFill>
+          </a:ln>
+        </p:spPr>
+        <p:style>
+          <a:lnRef idx="1">
+            <a:schemeClr val="accent1"/>
+          </a:lnRef>
+          <a:fillRef idx="0">
+            <a:schemeClr val="accent1"/>
+          </a:fillRef>
+          <a:effectRef idx="0">
+            <a:schemeClr val="accent1"/>
+          </a:effectRef>
+          <a:fontRef idx="minor">
+            <a:schemeClr val="tx1"/>
+          </a:fontRef>
+        </p:style>
+      </p:cxnSp>
+      <p:sp>
+        <p:nvSpPr>
+          <p:cNvPr id="10" name="직사각형 9">
+            <a:extLst>
+              <a:ext uri="{FF2B5EF4-FFF2-40B4-BE49-F238E27FC236}">
+                <a16:creationId xmlns:a16="http://schemas.microsoft.com/office/drawing/2014/main" id="{9DC7D8DF-F1AC-5E24-6D05-87B8D3343A78}"/>
+              </a:ext>
+            </a:extLst>
+          </p:cNvPr>
+          <p:cNvSpPr/>
+          <p:nvPr/>
+        </p:nvSpPr>
+        <p:spPr>
+          <a:xfrm>
+            <a:off x="328771" y="1139130"/>
+            <a:ext cx="8742077" cy="1049775"/>
+          </a:xfrm>
+          <a:prstGeom prst="rect">
+            <a:avLst/>
+          </a:prstGeom>
+        </p:spPr>
+        <p:txBody>
+          <a:bodyPr wrap="square">
+            <a:spAutoFit/>
+          </a:bodyPr>
+          <a:lstStyle/>
+          <a:p>
+            <a:pPr marL="284400" indent="-284400">
+              <a:lnSpc>
+                <a:spcPct val="150000"/>
+              </a:lnSpc>
+              <a:buFont typeface="Arial" panose="020B0604020202020204" pitchFamily="34" charset="0"/>
+              <a:buChar char="•"/>
+            </a:pPr>
+            <a:r>
+              <a:rPr lang="en-US" altLang="ko-KR" sz="2400" dirty="0">
+                <a:solidFill>
+                  <a:srgbClr val="222222"/>
+                </a:solidFill>
+                <a:latin typeface="Arial Narrow" panose="020B0606020202030204" pitchFamily="34" charset="0"/>
+              </a:rPr>
+              <a:t>Data split</a:t>
+            </a:r>
+          </a:p>
+          <a:p>
+            <a:pPr marL="741600" lvl="1" indent="-284400">
+              <a:lnSpc>
+                <a:spcPct val="150000"/>
+              </a:lnSpc>
+              <a:buFont typeface="Arial" panose="020B0604020202020204" pitchFamily="34" charset="0"/>
+              <a:buChar char="•"/>
+            </a:pPr>
+            <a:r>
+              <a:rPr lang="en-US" altLang="ko-KR" sz="2000" dirty="0">
+                <a:solidFill>
+                  <a:srgbClr val="222222"/>
+                </a:solidFill>
+                <a:latin typeface="Arial Narrow" panose="020B0606020202030204" pitchFamily="34" charset="0"/>
+              </a:rPr>
+              <a:t>Training set, validation set, and test set. </a:t>
+            </a:r>
+          </a:p>
+        </p:txBody>
+      </p:sp>
+      <p:sp>
+        <p:nvSpPr>
+          <p:cNvPr id="6" name="직사각형 5">
+            <a:extLst>
+              <a:ext uri="{FF2B5EF4-FFF2-40B4-BE49-F238E27FC236}">
+                <a16:creationId xmlns:a16="http://schemas.microsoft.com/office/drawing/2014/main" id="{6AE458C1-6B85-ECDF-7351-770B57E86129}"/>
+              </a:ext>
+            </a:extLst>
+          </p:cNvPr>
+          <p:cNvSpPr/>
+          <p:nvPr/>
+        </p:nvSpPr>
+        <p:spPr>
+          <a:xfrm>
+            <a:off x="299839" y="70603"/>
+            <a:ext cx="8544322" cy="657168"/>
+          </a:xfrm>
+          <a:prstGeom prst="rect">
+            <a:avLst/>
+          </a:prstGeom>
+        </p:spPr>
+        <p:txBody>
+          <a:bodyPr wrap="square">
+            <a:spAutoFit/>
+          </a:bodyPr>
+          <a:lstStyle/>
+          <a:p>
+            <a:pPr>
+              <a:lnSpc>
+                <a:spcPct val="150000"/>
+              </a:lnSpc>
+            </a:pPr>
+            <a:r>
+              <a:rPr lang="en-US" altLang="ko-KR" sz="2800" dirty="0">
+                <a:latin typeface="Arial Narrow" panose="020B0606020202030204" pitchFamily="34" charset="0"/>
+                <a:cs typeface="Times New Roman" panose="02020603050405020304" pitchFamily="18" charset="0"/>
+              </a:rPr>
+              <a:t>Understanding Overfitting</a:t>
+            </a:r>
+          </a:p>
+        </p:txBody>
+      </p:sp>
+      <p:sp>
+        <p:nvSpPr>
+          <p:cNvPr id="13" name="사각형: 둥근 모서리 12">
+            <a:extLst>
+              <a:ext uri="{FF2B5EF4-FFF2-40B4-BE49-F238E27FC236}">
+                <a16:creationId xmlns:a16="http://schemas.microsoft.com/office/drawing/2014/main" id="{0F3B43EA-E886-1B74-CA32-6FB792A3A2FE}"/>
+              </a:ext>
+            </a:extLst>
+          </p:cNvPr>
+          <p:cNvSpPr/>
+          <p:nvPr/>
+        </p:nvSpPr>
+        <p:spPr>
+          <a:xfrm>
+            <a:off x="4179547" y="2600264"/>
+            <a:ext cx="1347951" cy="735141"/>
+          </a:xfrm>
+          <a:prstGeom prst="roundRect">
+            <a:avLst/>
+          </a:prstGeom>
+          <a:solidFill>
+            <a:schemeClr val="accent4">
+              <a:lumMod val="20000"/>
+              <a:lumOff val="80000"/>
+            </a:schemeClr>
+          </a:solidFill>
+          <a:ln>
+            <a:solidFill>
+              <a:schemeClr val="accent4"/>
+            </a:solidFill>
+          </a:ln>
+        </p:spPr>
+        <p:style>
+          <a:lnRef idx="2">
+            <a:schemeClr val="accent1">
+              <a:shade val="50000"/>
+            </a:schemeClr>
+          </a:lnRef>
+          <a:fillRef idx="1">
+            <a:schemeClr val="accent1"/>
+          </a:fillRef>
+          <a:effectRef idx="0">
+            <a:schemeClr val="accent1"/>
+          </a:effectRef>
+          <a:fontRef idx="minor">
+            <a:schemeClr val="lt1"/>
+          </a:fontRef>
+        </p:style>
+        <p:txBody>
+          <a:bodyPr rtlCol="0" anchor="ctr"/>
+          <a:lstStyle/>
+          <a:p>
+            <a:pPr algn="ctr"/>
+            <a:endParaRPr lang="ko-KR" altLang="en-US"/>
+          </a:p>
+        </p:txBody>
+      </p:sp>
+      <p:sp>
+        <p:nvSpPr>
+          <p:cNvPr id="17" name="TextBox 16">
+            <a:extLst>
+              <a:ext uri="{FF2B5EF4-FFF2-40B4-BE49-F238E27FC236}">
+                <a16:creationId xmlns:a16="http://schemas.microsoft.com/office/drawing/2014/main" id="{ABC66ABF-86EB-91E7-36B9-2F7A53483773}"/>
+              </a:ext>
+            </a:extLst>
+          </p:cNvPr>
+          <p:cNvSpPr txBox="1"/>
+          <p:nvPr/>
+        </p:nvSpPr>
+        <p:spPr>
+          <a:xfrm>
+            <a:off x="4397453" y="2781844"/>
+            <a:ext cx="969582" cy="369332"/>
+          </a:xfrm>
+          <a:prstGeom prst="rect">
+            <a:avLst/>
+          </a:prstGeom>
+          <a:noFill/>
+        </p:spPr>
+        <p:txBody>
+          <a:bodyPr wrap="square">
+            <a:spAutoFit/>
+          </a:bodyPr>
+          <a:lstStyle/>
+          <a:p>
+            <a:r>
+              <a:rPr lang="en-US" altLang="ko-KR" sz="1800" dirty="0">
+                <a:solidFill>
+                  <a:srgbClr val="222222"/>
+                </a:solidFill>
+                <a:latin typeface="Arial Narrow" panose="020B0606020202030204" pitchFamily="34" charset="0"/>
+              </a:rPr>
+              <a:t>Dataset1</a:t>
+            </a:r>
+            <a:endParaRPr lang="ko-KR" altLang="en-US" dirty="0"/>
+          </a:p>
+        </p:txBody>
+      </p:sp>
+      <p:sp>
+        <p:nvSpPr>
+          <p:cNvPr id="18" name="사각형: 둥근 모서리 17">
+            <a:extLst>
+              <a:ext uri="{FF2B5EF4-FFF2-40B4-BE49-F238E27FC236}">
+                <a16:creationId xmlns:a16="http://schemas.microsoft.com/office/drawing/2014/main" id="{68FA1F58-7A8B-3476-641F-9DA16F43A955}"/>
+              </a:ext>
+            </a:extLst>
+          </p:cNvPr>
+          <p:cNvSpPr/>
+          <p:nvPr/>
+        </p:nvSpPr>
+        <p:spPr>
+          <a:xfrm>
+            <a:off x="2967285" y="3916888"/>
+            <a:ext cx="1347951" cy="735141"/>
+          </a:xfrm>
+          <a:prstGeom prst="roundRect">
+            <a:avLst/>
+          </a:prstGeom>
+          <a:solidFill>
+            <a:schemeClr val="accent1">
+              <a:lumMod val="20000"/>
+              <a:lumOff val="80000"/>
+            </a:schemeClr>
+          </a:solidFill>
+        </p:spPr>
+        <p:style>
+          <a:lnRef idx="2">
+            <a:schemeClr val="accent1">
+              <a:shade val="50000"/>
+            </a:schemeClr>
+          </a:lnRef>
+          <a:fillRef idx="1">
+            <a:schemeClr val="accent1"/>
+          </a:fillRef>
+          <a:effectRef idx="0">
+            <a:schemeClr val="accent1"/>
+          </a:effectRef>
+          <a:fontRef idx="minor">
+            <a:schemeClr val="lt1"/>
+          </a:fontRef>
+        </p:style>
+        <p:txBody>
+          <a:bodyPr rtlCol="0" anchor="ctr"/>
+          <a:lstStyle/>
+          <a:p>
+            <a:pPr algn="ctr"/>
+            <a:endParaRPr lang="ko-KR" altLang="en-US"/>
+          </a:p>
+        </p:txBody>
+      </p:sp>
+      <p:sp>
+        <p:nvSpPr>
+          <p:cNvPr id="19" name="사각형: 둥근 모서리 18">
+            <a:extLst>
+              <a:ext uri="{FF2B5EF4-FFF2-40B4-BE49-F238E27FC236}">
+                <a16:creationId xmlns:a16="http://schemas.microsoft.com/office/drawing/2014/main" id="{09C06872-6CE3-0CE2-4D2C-077753B4F107}"/>
+              </a:ext>
+            </a:extLst>
+          </p:cNvPr>
+          <p:cNvSpPr/>
+          <p:nvPr/>
+        </p:nvSpPr>
+        <p:spPr>
+          <a:xfrm>
+            <a:off x="5401376" y="3916887"/>
+            <a:ext cx="1347951" cy="735141"/>
+          </a:xfrm>
+          <a:prstGeom prst="roundRect">
+            <a:avLst/>
+          </a:prstGeom>
+          <a:solidFill>
+            <a:schemeClr val="accent6">
+              <a:lumMod val="20000"/>
+              <a:lumOff val="80000"/>
+            </a:schemeClr>
+          </a:solidFill>
+          <a:ln>
+            <a:solidFill>
+              <a:schemeClr val="accent6">
+                <a:lumMod val="75000"/>
+              </a:schemeClr>
+            </a:solidFill>
+          </a:ln>
+        </p:spPr>
+        <p:style>
+          <a:lnRef idx="2">
+            <a:schemeClr val="accent1">
+              <a:shade val="50000"/>
+            </a:schemeClr>
+          </a:lnRef>
+          <a:fillRef idx="1">
+            <a:schemeClr val="accent1"/>
+          </a:fillRef>
+          <a:effectRef idx="0">
+            <a:schemeClr val="accent1"/>
+          </a:effectRef>
+          <a:fontRef idx="minor">
+            <a:schemeClr val="lt1"/>
+          </a:fontRef>
+        </p:style>
+        <p:txBody>
+          <a:bodyPr rtlCol="0" anchor="ctr"/>
+          <a:lstStyle/>
+          <a:p>
+            <a:pPr algn="ctr"/>
+            <a:endParaRPr lang="ko-KR" altLang="en-US"/>
+          </a:p>
+        </p:txBody>
+      </p:sp>
+      <p:sp>
+        <p:nvSpPr>
+          <p:cNvPr id="21" name="TextBox 20">
+            <a:extLst>
+              <a:ext uri="{FF2B5EF4-FFF2-40B4-BE49-F238E27FC236}">
+                <a16:creationId xmlns:a16="http://schemas.microsoft.com/office/drawing/2014/main" id="{9BB3B3DE-FCB0-EA1F-6602-5274E5A7A700}"/>
+              </a:ext>
+            </a:extLst>
+          </p:cNvPr>
+          <p:cNvSpPr txBox="1"/>
+          <p:nvPr/>
+        </p:nvSpPr>
+        <p:spPr>
+          <a:xfrm>
+            <a:off x="3194200" y="4099791"/>
+            <a:ext cx="859221" cy="369332"/>
+          </a:xfrm>
+          <a:prstGeom prst="rect">
+            <a:avLst/>
+          </a:prstGeom>
+          <a:noFill/>
+        </p:spPr>
+        <p:txBody>
+          <a:bodyPr wrap="square">
+            <a:spAutoFit/>
+          </a:bodyPr>
+          <a:lstStyle/>
+          <a:p>
+            <a:r>
+              <a:rPr lang="en-US" altLang="ko-KR" sz="1800" dirty="0">
+                <a:solidFill>
+                  <a:srgbClr val="222222"/>
+                </a:solidFill>
+                <a:latin typeface="Arial Narrow" panose="020B0606020202030204" pitchFamily="34" charset="0"/>
+              </a:rPr>
+              <a:t>Training</a:t>
+            </a:r>
+            <a:endParaRPr lang="ko-KR" altLang="en-US" dirty="0"/>
+          </a:p>
+        </p:txBody>
+      </p:sp>
+      <p:sp>
+        <p:nvSpPr>
+          <p:cNvPr id="22" name="TextBox 21">
+            <a:extLst>
+              <a:ext uri="{FF2B5EF4-FFF2-40B4-BE49-F238E27FC236}">
+                <a16:creationId xmlns:a16="http://schemas.microsoft.com/office/drawing/2014/main" id="{7D67E3F3-E633-55F4-81DC-B34E63CC798F}"/>
+              </a:ext>
+            </a:extLst>
+          </p:cNvPr>
+          <p:cNvSpPr txBox="1"/>
+          <p:nvPr/>
+        </p:nvSpPr>
+        <p:spPr>
+          <a:xfrm>
+            <a:off x="5533783" y="4099791"/>
+            <a:ext cx="1083136" cy="369332"/>
+          </a:xfrm>
+          <a:prstGeom prst="rect">
+            <a:avLst/>
+          </a:prstGeom>
+          <a:noFill/>
+        </p:spPr>
+        <p:txBody>
+          <a:bodyPr wrap="square">
+            <a:spAutoFit/>
+          </a:bodyPr>
+          <a:lstStyle/>
+          <a:p>
+            <a:r>
+              <a:rPr lang="en-US" altLang="ko-KR" sz="1800" dirty="0">
+                <a:solidFill>
+                  <a:srgbClr val="222222"/>
+                </a:solidFill>
+                <a:latin typeface="Arial Narrow" panose="020B0606020202030204" pitchFamily="34" charset="0"/>
+              </a:rPr>
+              <a:t>Validation</a:t>
+            </a:r>
+            <a:endParaRPr lang="ko-KR" altLang="en-US" dirty="0"/>
+          </a:p>
+        </p:txBody>
+      </p:sp>
+      <p:sp>
+        <p:nvSpPr>
+          <p:cNvPr id="23" name="화살표: 아래쪽 22">
+            <a:extLst>
+              <a:ext uri="{FF2B5EF4-FFF2-40B4-BE49-F238E27FC236}">
+                <a16:creationId xmlns:a16="http://schemas.microsoft.com/office/drawing/2014/main" id="{52A54D13-38B0-1673-7A36-DA100FFA421E}"/>
+              </a:ext>
+            </a:extLst>
+          </p:cNvPr>
+          <p:cNvSpPr/>
+          <p:nvPr/>
+        </p:nvSpPr>
+        <p:spPr>
+          <a:xfrm rot="2123536">
+            <a:off x="3921663" y="3428338"/>
+            <a:ext cx="327152" cy="433899"/>
+          </a:xfrm>
+          <a:prstGeom prst="downArrow">
+            <a:avLst/>
+          </a:prstGeom>
+          <a:solidFill>
+            <a:schemeClr val="bg2">
+              <a:lumMod val="90000"/>
+            </a:schemeClr>
+          </a:solidFill>
+          <a:ln>
+            <a:solidFill>
+              <a:schemeClr val="tx1">
+                <a:lumMod val="65000"/>
+                <a:lumOff val="35000"/>
+              </a:schemeClr>
+            </a:solidFill>
+          </a:ln>
+        </p:spPr>
+        <p:style>
+          <a:lnRef idx="2">
+            <a:schemeClr val="accent1">
+              <a:shade val="50000"/>
+            </a:schemeClr>
+          </a:lnRef>
+          <a:fillRef idx="1">
+            <a:schemeClr val="accent1"/>
+          </a:fillRef>
+          <a:effectRef idx="0">
+            <a:schemeClr val="accent1"/>
+          </a:effectRef>
+          <a:fontRef idx="minor">
+            <a:schemeClr val="lt1"/>
+          </a:fontRef>
+        </p:style>
+        <p:txBody>
+          <a:bodyPr rtlCol="0" anchor="ctr"/>
+          <a:lstStyle/>
+          <a:p>
+            <a:pPr algn="ctr"/>
+            <a:endParaRPr lang="ko-KR" altLang="en-US"/>
+          </a:p>
+        </p:txBody>
+      </p:sp>
+      <p:sp>
+        <p:nvSpPr>
+          <p:cNvPr id="24" name="화살표: 아래쪽 23">
+            <a:extLst>
+              <a:ext uri="{FF2B5EF4-FFF2-40B4-BE49-F238E27FC236}">
+                <a16:creationId xmlns:a16="http://schemas.microsoft.com/office/drawing/2014/main" id="{E9C2155D-D83F-AE94-E1D2-A7C901AB5B9F}"/>
+              </a:ext>
+            </a:extLst>
+          </p:cNvPr>
+          <p:cNvSpPr/>
+          <p:nvPr/>
+        </p:nvSpPr>
+        <p:spPr>
+          <a:xfrm rot="19671574">
+            <a:off x="5457383" y="3390052"/>
+            <a:ext cx="327152" cy="433899"/>
+          </a:xfrm>
+          <a:prstGeom prst="downArrow">
+            <a:avLst/>
+          </a:prstGeom>
+          <a:solidFill>
+            <a:schemeClr val="bg2">
+              <a:lumMod val="90000"/>
+            </a:schemeClr>
+          </a:solidFill>
+          <a:ln>
+            <a:solidFill>
+              <a:schemeClr val="tx1">
+                <a:lumMod val="65000"/>
+                <a:lumOff val="35000"/>
+              </a:schemeClr>
+            </a:solidFill>
+          </a:ln>
+        </p:spPr>
+        <p:style>
+          <a:lnRef idx="2">
+            <a:schemeClr val="accent1">
+              <a:shade val="50000"/>
+            </a:schemeClr>
+          </a:lnRef>
+          <a:fillRef idx="1">
+            <a:schemeClr val="accent1"/>
+          </a:fillRef>
+          <a:effectRef idx="0">
+            <a:schemeClr val="accent1"/>
+          </a:effectRef>
+          <a:fontRef idx="minor">
+            <a:schemeClr val="lt1"/>
+          </a:fontRef>
+        </p:style>
+        <p:txBody>
+          <a:bodyPr rtlCol="0" anchor="ctr"/>
+          <a:lstStyle/>
+          <a:p>
+            <a:pPr algn="ctr"/>
+            <a:endParaRPr lang="ko-KR" altLang="en-US"/>
+          </a:p>
+        </p:txBody>
+      </p:sp>
+      <p:sp>
+        <p:nvSpPr>
+          <p:cNvPr id="26" name="TextBox 25">
+            <a:extLst>
+              <a:ext uri="{FF2B5EF4-FFF2-40B4-BE49-F238E27FC236}">
+                <a16:creationId xmlns:a16="http://schemas.microsoft.com/office/drawing/2014/main" id="{05B36545-FCEF-E5E4-330F-9C59B7DBF1AA}"/>
+              </a:ext>
+            </a:extLst>
+          </p:cNvPr>
+          <p:cNvSpPr txBox="1"/>
+          <p:nvPr/>
+        </p:nvSpPr>
+        <p:spPr>
+          <a:xfrm>
+            <a:off x="2735316" y="4722286"/>
+            <a:ext cx="1923394" cy="369332"/>
+          </a:xfrm>
+          <a:prstGeom prst="rect">
+            <a:avLst/>
+          </a:prstGeom>
+          <a:noFill/>
+        </p:spPr>
+        <p:txBody>
+          <a:bodyPr wrap="square">
+            <a:spAutoFit/>
+          </a:bodyPr>
+          <a:lstStyle/>
+          <a:p>
+            <a:r>
+              <a:rPr lang="en-US" altLang="ko-KR" dirty="0">
+                <a:solidFill>
+                  <a:srgbClr val="222222"/>
+                </a:solidFill>
+                <a:latin typeface="Arial Narrow" panose="020B0606020202030204" pitchFamily="34" charset="0"/>
+              </a:rPr>
+              <a:t>For training weights </a:t>
+            </a:r>
+            <a:endParaRPr lang="ko-KR" altLang="en-US" dirty="0"/>
+          </a:p>
+        </p:txBody>
+      </p:sp>
+      <p:sp>
+        <p:nvSpPr>
+          <p:cNvPr id="27" name="TextBox 26">
+            <a:extLst>
+              <a:ext uri="{FF2B5EF4-FFF2-40B4-BE49-F238E27FC236}">
+                <a16:creationId xmlns:a16="http://schemas.microsoft.com/office/drawing/2014/main" id="{912A3971-831D-ECEC-A639-77FF93314897}"/>
+              </a:ext>
+            </a:extLst>
+          </p:cNvPr>
+          <p:cNvSpPr txBox="1"/>
+          <p:nvPr/>
+        </p:nvSpPr>
+        <p:spPr>
+          <a:xfrm>
+            <a:off x="5275250" y="4719288"/>
+            <a:ext cx="1923394" cy="369332"/>
+          </a:xfrm>
+          <a:prstGeom prst="rect">
+            <a:avLst/>
+          </a:prstGeom>
+          <a:noFill/>
+        </p:spPr>
+        <p:txBody>
+          <a:bodyPr wrap="square">
+            <a:spAutoFit/>
+          </a:bodyPr>
+          <a:lstStyle/>
+          <a:p>
+            <a:r>
+              <a:rPr lang="en-US" altLang="ko-KR" dirty="0">
+                <a:solidFill>
+                  <a:srgbClr val="222222"/>
+                </a:solidFill>
+                <a:latin typeface="Arial Narrow" panose="020B0606020202030204" pitchFamily="34" charset="0"/>
+              </a:rPr>
+              <a:t>For stop training</a:t>
+            </a:r>
+            <a:endParaRPr lang="ko-KR" altLang="en-US" dirty="0"/>
+          </a:p>
+        </p:txBody>
+      </p:sp>
+      <p:sp>
+        <p:nvSpPr>
+          <p:cNvPr id="2" name="사각형: 둥근 모서리 1">
+            <a:extLst>
+              <a:ext uri="{FF2B5EF4-FFF2-40B4-BE49-F238E27FC236}">
+                <a16:creationId xmlns:a16="http://schemas.microsoft.com/office/drawing/2014/main" id="{B47CBCD6-E7F9-43C5-39A7-F5B18A057AD4}"/>
+              </a:ext>
+            </a:extLst>
+          </p:cNvPr>
+          <p:cNvSpPr/>
+          <p:nvPr/>
+        </p:nvSpPr>
+        <p:spPr>
+          <a:xfrm>
+            <a:off x="1811110" y="5556979"/>
+            <a:ext cx="1347951" cy="735141"/>
+          </a:xfrm>
+          <a:prstGeom prst="roundRect">
+            <a:avLst/>
+          </a:prstGeom>
+          <a:solidFill>
+            <a:schemeClr val="accent2">
+              <a:lumMod val="20000"/>
+              <a:lumOff val="80000"/>
+            </a:schemeClr>
+          </a:solidFill>
+          <a:ln>
+            <a:solidFill>
+              <a:schemeClr val="accent2"/>
+            </a:solidFill>
+          </a:ln>
+        </p:spPr>
+        <p:style>
+          <a:lnRef idx="2">
+            <a:schemeClr val="accent1">
+              <a:shade val="50000"/>
+            </a:schemeClr>
+          </a:lnRef>
+          <a:fillRef idx="1">
+            <a:schemeClr val="accent1"/>
+          </a:fillRef>
+          <a:effectRef idx="0">
+            <a:schemeClr val="accent1"/>
+          </a:effectRef>
+          <a:fontRef idx="minor">
+            <a:schemeClr val="lt1"/>
+          </a:fontRef>
+        </p:style>
+        <p:txBody>
+          <a:bodyPr rtlCol="0" anchor="ctr"/>
+          <a:lstStyle/>
+          <a:p>
+            <a:pPr algn="ctr"/>
+            <a:endParaRPr lang="ko-KR" altLang="en-US"/>
+          </a:p>
+        </p:txBody>
+      </p:sp>
+      <p:sp>
+        <p:nvSpPr>
+          <p:cNvPr id="3" name="TextBox 2">
+            <a:extLst>
+              <a:ext uri="{FF2B5EF4-FFF2-40B4-BE49-F238E27FC236}">
+                <a16:creationId xmlns:a16="http://schemas.microsoft.com/office/drawing/2014/main" id="{E5EC4D1C-D42A-9DC4-998D-144BB6778B99}"/>
+              </a:ext>
+            </a:extLst>
+          </p:cNvPr>
+          <p:cNvSpPr txBox="1"/>
+          <p:nvPr/>
+        </p:nvSpPr>
+        <p:spPr>
+          <a:xfrm>
+            <a:off x="2029016" y="5738559"/>
+            <a:ext cx="969582" cy="369332"/>
+          </a:xfrm>
+          <a:prstGeom prst="rect">
+            <a:avLst/>
+          </a:prstGeom>
+          <a:noFill/>
+        </p:spPr>
+        <p:txBody>
+          <a:bodyPr wrap="square">
+            <a:spAutoFit/>
+          </a:bodyPr>
+          <a:lstStyle/>
+          <a:p>
+            <a:r>
+              <a:rPr lang="en-US" altLang="ko-KR" sz="1800" dirty="0">
+                <a:solidFill>
+                  <a:srgbClr val="222222"/>
+                </a:solidFill>
+                <a:latin typeface="Arial Narrow" panose="020B0606020202030204" pitchFamily="34" charset="0"/>
+              </a:rPr>
+              <a:t>Dataset2</a:t>
+            </a:r>
+            <a:endParaRPr lang="ko-KR" altLang="en-US" dirty="0"/>
+          </a:p>
+        </p:txBody>
+      </p:sp>
+      <p:sp>
+        <p:nvSpPr>
+          <p:cNvPr id="4" name="화살표: 아래쪽 3">
+            <a:extLst>
+              <a:ext uri="{FF2B5EF4-FFF2-40B4-BE49-F238E27FC236}">
+                <a16:creationId xmlns:a16="http://schemas.microsoft.com/office/drawing/2014/main" id="{DA83F61E-7D94-F6E2-7694-97D1CDF9B7B7}"/>
+              </a:ext>
+            </a:extLst>
+          </p:cNvPr>
+          <p:cNvSpPr/>
+          <p:nvPr/>
+        </p:nvSpPr>
+        <p:spPr>
+          <a:xfrm rot="19296987">
+            <a:off x="4107835" y="5152437"/>
+            <a:ext cx="327152" cy="433899"/>
+          </a:xfrm>
+          <a:prstGeom prst="downArrow">
+            <a:avLst/>
+          </a:prstGeom>
+          <a:solidFill>
+            <a:schemeClr val="bg2">
+              <a:lumMod val="90000"/>
+            </a:schemeClr>
+          </a:solidFill>
+          <a:ln>
+            <a:solidFill>
+              <a:schemeClr val="tx1">
+                <a:lumMod val="65000"/>
+                <a:lumOff val="35000"/>
+              </a:schemeClr>
+            </a:solidFill>
+          </a:ln>
+        </p:spPr>
+        <p:style>
+          <a:lnRef idx="2">
+            <a:schemeClr val="accent1">
+              <a:shade val="50000"/>
+            </a:schemeClr>
+          </a:lnRef>
+          <a:fillRef idx="1">
+            <a:schemeClr val="accent1"/>
+          </a:fillRef>
+          <a:effectRef idx="0">
+            <a:schemeClr val="accent1"/>
+          </a:effectRef>
+          <a:fontRef idx="minor">
+            <a:schemeClr val="lt1"/>
+          </a:fontRef>
+        </p:style>
+        <p:txBody>
+          <a:bodyPr rtlCol="0" anchor="ctr"/>
+          <a:lstStyle/>
+          <a:p>
+            <a:pPr algn="ctr"/>
+            <a:endParaRPr lang="ko-KR" altLang="en-US"/>
+          </a:p>
+        </p:txBody>
+      </p:sp>
+      <p:sp>
+        <p:nvSpPr>
+          <p:cNvPr id="5" name="화살표: 아래쪽 4">
+            <a:extLst>
+              <a:ext uri="{FF2B5EF4-FFF2-40B4-BE49-F238E27FC236}">
+                <a16:creationId xmlns:a16="http://schemas.microsoft.com/office/drawing/2014/main" id="{090691A4-F3A0-C2F6-4FEA-35461B3BA98F}"/>
+              </a:ext>
+            </a:extLst>
+          </p:cNvPr>
+          <p:cNvSpPr/>
+          <p:nvPr/>
+        </p:nvSpPr>
+        <p:spPr>
+          <a:xfrm rot="2995799">
+            <a:off x="5372610" y="5145640"/>
+            <a:ext cx="327152" cy="433899"/>
+          </a:xfrm>
+          <a:prstGeom prst="downArrow">
+            <a:avLst/>
+          </a:prstGeom>
+          <a:solidFill>
+            <a:schemeClr val="bg2">
+              <a:lumMod val="90000"/>
+            </a:schemeClr>
+          </a:solidFill>
+          <a:ln>
+            <a:solidFill>
+              <a:schemeClr val="tx1">
+                <a:lumMod val="65000"/>
+                <a:lumOff val="35000"/>
+              </a:schemeClr>
+            </a:solidFill>
+          </a:ln>
+        </p:spPr>
+        <p:style>
+          <a:lnRef idx="2">
+            <a:schemeClr val="accent1">
+              <a:shade val="50000"/>
+            </a:schemeClr>
+          </a:lnRef>
+          <a:fillRef idx="1">
+            <a:schemeClr val="accent1"/>
+          </a:fillRef>
+          <a:effectRef idx="0">
+            <a:schemeClr val="accent1"/>
+          </a:effectRef>
+          <a:fontRef idx="minor">
+            <a:schemeClr val="lt1"/>
+          </a:fontRef>
+        </p:style>
+        <p:txBody>
+          <a:bodyPr rtlCol="0" anchor="ctr"/>
+          <a:lstStyle/>
+          <a:p>
+            <a:pPr algn="ctr"/>
+            <a:endParaRPr lang="ko-KR" altLang="en-US"/>
+          </a:p>
+        </p:txBody>
+      </p:sp>
+      <p:sp>
+        <p:nvSpPr>
+          <p:cNvPr id="9" name="TextBox 8">
+            <a:extLst>
+              <a:ext uri="{FF2B5EF4-FFF2-40B4-BE49-F238E27FC236}">
+                <a16:creationId xmlns:a16="http://schemas.microsoft.com/office/drawing/2014/main" id="{F8F7194A-EF92-F2E9-DA0F-890DAD2DE640}"/>
+              </a:ext>
+            </a:extLst>
+          </p:cNvPr>
+          <p:cNvSpPr txBox="1"/>
+          <p:nvPr/>
+        </p:nvSpPr>
+        <p:spPr>
+          <a:xfrm>
+            <a:off x="4208938" y="5723778"/>
+            <a:ext cx="1575137" cy="369332"/>
+          </a:xfrm>
+          <a:prstGeom prst="rect">
+            <a:avLst/>
+          </a:prstGeom>
+          <a:noFill/>
+        </p:spPr>
+        <p:txBody>
+          <a:bodyPr wrap="square">
+            <a:spAutoFit/>
+          </a:bodyPr>
+          <a:lstStyle/>
+          <a:p>
+            <a:r>
+              <a:rPr lang="en-US" altLang="ko-KR" dirty="0">
+                <a:solidFill>
+                  <a:srgbClr val="C00000"/>
+                </a:solidFill>
+                <a:latin typeface="Arial Narrow" panose="020B0606020202030204" pitchFamily="34" charset="0"/>
+              </a:rPr>
+              <a:t>Optimal model</a:t>
+            </a:r>
+            <a:endParaRPr lang="ko-KR" altLang="en-US" dirty="0">
+              <a:solidFill>
+                <a:srgbClr val="C00000"/>
+              </a:solidFill>
+            </a:endParaRPr>
+          </a:p>
+        </p:txBody>
+      </p:sp>
+      <p:sp>
+        <p:nvSpPr>
+          <p:cNvPr id="12" name="화살표: 왼쪽/오른쪽 11">
+            <a:extLst>
+              <a:ext uri="{FF2B5EF4-FFF2-40B4-BE49-F238E27FC236}">
+                <a16:creationId xmlns:a16="http://schemas.microsoft.com/office/drawing/2014/main" id="{4F525388-E6AF-9FCD-7692-F48EEE09BC12}"/>
+              </a:ext>
+            </a:extLst>
+          </p:cNvPr>
+          <p:cNvSpPr/>
+          <p:nvPr/>
+        </p:nvSpPr>
+        <p:spPr>
+          <a:xfrm>
+            <a:off x="3318642" y="5804335"/>
+            <a:ext cx="766598" cy="271208"/>
+          </a:xfrm>
+          <a:prstGeom prst="leftRightArrow">
+            <a:avLst/>
+          </a:prstGeom>
+          <a:solidFill>
+            <a:schemeClr val="bg2">
+              <a:lumMod val="90000"/>
+            </a:schemeClr>
+          </a:solidFill>
+          <a:ln>
+            <a:solidFill>
+              <a:schemeClr val="tx1">
+                <a:lumMod val="65000"/>
+                <a:lumOff val="35000"/>
+              </a:schemeClr>
+            </a:solidFill>
+          </a:ln>
+        </p:spPr>
+        <p:style>
+          <a:lnRef idx="2">
+            <a:schemeClr val="accent1">
+              <a:shade val="50000"/>
+            </a:schemeClr>
+          </a:lnRef>
+          <a:fillRef idx="1">
+            <a:schemeClr val="accent1"/>
+          </a:fillRef>
+          <a:effectRef idx="0">
+            <a:schemeClr val="accent1"/>
+          </a:effectRef>
+          <a:fontRef idx="minor">
+            <a:schemeClr val="lt1"/>
+          </a:fontRef>
+        </p:style>
+        <p:txBody>
+          <a:bodyPr rtlCol="0" anchor="ctr"/>
+          <a:lstStyle/>
+          <a:p>
+            <a:pPr algn="ctr"/>
+            <a:endParaRPr lang="ko-KR" altLang="en-US"/>
+          </a:p>
+        </p:txBody>
+      </p:sp>
+      <p:sp>
+        <p:nvSpPr>
+          <p:cNvPr id="15" name="TextBox 14">
+            <a:extLst>
+              <a:ext uri="{FF2B5EF4-FFF2-40B4-BE49-F238E27FC236}">
+                <a16:creationId xmlns:a16="http://schemas.microsoft.com/office/drawing/2014/main" id="{4C6D4885-EBE3-F9ED-2712-2B843B4E2022}"/>
+              </a:ext>
+            </a:extLst>
+          </p:cNvPr>
+          <p:cNvSpPr txBox="1"/>
+          <p:nvPr/>
+        </p:nvSpPr>
+        <p:spPr>
+          <a:xfrm>
+            <a:off x="3194200" y="6195344"/>
+            <a:ext cx="4572000" cy="369332"/>
+          </a:xfrm>
+          <a:prstGeom prst="rect">
+            <a:avLst/>
+          </a:prstGeom>
+          <a:noFill/>
+        </p:spPr>
+        <p:txBody>
+          <a:bodyPr wrap="square">
+            <a:spAutoFit/>
+          </a:bodyPr>
+          <a:lstStyle/>
+          <a:p>
+            <a:r>
+              <a:rPr lang="en-US" altLang="ko-KR" dirty="0">
+                <a:solidFill>
+                  <a:srgbClr val="222222"/>
+                </a:solidFill>
+                <a:latin typeface="Arial Narrow" panose="020B0606020202030204" pitchFamily="34" charset="0"/>
+              </a:rPr>
+              <a:t>Testing for generalizability</a:t>
+            </a:r>
+            <a:endParaRPr lang="ko-KR" altLang="en-US" dirty="0"/>
+          </a:p>
+        </p:txBody>
+      </p:sp>
+    </p:spTree>
+    <p:extLst>
+      <p:ext uri="{BB962C8B-B14F-4D97-AF65-F5344CB8AC3E}">
+        <p14:creationId xmlns:p14="http://schemas.microsoft.com/office/powerpoint/2010/main" val="3484260735"/>
+      </p:ext>
+    </p:extLst>
+  </p:cSld>
+  <p:clrMapOvr>
+    <a:masterClrMapping/>
+  </p:clrMapOvr>
+</p:sld>
+</file>
+
+<file path=ppt/slides/slide32.xml><?xml version="1.0" encoding="utf-8"?>
+<p:sld xmlns:a="http://schemas.openxmlformats.org/drawingml/2006/main" xmlns:r="http://schemas.openxmlformats.org/officeDocument/2006/relationships" xmlns:p="http://schemas.openxmlformats.org/presentationml/2006/main">
+  <p:cSld>
+    <p:spTree>
+      <p:nvGrpSpPr>
+        <p:cNvPr id="1" name=""/>
+        <p:cNvGrpSpPr/>
+        <p:nvPr/>
+      </p:nvGrpSpPr>
+      <p:grpSpPr>
+        <a:xfrm>
+          <a:off x="0" y="0"/>
+          <a:ext cx="0" cy="0"/>
+          <a:chOff x="0" y="0"/>
+          <a:chExt cx="0" cy="0"/>
+        </a:xfrm>
+      </p:grpSpPr>
+      <p:cxnSp>
+        <p:nvCxnSpPr>
+          <p:cNvPr id="36" name="직선 연결선 35"/>
+          <p:cNvCxnSpPr/>
+          <p:nvPr/>
+        </p:nvCxnSpPr>
+        <p:spPr>
+          <a:xfrm>
+            <a:off x="361950" y="857250"/>
+            <a:ext cx="5391150" cy="0"/>
+          </a:xfrm>
+          <a:prstGeom prst="line">
+            <a:avLst/>
+          </a:prstGeom>
+          <a:ln w="38100">
+            <a:solidFill>
+              <a:schemeClr val="accent2">
+                <a:alpha val="60000"/>
+              </a:schemeClr>
+            </a:solidFill>
+          </a:ln>
+        </p:spPr>
+        <p:style>
+          <a:lnRef idx="1">
+            <a:schemeClr val="accent1"/>
+          </a:lnRef>
+          <a:fillRef idx="0">
+            <a:schemeClr val="accent1"/>
+          </a:fillRef>
+          <a:effectRef idx="0">
+            <a:schemeClr val="accent1"/>
+          </a:effectRef>
+          <a:fontRef idx="minor">
+            <a:schemeClr val="tx1"/>
+          </a:fontRef>
+        </p:style>
+      </p:cxnSp>
+      <p:cxnSp>
+        <p:nvCxnSpPr>
+          <p:cNvPr id="37" name="직선 연결선 36"/>
+          <p:cNvCxnSpPr/>
+          <p:nvPr/>
+        </p:nvCxnSpPr>
+        <p:spPr>
+          <a:xfrm>
+            <a:off x="3257550" y="933450"/>
+            <a:ext cx="5391150" cy="0"/>
+          </a:xfrm>
+          <a:prstGeom prst="line">
+            <a:avLst/>
+          </a:prstGeom>
+          <a:ln w="38100">
+            <a:solidFill>
+              <a:schemeClr val="accent6">
+                <a:alpha val="60000"/>
+              </a:schemeClr>
+            </a:solidFill>
+          </a:ln>
+        </p:spPr>
+        <p:style>
+          <a:lnRef idx="1">
+            <a:schemeClr val="accent1"/>
+          </a:lnRef>
+          <a:fillRef idx="0">
+            <a:schemeClr val="accent1"/>
+          </a:fillRef>
+          <a:effectRef idx="0">
+            <a:schemeClr val="accent1"/>
+          </a:effectRef>
+          <a:fontRef idx="minor">
+            <a:schemeClr val="tx1"/>
+          </a:fontRef>
+        </p:style>
+      </p:cxnSp>
+      <p:sp>
+        <p:nvSpPr>
+          <p:cNvPr id="10" name="직사각형 9">
+            <a:extLst>
+              <a:ext uri="{FF2B5EF4-FFF2-40B4-BE49-F238E27FC236}">
+                <a16:creationId xmlns:a16="http://schemas.microsoft.com/office/drawing/2014/main" id="{9DC7D8DF-F1AC-5E24-6D05-87B8D3343A78}"/>
+              </a:ext>
+            </a:extLst>
+          </p:cNvPr>
+          <p:cNvSpPr/>
+          <p:nvPr/>
+        </p:nvSpPr>
+        <p:spPr>
+          <a:xfrm>
+            <a:off x="328771" y="1139130"/>
+            <a:ext cx="8742077" cy="1973104"/>
+          </a:xfrm>
+          <a:prstGeom prst="rect">
+            <a:avLst/>
+          </a:prstGeom>
+        </p:spPr>
+        <p:txBody>
+          <a:bodyPr wrap="square">
+            <a:spAutoFit/>
+          </a:bodyPr>
+          <a:lstStyle/>
+          <a:p>
+            <a:pPr marL="284400" indent="-284400">
+              <a:lnSpc>
+                <a:spcPct val="150000"/>
+              </a:lnSpc>
+              <a:buFont typeface="Arial" panose="020B0604020202020204" pitchFamily="34" charset="0"/>
+              <a:buChar char="•"/>
+            </a:pPr>
+            <a:r>
+              <a:rPr lang="en-US" altLang="ko-KR" sz="2400" dirty="0">
+                <a:solidFill>
+                  <a:srgbClr val="222222"/>
+                </a:solidFill>
+                <a:latin typeface="Arial Narrow" panose="020B0606020202030204" pitchFamily="34" charset="0"/>
+              </a:rPr>
+              <a:t>When does the overfitting problem occur?</a:t>
+            </a:r>
+          </a:p>
+          <a:p>
+            <a:pPr marL="741600" lvl="1" indent="-284400">
+              <a:lnSpc>
+                <a:spcPct val="150000"/>
+              </a:lnSpc>
+              <a:buFont typeface="Arial" panose="020B0604020202020204" pitchFamily="34" charset="0"/>
+              <a:buChar char="•"/>
+            </a:pPr>
+            <a:r>
+              <a:rPr lang="en-US" altLang="ko-KR" sz="2000" dirty="0">
+                <a:solidFill>
+                  <a:srgbClr val="222222"/>
+                </a:solidFill>
+                <a:latin typeface="Arial Narrow" panose="020B0606020202030204" pitchFamily="34" charset="0"/>
+              </a:rPr>
+              <a:t>When the model structure is complex.</a:t>
+            </a:r>
+          </a:p>
+          <a:p>
+            <a:pPr marL="741600" lvl="1" indent="-284400">
+              <a:lnSpc>
+                <a:spcPct val="150000"/>
+              </a:lnSpc>
+              <a:buFont typeface="Arial" panose="020B0604020202020204" pitchFamily="34" charset="0"/>
+              <a:buChar char="•"/>
+            </a:pPr>
+            <a:endParaRPr lang="en-US" altLang="ko-KR" sz="2000" dirty="0">
+              <a:solidFill>
+                <a:srgbClr val="222222"/>
+              </a:solidFill>
+              <a:latin typeface="Arial Narrow" panose="020B0606020202030204" pitchFamily="34" charset="0"/>
+            </a:endParaRPr>
+          </a:p>
+          <a:p>
+            <a:pPr marL="741600" lvl="1" indent="-284400">
+              <a:lnSpc>
+                <a:spcPct val="150000"/>
+              </a:lnSpc>
+              <a:buFont typeface="Arial" panose="020B0604020202020204" pitchFamily="34" charset="0"/>
+              <a:buChar char="•"/>
+            </a:pPr>
+            <a:endParaRPr lang="en-US" altLang="ko-KR" sz="2000" dirty="0">
+              <a:solidFill>
+                <a:srgbClr val="222222"/>
+              </a:solidFill>
+              <a:latin typeface="Arial Narrow" panose="020B0606020202030204" pitchFamily="34" charset="0"/>
+            </a:endParaRPr>
+          </a:p>
+        </p:txBody>
+      </p:sp>
+      <p:sp>
+        <p:nvSpPr>
+          <p:cNvPr id="6" name="직사각형 5">
+            <a:extLst>
+              <a:ext uri="{FF2B5EF4-FFF2-40B4-BE49-F238E27FC236}">
+                <a16:creationId xmlns:a16="http://schemas.microsoft.com/office/drawing/2014/main" id="{6AE458C1-6B85-ECDF-7351-770B57E86129}"/>
+              </a:ext>
+            </a:extLst>
+          </p:cNvPr>
+          <p:cNvSpPr/>
+          <p:nvPr/>
+        </p:nvSpPr>
+        <p:spPr>
+          <a:xfrm>
+            <a:off x="299839" y="70603"/>
+            <a:ext cx="8544322" cy="657168"/>
+          </a:xfrm>
+          <a:prstGeom prst="rect">
+            <a:avLst/>
+          </a:prstGeom>
+        </p:spPr>
+        <p:txBody>
+          <a:bodyPr wrap="square">
+            <a:spAutoFit/>
+          </a:bodyPr>
+          <a:lstStyle/>
+          <a:p>
+            <a:pPr>
+              <a:lnSpc>
+                <a:spcPct val="150000"/>
+              </a:lnSpc>
+            </a:pPr>
+            <a:r>
+              <a:rPr lang="en-US" altLang="ko-KR" sz="2800" dirty="0">
+                <a:latin typeface="Arial Narrow" panose="020B0606020202030204" pitchFamily="34" charset="0"/>
+                <a:cs typeface="Times New Roman" panose="02020603050405020304" pitchFamily="18" charset="0"/>
+              </a:rPr>
+              <a:t>Understanding Overfitting</a:t>
+            </a:r>
+          </a:p>
+        </p:txBody>
+      </p:sp>
+      <p:sp>
+        <p:nvSpPr>
+          <p:cNvPr id="2" name="TextBox 1">
+            <a:extLst>
+              <a:ext uri="{FF2B5EF4-FFF2-40B4-BE49-F238E27FC236}">
+                <a16:creationId xmlns:a16="http://schemas.microsoft.com/office/drawing/2014/main" id="{10DC557E-15BA-EE4A-5817-76DA52BAAA72}"/>
+              </a:ext>
+            </a:extLst>
+          </p:cNvPr>
+          <p:cNvSpPr txBox="1"/>
+          <p:nvPr/>
+        </p:nvSpPr>
+        <p:spPr>
+          <a:xfrm>
+            <a:off x="3397469" y="6396335"/>
+            <a:ext cx="5746531" cy="461665"/>
+          </a:xfrm>
+          <a:prstGeom prst="rect">
+            <a:avLst/>
+          </a:prstGeom>
+          <a:noFill/>
+        </p:spPr>
+        <p:txBody>
+          <a:bodyPr wrap="square">
+            <a:spAutoFit/>
+          </a:bodyPr>
+          <a:lstStyle/>
+          <a:p>
+            <a:r>
+              <a:rPr lang="en-US" altLang="ko-KR" sz="1200" dirty="0"/>
+              <a:t>https://image.jimcdn.com/app/cms/image/transf/dimension=1920x400:format=png/path/s8ff3310143614e07/image/i21af0dd4f2772075/version/1550368786/image.png</a:t>
+            </a:r>
+            <a:endParaRPr lang="ko-KR" altLang="en-US" sz="1200" dirty="0"/>
+          </a:p>
+        </p:txBody>
+      </p:sp>
+      <p:pic>
+        <p:nvPicPr>
+          <p:cNvPr id="3074" name="Picture 2" descr="Overfitting, bias-variance and learning curves - rmartinshort">
+            <a:extLst>
+              <a:ext uri="{FF2B5EF4-FFF2-40B4-BE49-F238E27FC236}">
+                <a16:creationId xmlns:a16="http://schemas.microsoft.com/office/drawing/2014/main" id="{2754319B-E0FB-0F0D-1870-B459EEC61566}"/>
+              </a:ext>
+            </a:extLst>
+          </p:cNvPr>
+          <p:cNvPicPr>
+            <a:picLocks noChangeAspect="1" noChangeArrowheads="1"/>
+          </p:cNvPicPr>
+          <p:nvPr/>
+        </p:nvPicPr>
+        <p:blipFill>
+          <a:blip r:embed="rId3">
+            <a:extLst>
+              <a:ext uri="{28A0092B-C50C-407E-A947-70E740481C1C}">
+                <a14:useLocalDpi xmlns:a14="http://schemas.microsoft.com/office/drawing/2010/main" val="0"/>
+              </a:ext>
+            </a:extLst>
+          </a:blip>
+          <a:srcRect/>
+          <a:stretch>
+            <a:fillRect/>
+          </a:stretch>
+        </p:blipFill>
+        <p:spPr bwMode="auto">
+          <a:xfrm>
+            <a:off x="479206" y="2657805"/>
+            <a:ext cx="7301077" cy="3195220"/>
+          </a:xfrm>
+          <a:prstGeom prst="rect">
+            <a:avLst/>
+          </a:prstGeom>
+          <a:noFill/>
+          <a:extLst>
+            <a:ext uri="{909E8E84-426E-40DD-AFC4-6F175D3DCCD1}">
+              <a14:hiddenFill xmlns:a14="http://schemas.microsoft.com/office/drawing/2010/main">
+                <a:solidFill>
+                  <a:srgbClr val="FFFFFF"/>
+                </a:solidFill>
+              </a14:hiddenFill>
+            </a:ext>
+          </a:extLst>
+        </p:spPr>
+      </p:pic>
+    </p:spTree>
+    <p:extLst>
+      <p:ext uri="{BB962C8B-B14F-4D97-AF65-F5344CB8AC3E}">
+        <p14:creationId xmlns:p14="http://schemas.microsoft.com/office/powerpoint/2010/main" val="3497652926"/>
+      </p:ext>
+    </p:extLst>
+  </p:cSld>
+  <p:clrMapOvr>
+    <a:masterClrMapping/>
+  </p:clrMapOvr>
+</p:sld>
+</file>
+
+<file path=ppt/slides/slide33.xml><?xml version="1.0" encoding="utf-8"?>
+<p:sld xmlns:a="http://schemas.openxmlformats.org/drawingml/2006/main" xmlns:r="http://schemas.openxmlformats.org/officeDocument/2006/relationships" xmlns:p="http://schemas.openxmlformats.org/presentationml/2006/main">
+  <p:cSld>
+    <p:spTree>
+      <p:nvGrpSpPr>
+        <p:cNvPr id="1" name=""/>
+        <p:cNvGrpSpPr/>
+        <p:nvPr/>
+      </p:nvGrpSpPr>
+      <p:grpSpPr>
+        <a:xfrm>
+          <a:off x="0" y="0"/>
+          <a:ext cx="0" cy="0"/>
+          <a:chOff x="0" y="0"/>
+          <a:chExt cx="0" cy="0"/>
+        </a:xfrm>
+      </p:grpSpPr>
+      <p:cxnSp>
+        <p:nvCxnSpPr>
+          <p:cNvPr id="36" name="직선 연결선 35"/>
+          <p:cNvCxnSpPr/>
+          <p:nvPr/>
+        </p:nvCxnSpPr>
+        <p:spPr>
+          <a:xfrm>
+            <a:off x="361950" y="857250"/>
+            <a:ext cx="5391150" cy="0"/>
+          </a:xfrm>
+          <a:prstGeom prst="line">
+            <a:avLst/>
+          </a:prstGeom>
+          <a:ln w="38100">
+            <a:solidFill>
+              <a:schemeClr val="accent2">
+                <a:alpha val="60000"/>
+              </a:schemeClr>
+            </a:solidFill>
+          </a:ln>
+        </p:spPr>
+        <p:style>
+          <a:lnRef idx="1">
+            <a:schemeClr val="accent1"/>
+          </a:lnRef>
+          <a:fillRef idx="0">
+            <a:schemeClr val="accent1"/>
+          </a:fillRef>
+          <a:effectRef idx="0">
+            <a:schemeClr val="accent1"/>
+          </a:effectRef>
+          <a:fontRef idx="minor">
+            <a:schemeClr val="tx1"/>
+          </a:fontRef>
+        </p:style>
+      </p:cxnSp>
+      <p:cxnSp>
+        <p:nvCxnSpPr>
+          <p:cNvPr id="37" name="직선 연결선 36"/>
+          <p:cNvCxnSpPr/>
+          <p:nvPr/>
+        </p:nvCxnSpPr>
+        <p:spPr>
+          <a:xfrm>
+            <a:off x="3257550" y="933450"/>
+            <a:ext cx="5391150" cy="0"/>
+          </a:xfrm>
+          <a:prstGeom prst="line">
+            <a:avLst/>
+          </a:prstGeom>
+          <a:ln w="38100">
+            <a:solidFill>
+              <a:schemeClr val="accent6">
+                <a:alpha val="60000"/>
+              </a:schemeClr>
+            </a:solidFill>
+          </a:ln>
+        </p:spPr>
+        <p:style>
+          <a:lnRef idx="1">
+            <a:schemeClr val="accent1"/>
+          </a:lnRef>
+          <a:fillRef idx="0">
+            <a:schemeClr val="accent1"/>
+          </a:fillRef>
+          <a:effectRef idx="0">
+            <a:schemeClr val="accent1"/>
+          </a:effectRef>
+          <a:fontRef idx="minor">
+            <a:schemeClr val="tx1"/>
+          </a:fontRef>
+        </p:style>
+      </p:cxnSp>
+      <p:sp>
+        <p:nvSpPr>
+          <p:cNvPr id="10" name="직사각형 9">
+            <a:extLst>
+              <a:ext uri="{FF2B5EF4-FFF2-40B4-BE49-F238E27FC236}">
+                <a16:creationId xmlns:a16="http://schemas.microsoft.com/office/drawing/2014/main" id="{9DC7D8DF-F1AC-5E24-6D05-87B8D3343A78}"/>
+              </a:ext>
+            </a:extLst>
+          </p:cNvPr>
+          <p:cNvSpPr/>
+          <p:nvPr/>
+        </p:nvSpPr>
+        <p:spPr>
+          <a:xfrm>
+            <a:off x="328771" y="1139130"/>
+            <a:ext cx="8742077" cy="2434769"/>
+          </a:xfrm>
+          <a:prstGeom prst="rect">
+            <a:avLst/>
+          </a:prstGeom>
+        </p:spPr>
+        <p:txBody>
+          <a:bodyPr wrap="square">
+            <a:spAutoFit/>
+          </a:bodyPr>
+          <a:lstStyle/>
+          <a:p>
+            <a:pPr marL="284400" indent="-284400">
+              <a:lnSpc>
+                <a:spcPct val="150000"/>
+              </a:lnSpc>
+              <a:buFont typeface="Arial" panose="020B0604020202020204" pitchFamily="34" charset="0"/>
+              <a:buChar char="•"/>
+            </a:pPr>
+            <a:r>
+              <a:rPr lang="en-US" altLang="ko-KR" sz="2400" dirty="0">
+                <a:solidFill>
+                  <a:srgbClr val="222222"/>
+                </a:solidFill>
+                <a:latin typeface="Arial Narrow" panose="020B0606020202030204" pitchFamily="34" charset="0"/>
+              </a:rPr>
+              <a:t>When does the overfitting problem occur?</a:t>
+            </a:r>
+          </a:p>
+          <a:p>
+            <a:pPr marL="741600" lvl="1" indent="-284400">
+              <a:lnSpc>
+                <a:spcPct val="150000"/>
+              </a:lnSpc>
+              <a:buFont typeface="Arial" panose="020B0604020202020204" pitchFamily="34" charset="0"/>
+              <a:buChar char="•"/>
+            </a:pPr>
+            <a:r>
+              <a:rPr lang="en-US" altLang="ko-KR" sz="2000" dirty="0">
+                <a:solidFill>
+                  <a:srgbClr val="222222"/>
+                </a:solidFill>
+                <a:latin typeface="Arial Narrow" panose="020B0606020202030204" pitchFamily="34" charset="0"/>
+              </a:rPr>
+              <a:t>Perform overfitting experiments depending on hidden layer complexity</a:t>
+            </a:r>
+          </a:p>
+          <a:p>
+            <a:pPr marL="741600" lvl="1" indent="-284400">
+              <a:lnSpc>
+                <a:spcPct val="150000"/>
+              </a:lnSpc>
+              <a:buFont typeface="Arial" panose="020B0604020202020204" pitchFamily="34" charset="0"/>
+              <a:buChar char="•"/>
+            </a:pPr>
+            <a:endParaRPr lang="en-US" altLang="ko-KR" sz="2000" dirty="0">
+              <a:solidFill>
+                <a:srgbClr val="222222"/>
+              </a:solidFill>
+              <a:latin typeface="Arial Narrow" panose="020B0606020202030204" pitchFamily="34" charset="0"/>
+            </a:endParaRPr>
+          </a:p>
+          <a:p>
+            <a:pPr marL="741600" lvl="1" indent="-284400">
+              <a:lnSpc>
+                <a:spcPct val="150000"/>
+              </a:lnSpc>
+              <a:buFont typeface="Arial" panose="020B0604020202020204" pitchFamily="34" charset="0"/>
+              <a:buChar char="•"/>
+            </a:pPr>
+            <a:endParaRPr lang="en-US" altLang="ko-KR" sz="2000" dirty="0">
+              <a:solidFill>
+                <a:srgbClr val="222222"/>
+              </a:solidFill>
+              <a:latin typeface="Arial Narrow" panose="020B0606020202030204" pitchFamily="34" charset="0"/>
+            </a:endParaRPr>
+          </a:p>
+          <a:p>
+            <a:pPr marL="741600" lvl="1" indent="-284400">
+              <a:lnSpc>
+                <a:spcPct val="150000"/>
+              </a:lnSpc>
+              <a:buFont typeface="Arial" panose="020B0604020202020204" pitchFamily="34" charset="0"/>
+              <a:buChar char="•"/>
+            </a:pPr>
+            <a:endParaRPr lang="en-US" altLang="ko-KR" sz="2000" dirty="0">
+              <a:solidFill>
+                <a:srgbClr val="222222"/>
+              </a:solidFill>
+              <a:latin typeface="Arial Narrow" panose="020B0606020202030204" pitchFamily="34" charset="0"/>
+            </a:endParaRPr>
+          </a:p>
+        </p:txBody>
+      </p:sp>
+      <p:sp>
+        <p:nvSpPr>
+          <p:cNvPr id="6" name="직사각형 5">
+            <a:extLst>
+              <a:ext uri="{FF2B5EF4-FFF2-40B4-BE49-F238E27FC236}">
+                <a16:creationId xmlns:a16="http://schemas.microsoft.com/office/drawing/2014/main" id="{6AE458C1-6B85-ECDF-7351-770B57E86129}"/>
+              </a:ext>
+            </a:extLst>
+          </p:cNvPr>
+          <p:cNvSpPr/>
+          <p:nvPr/>
+        </p:nvSpPr>
+        <p:spPr>
+          <a:xfrm>
+            <a:off x="299839" y="70603"/>
+            <a:ext cx="8544322" cy="657168"/>
+          </a:xfrm>
+          <a:prstGeom prst="rect">
+            <a:avLst/>
+          </a:prstGeom>
+        </p:spPr>
+        <p:txBody>
+          <a:bodyPr wrap="square">
+            <a:spAutoFit/>
+          </a:bodyPr>
+          <a:lstStyle/>
+          <a:p>
+            <a:pPr>
+              <a:lnSpc>
+                <a:spcPct val="150000"/>
+              </a:lnSpc>
+            </a:pPr>
+            <a:r>
+              <a:rPr lang="en-US" altLang="ko-KR" sz="2800" dirty="0">
+                <a:latin typeface="Arial Narrow" panose="020B0606020202030204" pitchFamily="34" charset="0"/>
+                <a:cs typeface="Times New Roman" panose="02020603050405020304" pitchFamily="18" charset="0"/>
+              </a:rPr>
+              <a:t>Understanding Overfitting</a:t>
+            </a:r>
+          </a:p>
+        </p:txBody>
+      </p:sp>
+      <p:sp>
+        <p:nvSpPr>
+          <p:cNvPr id="3" name="TextBox 2">
+            <a:extLst>
+              <a:ext uri="{FF2B5EF4-FFF2-40B4-BE49-F238E27FC236}">
+                <a16:creationId xmlns:a16="http://schemas.microsoft.com/office/drawing/2014/main" id="{239EDF8E-A84D-3B9D-A0BE-A6C44CD5C865}"/>
+              </a:ext>
+            </a:extLst>
+          </p:cNvPr>
+          <p:cNvSpPr txBox="1"/>
+          <p:nvPr/>
+        </p:nvSpPr>
+        <p:spPr>
+          <a:xfrm>
+            <a:off x="1979469" y="3909675"/>
+            <a:ext cx="4572000" cy="923330"/>
+          </a:xfrm>
+          <a:prstGeom prst="rect">
+            <a:avLst/>
+          </a:prstGeom>
+          <a:noFill/>
+        </p:spPr>
+        <p:txBody>
+          <a:bodyPr wrap="square">
+            <a:spAutoFit/>
+          </a:bodyPr>
+          <a:lstStyle/>
+          <a:p>
+            <a:r>
+              <a:rPr lang="en-US" altLang="ko-KR" dirty="0">
+                <a:hlinkClick r:id="rId3"/>
+              </a:rPr>
+              <a:t>https://colab.research.google.com/github/JunetaeKim/DeepLearningClass/blob/main/Week10/ExpOverfitComplex.ipynb</a:t>
+            </a:r>
+            <a:endParaRPr lang="ko-KR" altLang="en-US" dirty="0"/>
+          </a:p>
+        </p:txBody>
+      </p:sp>
+    </p:spTree>
+    <p:extLst>
+      <p:ext uri="{BB962C8B-B14F-4D97-AF65-F5344CB8AC3E}">
+        <p14:creationId xmlns:p14="http://schemas.microsoft.com/office/powerpoint/2010/main" val="243815151"/>
+      </p:ext>
+    </p:extLst>
+  </p:cSld>
+  <p:clrMapOvr>
+    <a:masterClrMapping/>
+  </p:clrMapOvr>
+</p:sld>
+</file>
+
+<file path=ppt/slides/slide34.xml><?xml version="1.0" encoding="utf-8"?>
+<p:sld xmlns:a="http://schemas.openxmlformats.org/drawingml/2006/main" xmlns:r="http://schemas.openxmlformats.org/officeDocument/2006/relationships" xmlns:p="http://schemas.openxmlformats.org/presentationml/2006/main">
+  <p:cSld>
+    <p:spTree>
+      <p:nvGrpSpPr>
+        <p:cNvPr id="1" name=""/>
+        <p:cNvGrpSpPr/>
+        <p:nvPr/>
+      </p:nvGrpSpPr>
+      <p:grpSpPr>
+        <a:xfrm>
+          <a:off x="0" y="0"/>
+          <a:ext cx="0" cy="0"/>
+          <a:chOff x="0" y="0"/>
+          <a:chExt cx="0" cy="0"/>
+        </a:xfrm>
+      </p:grpSpPr>
+      <p:cxnSp>
+        <p:nvCxnSpPr>
+          <p:cNvPr id="36" name="직선 연결선 35"/>
+          <p:cNvCxnSpPr/>
+          <p:nvPr/>
+        </p:nvCxnSpPr>
+        <p:spPr>
+          <a:xfrm>
+            <a:off x="361950" y="857250"/>
+            <a:ext cx="5391150" cy="0"/>
+          </a:xfrm>
+          <a:prstGeom prst="line">
+            <a:avLst/>
+          </a:prstGeom>
+          <a:ln w="38100">
+            <a:solidFill>
+              <a:schemeClr val="accent2">
+                <a:alpha val="60000"/>
+              </a:schemeClr>
+            </a:solidFill>
+          </a:ln>
+        </p:spPr>
+        <p:style>
+          <a:lnRef idx="1">
+            <a:schemeClr val="accent1"/>
+          </a:lnRef>
+          <a:fillRef idx="0">
+            <a:schemeClr val="accent1"/>
+          </a:fillRef>
+          <a:effectRef idx="0">
+            <a:schemeClr val="accent1"/>
+          </a:effectRef>
+          <a:fontRef idx="minor">
+            <a:schemeClr val="tx1"/>
+          </a:fontRef>
+        </p:style>
+      </p:cxnSp>
+      <p:cxnSp>
+        <p:nvCxnSpPr>
+          <p:cNvPr id="37" name="직선 연결선 36"/>
+          <p:cNvCxnSpPr/>
+          <p:nvPr/>
+        </p:nvCxnSpPr>
+        <p:spPr>
+          <a:xfrm>
+            <a:off x="3257550" y="933450"/>
+            <a:ext cx="5391150" cy="0"/>
+          </a:xfrm>
+          <a:prstGeom prst="line">
+            <a:avLst/>
+          </a:prstGeom>
+          <a:ln w="38100">
+            <a:solidFill>
+              <a:schemeClr val="accent6">
+                <a:alpha val="60000"/>
+              </a:schemeClr>
+            </a:solidFill>
+          </a:ln>
+        </p:spPr>
+        <p:style>
+          <a:lnRef idx="1">
+            <a:schemeClr val="accent1"/>
+          </a:lnRef>
+          <a:fillRef idx="0">
+            <a:schemeClr val="accent1"/>
+          </a:fillRef>
+          <a:effectRef idx="0">
+            <a:schemeClr val="accent1"/>
+          </a:effectRef>
+          <a:fontRef idx="minor">
+            <a:schemeClr val="tx1"/>
+          </a:fontRef>
+        </p:style>
+      </p:cxnSp>
+      <p:sp>
+        <p:nvSpPr>
+          <p:cNvPr id="10" name="직사각형 9">
+            <a:extLst>
+              <a:ext uri="{FF2B5EF4-FFF2-40B4-BE49-F238E27FC236}">
+                <a16:creationId xmlns:a16="http://schemas.microsoft.com/office/drawing/2014/main" id="{9DC7D8DF-F1AC-5E24-6D05-87B8D3343A78}"/>
+              </a:ext>
+            </a:extLst>
+          </p:cNvPr>
+          <p:cNvSpPr/>
+          <p:nvPr/>
+        </p:nvSpPr>
+        <p:spPr>
+          <a:xfrm>
+            <a:off x="328771" y="1139130"/>
+            <a:ext cx="8742077" cy="1973104"/>
+          </a:xfrm>
+          <a:prstGeom prst="rect">
+            <a:avLst/>
+          </a:prstGeom>
+        </p:spPr>
+        <p:txBody>
+          <a:bodyPr wrap="square">
+            <a:spAutoFit/>
+          </a:bodyPr>
+          <a:lstStyle/>
+          <a:p>
+            <a:pPr marL="284400" indent="-284400">
+              <a:lnSpc>
+                <a:spcPct val="150000"/>
+              </a:lnSpc>
+              <a:buFont typeface="Arial" panose="020B0604020202020204" pitchFamily="34" charset="0"/>
+              <a:buChar char="•"/>
+            </a:pPr>
+            <a:r>
+              <a:rPr lang="en-US" altLang="ko-KR" sz="2400" dirty="0">
+                <a:solidFill>
+                  <a:srgbClr val="222222"/>
+                </a:solidFill>
+                <a:latin typeface="Arial Narrow" panose="020B0606020202030204" pitchFamily="34" charset="0"/>
+              </a:rPr>
+              <a:t>When does the overfitting problem occur?</a:t>
+            </a:r>
+          </a:p>
+          <a:p>
+            <a:pPr marL="741600" lvl="1" indent="-284400">
+              <a:lnSpc>
+                <a:spcPct val="150000"/>
+              </a:lnSpc>
+              <a:buFont typeface="Arial" panose="020B0604020202020204" pitchFamily="34" charset="0"/>
+              <a:buChar char="•"/>
+            </a:pPr>
+            <a:r>
+              <a:rPr lang="en-US" altLang="ko-KR" sz="2000" dirty="0">
+                <a:solidFill>
+                  <a:srgbClr val="222222"/>
+                </a:solidFill>
+                <a:latin typeface="Arial Narrow" panose="020B0606020202030204" pitchFamily="34" charset="0"/>
+              </a:rPr>
+              <a:t>When data is insufficient</a:t>
+            </a:r>
+          </a:p>
+          <a:p>
+            <a:pPr marL="741600" lvl="1" indent="-284400">
+              <a:lnSpc>
+                <a:spcPct val="150000"/>
+              </a:lnSpc>
+              <a:buFont typeface="Arial" panose="020B0604020202020204" pitchFamily="34" charset="0"/>
+              <a:buChar char="•"/>
+            </a:pPr>
+            <a:endParaRPr lang="en-US" altLang="ko-KR" sz="2000" dirty="0">
+              <a:solidFill>
+                <a:srgbClr val="222222"/>
+              </a:solidFill>
+              <a:latin typeface="Arial Narrow" panose="020B0606020202030204" pitchFamily="34" charset="0"/>
+            </a:endParaRPr>
+          </a:p>
+          <a:p>
+            <a:pPr marL="741600" lvl="1" indent="-284400">
+              <a:lnSpc>
+                <a:spcPct val="150000"/>
+              </a:lnSpc>
+              <a:buFont typeface="Arial" panose="020B0604020202020204" pitchFamily="34" charset="0"/>
+              <a:buChar char="•"/>
+            </a:pPr>
+            <a:endParaRPr lang="en-US" altLang="ko-KR" sz="2000" dirty="0">
+              <a:solidFill>
+                <a:srgbClr val="222222"/>
+              </a:solidFill>
+              <a:latin typeface="Arial Narrow" panose="020B0606020202030204" pitchFamily="34" charset="0"/>
+            </a:endParaRPr>
+          </a:p>
+        </p:txBody>
+      </p:sp>
+      <p:sp>
+        <p:nvSpPr>
+          <p:cNvPr id="6" name="직사각형 5">
+            <a:extLst>
+              <a:ext uri="{FF2B5EF4-FFF2-40B4-BE49-F238E27FC236}">
+                <a16:creationId xmlns:a16="http://schemas.microsoft.com/office/drawing/2014/main" id="{6AE458C1-6B85-ECDF-7351-770B57E86129}"/>
+              </a:ext>
+            </a:extLst>
+          </p:cNvPr>
+          <p:cNvSpPr/>
+          <p:nvPr/>
+        </p:nvSpPr>
+        <p:spPr>
+          <a:xfrm>
+            <a:off x="299839" y="70603"/>
+            <a:ext cx="8544322" cy="657168"/>
+          </a:xfrm>
+          <a:prstGeom prst="rect">
+            <a:avLst/>
+          </a:prstGeom>
+        </p:spPr>
+        <p:txBody>
+          <a:bodyPr wrap="square">
+            <a:spAutoFit/>
+          </a:bodyPr>
+          <a:lstStyle/>
+          <a:p>
+            <a:pPr>
+              <a:lnSpc>
+                <a:spcPct val="150000"/>
+              </a:lnSpc>
+            </a:pPr>
+            <a:r>
+              <a:rPr lang="en-US" altLang="ko-KR" sz="2800" dirty="0">
+                <a:latin typeface="Arial Narrow" panose="020B0606020202030204" pitchFamily="34" charset="0"/>
+                <a:cs typeface="Times New Roman" panose="02020603050405020304" pitchFamily="18" charset="0"/>
+              </a:rPr>
+              <a:t>Understanding Overfitting</a:t>
+            </a:r>
+          </a:p>
+        </p:txBody>
+      </p:sp>
+      <p:sp>
+        <p:nvSpPr>
+          <p:cNvPr id="2" name="TextBox 1">
+            <a:extLst>
+              <a:ext uri="{FF2B5EF4-FFF2-40B4-BE49-F238E27FC236}">
+                <a16:creationId xmlns:a16="http://schemas.microsoft.com/office/drawing/2014/main" id="{10DC557E-15BA-EE4A-5817-76DA52BAAA72}"/>
+              </a:ext>
+            </a:extLst>
+          </p:cNvPr>
+          <p:cNvSpPr txBox="1"/>
+          <p:nvPr/>
+        </p:nvSpPr>
+        <p:spPr>
+          <a:xfrm>
+            <a:off x="3397469" y="6396335"/>
+            <a:ext cx="5746531" cy="276999"/>
+          </a:xfrm>
+          <a:prstGeom prst="rect">
+            <a:avLst/>
+          </a:prstGeom>
+          <a:noFill/>
+        </p:spPr>
+        <p:txBody>
+          <a:bodyPr wrap="square">
+            <a:spAutoFit/>
+          </a:bodyPr>
+          <a:lstStyle/>
+          <a:p>
+            <a:r>
+              <a:rPr lang="en-US" altLang="ko-KR" sz="1200" dirty="0"/>
+              <a:t>https://blog.kakaocdn.net/dn/bsNLy6/btq4bBRDhgu/pt8cbOq1e9pkalI695QnTK/img.png</a:t>
+            </a:r>
+            <a:endParaRPr lang="ko-KR" altLang="en-US" sz="1200" dirty="0"/>
+          </a:p>
+        </p:txBody>
+      </p:sp>
+      <p:pic>
+        <p:nvPicPr>
+          <p:cNvPr id="4" name="그림 3">
+            <a:extLst>
+              <a:ext uri="{FF2B5EF4-FFF2-40B4-BE49-F238E27FC236}">
+                <a16:creationId xmlns:a16="http://schemas.microsoft.com/office/drawing/2014/main" id="{13CED178-2D62-9B89-43C1-C6BBA86C8991}"/>
+              </a:ext>
+            </a:extLst>
+          </p:cNvPr>
+          <p:cNvPicPr>
+            <a:picLocks noChangeAspect="1"/>
+          </p:cNvPicPr>
+          <p:nvPr/>
+        </p:nvPicPr>
+        <p:blipFill>
+          <a:blip r:embed="rId3"/>
+          <a:stretch>
+            <a:fillRect/>
+          </a:stretch>
+        </p:blipFill>
+        <p:spPr>
+          <a:xfrm>
+            <a:off x="1049016" y="2616935"/>
+            <a:ext cx="6421871" cy="3305804"/>
+          </a:xfrm>
+          <a:prstGeom prst="rect">
+            <a:avLst/>
+          </a:prstGeom>
+        </p:spPr>
+      </p:pic>
+    </p:spTree>
+    <p:extLst>
+      <p:ext uri="{BB962C8B-B14F-4D97-AF65-F5344CB8AC3E}">
+        <p14:creationId xmlns:p14="http://schemas.microsoft.com/office/powerpoint/2010/main" val="2392127345"/>
+      </p:ext>
+    </p:extLst>
+  </p:cSld>
+  <p:clrMapOvr>
+    <a:masterClrMapping/>
+  </p:clrMapOvr>
+</p:sld>
+</file>
+
+<file path=ppt/slides/slide35.xml><?xml version="1.0" encoding="utf-8"?>
+<p:sld xmlns:a="http://schemas.openxmlformats.org/drawingml/2006/main" xmlns:r="http://schemas.openxmlformats.org/officeDocument/2006/relationships" xmlns:p="http://schemas.openxmlformats.org/presentationml/2006/main">
+  <p:cSld>
+    <p:spTree>
+      <p:nvGrpSpPr>
+        <p:cNvPr id="1" name=""/>
+        <p:cNvGrpSpPr/>
+        <p:nvPr/>
+      </p:nvGrpSpPr>
+      <p:grpSpPr>
+        <a:xfrm>
+          <a:off x="0" y="0"/>
+          <a:ext cx="0" cy="0"/>
+          <a:chOff x="0" y="0"/>
+          <a:chExt cx="0" cy="0"/>
+        </a:xfrm>
+      </p:grpSpPr>
+      <p:cxnSp>
+        <p:nvCxnSpPr>
+          <p:cNvPr id="36" name="직선 연결선 35"/>
+          <p:cNvCxnSpPr/>
+          <p:nvPr/>
+        </p:nvCxnSpPr>
+        <p:spPr>
+          <a:xfrm>
+            <a:off x="361950" y="857250"/>
+            <a:ext cx="5391150" cy="0"/>
+          </a:xfrm>
+          <a:prstGeom prst="line">
+            <a:avLst/>
+          </a:prstGeom>
+          <a:ln w="38100">
+            <a:solidFill>
+              <a:schemeClr val="accent2">
+                <a:alpha val="60000"/>
+              </a:schemeClr>
+            </a:solidFill>
+          </a:ln>
+        </p:spPr>
+        <p:style>
+          <a:lnRef idx="1">
+            <a:schemeClr val="accent1"/>
+          </a:lnRef>
+          <a:fillRef idx="0">
+            <a:schemeClr val="accent1"/>
+          </a:fillRef>
+          <a:effectRef idx="0">
+            <a:schemeClr val="accent1"/>
+          </a:effectRef>
+          <a:fontRef idx="minor">
+            <a:schemeClr val="tx1"/>
+          </a:fontRef>
+        </p:style>
+      </p:cxnSp>
+      <p:cxnSp>
+        <p:nvCxnSpPr>
+          <p:cNvPr id="37" name="직선 연결선 36"/>
+          <p:cNvCxnSpPr/>
+          <p:nvPr/>
+        </p:nvCxnSpPr>
+        <p:spPr>
+          <a:xfrm>
+            <a:off x="3257550" y="933450"/>
+            <a:ext cx="5391150" cy="0"/>
+          </a:xfrm>
+          <a:prstGeom prst="line">
+            <a:avLst/>
+          </a:prstGeom>
+          <a:ln w="38100">
+            <a:solidFill>
+              <a:schemeClr val="accent6">
+                <a:alpha val="60000"/>
+              </a:schemeClr>
+            </a:solidFill>
+          </a:ln>
+        </p:spPr>
+        <p:style>
+          <a:lnRef idx="1">
+            <a:schemeClr val="accent1"/>
+          </a:lnRef>
+          <a:fillRef idx="0">
+            <a:schemeClr val="accent1"/>
+          </a:fillRef>
+          <a:effectRef idx="0">
+            <a:schemeClr val="accent1"/>
+          </a:effectRef>
+          <a:fontRef idx="minor">
+            <a:schemeClr val="tx1"/>
+          </a:fontRef>
+        </p:style>
+      </p:cxnSp>
+      <p:sp>
+        <p:nvSpPr>
+          <p:cNvPr id="10" name="직사각형 9">
+            <a:extLst>
+              <a:ext uri="{FF2B5EF4-FFF2-40B4-BE49-F238E27FC236}">
+                <a16:creationId xmlns:a16="http://schemas.microsoft.com/office/drawing/2014/main" id="{9DC7D8DF-F1AC-5E24-6D05-87B8D3343A78}"/>
+              </a:ext>
+            </a:extLst>
+          </p:cNvPr>
+          <p:cNvSpPr/>
+          <p:nvPr/>
+        </p:nvSpPr>
+        <p:spPr>
+          <a:xfrm>
+            <a:off x="328771" y="1139130"/>
+            <a:ext cx="8742077" cy="1973104"/>
+          </a:xfrm>
+          <a:prstGeom prst="rect">
+            <a:avLst/>
+          </a:prstGeom>
+        </p:spPr>
+        <p:txBody>
+          <a:bodyPr wrap="square">
+            <a:spAutoFit/>
+          </a:bodyPr>
+          <a:lstStyle/>
+          <a:p>
+            <a:pPr marL="284400" indent="-284400">
+              <a:lnSpc>
+                <a:spcPct val="150000"/>
+              </a:lnSpc>
+              <a:buFont typeface="Arial" panose="020B0604020202020204" pitchFamily="34" charset="0"/>
+              <a:buChar char="•"/>
+            </a:pPr>
+            <a:r>
+              <a:rPr lang="en-US" altLang="ko-KR" sz="2400" dirty="0">
+                <a:solidFill>
+                  <a:srgbClr val="222222"/>
+                </a:solidFill>
+                <a:latin typeface="Arial Narrow" panose="020B0606020202030204" pitchFamily="34" charset="0"/>
+              </a:rPr>
+              <a:t>When does the overfitting problem occur?</a:t>
+            </a:r>
+          </a:p>
+          <a:p>
+            <a:pPr marL="741600" lvl="1" indent="-284400">
+              <a:lnSpc>
+                <a:spcPct val="150000"/>
+              </a:lnSpc>
+              <a:buFont typeface="Arial" panose="020B0604020202020204" pitchFamily="34" charset="0"/>
+              <a:buChar char="•"/>
+            </a:pPr>
+            <a:r>
+              <a:rPr lang="en-US" altLang="ko-KR" sz="2000" dirty="0">
+                <a:solidFill>
+                  <a:srgbClr val="222222"/>
+                </a:solidFill>
+                <a:latin typeface="Arial Narrow" panose="020B0606020202030204" pitchFamily="34" charset="0"/>
+              </a:rPr>
+              <a:t>When data is insufficient</a:t>
+            </a:r>
+          </a:p>
+          <a:p>
+            <a:pPr marL="741600" lvl="1" indent="-284400">
+              <a:lnSpc>
+                <a:spcPct val="150000"/>
+              </a:lnSpc>
+              <a:buFont typeface="Arial" panose="020B0604020202020204" pitchFamily="34" charset="0"/>
+              <a:buChar char="•"/>
+            </a:pPr>
+            <a:endParaRPr lang="en-US" altLang="ko-KR" sz="2000" dirty="0">
+              <a:solidFill>
+                <a:srgbClr val="222222"/>
+              </a:solidFill>
+              <a:latin typeface="Arial Narrow" panose="020B0606020202030204" pitchFamily="34" charset="0"/>
+            </a:endParaRPr>
+          </a:p>
+          <a:p>
+            <a:pPr marL="741600" lvl="1" indent="-284400">
+              <a:lnSpc>
+                <a:spcPct val="150000"/>
+              </a:lnSpc>
+              <a:buFont typeface="Arial" panose="020B0604020202020204" pitchFamily="34" charset="0"/>
+              <a:buChar char="•"/>
+            </a:pPr>
+            <a:endParaRPr lang="en-US" altLang="ko-KR" sz="2000" dirty="0">
+              <a:solidFill>
+                <a:srgbClr val="222222"/>
+              </a:solidFill>
+              <a:latin typeface="Arial Narrow" panose="020B0606020202030204" pitchFamily="34" charset="0"/>
+            </a:endParaRPr>
+          </a:p>
+        </p:txBody>
+      </p:sp>
+      <p:sp>
+        <p:nvSpPr>
+          <p:cNvPr id="6" name="직사각형 5">
+            <a:extLst>
+              <a:ext uri="{FF2B5EF4-FFF2-40B4-BE49-F238E27FC236}">
+                <a16:creationId xmlns:a16="http://schemas.microsoft.com/office/drawing/2014/main" id="{6AE458C1-6B85-ECDF-7351-770B57E86129}"/>
+              </a:ext>
+            </a:extLst>
+          </p:cNvPr>
+          <p:cNvSpPr/>
+          <p:nvPr/>
+        </p:nvSpPr>
+        <p:spPr>
+          <a:xfrm>
+            <a:off x="299839" y="70603"/>
+            <a:ext cx="8544322" cy="657168"/>
+          </a:xfrm>
+          <a:prstGeom prst="rect">
+            <a:avLst/>
+          </a:prstGeom>
+        </p:spPr>
+        <p:txBody>
+          <a:bodyPr wrap="square">
+            <a:spAutoFit/>
+          </a:bodyPr>
+          <a:lstStyle/>
+          <a:p>
+            <a:pPr>
+              <a:lnSpc>
+                <a:spcPct val="150000"/>
+              </a:lnSpc>
+            </a:pPr>
+            <a:r>
+              <a:rPr lang="en-US" altLang="ko-KR" sz="2800" dirty="0">
+                <a:latin typeface="Arial Narrow" panose="020B0606020202030204" pitchFamily="34" charset="0"/>
+                <a:cs typeface="Times New Roman" panose="02020603050405020304" pitchFamily="18" charset="0"/>
+              </a:rPr>
+              <a:t>Understanding Overfitting</a:t>
+            </a:r>
+          </a:p>
+        </p:txBody>
+      </p:sp>
+      <p:sp>
+        <p:nvSpPr>
+          <p:cNvPr id="3" name="TextBox 2">
+            <a:extLst>
+              <a:ext uri="{FF2B5EF4-FFF2-40B4-BE49-F238E27FC236}">
+                <a16:creationId xmlns:a16="http://schemas.microsoft.com/office/drawing/2014/main" id="{0927FC52-86DC-8DEE-7F83-8CD7E3483C49}"/>
+              </a:ext>
+            </a:extLst>
+          </p:cNvPr>
+          <p:cNvSpPr txBox="1"/>
+          <p:nvPr/>
+        </p:nvSpPr>
+        <p:spPr>
+          <a:xfrm>
+            <a:off x="1979469" y="3909675"/>
+            <a:ext cx="4572000" cy="923330"/>
+          </a:xfrm>
+          <a:prstGeom prst="rect">
+            <a:avLst/>
+          </a:prstGeom>
+          <a:noFill/>
+        </p:spPr>
+        <p:txBody>
+          <a:bodyPr wrap="square">
+            <a:spAutoFit/>
+          </a:bodyPr>
+          <a:lstStyle/>
+          <a:p>
+            <a:r>
+              <a:rPr lang="en-US" altLang="ko-KR" dirty="0">
+                <a:hlinkClick r:id="rId3"/>
+              </a:rPr>
+              <a:t>https://colab.research.google.com/github/JunetaeKim/DeepLearningClass/blob/main/Week10/ExpOverfitTrSize.ipynb</a:t>
+            </a:r>
+            <a:endParaRPr lang="ko-KR" altLang="en-US" dirty="0"/>
+          </a:p>
+        </p:txBody>
+      </p:sp>
+    </p:spTree>
+    <p:extLst>
+      <p:ext uri="{BB962C8B-B14F-4D97-AF65-F5344CB8AC3E}">
+        <p14:creationId xmlns:p14="http://schemas.microsoft.com/office/powerpoint/2010/main" val="176202416"/>
+      </p:ext>
+    </p:extLst>
+  </p:cSld>
+  <p:clrMapOvr>
+    <a:masterClrMapping/>
+  </p:clrMapOvr>
+</p:sld>
+</file>
+
+<file path=ppt/slides/slide36.xml><?xml version="1.0" encoding="utf-8"?>
+<p:sld xmlns:a="http://schemas.openxmlformats.org/drawingml/2006/main" xmlns:r="http://schemas.openxmlformats.org/officeDocument/2006/relationships" xmlns:p="http://schemas.openxmlformats.org/presentationml/2006/main">
+  <p:cSld>
+    <p:spTree>
+      <p:nvGrpSpPr>
+        <p:cNvPr id="1" name=""/>
+        <p:cNvGrpSpPr/>
+        <p:nvPr/>
+      </p:nvGrpSpPr>
+      <p:grpSpPr>
+        <a:xfrm>
+          <a:off x="0" y="0"/>
+          <a:ext cx="0" cy="0"/>
+          <a:chOff x="0" y="0"/>
+          <a:chExt cx="0" cy="0"/>
+        </a:xfrm>
+      </p:grpSpPr>
+      <p:cxnSp>
+        <p:nvCxnSpPr>
+          <p:cNvPr id="36" name="직선 연결선 35"/>
+          <p:cNvCxnSpPr/>
+          <p:nvPr/>
+        </p:nvCxnSpPr>
+        <p:spPr>
+          <a:xfrm>
+            <a:off x="361950" y="857250"/>
+            <a:ext cx="5391150" cy="0"/>
+          </a:xfrm>
+          <a:prstGeom prst="line">
+            <a:avLst/>
+          </a:prstGeom>
+          <a:ln w="38100">
+            <a:solidFill>
+              <a:schemeClr val="accent2">
+                <a:alpha val="60000"/>
+              </a:schemeClr>
+            </a:solidFill>
+          </a:ln>
+        </p:spPr>
+        <p:style>
+          <a:lnRef idx="1">
+            <a:schemeClr val="accent1"/>
+          </a:lnRef>
+          <a:fillRef idx="0">
+            <a:schemeClr val="accent1"/>
+          </a:fillRef>
+          <a:effectRef idx="0">
+            <a:schemeClr val="accent1"/>
+          </a:effectRef>
+          <a:fontRef idx="minor">
+            <a:schemeClr val="tx1"/>
+          </a:fontRef>
+        </p:style>
+      </p:cxnSp>
+      <p:cxnSp>
+        <p:nvCxnSpPr>
+          <p:cNvPr id="37" name="직선 연결선 36"/>
+          <p:cNvCxnSpPr/>
+          <p:nvPr/>
+        </p:nvCxnSpPr>
+        <p:spPr>
+          <a:xfrm>
+            <a:off x="3257550" y="933450"/>
+            <a:ext cx="5391150" cy="0"/>
+          </a:xfrm>
+          <a:prstGeom prst="line">
+            <a:avLst/>
+          </a:prstGeom>
+          <a:ln w="38100">
+            <a:solidFill>
+              <a:schemeClr val="accent6">
+                <a:alpha val="60000"/>
+              </a:schemeClr>
+            </a:solidFill>
+          </a:ln>
+        </p:spPr>
+        <p:style>
+          <a:lnRef idx="1">
+            <a:schemeClr val="accent1"/>
+          </a:lnRef>
+          <a:fillRef idx="0">
+            <a:schemeClr val="accent1"/>
+          </a:fillRef>
+          <a:effectRef idx="0">
+            <a:schemeClr val="accent1"/>
+          </a:effectRef>
+          <a:fontRef idx="minor">
+            <a:schemeClr val="tx1"/>
+          </a:fontRef>
+        </p:style>
+      </p:cxnSp>
+      <p:sp>
+        <p:nvSpPr>
+          <p:cNvPr id="10" name="직사각형 9">
+            <a:extLst>
+              <a:ext uri="{FF2B5EF4-FFF2-40B4-BE49-F238E27FC236}">
+                <a16:creationId xmlns:a16="http://schemas.microsoft.com/office/drawing/2014/main" id="{9DC7D8DF-F1AC-5E24-6D05-87B8D3343A78}"/>
+              </a:ext>
+            </a:extLst>
+          </p:cNvPr>
+          <p:cNvSpPr/>
+          <p:nvPr/>
+        </p:nvSpPr>
+        <p:spPr>
+          <a:xfrm>
+            <a:off x="328771" y="1139130"/>
+            <a:ext cx="8742077" cy="2896434"/>
+          </a:xfrm>
+          <a:prstGeom prst="rect">
+            <a:avLst/>
+          </a:prstGeom>
+        </p:spPr>
+        <p:txBody>
+          <a:bodyPr wrap="square">
+            <a:spAutoFit/>
+          </a:bodyPr>
+          <a:lstStyle/>
+          <a:p>
+            <a:pPr marL="284400" indent="-284400">
+              <a:lnSpc>
+                <a:spcPct val="150000"/>
+              </a:lnSpc>
+              <a:buFont typeface="Arial" panose="020B0604020202020204" pitchFamily="34" charset="0"/>
+              <a:buChar char="•"/>
+            </a:pPr>
+            <a:r>
+              <a:rPr lang="en-US" altLang="ko-KR" sz="2400" dirty="0">
+                <a:solidFill>
+                  <a:srgbClr val="222222"/>
+                </a:solidFill>
+                <a:latin typeface="Arial Narrow" panose="020B0606020202030204" pitchFamily="34" charset="0"/>
+              </a:rPr>
+              <a:t>Background</a:t>
+            </a:r>
+          </a:p>
+          <a:p>
+            <a:pPr marL="741600" lvl="1" indent="-284400">
+              <a:lnSpc>
+                <a:spcPct val="150000"/>
+              </a:lnSpc>
+              <a:buFont typeface="Arial" panose="020B0604020202020204" pitchFamily="34" charset="0"/>
+              <a:buChar char="•"/>
+            </a:pPr>
+            <a:r>
+              <a:rPr lang="en-US" altLang="ko-KR" sz="2000" dirty="0">
+                <a:solidFill>
+                  <a:srgbClr val="222222"/>
+                </a:solidFill>
+                <a:latin typeface="Arial Narrow" panose="020B0606020202030204" pitchFamily="34" charset="0"/>
+              </a:rPr>
+              <a:t>One of the most difficult problems when working with deep learning or machine learning is that even if an algorithm has been sufficiently tested, if there is not enough data, the results are difficult to generalize.</a:t>
+            </a:r>
+          </a:p>
+          <a:p>
+            <a:pPr marL="741600" lvl="1" indent="-284400">
+              <a:lnSpc>
+                <a:spcPct val="150000"/>
+              </a:lnSpc>
+              <a:buFont typeface="Arial" panose="020B0604020202020204" pitchFamily="34" charset="0"/>
+              <a:buChar char="•"/>
+            </a:pPr>
+            <a:r>
+              <a:rPr lang="en-US" altLang="ko-KR" sz="2000" dirty="0">
+                <a:solidFill>
+                  <a:srgbClr val="222222"/>
+                </a:solidFill>
+                <a:latin typeface="Arial Narrow" panose="020B0606020202030204" pitchFamily="34" charset="0"/>
+              </a:rPr>
+              <a:t>The method developed to address the issue is k-fold cross-validation.</a:t>
+            </a:r>
+          </a:p>
+          <a:p>
+            <a:pPr marL="741600" lvl="1" indent="-284400">
+              <a:lnSpc>
+                <a:spcPct val="150000"/>
+              </a:lnSpc>
+              <a:buFont typeface="Arial" panose="020B0604020202020204" pitchFamily="34" charset="0"/>
+              <a:buChar char="•"/>
+            </a:pPr>
+            <a:endParaRPr lang="en-US" altLang="ko-KR" sz="2000" dirty="0">
+              <a:solidFill>
+                <a:srgbClr val="222222"/>
+              </a:solidFill>
+              <a:latin typeface="Arial Narrow" panose="020B0606020202030204" pitchFamily="34" charset="0"/>
+            </a:endParaRPr>
+          </a:p>
+        </p:txBody>
+      </p:sp>
+      <p:sp>
+        <p:nvSpPr>
+          <p:cNvPr id="6" name="직사각형 5">
+            <a:extLst>
+              <a:ext uri="{FF2B5EF4-FFF2-40B4-BE49-F238E27FC236}">
+                <a16:creationId xmlns:a16="http://schemas.microsoft.com/office/drawing/2014/main" id="{6AE458C1-6B85-ECDF-7351-770B57E86129}"/>
+              </a:ext>
+            </a:extLst>
+          </p:cNvPr>
+          <p:cNvSpPr/>
+          <p:nvPr/>
+        </p:nvSpPr>
+        <p:spPr>
+          <a:xfrm>
+            <a:off x="299839" y="70603"/>
+            <a:ext cx="8544322" cy="657168"/>
+          </a:xfrm>
+          <a:prstGeom prst="rect">
+            <a:avLst/>
+          </a:prstGeom>
+        </p:spPr>
+        <p:txBody>
+          <a:bodyPr wrap="square">
+            <a:spAutoFit/>
+          </a:bodyPr>
+          <a:lstStyle/>
+          <a:p>
+            <a:pPr>
+              <a:lnSpc>
+                <a:spcPct val="150000"/>
+              </a:lnSpc>
+            </a:pPr>
+            <a:r>
+              <a:rPr lang="en-US" altLang="ko-KR" sz="2800" dirty="0">
+                <a:latin typeface="Arial Narrow" panose="020B0606020202030204" pitchFamily="34" charset="0"/>
+                <a:cs typeface="Times New Roman" panose="02020603050405020304" pitchFamily="18" charset="0"/>
+              </a:rPr>
+              <a:t>K-fold cross validation</a:t>
+            </a:r>
+          </a:p>
+        </p:txBody>
+      </p:sp>
+    </p:spTree>
+    <p:extLst>
+      <p:ext uri="{BB962C8B-B14F-4D97-AF65-F5344CB8AC3E}">
+        <p14:creationId xmlns:p14="http://schemas.microsoft.com/office/powerpoint/2010/main" val="1827771803"/>
+      </p:ext>
+    </p:extLst>
+  </p:cSld>
+  <p:clrMapOvr>
+    <a:masterClrMapping/>
+  </p:clrMapOvr>
+</p:sld>
+</file>
+
+<file path=ppt/slides/slide37.xml><?xml version="1.0" encoding="utf-8"?>
+<p:sld xmlns:a="http://schemas.openxmlformats.org/drawingml/2006/main" xmlns:r="http://schemas.openxmlformats.org/officeDocument/2006/relationships" xmlns:p="http://schemas.openxmlformats.org/presentationml/2006/main">
+  <p:cSld>
+    <p:spTree>
+      <p:nvGrpSpPr>
+        <p:cNvPr id="1" name=""/>
+        <p:cNvGrpSpPr/>
+        <p:nvPr/>
+      </p:nvGrpSpPr>
+      <p:grpSpPr>
+        <a:xfrm>
+          <a:off x="0" y="0"/>
+          <a:ext cx="0" cy="0"/>
+          <a:chOff x="0" y="0"/>
+          <a:chExt cx="0" cy="0"/>
+        </a:xfrm>
+      </p:grpSpPr>
+      <p:cxnSp>
+        <p:nvCxnSpPr>
+          <p:cNvPr id="36" name="직선 연결선 35"/>
+          <p:cNvCxnSpPr/>
+          <p:nvPr/>
+        </p:nvCxnSpPr>
+        <p:spPr>
+          <a:xfrm>
+            <a:off x="361950" y="857250"/>
+            <a:ext cx="5391150" cy="0"/>
+          </a:xfrm>
+          <a:prstGeom prst="line">
+            <a:avLst/>
+          </a:prstGeom>
+          <a:ln w="38100">
+            <a:solidFill>
+              <a:schemeClr val="accent2">
+                <a:alpha val="60000"/>
+              </a:schemeClr>
+            </a:solidFill>
+          </a:ln>
+        </p:spPr>
+        <p:style>
+          <a:lnRef idx="1">
+            <a:schemeClr val="accent1"/>
+          </a:lnRef>
+          <a:fillRef idx="0">
+            <a:schemeClr val="accent1"/>
+          </a:fillRef>
+          <a:effectRef idx="0">
+            <a:schemeClr val="accent1"/>
+          </a:effectRef>
+          <a:fontRef idx="minor">
+            <a:schemeClr val="tx1"/>
+          </a:fontRef>
+        </p:style>
+      </p:cxnSp>
+      <p:cxnSp>
+        <p:nvCxnSpPr>
+          <p:cNvPr id="37" name="직선 연결선 36"/>
+          <p:cNvCxnSpPr/>
+          <p:nvPr/>
+        </p:nvCxnSpPr>
+        <p:spPr>
+          <a:xfrm>
+            <a:off x="3257550" y="933450"/>
+            <a:ext cx="5391150" cy="0"/>
+          </a:xfrm>
+          <a:prstGeom prst="line">
+            <a:avLst/>
+          </a:prstGeom>
+          <a:ln w="38100">
+            <a:solidFill>
+              <a:schemeClr val="accent6">
+                <a:alpha val="60000"/>
+              </a:schemeClr>
+            </a:solidFill>
+          </a:ln>
+        </p:spPr>
+        <p:style>
+          <a:lnRef idx="1">
+            <a:schemeClr val="accent1"/>
+          </a:lnRef>
+          <a:fillRef idx="0">
+            <a:schemeClr val="accent1"/>
+          </a:fillRef>
+          <a:effectRef idx="0">
+            <a:schemeClr val="accent1"/>
+          </a:effectRef>
+          <a:fontRef idx="minor">
+            <a:schemeClr val="tx1"/>
+          </a:fontRef>
+        </p:style>
+      </p:cxnSp>
+      <p:sp>
+        <p:nvSpPr>
+          <p:cNvPr id="10" name="직사각형 9">
+            <a:extLst>
+              <a:ext uri="{FF2B5EF4-FFF2-40B4-BE49-F238E27FC236}">
+                <a16:creationId xmlns:a16="http://schemas.microsoft.com/office/drawing/2014/main" id="{9DC7D8DF-F1AC-5E24-6D05-87B8D3343A78}"/>
+              </a:ext>
+            </a:extLst>
+          </p:cNvPr>
+          <p:cNvSpPr/>
+          <p:nvPr/>
+        </p:nvSpPr>
+        <p:spPr>
+          <a:xfrm>
+            <a:off x="328771" y="1139130"/>
+            <a:ext cx="8742077" cy="2434769"/>
+          </a:xfrm>
+          <a:prstGeom prst="rect">
+            <a:avLst/>
+          </a:prstGeom>
+        </p:spPr>
+        <p:txBody>
+          <a:bodyPr wrap="square">
+            <a:spAutoFit/>
+          </a:bodyPr>
+          <a:lstStyle/>
+          <a:p>
+            <a:pPr marL="284400" indent="-284400">
+              <a:lnSpc>
+                <a:spcPct val="150000"/>
+              </a:lnSpc>
+              <a:buFont typeface="Arial" panose="020B0604020202020204" pitchFamily="34" charset="0"/>
+              <a:buChar char="•"/>
+            </a:pPr>
+            <a:r>
+              <a:rPr lang="en-US" altLang="ko-KR" sz="2400" dirty="0">
+                <a:solidFill>
+                  <a:srgbClr val="222222"/>
+                </a:solidFill>
+                <a:latin typeface="Arial Narrow" panose="020B0606020202030204" pitchFamily="34" charset="0"/>
+              </a:rPr>
+              <a:t>What is K-fold cross validation</a:t>
+            </a:r>
+          </a:p>
+          <a:p>
+            <a:pPr marL="741600" lvl="1" indent="-284400">
+              <a:lnSpc>
+                <a:spcPct val="150000"/>
+              </a:lnSpc>
+              <a:buFont typeface="Arial" panose="020B0604020202020204" pitchFamily="34" charset="0"/>
+              <a:buChar char="•"/>
+            </a:pPr>
+            <a:r>
+              <a:rPr lang="en-US" altLang="ko-KR" sz="2000" dirty="0">
+                <a:solidFill>
+                  <a:srgbClr val="222222"/>
+                </a:solidFill>
+                <a:latin typeface="Arial Narrow" panose="020B0606020202030204" pitchFamily="34" charset="0"/>
+              </a:rPr>
+              <a:t>A method of dividing the dataset into several parts and using each one as a test set and combining the rest to use as a training set.</a:t>
+            </a:r>
+          </a:p>
+          <a:p>
+            <a:pPr marL="741600" lvl="1" indent="-284400">
+              <a:lnSpc>
+                <a:spcPct val="150000"/>
+              </a:lnSpc>
+              <a:buFont typeface="Arial" panose="020B0604020202020204" pitchFamily="34" charset="0"/>
+              <a:buChar char="•"/>
+            </a:pPr>
+            <a:r>
+              <a:rPr lang="en-US" altLang="ko-KR" sz="2000" dirty="0">
+                <a:solidFill>
+                  <a:srgbClr val="222222"/>
+                </a:solidFill>
+                <a:latin typeface="Arial Narrow" panose="020B0606020202030204" pitchFamily="34" charset="0"/>
+              </a:rPr>
+              <a:t>This allows 100% of the data to be used as the test set.</a:t>
+            </a:r>
+          </a:p>
+          <a:p>
+            <a:pPr marL="741600" lvl="1" indent="-284400">
+              <a:lnSpc>
+                <a:spcPct val="150000"/>
+              </a:lnSpc>
+              <a:buFont typeface="Arial" panose="020B0604020202020204" pitchFamily="34" charset="0"/>
+              <a:buChar char="•"/>
+            </a:pPr>
+            <a:endParaRPr lang="en-US" altLang="ko-KR" sz="2000" dirty="0">
+              <a:solidFill>
+                <a:srgbClr val="222222"/>
+              </a:solidFill>
+              <a:latin typeface="Arial Narrow" panose="020B0606020202030204" pitchFamily="34" charset="0"/>
+            </a:endParaRPr>
+          </a:p>
+        </p:txBody>
+      </p:sp>
+      <p:sp>
+        <p:nvSpPr>
+          <p:cNvPr id="6" name="직사각형 5">
+            <a:extLst>
+              <a:ext uri="{FF2B5EF4-FFF2-40B4-BE49-F238E27FC236}">
+                <a16:creationId xmlns:a16="http://schemas.microsoft.com/office/drawing/2014/main" id="{6AE458C1-6B85-ECDF-7351-770B57E86129}"/>
+              </a:ext>
+            </a:extLst>
+          </p:cNvPr>
+          <p:cNvSpPr/>
+          <p:nvPr/>
+        </p:nvSpPr>
+        <p:spPr>
+          <a:xfrm>
+            <a:off x="299839" y="70603"/>
+            <a:ext cx="8544322" cy="657168"/>
+          </a:xfrm>
+          <a:prstGeom prst="rect">
+            <a:avLst/>
+          </a:prstGeom>
+        </p:spPr>
+        <p:txBody>
+          <a:bodyPr wrap="square">
+            <a:spAutoFit/>
+          </a:bodyPr>
+          <a:lstStyle/>
+          <a:p>
+            <a:pPr>
+              <a:lnSpc>
+                <a:spcPct val="150000"/>
+              </a:lnSpc>
+            </a:pPr>
+            <a:r>
+              <a:rPr lang="en-US" altLang="ko-KR" sz="2800" dirty="0">
+                <a:latin typeface="Arial Narrow" panose="020B0606020202030204" pitchFamily="34" charset="0"/>
+                <a:cs typeface="Times New Roman" panose="02020603050405020304" pitchFamily="18" charset="0"/>
+              </a:rPr>
+              <a:t>K-fold cross validation</a:t>
+            </a:r>
+          </a:p>
+        </p:txBody>
+      </p:sp>
+      <p:pic>
+        <p:nvPicPr>
+          <p:cNvPr id="1026" name="Picture 2" descr="K-Fold Cross-Validation in Python Using SKLearn - AskPython">
+            <a:extLst>
+              <a:ext uri="{FF2B5EF4-FFF2-40B4-BE49-F238E27FC236}">
+                <a16:creationId xmlns:a16="http://schemas.microsoft.com/office/drawing/2014/main" id="{8641370B-7E95-5D2C-88F1-19201981FDB0}"/>
+              </a:ext>
+            </a:extLst>
+          </p:cNvPr>
+          <p:cNvPicPr>
+            <a:picLocks noChangeAspect="1" noChangeArrowheads="1"/>
+          </p:cNvPicPr>
+          <p:nvPr/>
+        </p:nvPicPr>
+        <p:blipFill>
+          <a:blip r:embed="rId3" cstate="print">
+            <a:extLst>
+              <a:ext uri="{28A0092B-C50C-407E-A947-70E740481C1C}">
+                <a14:useLocalDpi xmlns:a14="http://schemas.microsoft.com/office/drawing/2010/main" val="0"/>
+              </a:ext>
+            </a:extLst>
+          </a:blip>
+          <a:srcRect/>
+          <a:stretch>
+            <a:fillRect/>
+          </a:stretch>
+        </p:blipFill>
+        <p:spPr bwMode="auto">
+          <a:xfrm>
+            <a:off x="1762125" y="3145274"/>
+            <a:ext cx="5181600" cy="3179128"/>
+          </a:xfrm>
+          <a:prstGeom prst="rect">
+            <a:avLst/>
+          </a:prstGeom>
+          <a:noFill/>
+          <a:extLst>
+            <a:ext uri="{909E8E84-426E-40DD-AFC4-6F175D3DCCD1}">
+              <a14:hiddenFill xmlns:a14="http://schemas.microsoft.com/office/drawing/2010/main">
+                <a:solidFill>
+                  <a:srgbClr val="FFFFFF"/>
+                </a:solidFill>
+              </a14:hiddenFill>
+            </a:ext>
+          </a:extLst>
+        </p:spPr>
+      </p:pic>
+      <p:sp>
+        <p:nvSpPr>
+          <p:cNvPr id="3" name="TextBox 2">
+            <a:extLst>
+              <a:ext uri="{FF2B5EF4-FFF2-40B4-BE49-F238E27FC236}">
+                <a16:creationId xmlns:a16="http://schemas.microsoft.com/office/drawing/2014/main" id="{0D50E4CF-6696-B27C-14DA-651DE69E412C}"/>
+              </a:ext>
+            </a:extLst>
+          </p:cNvPr>
+          <p:cNvSpPr txBox="1"/>
+          <p:nvPr/>
+        </p:nvSpPr>
+        <p:spPr>
+          <a:xfrm>
+            <a:off x="3600449" y="6324402"/>
+            <a:ext cx="5377061" cy="307777"/>
+          </a:xfrm>
+          <a:prstGeom prst="rect">
+            <a:avLst/>
+          </a:prstGeom>
+          <a:noFill/>
+        </p:spPr>
+        <p:txBody>
+          <a:bodyPr wrap="square">
+            <a:spAutoFit/>
+          </a:bodyPr>
+          <a:lstStyle/>
+          <a:p>
+            <a:r>
+              <a:rPr lang="en-US" altLang="ko-KR" sz="1400" dirty="0"/>
+              <a:t>https://www.askpython.com/python/examples/k-fold-cross-validation</a:t>
+            </a:r>
+            <a:endParaRPr lang="ko-KR" altLang="en-US" sz="1400" dirty="0"/>
+          </a:p>
+        </p:txBody>
+      </p:sp>
+    </p:spTree>
+    <p:extLst>
+      <p:ext uri="{BB962C8B-B14F-4D97-AF65-F5344CB8AC3E}">
+        <p14:creationId xmlns:p14="http://schemas.microsoft.com/office/powerpoint/2010/main" val="3033451027"/>
+      </p:ext>
+    </p:extLst>
+  </p:cSld>
+  <p:clrMapOvr>
+    <a:masterClrMapping/>
+  </p:clrMapOvr>
+</p:sld>
+</file>
+
+<file path=ppt/slides/slide38.xml><?xml version="1.0" encoding="utf-8"?>
+<p:sld xmlns:a="http://schemas.openxmlformats.org/drawingml/2006/main" xmlns:r="http://schemas.openxmlformats.org/officeDocument/2006/relationships" xmlns:p="http://schemas.openxmlformats.org/presentationml/2006/main">
+  <p:cSld>
+    <p:spTree>
+      <p:nvGrpSpPr>
+        <p:cNvPr id="1" name=""/>
+        <p:cNvGrpSpPr/>
+        <p:nvPr/>
+      </p:nvGrpSpPr>
+      <p:grpSpPr>
+        <a:xfrm>
+          <a:off x="0" y="0"/>
+          <a:ext cx="0" cy="0"/>
+          <a:chOff x="0" y="0"/>
+          <a:chExt cx="0" cy="0"/>
+        </a:xfrm>
+      </p:grpSpPr>
+      <p:cxnSp>
+        <p:nvCxnSpPr>
+          <p:cNvPr id="36" name="직선 연결선 35"/>
+          <p:cNvCxnSpPr/>
+          <p:nvPr/>
+        </p:nvCxnSpPr>
+        <p:spPr>
+          <a:xfrm>
+            <a:off x="361950" y="857250"/>
+            <a:ext cx="5391150" cy="0"/>
+          </a:xfrm>
+          <a:prstGeom prst="line">
+            <a:avLst/>
+          </a:prstGeom>
+          <a:ln w="38100">
+            <a:solidFill>
+              <a:schemeClr val="accent2">
+                <a:alpha val="60000"/>
+              </a:schemeClr>
+            </a:solidFill>
+          </a:ln>
+        </p:spPr>
+        <p:style>
+          <a:lnRef idx="1">
+            <a:schemeClr val="accent1"/>
+          </a:lnRef>
+          <a:fillRef idx="0">
+            <a:schemeClr val="accent1"/>
+          </a:fillRef>
+          <a:effectRef idx="0">
+            <a:schemeClr val="accent1"/>
+          </a:effectRef>
+          <a:fontRef idx="minor">
+            <a:schemeClr val="tx1"/>
+          </a:fontRef>
+        </p:style>
+      </p:cxnSp>
+      <p:cxnSp>
+        <p:nvCxnSpPr>
+          <p:cNvPr id="37" name="직선 연결선 36"/>
+          <p:cNvCxnSpPr/>
+          <p:nvPr/>
+        </p:nvCxnSpPr>
+        <p:spPr>
+          <a:xfrm>
+            <a:off x="3257550" y="933450"/>
+            <a:ext cx="5391150" cy="0"/>
+          </a:xfrm>
+          <a:prstGeom prst="line">
+            <a:avLst/>
+          </a:prstGeom>
+          <a:ln w="38100">
+            <a:solidFill>
+              <a:schemeClr val="accent6">
+                <a:alpha val="60000"/>
+              </a:schemeClr>
+            </a:solidFill>
+          </a:ln>
+        </p:spPr>
+        <p:style>
+          <a:lnRef idx="1">
+            <a:schemeClr val="accent1"/>
+          </a:lnRef>
+          <a:fillRef idx="0">
+            <a:schemeClr val="accent1"/>
+          </a:fillRef>
+          <a:effectRef idx="0">
+            <a:schemeClr val="accent1"/>
+          </a:effectRef>
+          <a:fontRef idx="minor">
+            <a:schemeClr val="tx1"/>
+          </a:fontRef>
+        </p:style>
+      </p:cxnSp>
+      <p:sp>
+        <p:nvSpPr>
+          <p:cNvPr id="10" name="직사각형 9">
+            <a:extLst>
+              <a:ext uri="{FF2B5EF4-FFF2-40B4-BE49-F238E27FC236}">
+                <a16:creationId xmlns:a16="http://schemas.microsoft.com/office/drawing/2014/main" id="{9DC7D8DF-F1AC-5E24-6D05-87B8D3343A78}"/>
+              </a:ext>
+            </a:extLst>
+          </p:cNvPr>
+          <p:cNvSpPr/>
+          <p:nvPr/>
+        </p:nvSpPr>
+        <p:spPr>
+          <a:xfrm>
+            <a:off x="328771" y="1139130"/>
+            <a:ext cx="8742077" cy="1603772"/>
+          </a:xfrm>
+          <a:prstGeom prst="rect">
+            <a:avLst/>
+          </a:prstGeom>
+        </p:spPr>
+        <p:txBody>
+          <a:bodyPr wrap="square">
+            <a:spAutoFit/>
+          </a:bodyPr>
+          <a:lstStyle/>
+          <a:p>
+            <a:pPr marL="284400" indent="-284400">
+              <a:lnSpc>
+                <a:spcPct val="150000"/>
+              </a:lnSpc>
+              <a:buFont typeface="Arial" panose="020B0604020202020204" pitchFamily="34" charset="0"/>
+              <a:buChar char="•"/>
+            </a:pPr>
+            <a:r>
+              <a:rPr lang="en-US" altLang="ko-KR" sz="2400" dirty="0">
+                <a:solidFill>
+                  <a:srgbClr val="222222"/>
+                </a:solidFill>
+                <a:latin typeface="Arial Narrow" panose="020B0606020202030204" pitchFamily="34" charset="0"/>
+              </a:rPr>
+              <a:t>How to perform k-fold cross-validation</a:t>
+            </a:r>
+          </a:p>
+          <a:p>
+            <a:pPr marL="741600" lvl="1" indent="-284400">
+              <a:lnSpc>
+                <a:spcPct val="150000"/>
+              </a:lnSpc>
+              <a:buFont typeface="Arial" panose="020B0604020202020204" pitchFamily="34" charset="0"/>
+              <a:buChar char="•"/>
+            </a:pPr>
+            <a:r>
+              <a:rPr lang="en-US" altLang="ko-KR" sz="2400" dirty="0">
+                <a:solidFill>
+                  <a:schemeClr val="accent6">
+                    <a:lumMod val="75000"/>
+                  </a:schemeClr>
+                </a:solidFill>
+                <a:latin typeface="Arial Narrow" panose="020B0606020202030204" pitchFamily="34" charset="0"/>
+              </a:rPr>
+              <a:t>from</a:t>
+            </a:r>
+            <a:r>
+              <a:rPr lang="en-US" altLang="ko-KR" sz="2400" dirty="0">
+                <a:solidFill>
+                  <a:srgbClr val="222222"/>
+                </a:solidFill>
+                <a:latin typeface="Arial Narrow" panose="020B0606020202030204" pitchFamily="34" charset="0"/>
+              </a:rPr>
+              <a:t> </a:t>
+            </a:r>
+            <a:r>
+              <a:rPr lang="en-US" altLang="ko-KR" sz="2400" dirty="0" err="1">
+                <a:solidFill>
+                  <a:srgbClr val="222222"/>
+                </a:solidFill>
+                <a:latin typeface="Arial Narrow" panose="020B0606020202030204" pitchFamily="34" charset="0"/>
+              </a:rPr>
+              <a:t>sklearn.</a:t>
+            </a:r>
+            <a:r>
+              <a:rPr lang="en-US" altLang="ko-KR" sz="2400" dirty="0" err="1">
+                <a:solidFill>
+                  <a:schemeClr val="accent5"/>
+                </a:solidFill>
+                <a:latin typeface="Arial Narrow" panose="020B0606020202030204" pitchFamily="34" charset="0"/>
+              </a:rPr>
+              <a:t>model_selection</a:t>
+            </a:r>
+            <a:r>
+              <a:rPr lang="en-US" altLang="ko-KR" sz="2400" dirty="0">
+                <a:solidFill>
+                  <a:srgbClr val="222222"/>
+                </a:solidFill>
+                <a:latin typeface="Arial Narrow" panose="020B0606020202030204" pitchFamily="34" charset="0"/>
+              </a:rPr>
+              <a:t> </a:t>
+            </a:r>
+            <a:r>
+              <a:rPr lang="en-US" altLang="ko-KR" sz="2400" dirty="0">
+                <a:solidFill>
+                  <a:schemeClr val="accent6">
+                    <a:lumMod val="75000"/>
+                  </a:schemeClr>
+                </a:solidFill>
+                <a:latin typeface="Arial Narrow" panose="020B0606020202030204" pitchFamily="34" charset="0"/>
+              </a:rPr>
+              <a:t>import</a:t>
+            </a:r>
+            <a:r>
+              <a:rPr lang="en-US" altLang="ko-KR" sz="2400" dirty="0">
+                <a:solidFill>
+                  <a:srgbClr val="222222"/>
+                </a:solidFill>
+                <a:latin typeface="Arial Narrow" panose="020B0606020202030204" pitchFamily="34" charset="0"/>
+              </a:rPr>
+              <a:t> </a:t>
+            </a:r>
+            <a:r>
+              <a:rPr lang="en-US" altLang="ko-KR" sz="2400" dirty="0" err="1">
+                <a:solidFill>
+                  <a:srgbClr val="222222"/>
+                </a:solidFill>
+                <a:latin typeface="Arial Narrow" panose="020B0606020202030204" pitchFamily="34" charset="0"/>
+              </a:rPr>
+              <a:t>StratifiedKFold</a:t>
+            </a:r>
+            <a:endParaRPr lang="en-US" altLang="ko-KR" sz="2400" dirty="0">
+              <a:solidFill>
+                <a:srgbClr val="222222"/>
+              </a:solidFill>
+              <a:latin typeface="Arial Narrow" panose="020B0606020202030204" pitchFamily="34" charset="0"/>
+            </a:endParaRPr>
+          </a:p>
+          <a:p>
+            <a:pPr marL="741600" lvl="1" indent="-284400">
+              <a:lnSpc>
+                <a:spcPct val="150000"/>
+              </a:lnSpc>
+              <a:buFont typeface="Arial" panose="020B0604020202020204" pitchFamily="34" charset="0"/>
+              <a:buChar char="•"/>
+            </a:pPr>
+            <a:endParaRPr lang="en-US" altLang="ko-KR" sz="2000" dirty="0">
+              <a:solidFill>
+                <a:srgbClr val="222222"/>
+              </a:solidFill>
+              <a:latin typeface="Arial Narrow" panose="020B0606020202030204" pitchFamily="34" charset="0"/>
+            </a:endParaRPr>
+          </a:p>
+        </p:txBody>
+      </p:sp>
+      <p:sp>
+        <p:nvSpPr>
+          <p:cNvPr id="6" name="직사각형 5">
+            <a:extLst>
+              <a:ext uri="{FF2B5EF4-FFF2-40B4-BE49-F238E27FC236}">
+                <a16:creationId xmlns:a16="http://schemas.microsoft.com/office/drawing/2014/main" id="{6AE458C1-6B85-ECDF-7351-770B57E86129}"/>
+              </a:ext>
+            </a:extLst>
+          </p:cNvPr>
+          <p:cNvSpPr/>
+          <p:nvPr/>
+        </p:nvSpPr>
+        <p:spPr>
+          <a:xfrm>
+            <a:off x="299839" y="70603"/>
+            <a:ext cx="8544322" cy="657168"/>
+          </a:xfrm>
+          <a:prstGeom prst="rect">
+            <a:avLst/>
+          </a:prstGeom>
+        </p:spPr>
+        <p:txBody>
+          <a:bodyPr wrap="square">
+            <a:spAutoFit/>
+          </a:bodyPr>
+          <a:lstStyle/>
+          <a:p>
+            <a:pPr>
+              <a:lnSpc>
+                <a:spcPct val="150000"/>
+              </a:lnSpc>
+            </a:pPr>
+            <a:r>
+              <a:rPr lang="en-US" altLang="ko-KR" sz="2800" dirty="0">
+                <a:latin typeface="Arial Narrow" panose="020B0606020202030204" pitchFamily="34" charset="0"/>
+                <a:cs typeface="Times New Roman" panose="02020603050405020304" pitchFamily="18" charset="0"/>
+              </a:rPr>
+              <a:t>K-fold cross validation</a:t>
+            </a:r>
+          </a:p>
+        </p:txBody>
+      </p:sp>
+    </p:spTree>
+    <p:extLst>
+      <p:ext uri="{BB962C8B-B14F-4D97-AF65-F5344CB8AC3E}">
+        <p14:creationId xmlns:p14="http://schemas.microsoft.com/office/powerpoint/2010/main" val="2464628449"/>
+      </p:ext>
+    </p:extLst>
+  </p:cSld>
+  <p:clrMapOvr>
+    <a:masterClrMapping/>
+  </p:clrMapOvr>
+</p:sld>
+</file>
+
+<file path=ppt/slides/slide39.xml><?xml version="1.0" encoding="utf-8"?>
 <p:sld xmlns:a="http://schemas.openxmlformats.org/drawingml/2006/main" xmlns:r="http://schemas.openxmlformats.org/officeDocument/2006/relationships" xmlns:p="http://schemas.openxmlformats.org/presentationml/2006/main">
   <p:cSld>
     <p:spTree>

--- a/Week10/week10 Introduction to tensorflow.pptx
+++ b/Week10/week10 Introduction to tensorflow.pptx
@@ -5,10 +5,10 @@
     <p:sldMasterId id="2147483660" r:id="rId1"/>
   </p:sldMasterIdLst>
   <p:notesMasterIdLst>
-    <p:notesMasterId r:id="rId41"/>
+    <p:notesMasterId r:id="rId44"/>
   </p:notesMasterIdLst>
   <p:handoutMasterIdLst>
-    <p:handoutMasterId r:id="rId42"/>
+    <p:handoutMasterId r:id="rId45"/>
   </p:handoutMasterIdLst>
   <p:sldIdLst>
     <p:sldId id="265" r:id="rId2"/>
@@ -49,7 +49,10 @@
     <p:sldId id="667" r:id="rId37"/>
     <p:sldId id="668" r:id="rId38"/>
     <p:sldId id="669" r:id="rId39"/>
-    <p:sldId id="636" r:id="rId40"/>
+    <p:sldId id="670" r:id="rId40"/>
+    <p:sldId id="671" r:id="rId41"/>
+    <p:sldId id="672" r:id="rId42"/>
+    <p:sldId id="673" r:id="rId43"/>
   </p:sldIdLst>
   <p:sldSz cx="9144000" cy="6858000" type="screen4x3"/>
   <p:notesSz cx="6797675" cy="9874250"/>
@@ -3297,6 +3300,174 @@
 </p:notes>
 </file>
 
+<file path=ppt/notesSlides/notesSlide38.xml><?xml version="1.0" encoding="utf-8"?>
+<p:notes xmlns:a="http://schemas.openxmlformats.org/drawingml/2006/main" xmlns:r="http://schemas.openxmlformats.org/officeDocument/2006/relationships" xmlns:p="http://schemas.openxmlformats.org/presentationml/2006/main">
+  <p:cSld>
+    <p:spTree>
+      <p:nvGrpSpPr>
+        <p:cNvPr id="1" name=""/>
+        <p:cNvGrpSpPr/>
+        <p:nvPr/>
+      </p:nvGrpSpPr>
+      <p:grpSpPr>
+        <a:xfrm>
+          <a:off x="0" y="0"/>
+          <a:ext cx="0" cy="0"/>
+          <a:chOff x="0" y="0"/>
+          <a:chExt cx="0" cy="0"/>
+        </a:xfrm>
+      </p:grpSpPr>
+      <p:sp>
+        <p:nvSpPr>
+          <p:cNvPr id="2" name="슬라이드 이미지 개체 틀 1"/>
+          <p:cNvSpPr>
+            <a:spLocks noGrp="1" noRot="1" noChangeAspect="1"/>
+          </p:cNvSpPr>
+          <p:nvPr>
+            <p:ph type="sldImg"/>
+          </p:nvPr>
+        </p:nvSpPr>
+        <p:spPr/>
+      </p:sp>
+      <p:sp>
+        <p:nvSpPr>
+          <p:cNvPr id="3" name="슬라이드 노트 개체 틀 2"/>
+          <p:cNvSpPr>
+            <a:spLocks noGrp="1"/>
+          </p:cNvSpPr>
+          <p:nvPr>
+            <p:ph type="body" idx="1"/>
+          </p:nvPr>
+        </p:nvSpPr>
+        <p:spPr/>
+        <p:txBody>
+          <a:bodyPr/>
+          <a:lstStyle/>
+          <a:p>
+            <a:endParaRPr lang="ko-KR" altLang="en-US" dirty="0"/>
+          </a:p>
+        </p:txBody>
+      </p:sp>
+      <p:sp>
+        <p:nvSpPr>
+          <p:cNvPr id="4" name="슬라이드 번호 개체 틀 3"/>
+          <p:cNvSpPr>
+            <a:spLocks noGrp="1"/>
+          </p:cNvSpPr>
+          <p:nvPr>
+            <p:ph type="sldNum" sz="quarter" idx="10"/>
+          </p:nvPr>
+        </p:nvSpPr>
+        <p:spPr/>
+        <p:txBody>
+          <a:bodyPr/>
+          <a:lstStyle/>
+          <a:p>
+            <a:fld id="{AE7DD7B4-6F0D-4FE3-8660-A7DE31D2AD67}" type="slidenum">
+              <a:rPr lang="ko-KR" altLang="en-US" smtClean="0"/>
+              <a:t>39</a:t>
+            </a:fld>
+            <a:endParaRPr lang="ko-KR" altLang="en-US"/>
+          </a:p>
+        </p:txBody>
+      </p:sp>
+    </p:spTree>
+    <p:extLst>
+      <p:ext uri="{BB962C8B-B14F-4D97-AF65-F5344CB8AC3E}">
+        <p14:creationId xmlns:p14="http://schemas.microsoft.com/office/powerpoint/2010/main" val="1980988168"/>
+      </p:ext>
+    </p:extLst>
+  </p:cSld>
+  <p:clrMapOvr>
+    <a:masterClrMapping/>
+  </p:clrMapOvr>
+</p:notes>
+</file>
+
+<file path=ppt/notesSlides/notesSlide39.xml><?xml version="1.0" encoding="utf-8"?>
+<p:notes xmlns:a="http://schemas.openxmlformats.org/drawingml/2006/main" xmlns:r="http://schemas.openxmlformats.org/officeDocument/2006/relationships" xmlns:p="http://schemas.openxmlformats.org/presentationml/2006/main">
+  <p:cSld>
+    <p:spTree>
+      <p:nvGrpSpPr>
+        <p:cNvPr id="1" name=""/>
+        <p:cNvGrpSpPr/>
+        <p:nvPr/>
+      </p:nvGrpSpPr>
+      <p:grpSpPr>
+        <a:xfrm>
+          <a:off x="0" y="0"/>
+          <a:ext cx="0" cy="0"/>
+          <a:chOff x="0" y="0"/>
+          <a:chExt cx="0" cy="0"/>
+        </a:xfrm>
+      </p:grpSpPr>
+      <p:sp>
+        <p:nvSpPr>
+          <p:cNvPr id="2" name="슬라이드 이미지 개체 틀 1"/>
+          <p:cNvSpPr>
+            <a:spLocks noGrp="1" noRot="1" noChangeAspect="1"/>
+          </p:cNvSpPr>
+          <p:nvPr>
+            <p:ph type="sldImg"/>
+          </p:nvPr>
+        </p:nvSpPr>
+        <p:spPr/>
+      </p:sp>
+      <p:sp>
+        <p:nvSpPr>
+          <p:cNvPr id="3" name="슬라이드 노트 개체 틀 2"/>
+          <p:cNvSpPr>
+            <a:spLocks noGrp="1"/>
+          </p:cNvSpPr>
+          <p:nvPr>
+            <p:ph type="body" idx="1"/>
+          </p:nvPr>
+        </p:nvSpPr>
+        <p:spPr/>
+        <p:txBody>
+          <a:bodyPr/>
+          <a:lstStyle/>
+          <a:p>
+            <a:endParaRPr lang="ko-KR" altLang="en-US" dirty="0"/>
+          </a:p>
+        </p:txBody>
+      </p:sp>
+      <p:sp>
+        <p:nvSpPr>
+          <p:cNvPr id="4" name="슬라이드 번호 개체 틀 3"/>
+          <p:cNvSpPr>
+            <a:spLocks noGrp="1"/>
+          </p:cNvSpPr>
+          <p:nvPr>
+            <p:ph type="sldNum" sz="quarter" idx="10"/>
+          </p:nvPr>
+        </p:nvSpPr>
+        <p:spPr/>
+        <p:txBody>
+          <a:bodyPr/>
+          <a:lstStyle/>
+          <a:p>
+            <a:fld id="{AE7DD7B4-6F0D-4FE3-8660-A7DE31D2AD67}" type="slidenum">
+              <a:rPr lang="ko-KR" altLang="en-US" smtClean="0"/>
+              <a:t>40</a:t>
+            </a:fld>
+            <a:endParaRPr lang="ko-KR" altLang="en-US"/>
+          </a:p>
+        </p:txBody>
+      </p:sp>
+    </p:spTree>
+    <p:extLst>
+      <p:ext uri="{BB962C8B-B14F-4D97-AF65-F5344CB8AC3E}">
+        <p14:creationId xmlns:p14="http://schemas.microsoft.com/office/powerpoint/2010/main" val="2322443001"/>
+      </p:ext>
+    </p:extLst>
+  </p:cSld>
+  <p:clrMapOvr>
+    <a:masterClrMapping/>
+  </p:clrMapOvr>
+</p:notes>
+</file>
+
 <file path=ppt/notesSlides/notesSlide4.xml><?xml version="1.0" encoding="utf-8"?>
 <p:notes xmlns:a="http://schemas.openxmlformats.org/drawingml/2006/main" xmlns:r="http://schemas.openxmlformats.org/officeDocument/2006/relationships" xmlns:p="http://schemas.openxmlformats.org/presentationml/2006/main">
   <p:cSld>
@@ -3372,6 +3543,174 @@
     <p:extLst>
       <p:ext uri="{BB962C8B-B14F-4D97-AF65-F5344CB8AC3E}">
         <p14:creationId xmlns:p14="http://schemas.microsoft.com/office/powerpoint/2010/main" val="905715363"/>
+      </p:ext>
+    </p:extLst>
+  </p:cSld>
+  <p:clrMapOvr>
+    <a:masterClrMapping/>
+  </p:clrMapOvr>
+</p:notes>
+</file>
+
+<file path=ppt/notesSlides/notesSlide40.xml><?xml version="1.0" encoding="utf-8"?>
+<p:notes xmlns:a="http://schemas.openxmlformats.org/drawingml/2006/main" xmlns:r="http://schemas.openxmlformats.org/officeDocument/2006/relationships" xmlns:p="http://schemas.openxmlformats.org/presentationml/2006/main">
+  <p:cSld>
+    <p:spTree>
+      <p:nvGrpSpPr>
+        <p:cNvPr id="1" name=""/>
+        <p:cNvGrpSpPr/>
+        <p:nvPr/>
+      </p:nvGrpSpPr>
+      <p:grpSpPr>
+        <a:xfrm>
+          <a:off x="0" y="0"/>
+          <a:ext cx="0" cy="0"/>
+          <a:chOff x="0" y="0"/>
+          <a:chExt cx="0" cy="0"/>
+        </a:xfrm>
+      </p:grpSpPr>
+      <p:sp>
+        <p:nvSpPr>
+          <p:cNvPr id="2" name="슬라이드 이미지 개체 틀 1"/>
+          <p:cNvSpPr>
+            <a:spLocks noGrp="1" noRot="1" noChangeAspect="1"/>
+          </p:cNvSpPr>
+          <p:nvPr>
+            <p:ph type="sldImg"/>
+          </p:nvPr>
+        </p:nvSpPr>
+        <p:spPr/>
+      </p:sp>
+      <p:sp>
+        <p:nvSpPr>
+          <p:cNvPr id="3" name="슬라이드 노트 개체 틀 2"/>
+          <p:cNvSpPr>
+            <a:spLocks noGrp="1"/>
+          </p:cNvSpPr>
+          <p:nvPr>
+            <p:ph type="body" idx="1"/>
+          </p:nvPr>
+        </p:nvSpPr>
+        <p:spPr/>
+        <p:txBody>
+          <a:bodyPr/>
+          <a:lstStyle/>
+          <a:p>
+            <a:endParaRPr lang="ko-KR" altLang="en-US" dirty="0"/>
+          </a:p>
+        </p:txBody>
+      </p:sp>
+      <p:sp>
+        <p:nvSpPr>
+          <p:cNvPr id="4" name="슬라이드 번호 개체 틀 3"/>
+          <p:cNvSpPr>
+            <a:spLocks noGrp="1"/>
+          </p:cNvSpPr>
+          <p:nvPr>
+            <p:ph type="sldNum" sz="quarter" idx="10"/>
+          </p:nvPr>
+        </p:nvSpPr>
+        <p:spPr/>
+        <p:txBody>
+          <a:bodyPr/>
+          <a:lstStyle/>
+          <a:p>
+            <a:fld id="{AE7DD7B4-6F0D-4FE3-8660-A7DE31D2AD67}" type="slidenum">
+              <a:rPr lang="ko-KR" altLang="en-US" smtClean="0"/>
+              <a:t>41</a:t>
+            </a:fld>
+            <a:endParaRPr lang="ko-KR" altLang="en-US"/>
+          </a:p>
+        </p:txBody>
+      </p:sp>
+    </p:spTree>
+    <p:extLst>
+      <p:ext uri="{BB962C8B-B14F-4D97-AF65-F5344CB8AC3E}">
+        <p14:creationId xmlns:p14="http://schemas.microsoft.com/office/powerpoint/2010/main" val="483504967"/>
+      </p:ext>
+    </p:extLst>
+  </p:cSld>
+  <p:clrMapOvr>
+    <a:masterClrMapping/>
+  </p:clrMapOvr>
+</p:notes>
+</file>
+
+<file path=ppt/notesSlides/notesSlide41.xml><?xml version="1.0" encoding="utf-8"?>
+<p:notes xmlns:a="http://schemas.openxmlformats.org/drawingml/2006/main" xmlns:r="http://schemas.openxmlformats.org/officeDocument/2006/relationships" xmlns:p="http://schemas.openxmlformats.org/presentationml/2006/main">
+  <p:cSld>
+    <p:spTree>
+      <p:nvGrpSpPr>
+        <p:cNvPr id="1" name=""/>
+        <p:cNvGrpSpPr/>
+        <p:nvPr/>
+      </p:nvGrpSpPr>
+      <p:grpSpPr>
+        <a:xfrm>
+          <a:off x="0" y="0"/>
+          <a:ext cx="0" cy="0"/>
+          <a:chOff x="0" y="0"/>
+          <a:chExt cx="0" cy="0"/>
+        </a:xfrm>
+      </p:grpSpPr>
+      <p:sp>
+        <p:nvSpPr>
+          <p:cNvPr id="2" name="슬라이드 이미지 개체 틀 1"/>
+          <p:cNvSpPr>
+            <a:spLocks noGrp="1" noRot="1" noChangeAspect="1"/>
+          </p:cNvSpPr>
+          <p:nvPr>
+            <p:ph type="sldImg"/>
+          </p:nvPr>
+        </p:nvSpPr>
+        <p:spPr/>
+      </p:sp>
+      <p:sp>
+        <p:nvSpPr>
+          <p:cNvPr id="3" name="슬라이드 노트 개체 틀 2"/>
+          <p:cNvSpPr>
+            <a:spLocks noGrp="1"/>
+          </p:cNvSpPr>
+          <p:nvPr>
+            <p:ph type="body" idx="1"/>
+          </p:nvPr>
+        </p:nvSpPr>
+        <p:spPr/>
+        <p:txBody>
+          <a:bodyPr/>
+          <a:lstStyle/>
+          <a:p>
+            <a:endParaRPr lang="ko-KR" altLang="en-US" dirty="0"/>
+          </a:p>
+        </p:txBody>
+      </p:sp>
+      <p:sp>
+        <p:nvSpPr>
+          <p:cNvPr id="4" name="슬라이드 번호 개체 틀 3"/>
+          <p:cNvSpPr>
+            <a:spLocks noGrp="1"/>
+          </p:cNvSpPr>
+          <p:nvPr>
+            <p:ph type="sldNum" sz="quarter" idx="10"/>
+          </p:nvPr>
+        </p:nvSpPr>
+        <p:spPr/>
+        <p:txBody>
+          <a:bodyPr/>
+          <a:lstStyle/>
+          <a:p>
+            <a:fld id="{AE7DD7B4-6F0D-4FE3-8660-A7DE31D2AD67}" type="slidenum">
+              <a:rPr lang="ko-KR" altLang="en-US" smtClean="0"/>
+              <a:t>42</a:t>
+            </a:fld>
+            <a:endParaRPr lang="ko-KR" altLang="en-US"/>
+          </a:p>
+        </p:txBody>
+      </p:sp>
+    </p:spTree>
+    <p:extLst>
+      <p:ext uri="{BB962C8B-B14F-4D97-AF65-F5344CB8AC3E}">
+        <p14:creationId xmlns:p14="http://schemas.microsoft.com/office/powerpoint/2010/main" val="1373080973"/>
       </p:ext>
     </p:extLst>
   </p:cSld>
@@ -35136,6 +35475,44 @@
           </a:p>
         </p:txBody>
       </p:sp>
+      <p:sp>
+        <p:nvSpPr>
+          <p:cNvPr id="2" name="TextBox 1">
+            <a:extLst>
+              <a:ext uri="{FF2B5EF4-FFF2-40B4-BE49-F238E27FC236}">
+                <a16:creationId xmlns:a16="http://schemas.microsoft.com/office/drawing/2014/main" id="{40E5D77D-3BE4-A913-6E0C-799956375A92}"/>
+              </a:ext>
+            </a:extLst>
+          </p:cNvPr>
+          <p:cNvSpPr txBox="1"/>
+          <p:nvPr/>
+        </p:nvSpPr>
+        <p:spPr>
+          <a:xfrm>
+            <a:off x="1979469" y="3909675"/>
+            <a:ext cx="4572000" cy="923330"/>
+          </a:xfrm>
+          <a:prstGeom prst="rect">
+            <a:avLst/>
+          </a:prstGeom>
+          <a:noFill/>
+        </p:spPr>
+        <p:txBody>
+          <a:bodyPr wrap="square">
+            <a:spAutoFit/>
+          </a:bodyPr>
+          <a:lstStyle/>
+          <a:p>
+            <a:r>
+              <a:rPr lang="en-US" altLang="ko-KR" dirty="0">
+                <a:hlinkClick r:id="rId3"/>
+              </a:rPr>
+              <a:t>https://colab.research.google.com/github/JunetaeKim/DeepLearningClass/blob/main/Week10/KfoldValidation.ipynb</a:t>
+            </a:r>
+            <a:endParaRPr lang="ko-KR" altLang="en-US" dirty="0"/>
+          </a:p>
+        </p:txBody>
+      </p:sp>
     </p:spTree>
     <p:extLst>
       <p:ext uri="{BB962C8B-B14F-4D97-AF65-F5344CB8AC3E}">
@@ -35166,60 +35543,993 @@
           <a:chExt cx="0" cy="0"/>
         </a:xfrm>
       </p:grpSpPr>
-      <p:sp>
-        <p:nvSpPr>
-          <p:cNvPr id="2" name="제목 1">
+      <p:cxnSp>
+        <p:nvCxnSpPr>
+          <p:cNvPr id="36" name="직선 연결선 35"/>
+          <p:cNvCxnSpPr/>
+          <p:nvPr/>
+        </p:nvCxnSpPr>
+        <p:spPr>
+          <a:xfrm>
+            <a:off x="361950" y="857250"/>
+            <a:ext cx="5391150" cy="0"/>
+          </a:xfrm>
+          <a:prstGeom prst="line">
+            <a:avLst/>
+          </a:prstGeom>
+          <a:ln w="38100">
+            <a:solidFill>
+              <a:schemeClr val="accent2">
+                <a:alpha val="60000"/>
+              </a:schemeClr>
+            </a:solidFill>
+          </a:ln>
+        </p:spPr>
+        <p:style>
+          <a:lnRef idx="1">
+            <a:schemeClr val="accent1"/>
+          </a:lnRef>
+          <a:fillRef idx="0">
+            <a:schemeClr val="accent1"/>
+          </a:fillRef>
+          <a:effectRef idx="0">
+            <a:schemeClr val="accent1"/>
+          </a:effectRef>
+          <a:fontRef idx="minor">
+            <a:schemeClr val="tx1"/>
+          </a:fontRef>
+        </p:style>
+      </p:cxnSp>
+      <p:cxnSp>
+        <p:nvCxnSpPr>
+          <p:cNvPr id="37" name="직선 연결선 36"/>
+          <p:cNvCxnSpPr/>
+          <p:nvPr/>
+        </p:nvCxnSpPr>
+        <p:spPr>
+          <a:xfrm>
+            <a:off x="3257550" y="933450"/>
+            <a:ext cx="5391150" cy="0"/>
+          </a:xfrm>
+          <a:prstGeom prst="line">
+            <a:avLst/>
+          </a:prstGeom>
+          <a:ln w="38100">
+            <a:solidFill>
+              <a:schemeClr val="accent6">
+                <a:alpha val="60000"/>
+              </a:schemeClr>
+            </a:solidFill>
+          </a:ln>
+        </p:spPr>
+        <p:style>
+          <a:lnRef idx="1">
+            <a:schemeClr val="accent1"/>
+          </a:lnRef>
+          <a:fillRef idx="0">
+            <a:schemeClr val="accent1"/>
+          </a:fillRef>
+          <a:effectRef idx="0">
+            <a:schemeClr val="accent1"/>
+          </a:effectRef>
+          <a:fontRef idx="minor">
+            <a:schemeClr val="tx1"/>
+          </a:fontRef>
+        </p:style>
+      </p:cxnSp>
+      <p:sp>
+        <p:nvSpPr>
+          <p:cNvPr id="6" name="직사각형 5">
             <a:extLst>
               <a:ext uri="{FF2B5EF4-FFF2-40B4-BE49-F238E27FC236}">
-                <a16:creationId xmlns:a16="http://schemas.microsoft.com/office/drawing/2014/main" id="{88F3FAA6-D151-5824-A7D9-E01B72498453}"/>
+                <a16:creationId xmlns:a16="http://schemas.microsoft.com/office/drawing/2014/main" id="{6AE458C1-6B85-ECDF-7351-770B57E86129}"/>
               </a:ext>
             </a:extLst>
           </p:cNvPr>
-          <p:cNvSpPr>
-            <a:spLocks noGrp="1"/>
-          </p:cNvSpPr>
-          <p:nvPr>
-            <p:ph type="title"/>
-          </p:nvPr>
-        </p:nvSpPr>
-        <p:spPr/>
-        <p:txBody>
-          <a:bodyPr/>
-          <a:lstStyle/>
-          <a:p>
-            <a:endParaRPr lang="ko-KR" altLang="en-US"/>
-          </a:p>
-        </p:txBody>
-      </p:sp>
-      <p:sp>
-        <p:nvSpPr>
-          <p:cNvPr id="3" name="내용 개체 틀 2">
+          <p:cNvSpPr/>
+          <p:nvPr/>
+        </p:nvSpPr>
+        <p:spPr>
+          <a:xfrm>
+            <a:off x="299839" y="70603"/>
+            <a:ext cx="8544322" cy="657168"/>
+          </a:xfrm>
+          <a:prstGeom prst="rect">
+            <a:avLst/>
+          </a:prstGeom>
+        </p:spPr>
+        <p:txBody>
+          <a:bodyPr wrap="square">
+            <a:spAutoFit/>
+          </a:bodyPr>
+          <a:lstStyle/>
+          <a:p>
+            <a:pPr>
+              <a:lnSpc>
+                <a:spcPct val="150000"/>
+              </a:lnSpc>
+            </a:pPr>
+            <a:r>
+              <a:rPr lang="en-US" altLang="ko-KR" sz="2800" dirty="0">
+                <a:latin typeface="Arial Narrow" panose="020B0606020202030204" pitchFamily="34" charset="0"/>
+                <a:cs typeface="Times New Roman" panose="02020603050405020304" pitchFamily="18" charset="0"/>
+              </a:rPr>
+              <a:t>K-fold cross validation</a:t>
+            </a:r>
+          </a:p>
+        </p:txBody>
+      </p:sp>
+      <p:sp>
+        <p:nvSpPr>
+          <p:cNvPr id="4" name="직사각형 3">
             <a:extLst>
               <a:ext uri="{FF2B5EF4-FFF2-40B4-BE49-F238E27FC236}">
-                <a16:creationId xmlns:a16="http://schemas.microsoft.com/office/drawing/2014/main" id="{1B4BA5D7-6139-ADF2-A469-E3893EF87664}"/>
+                <a16:creationId xmlns:a16="http://schemas.microsoft.com/office/drawing/2014/main" id="{F025A2A7-C7AF-1541-767D-F504FA1C0134}"/>
               </a:ext>
             </a:extLst>
           </p:cNvPr>
-          <p:cNvSpPr>
-            <a:spLocks noGrp="1"/>
-          </p:cNvSpPr>
-          <p:nvPr>
-            <p:ph idx="1"/>
-          </p:nvPr>
-        </p:nvSpPr>
-        <p:spPr/>
-        <p:txBody>
-          <a:bodyPr/>
-          <a:lstStyle/>
-          <a:p>
+          <p:cNvSpPr/>
+          <p:nvPr/>
+        </p:nvSpPr>
+        <p:spPr>
+          <a:xfrm>
+            <a:off x="328771" y="1082568"/>
+            <a:ext cx="8742077" cy="1049518"/>
+          </a:xfrm>
+          <a:prstGeom prst="rect">
+            <a:avLst/>
+          </a:prstGeom>
+        </p:spPr>
+        <p:txBody>
+          <a:bodyPr wrap="square">
+            <a:spAutoFit/>
+          </a:bodyPr>
+          <a:lstStyle/>
+          <a:p>
+            <a:pPr marL="284400" indent="-284400">
+              <a:lnSpc>
+                <a:spcPct val="150000"/>
+              </a:lnSpc>
+              <a:buFont typeface="Arial" panose="020B0604020202020204" pitchFamily="34" charset="0"/>
+              <a:buChar char="•"/>
+            </a:pPr>
+            <a:r>
+              <a:rPr lang="en-US" altLang="ko-KR" sz="2400" dirty="0">
+                <a:solidFill>
+                  <a:srgbClr val="222222"/>
+                </a:solidFill>
+                <a:latin typeface="Arial Narrow" panose="020B0606020202030204" pitchFamily="34" charset="0"/>
+              </a:rPr>
+              <a:t>Exercise goal</a:t>
+            </a:r>
+          </a:p>
+          <a:p>
+            <a:pPr lvl="1">
+              <a:lnSpc>
+                <a:spcPct val="150000"/>
+              </a:lnSpc>
+            </a:pPr>
+            <a:r>
+              <a:rPr lang="ko-KR" altLang="en-US" sz="2000" dirty="0">
+                <a:solidFill>
+                  <a:srgbClr val="222222"/>
+                </a:solidFill>
+                <a:latin typeface="Arial Narrow" panose="020B0606020202030204" pitchFamily="34" charset="0"/>
+              </a:rPr>
+              <a:t>①</a:t>
+            </a:r>
+            <a:r>
+              <a:rPr lang="en-US" altLang="ko-KR" sz="2000" dirty="0">
+                <a:solidFill>
+                  <a:srgbClr val="222222"/>
+                </a:solidFill>
+                <a:latin typeface="Arial Narrow" panose="020B0606020202030204" pitchFamily="34" charset="0"/>
+              </a:rPr>
+              <a:t> Iris classification model development </a:t>
+            </a:r>
+          </a:p>
+        </p:txBody>
+      </p:sp>
+      <p:sp>
+        <p:nvSpPr>
+          <p:cNvPr id="5" name="사각형: 둥근 모서리 4">
+            <a:extLst>
+              <a:ext uri="{FF2B5EF4-FFF2-40B4-BE49-F238E27FC236}">
+                <a16:creationId xmlns:a16="http://schemas.microsoft.com/office/drawing/2014/main" id="{7D0BDC5E-4355-9084-07AD-A1D05D1A5A6E}"/>
+              </a:ext>
+            </a:extLst>
+          </p:cNvPr>
+          <p:cNvSpPr/>
+          <p:nvPr/>
+        </p:nvSpPr>
+        <p:spPr>
+          <a:xfrm>
+            <a:off x="2088465" y="3460234"/>
+            <a:ext cx="488950" cy="2108200"/>
+          </a:xfrm>
+          <a:prstGeom prst="roundRect">
+            <a:avLst/>
+          </a:prstGeom>
+        </p:spPr>
+        <p:style>
+          <a:lnRef idx="2">
+            <a:schemeClr val="accent1">
+              <a:shade val="50000"/>
+            </a:schemeClr>
+          </a:lnRef>
+          <a:fillRef idx="1">
+            <a:schemeClr val="accent1"/>
+          </a:fillRef>
+          <a:effectRef idx="0">
+            <a:schemeClr val="accent1"/>
+          </a:effectRef>
+          <a:fontRef idx="minor">
+            <a:schemeClr val="lt1"/>
+          </a:fontRef>
+        </p:style>
+        <p:txBody>
+          <a:bodyPr rtlCol="0" anchor="ctr"/>
+          <a:lstStyle/>
+          <a:p>
+            <a:pPr algn="ctr"/>
             <a:endParaRPr lang="ko-KR" altLang="en-US"/>
+          </a:p>
+        </p:txBody>
+      </p:sp>
+      <p:sp>
+        <p:nvSpPr>
+          <p:cNvPr id="7" name="사각형: 둥근 모서리 6">
+            <a:extLst>
+              <a:ext uri="{FF2B5EF4-FFF2-40B4-BE49-F238E27FC236}">
+                <a16:creationId xmlns:a16="http://schemas.microsoft.com/office/drawing/2014/main" id="{6B4FAC3B-3E05-7C1E-5F37-10997AA0EA41}"/>
+              </a:ext>
+            </a:extLst>
+          </p:cNvPr>
+          <p:cNvSpPr/>
+          <p:nvPr/>
+        </p:nvSpPr>
+        <p:spPr>
+          <a:xfrm>
+            <a:off x="3323944" y="3768208"/>
+            <a:ext cx="488950" cy="1492250"/>
+          </a:xfrm>
+          <a:prstGeom prst="roundRect">
+            <a:avLst/>
+          </a:prstGeom>
+          <a:solidFill>
+            <a:schemeClr val="accent1">
+              <a:lumMod val="60000"/>
+              <a:lumOff val="40000"/>
+            </a:schemeClr>
+          </a:solidFill>
+        </p:spPr>
+        <p:style>
+          <a:lnRef idx="2">
+            <a:schemeClr val="accent1">
+              <a:shade val="50000"/>
+            </a:schemeClr>
+          </a:lnRef>
+          <a:fillRef idx="1">
+            <a:schemeClr val="accent1"/>
+          </a:fillRef>
+          <a:effectRef idx="0">
+            <a:schemeClr val="accent1"/>
+          </a:effectRef>
+          <a:fontRef idx="minor">
+            <a:schemeClr val="lt1"/>
+          </a:fontRef>
+        </p:style>
+        <p:txBody>
+          <a:bodyPr rtlCol="0" anchor="ctr"/>
+          <a:lstStyle/>
+          <a:p>
+            <a:pPr algn="ctr"/>
+            <a:endParaRPr lang="ko-KR" altLang="en-US"/>
+          </a:p>
+        </p:txBody>
+      </p:sp>
+      <p:sp>
+        <p:nvSpPr>
+          <p:cNvPr id="8" name="사각형: 둥근 모서리 7">
+            <a:extLst>
+              <a:ext uri="{FF2B5EF4-FFF2-40B4-BE49-F238E27FC236}">
+                <a16:creationId xmlns:a16="http://schemas.microsoft.com/office/drawing/2014/main" id="{4991BC8A-9D71-9AD0-472B-A1E295805905}"/>
+              </a:ext>
+            </a:extLst>
+          </p:cNvPr>
+          <p:cNvSpPr/>
+          <p:nvPr/>
+        </p:nvSpPr>
+        <p:spPr>
+          <a:xfrm>
+            <a:off x="4582458" y="3874570"/>
+            <a:ext cx="488950" cy="1279525"/>
+          </a:xfrm>
+          <a:prstGeom prst="roundRect">
+            <a:avLst/>
+          </a:prstGeom>
+          <a:solidFill>
+            <a:schemeClr val="accent1">
+              <a:lumMod val="40000"/>
+              <a:lumOff val="60000"/>
+            </a:schemeClr>
+          </a:solidFill>
+        </p:spPr>
+        <p:style>
+          <a:lnRef idx="2">
+            <a:schemeClr val="accent1">
+              <a:shade val="50000"/>
+            </a:schemeClr>
+          </a:lnRef>
+          <a:fillRef idx="1">
+            <a:schemeClr val="accent1"/>
+          </a:fillRef>
+          <a:effectRef idx="0">
+            <a:schemeClr val="accent1"/>
+          </a:effectRef>
+          <a:fontRef idx="minor">
+            <a:schemeClr val="lt1"/>
+          </a:fontRef>
+        </p:style>
+        <p:txBody>
+          <a:bodyPr rtlCol="0" anchor="ctr"/>
+          <a:lstStyle/>
+          <a:p>
+            <a:pPr algn="ctr"/>
+            <a:endParaRPr lang="ko-KR" altLang="en-US"/>
+          </a:p>
+        </p:txBody>
+      </p:sp>
+      <p:sp>
+        <p:nvSpPr>
+          <p:cNvPr id="9" name="사각형: 둥근 모서리 8">
+            <a:extLst>
+              <a:ext uri="{FF2B5EF4-FFF2-40B4-BE49-F238E27FC236}">
+                <a16:creationId xmlns:a16="http://schemas.microsoft.com/office/drawing/2014/main" id="{020448BF-06A0-7826-2EC6-23F481F6E342}"/>
+              </a:ext>
+            </a:extLst>
+          </p:cNvPr>
+          <p:cNvSpPr/>
+          <p:nvPr/>
+        </p:nvSpPr>
+        <p:spPr>
+          <a:xfrm>
+            <a:off x="5903258" y="4200801"/>
+            <a:ext cx="488950" cy="627061"/>
+          </a:xfrm>
+          <a:prstGeom prst="roundRect">
+            <a:avLst/>
+          </a:prstGeom>
+          <a:solidFill>
+            <a:schemeClr val="accent6">
+              <a:lumMod val="20000"/>
+              <a:lumOff val="80000"/>
+            </a:schemeClr>
+          </a:solidFill>
+          <a:ln>
+            <a:solidFill>
+              <a:schemeClr val="accent6"/>
+            </a:solidFill>
+          </a:ln>
+        </p:spPr>
+        <p:style>
+          <a:lnRef idx="2">
+            <a:schemeClr val="accent1">
+              <a:shade val="50000"/>
+            </a:schemeClr>
+          </a:lnRef>
+          <a:fillRef idx="1">
+            <a:schemeClr val="accent1"/>
+          </a:fillRef>
+          <a:effectRef idx="0">
+            <a:schemeClr val="accent1"/>
+          </a:effectRef>
+          <a:fontRef idx="minor">
+            <a:schemeClr val="lt1"/>
+          </a:fontRef>
+        </p:style>
+        <p:txBody>
+          <a:bodyPr rtlCol="0" anchor="ctr"/>
+          <a:lstStyle/>
+          <a:p>
+            <a:pPr algn="ctr"/>
+            <a:endParaRPr lang="ko-KR" altLang="en-US"/>
+          </a:p>
+        </p:txBody>
+      </p:sp>
+      <p:sp>
+        <p:nvSpPr>
+          <p:cNvPr id="11" name="화살표: 오른쪽 10">
+            <a:extLst>
+              <a:ext uri="{FF2B5EF4-FFF2-40B4-BE49-F238E27FC236}">
+                <a16:creationId xmlns:a16="http://schemas.microsoft.com/office/drawing/2014/main" id="{4EF565ED-2819-B5AE-E28A-D14913B9C997}"/>
+              </a:ext>
+            </a:extLst>
+          </p:cNvPr>
+          <p:cNvSpPr/>
+          <p:nvPr/>
+        </p:nvSpPr>
+        <p:spPr>
+          <a:xfrm>
+            <a:off x="2812365" y="4361934"/>
+            <a:ext cx="292100" cy="330200"/>
+          </a:xfrm>
+          <a:prstGeom prst="rightArrow">
+            <a:avLst/>
+          </a:prstGeom>
+        </p:spPr>
+        <p:style>
+          <a:lnRef idx="2">
+            <a:schemeClr val="accent1">
+              <a:shade val="50000"/>
+            </a:schemeClr>
+          </a:lnRef>
+          <a:fillRef idx="1">
+            <a:schemeClr val="accent1"/>
+          </a:fillRef>
+          <a:effectRef idx="0">
+            <a:schemeClr val="accent1"/>
+          </a:effectRef>
+          <a:fontRef idx="minor">
+            <a:schemeClr val="lt1"/>
+          </a:fontRef>
+        </p:style>
+        <p:txBody>
+          <a:bodyPr rtlCol="0" anchor="ctr"/>
+          <a:lstStyle/>
+          <a:p>
+            <a:pPr algn="ctr"/>
+            <a:endParaRPr lang="ko-KR" altLang="en-US"/>
+          </a:p>
+        </p:txBody>
+      </p:sp>
+      <p:sp>
+        <p:nvSpPr>
+          <p:cNvPr id="12" name="화살표: 오른쪽 11">
+            <a:extLst>
+              <a:ext uri="{FF2B5EF4-FFF2-40B4-BE49-F238E27FC236}">
+                <a16:creationId xmlns:a16="http://schemas.microsoft.com/office/drawing/2014/main" id="{F899E085-AD79-5FBF-3DA8-6EC767C4AF1F}"/>
+              </a:ext>
+            </a:extLst>
+          </p:cNvPr>
+          <p:cNvSpPr/>
+          <p:nvPr/>
+        </p:nvSpPr>
+        <p:spPr>
+          <a:xfrm>
+            <a:off x="4082769" y="4349231"/>
+            <a:ext cx="292100" cy="330200"/>
+          </a:xfrm>
+          <a:prstGeom prst="rightArrow">
+            <a:avLst/>
+          </a:prstGeom>
+        </p:spPr>
+        <p:style>
+          <a:lnRef idx="2">
+            <a:schemeClr val="accent1">
+              <a:shade val="50000"/>
+            </a:schemeClr>
+          </a:lnRef>
+          <a:fillRef idx="1">
+            <a:schemeClr val="accent1"/>
+          </a:fillRef>
+          <a:effectRef idx="0">
+            <a:schemeClr val="accent1"/>
+          </a:effectRef>
+          <a:fontRef idx="minor">
+            <a:schemeClr val="lt1"/>
+          </a:fontRef>
+        </p:style>
+        <p:txBody>
+          <a:bodyPr rtlCol="0" anchor="ctr"/>
+          <a:lstStyle/>
+          <a:p>
+            <a:pPr algn="ctr"/>
+            <a:endParaRPr lang="ko-KR" altLang="en-US"/>
+          </a:p>
+        </p:txBody>
+      </p:sp>
+      <p:sp>
+        <p:nvSpPr>
+          <p:cNvPr id="13" name="화살표: 오른쪽 12">
+            <a:extLst>
+              <a:ext uri="{FF2B5EF4-FFF2-40B4-BE49-F238E27FC236}">
+                <a16:creationId xmlns:a16="http://schemas.microsoft.com/office/drawing/2014/main" id="{0C13F708-7E7D-4265-4F7B-B8D6BD08572A}"/>
+              </a:ext>
+            </a:extLst>
+          </p:cNvPr>
+          <p:cNvSpPr/>
+          <p:nvPr/>
+        </p:nvSpPr>
+        <p:spPr>
+          <a:xfrm>
+            <a:off x="5341283" y="4349231"/>
+            <a:ext cx="292100" cy="330200"/>
+          </a:xfrm>
+          <a:prstGeom prst="rightArrow">
+            <a:avLst/>
+          </a:prstGeom>
+        </p:spPr>
+        <p:style>
+          <a:lnRef idx="2">
+            <a:schemeClr val="accent1">
+              <a:shade val="50000"/>
+            </a:schemeClr>
+          </a:lnRef>
+          <a:fillRef idx="1">
+            <a:schemeClr val="accent1"/>
+          </a:fillRef>
+          <a:effectRef idx="0">
+            <a:schemeClr val="accent1"/>
+          </a:effectRef>
+          <a:fontRef idx="minor">
+            <a:schemeClr val="lt1"/>
+          </a:fontRef>
+        </p:style>
+        <p:txBody>
+          <a:bodyPr rtlCol="0" anchor="ctr"/>
+          <a:lstStyle/>
+          <a:p>
+            <a:pPr algn="ctr"/>
+            <a:endParaRPr lang="ko-KR" altLang="en-US"/>
+          </a:p>
+        </p:txBody>
+      </p:sp>
+      <p:sp>
+        <p:nvSpPr>
+          <p:cNvPr id="14" name="TextBox 13">
+            <a:extLst>
+              <a:ext uri="{FF2B5EF4-FFF2-40B4-BE49-F238E27FC236}">
+                <a16:creationId xmlns:a16="http://schemas.microsoft.com/office/drawing/2014/main" id="{BE2C1C59-2599-B164-A0BD-2459B561E132}"/>
+              </a:ext>
+            </a:extLst>
+          </p:cNvPr>
+          <p:cNvSpPr txBox="1"/>
+          <p:nvPr/>
+        </p:nvSpPr>
+        <p:spPr>
+          <a:xfrm>
+            <a:off x="1891615" y="5631418"/>
+            <a:ext cx="882650" cy="369332"/>
+          </a:xfrm>
+          <a:prstGeom prst="rect">
+            <a:avLst/>
+          </a:prstGeom>
+          <a:noFill/>
+        </p:spPr>
+        <p:txBody>
+          <a:bodyPr wrap="square">
+            <a:spAutoFit/>
+          </a:bodyPr>
+          <a:lstStyle/>
+          <a:p>
+            <a:r>
+              <a:rPr lang="en-US" altLang="ko-KR" sz="1800" dirty="0">
+                <a:solidFill>
+                  <a:srgbClr val="222222"/>
+                </a:solidFill>
+                <a:latin typeface="Arial Narrow" panose="020B0606020202030204" pitchFamily="34" charset="0"/>
+              </a:rPr>
+              <a:t>(None,4)</a:t>
+            </a:r>
+            <a:endParaRPr lang="ko-KR" altLang="en-US" dirty="0"/>
+          </a:p>
+        </p:txBody>
+      </p:sp>
+      <p:sp>
+        <p:nvSpPr>
+          <p:cNvPr id="15" name="TextBox 14">
+            <a:extLst>
+              <a:ext uri="{FF2B5EF4-FFF2-40B4-BE49-F238E27FC236}">
+                <a16:creationId xmlns:a16="http://schemas.microsoft.com/office/drawing/2014/main" id="{C5DD4998-1EF5-1D1D-1012-2B9C55A3FB7A}"/>
+              </a:ext>
+            </a:extLst>
+          </p:cNvPr>
+          <p:cNvSpPr txBox="1"/>
+          <p:nvPr/>
+        </p:nvSpPr>
+        <p:spPr>
+          <a:xfrm>
+            <a:off x="3127094" y="5631418"/>
+            <a:ext cx="882650" cy="369332"/>
+          </a:xfrm>
+          <a:prstGeom prst="rect">
+            <a:avLst/>
+          </a:prstGeom>
+          <a:noFill/>
+        </p:spPr>
+        <p:txBody>
+          <a:bodyPr wrap="square">
+            <a:spAutoFit/>
+          </a:bodyPr>
+          <a:lstStyle/>
+          <a:p>
+            <a:r>
+              <a:rPr lang="en-US" altLang="ko-KR" sz="1800" dirty="0">
+                <a:solidFill>
+                  <a:srgbClr val="222222"/>
+                </a:solidFill>
+                <a:latin typeface="Arial Narrow" panose="020B0606020202030204" pitchFamily="34" charset="0"/>
+              </a:rPr>
+              <a:t>(None,5)</a:t>
+            </a:r>
+            <a:endParaRPr lang="ko-KR" altLang="en-US" dirty="0"/>
+          </a:p>
+        </p:txBody>
+      </p:sp>
+      <p:sp>
+        <p:nvSpPr>
+          <p:cNvPr id="16" name="TextBox 15">
+            <a:extLst>
+              <a:ext uri="{FF2B5EF4-FFF2-40B4-BE49-F238E27FC236}">
+                <a16:creationId xmlns:a16="http://schemas.microsoft.com/office/drawing/2014/main" id="{086258E8-AD4D-B0C1-43E5-4AA9BCC64F14}"/>
+              </a:ext>
+            </a:extLst>
+          </p:cNvPr>
+          <p:cNvSpPr txBox="1"/>
+          <p:nvPr/>
+        </p:nvSpPr>
+        <p:spPr>
+          <a:xfrm>
+            <a:off x="4391552" y="5619234"/>
+            <a:ext cx="882650" cy="369332"/>
+          </a:xfrm>
+          <a:prstGeom prst="rect">
+            <a:avLst/>
+          </a:prstGeom>
+          <a:noFill/>
+        </p:spPr>
+        <p:txBody>
+          <a:bodyPr wrap="square">
+            <a:spAutoFit/>
+          </a:bodyPr>
+          <a:lstStyle/>
+          <a:p>
+            <a:r>
+              <a:rPr lang="en-US" altLang="ko-KR" sz="1800" dirty="0">
+                <a:solidFill>
+                  <a:srgbClr val="222222"/>
+                </a:solidFill>
+                <a:latin typeface="Arial Narrow" panose="020B0606020202030204" pitchFamily="34" charset="0"/>
+              </a:rPr>
+              <a:t>(None,3)</a:t>
+            </a:r>
+            <a:endParaRPr lang="ko-KR" altLang="en-US" dirty="0"/>
+          </a:p>
+        </p:txBody>
+      </p:sp>
+      <p:sp>
+        <p:nvSpPr>
+          <p:cNvPr id="17" name="TextBox 16">
+            <a:extLst>
+              <a:ext uri="{FF2B5EF4-FFF2-40B4-BE49-F238E27FC236}">
+                <a16:creationId xmlns:a16="http://schemas.microsoft.com/office/drawing/2014/main" id="{9C6649CA-FCD9-DCA9-41B3-2F2BE6073D22}"/>
+              </a:ext>
+            </a:extLst>
+          </p:cNvPr>
+          <p:cNvSpPr txBox="1"/>
+          <p:nvPr/>
+        </p:nvSpPr>
+        <p:spPr>
+          <a:xfrm>
+            <a:off x="5706408" y="5619234"/>
+            <a:ext cx="882650" cy="369332"/>
+          </a:xfrm>
+          <a:prstGeom prst="rect">
+            <a:avLst/>
+          </a:prstGeom>
+          <a:noFill/>
+        </p:spPr>
+        <p:txBody>
+          <a:bodyPr wrap="square">
+            <a:spAutoFit/>
+          </a:bodyPr>
+          <a:lstStyle/>
+          <a:p>
+            <a:r>
+              <a:rPr lang="en-US" altLang="ko-KR" sz="1800" dirty="0">
+                <a:solidFill>
+                  <a:srgbClr val="222222"/>
+                </a:solidFill>
+                <a:latin typeface="Arial Narrow" panose="020B0606020202030204" pitchFamily="34" charset="0"/>
+              </a:rPr>
+              <a:t>(None,3)</a:t>
+            </a:r>
+            <a:endParaRPr lang="ko-KR" altLang="en-US" dirty="0"/>
+          </a:p>
+        </p:txBody>
+      </p:sp>
+      <p:sp>
+        <p:nvSpPr>
+          <p:cNvPr id="18" name="TextBox 17">
+            <a:extLst>
+              <a:ext uri="{FF2B5EF4-FFF2-40B4-BE49-F238E27FC236}">
+                <a16:creationId xmlns:a16="http://schemas.microsoft.com/office/drawing/2014/main" id="{90C198AE-6C15-094B-964D-89FDB42D592C}"/>
+              </a:ext>
+            </a:extLst>
+          </p:cNvPr>
+          <p:cNvSpPr txBox="1"/>
+          <p:nvPr/>
+        </p:nvSpPr>
+        <p:spPr>
+          <a:xfrm>
+            <a:off x="2024965" y="3074656"/>
+            <a:ext cx="615950" cy="369332"/>
+          </a:xfrm>
+          <a:prstGeom prst="rect">
+            <a:avLst/>
+          </a:prstGeom>
+          <a:noFill/>
+        </p:spPr>
+        <p:txBody>
+          <a:bodyPr wrap="square">
+            <a:spAutoFit/>
+          </a:bodyPr>
+          <a:lstStyle/>
+          <a:p>
+            <a:r>
+              <a:rPr lang="en-US" altLang="ko-KR" sz="1800" dirty="0">
+                <a:solidFill>
+                  <a:srgbClr val="222222"/>
+                </a:solidFill>
+                <a:latin typeface="Arial Narrow" panose="020B0606020202030204" pitchFamily="34" charset="0"/>
+              </a:rPr>
+              <a:t>Input</a:t>
+            </a:r>
+            <a:endParaRPr lang="ko-KR" altLang="en-US" dirty="0"/>
+          </a:p>
+        </p:txBody>
+      </p:sp>
+      <p:sp>
+        <p:nvSpPr>
+          <p:cNvPr id="19" name="TextBox 18">
+            <a:extLst>
+              <a:ext uri="{FF2B5EF4-FFF2-40B4-BE49-F238E27FC236}">
+                <a16:creationId xmlns:a16="http://schemas.microsoft.com/office/drawing/2014/main" id="{33AC9DFD-BB5A-DE1E-82B8-21C02359085F}"/>
+              </a:ext>
+            </a:extLst>
+          </p:cNvPr>
+          <p:cNvSpPr txBox="1"/>
+          <p:nvPr/>
+        </p:nvSpPr>
+        <p:spPr>
+          <a:xfrm>
+            <a:off x="3237815" y="3364456"/>
+            <a:ext cx="934262" cy="369332"/>
+          </a:xfrm>
+          <a:prstGeom prst="rect">
+            <a:avLst/>
+          </a:prstGeom>
+          <a:noFill/>
+        </p:spPr>
+        <p:txBody>
+          <a:bodyPr wrap="square">
+            <a:spAutoFit/>
+          </a:bodyPr>
+          <a:lstStyle/>
+          <a:p>
+            <a:r>
+              <a:rPr lang="en-US" altLang="ko-KR" sz="1800" dirty="0">
+                <a:solidFill>
+                  <a:srgbClr val="222222"/>
+                </a:solidFill>
+                <a:latin typeface="Arial Narrow" panose="020B0606020202030204" pitchFamily="34" charset="0"/>
+              </a:rPr>
+              <a:t>Hidden1</a:t>
+            </a:r>
+            <a:endParaRPr lang="ko-KR" altLang="en-US" dirty="0"/>
+          </a:p>
+        </p:txBody>
+      </p:sp>
+      <p:sp>
+        <p:nvSpPr>
+          <p:cNvPr id="20" name="TextBox 19">
+            <a:extLst>
+              <a:ext uri="{FF2B5EF4-FFF2-40B4-BE49-F238E27FC236}">
+                <a16:creationId xmlns:a16="http://schemas.microsoft.com/office/drawing/2014/main" id="{83A848D6-FF9B-281C-5E75-D8F116D1062E}"/>
+              </a:ext>
+            </a:extLst>
+          </p:cNvPr>
+          <p:cNvSpPr txBox="1"/>
+          <p:nvPr/>
+        </p:nvSpPr>
+        <p:spPr>
+          <a:xfrm>
+            <a:off x="4441951" y="3457335"/>
+            <a:ext cx="934261" cy="369332"/>
+          </a:xfrm>
+          <a:prstGeom prst="rect">
+            <a:avLst/>
+          </a:prstGeom>
+          <a:noFill/>
+        </p:spPr>
+        <p:txBody>
+          <a:bodyPr wrap="square">
+            <a:spAutoFit/>
+          </a:bodyPr>
+          <a:lstStyle/>
+          <a:p>
+            <a:r>
+              <a:rPr lang="en-US" altLang="ko-KR" sz="1800" dirty="0">
+                <a:solidFill>
+                  <a:srgbClr val="222222"/>
+                </a:solidFill>
+                <a:latin typeface="Arial Narrow" panose="020B0606020202030204" pitchFamily="34" charset="0"/>
+              </a:rPr>
+              <a:t>Hidden2</a:t>
+            </a:r>
+            <a:endParaRPr lang="ko-KR" altLang="en-US" dirty="0"/>
+          </a:p>
+        </p:txBody>
+      </p:sp>
+      <p:sp>
+        <p:nvSpPr>
+          <p:cNvPr id="21" name="TextBox 20">
+            <a:extLst>
+              <a:ext uri="{FF2B5EF4-FFF2-40B4-BE49-F238E27FC236}">
+                <a16:creationId xmlns:a16="http://schemas.microsoft.com/office/drawing/2014/main" id="{EFF76A5D-7C8F-22A2-2FFB-499884554177}"/>
+              </a:ext>
+            </a:extLst>
+          </p:cNvPr>
+          <p:cNvSpPr txBox="1"/>
+          <p:nvPr/>
+        </p:nvSpPr>
+        <p:spPr>
+          <a:xfrm>
+            <a:off x="5814358" y="3815593"/>
+            <a:ext cx="774700" cy="369332"/>
+          </a:xfrm>
+          <a:prstGeom prst="rect">
+            <a:avLst/>
+          </a:prstGeom>
+          <a:noFill/>
+        </p:spPr>
+        <p:txBody>
+          <a:bodyPr wrap="square">
+            <a:spAutoFit/>
+          </a:bodyPr>
+          <a:lstStyle/>
+          <a:p>
+            <a:r>
+              <a:rPr lang="en-US" altLang="ko-KR" sz="1800" dirty="0">
+                <a:solidFill>
+                  <a:srgbClr val="222222"/>
+                </a:solidFill>
+                <a:latin typeface="Arial Narrow" panose="020B0606020202030204" pitchFamily="34" charset="0"/>
+              </a:rPr>
+              <a:t>Output</a:t>
+            </a:r>
+            <a:endParaRPr lang="ko-KR" altLang="en-US" dirty="0"/>
+          </a:p>
+        </p:txBody>
+      </p:sp>
+      <p:sp>
+        <p:nvSpPr>
+          <p:cNvPr id="22" name="TextBox 21">
+            <a:extLst>
+              <a:ext uri="{FF2B5EF4-FFF2-40B4-BE49-F238E27FC236}">
+                <a16:creationId xmlns:a16="http://schemas.microsoft.com/office/drawing/2014/main" id="{615151E5-3A39-EA7E-7908-215D5E019868}"/>
+              </a:ext>
+            </a:extLst>
+          </p:cNvPr>
+          <p:cNvSpPr txBox="1"/>
+          <p:nvPr/>
+        </p:nvSpPr>
+        <p:spPr>
+          <a:xfrm rot="16200000">
+            <a:off x="3181069" y="4144987"/>
+            <a:ext cx="774700" cy="369332"/>
+          </a:xfrm>
+          <a:prstGeom prst="rect">
+            <a:avLst/>
+          </a:prstGeom>
+          <a:noFill/>
+        </p:spPr>
+        <p:txBody>
+          <a:bodyPr wrap="square">
+            <a:spAutoFit/>
+          </a:bodyPr>
+          <a:lstStyle/>
+          <a:p>
+            <a:r>
+              <a:rPr lang="en-US" altLang="ko-KR" sz="1800" dirty="0" err="1">
+                <a:solidFill>
+                  <a:srgbClr val="222222"/>
+                </a:solidFill>
+                <a:latin typeface="Arial Narrow" panose="020B0606020202030204" pitchFamily="34" charset="0"/>
+              </a:rPr>
+              <a:t>relu</a:t>
+            </a:r>
+            <a:endParaRPr lang="ko-KR" altLang="en-US" dirty="0"/>
+          </a:p>
+        </p:txBody>
+      </p:sp>
+      <p:sp>
+        <p:nvSpPr>
+          <p:cNvPr id="23" name="TextBox 22">
+            <a:extLst>
+              <a:ext uri="{FF2B5EF4-FFF2-40B4-BE49-F238E27FC236}">
+                <a16:creationId xmlns:a16="http://schemas.microsoft.com/office/drawing/2014/main" id="{71724C82-993B-B54F-95E3-C828B0B0CF4E}"/>
+              </a:ext>
+            </a:extLst>
+          </p:cNvPr>
+          <p:cNvSpPr txBox="1"/>
+          <p:nvPr/>
+        </p:nvSpPr>
+        <p:spPr>
+          <a:xfrm rot="16200000">
+            <a:off x="4425665" y="4142336"/>
+            <a:ext cx="774700" cy="369332"/>
+          </a:xfrm>
+          <a:prstGeom prst="rect">
+            <a:avLst/>
+          </a:prstGeom>
+          <a:noFill/>
+        </p:spPr>
+        <p:txBody>
+          <a:bodyPr wrap="square">
+            <a:spAutoFit/>
+          </a:bodyPr>
+          <a:lstStyle/>
+          <a:p>
+            <a:r>
+              <a:rPr lang="en-US" altLang="ko-KR" dirty="0">
+                <a:solidFill>
+                  <a:srgbClr val="222222"/>
+                </a:solidFill>
+                <a:latin typeface="Arial Narrow" panose="020B0606020202030204" pitchFamily="34" charset="0"/>
+              </a:rPr>
+              <a:t>tanh</a:t>
+            </a:r>
+            <a:endParaRPr lang="ko-KR" altLang="en-US" dirty="0"/>
+          </a:p>
+        </p:txBody>
+      </p:sp>
+      <p:sp>
+        <p:nvSpPr>
+          <p:cNvPr id="24" name="TextBox 23">
+            <a:extLst>
+              <a:ext uri="{FF2B5EF4-FFF2-40B4-BE49-F238E27FC236}">
+                <a16:creationId xmlns:a16="http://schemas.microsoft.com/office/drawing/2014/main" id="{55ABA999-3810-6323-5435-4A9CF826FD36}"/>
+              </a:ext>
+            </a:extLst>
+          </p:cNvPr>
+          <p:cNvSpPr txBox="1"/>
+          <p:nvPr/>
+        </p:nvSpPr>
+        <p:spPr>
+          <a:xfrm rot="16200000">
+            <a:off x="5667344" y="4329665"/>
+            <a:ext cx="901424" cy="369332"/>
+          </a:xfrm>
+          <a:prstGeom prst="rect">
+            <a:avLst/>
+          </a:prstGeom>
+          <a:noFill/>
+        </p:spPr>
+        <p:txBody>
+          <a:bodyPr wrap="square">
+            <a:spAutoFit/>
+          </a:bodyPr>
+          <a:lstStyle/>
+          <a:p>
+            <a:r>
+              <a:rPr lang="en-US" altLang="ko-KR" sz="1800" dirty="0" err="1">
+                <a:solidFill>
+                  <a:srgbClr val="222222"/>
+                </a:solidFill>
+                <a:latin typeface="Arial Narrow" panose="020B0606020202030204" pitchFamily="34" charset="0"/>
+              </a:rPr>
+              <a:t>softmax</a:t>
+            </a:r>
+            <a:endParaRPr lang="ko-KR" altLang="en-US" dirty="0"/>
           </a:p>
         </p:txBody>
       </p:sp>
     </p:spTree>
     <p:extLst>
       <p:ext uri="{BB962C8B-B14F-4D97-AF65-F5344CB8AC3E}">
-        <p14:creationId xmlns:p14="http://schemas.microsoft.com/office/powerpoint/2010/main" val="599154556"/>
+        <p14:creationId xmlns:p14="http://schemas.microsoft.com/office/powerpoint/2010/main" val="1675271655"/>
       </p:ext>
     </p:extLst>
   </p:cSld>
@@ -36133,6 +37443,955 @@
     <p:extLst>
       <p:ext uri="{BB962C8B-B14F-4D97-AF65-F5344CB8AC3E}">
         <p14:creationId xmlns:p14="http://schemas.microsoft.com/office/powerpoint/2010/main" val="1777444971"/>
+      </p:ext>
+    </p:extLst>
+  </p:cSld>
+  <p:clrMapOvr>
+    <a:masterClrMapping/>
+  </p:clrMapOvr>
+</p:sld>
+</file>
+
+<file path=ppt/slides/slide40.xml><?xml version="1.0" encoding="utf-8"?>
+<p:sld xmlns:a="http://schemas.openxmlformats.org/drawingml/2006/main" xmlns:r="http://schemas.openxmlformats.org/officeDocument/2006/relationships" xmlns:p="http://schemas.openxmlformats.org/presentationml/2006/main">
+  <p:cSld>
+    <p:spTree>
+      <p:nvGrpSpPr>
+        <p:cNvPr id="1" name=""/>
+        <p:cNvGrpSpPr/>
+        <p:nvPr/>
+      </p:nvGrpSpPr>
+      <p:grpSpPr>
+        <a:xfrm>
+          <a:off x="0" y="0"/>
+          <a:ext cx="0" cy="0"/>
+          <a:chOff x="0" y="0"/>
+          <a:chExt cx="0" cy="0"/>
+        </a:xfrm>
+      </p:grpSpPr>
+      <p:cxnSp>
+        <p:nvCxnSpPr>
+          <p:cNvPr id="36" name="직선 연결선 35"/>
+          <p:cNvCxnSpPr/>
+          <p:nvPr/>
+        </p:nvCxnSpPr>
+        <p:spPr>
+          <a:xfrm>
+            <a:off x="361950" y="857250"/>
+            <a:ext cx="5391150" cy="0"/>
+          </a:xfrm>
+          <a:prstGeom prst="line">
+            <a:avLst/>
+          </a:prstGeom>
+          <a:ln w="38100">
+            <a:solidFill>
+              <a:schemeClr val="accent2">
+                <a:alpha val="60000"/>
+              </a:schemeClr>
+            </a:solidFill>
+          </a:ln>
+        </p:spPr>
+        <p:style>
+          <a:lnRef idx="1">
+            <a:schemeClr val="accent1"/>
+          </a:lnRef>
+          <a:fillRef idx="0">
+            <a:schemeClr val="accent1"/>
+          </a:fillRef>
+          <a:effectRef idx="0">
+            <a:schemeClr val="accent1"/>
+          </a:effectRef>
+          <a:fontRef idx="minor">
+            <a:schemeClr val="tx1"/>
+          </a:fontRef>
+        </p:style>
+      </p:cxnSp>
+      <p:cxnSp>
+        <p:nvCxnSpPr>
+          <p:cNvPr id="37" name="직선 연결선 36"/>
+          <p:cNvCxnSpPr/>
+          <p:nvPr/>
+        </p:nvCxnSpPr>
+        <p:spPr>
+          <a:xfrm>
+            <a:off x="3257550" y="933450"/>
+            <a:ext cx="5391150" cy="0"/>
+          </a:xfrm>
+          <a:prstGeom prst="line">
+            <a:avLst/>
+          </a:prstGeom>
+          <a:ln w="38100">
+            <a:solidFill>
+              <a:schemeClr val="accent6">
+                <a:alpha val="60000"/>
+              </a:schemeClr>
+            </a:solidFill>
+          </a:ln>
+        </p:spPr>
+        <p:style>
+          <a:lnRef idx="1">
+            <a:schemeClr val="accent1"/>
+          </a:lnRef>
+          <a:fillRef idx="0">
+            <a:schemeClr val="accent1"/>
+          </a:fillRef>
+          <a:effectRef idx="0">
+            <a:schemeClr val="accent1"/>
+          </a:effectRef>
+          <a:fontRef idx="minor">
+            <a:schemeClr val="tx1"/>
+          </a:fontRef>
+        </p:style>
+      </p:cxnSp>
+      <p:sp>
+        <p:nvSpPr>
+          <p:cNvPr id="6" name="직사각형 5">
+            <a:extLst>
+              <a:ext uri="{FF2B5EF4-FFF2-40B4-BE49-F238E27FC236}">
+                <a16:creationId xmlns:a16="http://schemas.microsoft.com/office/drawing/2014/main" id="{6AE458C1-6B85-ECDF-7351-770B57E86129}"/>
+              </a:ext>
+            </a:extLst>
+          </p:cNvPr>
+          <p:cNvSpPr/>
+          <p:nvPr/>
+        </p:nvSpPr>
+        <p:spPr>
+          <a:xfrm>
+            <a:off x="299839" y="70603"/>
+            <a:ext cx="8544322" cy="657168"/>
+          </a:xfrm>
+          <a:prstGeom prst="rect">
+            <a:avLst/>
+          </a:prstGeom>
+        </p:spPr>
+        <p:txBody>
+          <a:bodyPr wrap="square">
+            <a:spAutoFit/>
+          </a:bodyPr>
+          <a:lstStyle/>
+          <a:p>
+            <a:pPr>
+              <a:lnSpc>
+                <a:spcPct val="150000"/>
+              </a:lnSpc>
+            </a:pPr>
+            <a:r>
+              <a:rPr lang="en-US" altLang="ko-KR" sz="2800" dirty="0">
+                <a:latin typeface="Arial Narrow" panose="020B0606020202030204" pitchFamily="34" charset="0"/>
+                <a:cs typeface="Times New Roman" panose="02020603050405020304" pitchFamily="18" charset="0"/>
+              </a:rPr>
+              <a:t>K-fold cross validation</a:t>
+            </a:r>
+          </a:p>
+        </p:txBody>
+      </p:sp>
+      <p:sp>
+        <p:nvSpPr>
+          <p:cNvPr id="4" name="직사각형 3">
+            <a:extLst>
+              <a:ext uri="{FF2B5EF4-FFF2-40B4-BE49-F238E27FC236}">
+                <a16:creationId xmlns:a16="http://schemas.microsoft.com/office/drawing/2014/main" id="{F025A2A7-C7AF-1541-767D-F504FA1C0134}"/>
+              </a:ext>
+            </a:extLst>
+          </p:cNvPr>
+          <p:cNvSpPr/>
+          <p:nvPr/>
+        </p:nvSpPr>
+        <p:spPr>
+          <a:xfrm>
+            <a:off x="328771" y="1082568"/>
+            <a:ext cx="8742077" cy="1049518"/>
+          </a:xfrm>
+          <a:prstGeom prst="rect">
+            <a:avLst/>
+          </a:prstGeom>
+        </p:spPr>
+        <p:txBody>
+          <a:bodyPr wrap="square">
+            <a:spAutoFit/>
+          </a:bodyPr>
+          <a:lstStyle/>
+          <a:p>
+            <a:pPr marL="284400" indent="-284400">
+              <a:lnSpc>
+                <a:spcPct val="150000"/>
+              </a:lnSpc>
+              <a:buFont typeface="Arial" panose="020B0604020202020204" pitchFamily="34" charset="0"/>
+              <a:buChar char="•"/>
+            </a:pPr>
+            <a:r>
+              <a:rPr lang="en-US" altLang="ko-KR" sz="2400" dirty="0">
+                <a:solidFill>
+                  <a:srgbClr val="222222"/>
+                </a:solidFill>
+                <a:latin typeface="Arial Narrow" panose="020B0606020202030204" pitchFamily="34" charset="0"/>
+              </a:rPr>
+              <a:t>Exercise goal</a:t>
+            </a:r>
+          </a:p>
+          <a:p>
+            <a:pPr lvl="1">
+              <a:lnSpc>
+                <a:spcPct val="150000"/>
+              </a:lnSpc>
+            </a:pPr>
+            <a:r>
+              <a:rPr lang="ko-KR" altLang="en-US" sz="2000" dirty="0">
+                <a:solidFill>
+                  <a:srgbClr val="222222"/>
+                </a:solidFill>
+                <a:latin typeface="Arial Narrow" panose="020B0606020202030204" pitchFamily="34" charset="0"/>
+              </a:rPr>
+              <a:t>②</a:t>
+            </a:r>
+            <a:r>
+              <a:rPr lang="en-US" altLang="ko-KR" sz="2000" dirty="0">
+                <a:solidFill>
+                  <a:srgbClr val="222222"/>
+                </a:solidFill>
+                <a:latin typeface="Arial Narrow" panose="020B0606020202030204" pitchFamily="34" charset="0"/>
+              </a:rPr>
+              <a:t> Conducting 5-fold cross validation</a:t>
+            </a:r>
+          </a:p>
+        </p:txBody>
+      </p:sp>
+      <p:pic>
+        <p:nvPicPr>
+          <p:cNvPr id="2" name="Picture 2" descr="K-Fold Cross-Validation in Python Using SKLearn - AskPython">
+            <a:extLst>
+              <a:ext uri="{FF2B5EF4-FFF2-40B4-BE49-F238E27FC236}">
+                <a16:creationId xmlns:a16="http://schemas.microsoft.com/office/drawing/2014/main" id="{270A6BE9-C78D-CE85-9716-86C61C8A7CCB}"/>
+              </a:ext>
+            </a:extLst>
+          </p:cNvPr>
+          <p:cNvPicPr>
+            <a:picLocks noChangeAspect="1" noChangeArrowheads="1"/>
+          </p:cNvPicPr>
+          <p:nvPr/>
+        </p:nvPicPr>
+        <p:blipFill>
+          <a:blip r:embed="rId3" cstate="print">
+            <a:extLst>
+              <a:ext uri="{28A0092B-C50C-407E-A947-70E740481C1C}">
+                <a14:useLocalDpi xmlns:a14="http://schemas.microsoft.com/office/drawing/2010/main" val="0"/>
+              </a:ext>
+            </a:extLst>
+          </a:blip>
+          <a:srcRect/>
+          <a:stretch>
+            <a:fillRect/>
+          </a:stretch>
+        </p:blipFill>
+        <p:spPr bwMode="auto">
+          <a:xfrm>
+            <a:off x="1755547" y="2596304"/>
+            <a:ext cx="5181600" cy="3179128"/>
+          </a:xfrm>
+          <a:prstGeom prst="rect">
+            <a:avLst/>
+          </a:prstGeom>
+          <a:noFill/>
+          <a:extLst>
+            <a:ext uri="{909E8E84-426E-40DD-AFC4-6F175D3DCCD1}">
+              <a14:hiddenFill xmlns:a14="http://schemas.microsoft.com/office/drawing/2010/main">
+                <a:solidFill>
+                  <a:srgbClr val="FFFFFF"/>
+                </a:solidFill>
+              </a14:hiddenFill>
+            </a:ext>
+          </a:extLst>
+        </p:spPr>
+      </p:pic>
+    </p:spTree>
+    <p:extLst>
+      <p:ext uri="{BB962C8B-B14F-4D97-AF65-F5344CB8AC3E}">
+        <p14:creationId xmlns:p14="http://schemas.microsoft.com/office/powerpoint/2010/main" val="299880654"/>
+      </p:ext>
+    </p:extLst>
+  </p:cSld>
+  <p:clrMapOvr>
+    <a:masterClrMapping/>
+  </p:clrMapOvr>
+</p:sld>
+</file>
+
+<file path=ppt/slides/slide41.xml><?xml version="1.0" encoding="utf-8"?>
+<p:sld xmlns:a="http://schemas.openxmlformats.org/drawingml/2006/main" xmlns:r="http://schemas.openxmlformats.org/officeDocument/2006/relationships" xmlns:p="http://schemas.openxmlformats.org/presentationml/2006/main">
+  <p:cSld>
+    <p:spTree>
+      <p:nvGrpSpPr>
+        <p:cNvPr id="1" name=""/>
+        <p:cNvGrpSpPr/>
+        <p:nvPr/>
+      </p:nvGrpSpPr>
+      <p:grpSpPr>
+        <a:xfrm>
+          <a:off x="0" y="0"/>
+          <a:ext cx="0" cy="0"/>
+          <a:chOff x="0" y="0"/>
+          <a:chExt cx="0" cy="0"/>
+        </a:xfrm>
+      </p:grpSpPr>
+      <p:cxnSp>
+        <p:nvCxnSpPr>
+          <p:cNvPr id="36" name="직선 연결선 35"/>
+          <p:cNvCxnSpPr/>
+          <p:nvPr/>
+        </p:nvCxnSpPr>
+        <p:spPr>
+          <a:xfrm>
+            <a:off x="361950" y="857250"/>
+            <a:ext cx="5391150" cy="0"/>
+          </a:xfrm>
+          <a:prstGeom prst="line">
+            <a:avLst/>
+          </a:prstGeom>
+          <a:ln w="38100">
+            <a:solidFill>
+              <a:schemeClr val="accent2">
+                <a:alpha val="60000"/>
+              </a:schemeClr>
+            </a:solidFill>
+          </a:ln>
+        </p:spPr>
+        <p:style>
+          <a:lnRef idx="1">
+            <a:schemeClr val="accent1"/>
+          </a:lnRef>
+          <a:fillRef idx="0">
+            <a:schemeClr val="accent1"/>
+          </a:fillRef>
+          <a:effectRef idx="0">
+            <a:schemeClr val="accent1"/>
+          </a:effectRef>
+          <a:fontRef idx="minor">
+            <a:schemeClr val="tx1"/>
+          </a:fontRef>
+        </p:style>
+      </p:cxnSp>
+      <p:cxnSp>
+        <p:nvCxnSpPr>
+          <p:cNvPr id="37" name="직선 연결선 36"/>
+          <p:cNvCxnSpPr/>
+          <p:nvPr/>
+        </p:nvCxnSpPr>
+        <p:spPr>
+          <a:xfrm>
+            <a:off x="3257550" y="933450"/>
+            <a:ext cx="5391150" cy="0"/>
+          </a:xfrm>
+          <a:prstGeom prst="line">
+            <a:avLst/>
+          </a:prstGeom>
+          <a:ln w="38100">
+            <a:solidFill>
+              <a:schemeClr val="accent6">
+                <a:alpha val="60000"/>
+              </a:schemeClr>
+            </a:solidFill>
+          </a:ln>
+        </p:spPr>
+        <p:style>
+          <a:lnRef idx="1">
+            <a:schemeClr val="accent1"/>
+          </a:lnRef>
+          <a:fillRef idx="0">
+            <a:schemeClr val="accent1"/>
+          </a:fillRef>
+          <a:effectRef idx="0">
+            <a:schemeClr val="accent1"/>
+          </a:effectRef>
+          <a:fontRef idx="minor">
+            <a:schemeClr val="tx1"/>
+          </a:fontRef>
+        </p:style>
+      </p:cxnSp>
+      <p:sp>
+        <p:nvSpPr>
+          <p:cNvPr id="6" name="직사각형 5">
+            <a:extLst>
+              <a:ext uri="{FF2B5EF4-FFF2-40B4-BE49-F238E27FC236}">
+                <a16:creationId xmlns:a16="http://schemas.microsoft.com/office/drawing/2014/main" id="{6AE458C1-6B85-ECDF-7351-770B57E86129}"/>
+              </a:ext>
+            </a:extLst>
+          </p:cNvPr>
+          <p:cNvSpPr/>
+          <p:nvPr/>
+        </p:nvSpPr>
+        <p:spPr>
+          <a:xfrm>
+            <a:off x="299839" y="70603"/>
+            <a:ext cx="8544322" cy="657168"/>
+          </a:xfrm>
+          <a:prstGeom prst="rect">
+            <a:avLst/>
+          </a:prstGeom>
+        </p:spPr>
+        <p:txBody>
+          <a:bodyPr wrap="square">
+            <a:spAutoFit/>
+          </a:bodyPr>
+          <a:lstStyle/>
+          <a:p>
+            <a:pPr>
+              <a:lnSpc>
+                <a:spcPct val="150000"/>
+              </a:lnSpc>
+            </a:pPr>
+            <a:r>
+              <a:rPr lang="en-US" altLang="ko-KR" sz="2800" dirty="0">
+                <a:latin typeface="Arial Narrow" panose="020B0606020202030204" pitchFamily="34" charset="0"/>
+                <a:cs typeface="Times New Roman" panose="02020603050405020304" pitchFamily="18" charset="0"/>
+              </a:rPr>
+              <a:t>K-fold cross validation</a:t>
+            </a:r>
+          </a:p>
+        </p:txBody>
+      </p:sp>
+      <p:sp>
+        <p:nvSpPr>
+          <p:cNvPr id="4" name="직사각형 3">
+            <a:extLst>
+              <a:ext uri="{FF2B5EF4-FFF2-40B4-BE49-F238E27FC236}">
+                <a16:creationId xmlns:a16="http://schemas.microsoft.com/office/drawing/2014/main" id="{F025A2A7-C7AF-1541-767D-F504FA1C0134}"/>
+              </a:ext>
+            </a:extLst>
+          </p:cNvPr>
+          <p:cNvSpPr/>
+          <p:nvPr/>
+        </p:nvSpPr>
+        <p:spPr>
+          <a:xfrm>
+            <a:off x="328771" y="1082568"/>
+            <a:ext cx="8742077" cy="1049518"/>
+          </a:xfrm>
+          <a:prstGeom prst="rect">
+            <a:avLst/>
+          </a:prstGeom>
+        </p:spPr>
+        <p:txBody>
+          <a:bodyPr wrap="square">
+            <a:spAutoFit/>
+          </a:bodyPr>
+          <a:lstStyle/>
+          <a:p>
+            <a:pPr marL="284400" indent="-284400">
+              <a:lnSpc>
+                <a:spcPct val="150000"/>
+              </a:lnSpc>
+              <a:buFont typeface="Arial" panose="020B0604020202020204" pitchFamily="34" charset="0"/>
+              <a:buChar char="•"/>
+            </a:pPr>
+            <a:r>
+              <a:rPr lang="en-US" altLang="ko-KR" sz="2400" dirty="0">
+                <a:solidFill>
+                  <a:srgbClr val="222222"/>
+                </a:solidFill>
+                <a:latin typeface="Arial Narrow" panose="020B0606020202030204" pitchFamily="34" charset="0"/>
+              </a:rPr>
+              <a:t>Exercise goal</a:t>
+            </a:r>
+          </a:p>
+          <a:p>
+            <a:pPr lvl="1">
+              <a:lnSpc>
+                <a:spcPct val="150000"/>
+              </a:lnSpc>
+            </a:pPr>
+            <a:r>
+              <a:rPr lang="ko-KR" altLang="en-US" sz="2000" dirty="0">
+                <a:solidFill>
+                  <a:srgbClr val="222222"/>
+                </a:solidFill>
+                <a:latin typeface="Arial Narrow" panose="020B0606020202030204" pitchFamily="34" charset="0"/>
+              </a:rPr>
+              <a:t>③ </a:t>
+            </a:r>
+            <a:r>
+              <a:rPr lang="en-US" altLang="ko-KR" sz="2000" dirty="0">
+                <a:solidFill>
+                  <a:srgbClr val="222222"/>
+                </a:solidFill>
+                <a:latin typeface="Arial Narrow" panose="020B0606020202030204" pitchFamily="34" charset="0"/>
+              </a:rPr>
+              <a:t>Visualization of both training and validation accuracies over epochs per fold.</a:t>
+            </a:r>
+          </a:p>
+        </p:txBody>
+      </p:sp>
+      <p:pic>
+        <p:nvPicPr>
+          <p:cNvPr id="3" name="그림 2">
+            <a:extLst>
+              <a:ext uri="{FF2B5EF4-FFF2-40B4-BE49-F238E27FC236}">
+                <a16:creationId xmlns:a16="http://schemas.microsoft.com/office/drawing/2014/main" id="{25D9762B-E6CC-046D-1760-77AB287BDEA6}"/>
+              </a:ext>
+            </a:extLst>
+          </p:cNvPr>
+          <p:cNvPicPr>
+            <a:picLocks noChangeAspect="1"/>
+          </p:cNvPicPr>
+          <p:nvPr/>
+        </p:nvPicPr>
+        <p:blipFill>
+          <a:blip r:embed="rId3"/>
+          <a:stretch>
+            <a:fillRect/>
+          </a:stretch>
+        </p:blipFill>
+        <p:spPr>
+          <a:xfrm>
+            <a:off x="1098596" y="2692570"/>
+            <a:ext cx="6677094" cy="3308180"/>
+          </a:xfrm>
+          <a:prstGeom prst="rect">
+            <a:avLst/>
+          </a:prstGeom>
+        </p:spPr>
+      </p:pic>
+    </p:spTree>
+    <p:extLst>
+      <p:ext uri="{BB962C8B-B14F-4D97-AF65-F5344CB8AC3E}">
+        <p14:creationId xmlns:p14="http://schemas.microsoft.com/office/powerpoint/2010/main" val="141320619"/>
+      </p:ext>
+    </p:extLst>
+  </p:cSld>
+  <p:clrMapOvr>
+    <a:masterClrMapping/>
+  </p:clrMapOvr>
+</p:sld>
+</file>
+
+<file path=ppt/slides/slide42.xml><?xml version="1.0" encoding="utf-8"?>
+<p:sld xmlns:a="http://schemas.openxmlformats.org/drawingml/2006/main" xmlns:r="http://schemas.openxmlformats.org/officeDocument/2006/relationships" xmlns:p="http://schemas.openxmlformats.org/presentationml/2006/main">
+  <p:cSld>
+    <p:spTree>
+      <p:nvGrpSpPr>
+        <p:cNvPr id="1" name=""/>
+        <p:cNvGrpSpPr/>
+        <p:nvPr/>
+      </p:nvGrpSpPr>
+      <p:grpSpPr>
+        <a:xfrm>
+          <a:off x="0" y="0"/>
+          <a:ext cx="0" cy="0"/>
+          <a:chOff x="0" y="0"/>
+          <a:chExt cx="0" cy="0"/>
+        </a:xfrm>
+      </p:grpSpPr>
+      <p:cxnSp>
+        <p:nvCxnSpPr>
+          <p:cNvPr id="36" name="직선 연결선 35"/>
+          <p:cNvCxnSpPr/>
+          <p:nvPr/>
+        </p:nvCxnSpPr>
+        <p:spPr>
+          <a:xfrm>
+            <a:off x="361950" y="857250"/>
+            <a:ext cx="5391150" cy="0"/>
+          </a:xfrm>
+          <a:prstGeom prst="line">
+            <a:avLst/>
+          </a:prstGeom>
+          <a:ln w="38100">
+            <a:solidFill>
+              <a:schemeClr val="accent2">
+                <a:alpha val="60000"/>
+              </a:schemeClr>
+            </a:solidFill>
+          </a:ln>
+        </p:spPr>
+        <p:style>
+          <a:lnRef idx="1">
+            <a:schemeClr val="accent1"/>
+          </a:lnRef>
+          <a:fillRef idx="0">
+            <a:schemeClr val="accent1"/>
+          </a:fillRef>
+          <a:effectRef idx="0">
+            <a:schemeClr val="accent1"/>
+          </a:effectRef>
+          <a:fontRef idx="minor">
+            <a:schemeClr val="tx1"/>
+          </a:fontRef>
+        </p:style>
+      </p:cxnSp>
+      <p:cxnSp>
+        <p:nvCxnSpPr>
+          <p:cNvPr id="37" name="직선 연결선 36"/>
+          <p:cNvCxnSpPr/>
+          <p:nvPr/>
+        </p:nvCxnSpPr>
+        <p:spPr>
+          <a:xfrm>
+            <a:off x="3257550" y="933450"/>
+            <a:ext cx="5391150" cy="0"/>
+          </a:xfrm>
+          <a:prstGeom prst="line">
+            <a:avLst/>
+          </a:prstGeom>
+          <a:ln w="38100">
+            <a:solidFill>
+              <a:schemeClr val="accent6">
+                <a:alpha val="60000"/>
+              </a:schemeClr>
+            </a:solidFill>
+          </a:ln>
+        </p:spPr>
+        <p:style>
+          <a:lnRef idx="1">
+            <a:schemeClr val="accent1"/>
+          </a:lnRef>
+          <a:fillRef idx="0">
+            <a:schemeClr val="accent1"/>
+          </a:fillRef>
+          <a:effectRef idx="0">
+            <a:schemeClr val="accent1"/>
+          </a:effectRef>
+          <a:fontRef idx="minor">
+            <a:schemeClr val="tx1"/>
+          </a:fontRef>
+        </p:style>
+      </p:cxnSp>
+      <p:sp>
+        <p:nvSpPr>
+          <p:cNvPr id="6" name="직사각형 5">
+            <a:extLst>
+              <a:ext uri="{FF2B5EF4-FFF2-40B4-BE49-F238E27FC236}">
+                <a16:creationId xmlns:a16="http://schemas.microsoft.com/office/drawing/2014/main" id="{6AE458C1-6B85-ECDF-7351-770B57E86129}"/>
+              </a:ext>
+            </a:extLst>
+          </p:cNvPr>
+          <p:cNvSpPr/>
+          <p:nvPr/>
+        </p:nvSpPr>
+        <p:spPr>
+          <a:xfrm>
+            <a:off x="299839" y="70603"/>
+            <a:ext cx="8544322" cy="657168"/>
+          </a:xfrm>
+          <a:prstGeom prst="rect">
+            <a:avLst/>
+          </a:prstGeom>
+        </p:spPr>
+        <p:txBody>
+          <a:bodyPr wrap="square">
+            <a:spAutoFit/>
+          </a:bodyPr>
+          <a:lstStyle/>
+          <a:p>
+            <a:pPr>
+              <a:lnSpc>
+                <a:spcPct val="150000"/>
+              </a:lnSpc>
+            </a:pPr>
+            <a:r>
+              <a:rPr lang="en-US" altLang="ko-KR" sz="2800" dirty="0">
+                <a:latin typeface="Arial Narrow" panose="020B0606020202030204" pitchFamily="34" charset="0"/>
+                <a:cs typeface="Times New Roman" panose="02020603050405020304" pitchFamily="18" charset="0"/>
+              </a:rPr>
+              <a:t>K-fold cross validation</a:t>
+            </a:r>
+          </a:p>
+        </p:txBody>
+      </p:sp>
+      <p:sp>
+        <p:nvSpPr>
+          <p:cNvPr id="4" name="직사각형 3">
+            <a:extLst>
+              <a:ext uri="{FF2B5EF4-FFF2-40B4-BE49-F238E27FC236}">
+                <a16:creationId xmlns:a16="http://schemas.microsoft.com/office/drawing/2014/main" id="{F025A2A7-C7AF-1541-767D-F504FA1C0134}"/>
+              </a:ext>
+            </a:extLst>
+          </p:cNvPr>
+          <p:cNvSpPr/>
+          <p:nvPr/>
+        </p:nvSpPr>
+        <p:spPr>
+          <a:xfrm>
+            <a:off x="328771" y="1082568"/>
+            <a:ext cx="8742077" cy="2434769"/>
+          </a:xfrm>
+          <a:prstGeom prst="rect">
+            <a:avLst/>
+          </a:prstGeom>
+        </p:spPr>
+        <p:txBody>
+          <a:bodyPr wrap="square">
+            <a:spAutoFit/>
+          </a:bodyPr>
+          <a:lstStyle/>
+          <a:p>
+            <a:pPr marL="284400" indent="-284400">
+              <a:lnSpc>
+                <a:spcPct val="150000"/>
+              </a:lnSpc>
+              <a:buFont typeface="Arial" panose="020B0604020202020204" pitchFamily="34" charset="0"/>
+              <a:buChar char="•"/>
+            </a:pPr>
+            <a:r>
+              <a:rPr lang="en-US" altLang="ko-KR" sz="2400" dirty="0">
+                <a:solidFill>
+                  <a:srgbClr val="222222"/>
+                </a:solidFill>
+                <a:latin typeface="Arial Narrow" panose="020B0606020202030204" pitchFamily="34" charset="0"/>
+              </a:rPr>
+              <a:t>Exercise</a:t>
+            </a:r>
+          </a:p>
+          <a:p>
+            <a:pPr lvl="1">
+              <a:lnSpc>
+                <a:spcPct val="150000"/>
+              </a:lnSpc>
+            </a:pPr>
+            <a:r>
+              <a:rPr lang="ko-KR" altLang="en-US" sz="2000" dirty="0">
+                <a:solidFill>
+                  <a:srgbClr val="222222"/>
+                </a:solidFill>
+                <a:latin typeface="Arial Narrow" panose="020B0606020202030204" pitchFamily="34" charset="0"/>
+              </a:rPr>
+              <a:t>①</a:t>
+            </a:r>
+            <a:r>
+              <a:rPr lang="en-US" altLang="ko-KR" sz="2000" dirty="0">
+                <a:solidFill>
+                  <a:srgbClr val="222222"/>
+                </a:solidFill>
+                <a:latin typeface="Arial Narrow" panose="020B0606020202030204" pitchFamily="34" charset="0"/>
+              </a:rPr>
+              <a:t> Iris classification model development </a:t>
+            </a:r>
+          </a:p>
+          <a:p>
+            <a:pPr lvl="1">
+              <a:lnSpc>
+                <a:spcPct val="150000"/>
+              </a:lnSpc>
+            </a:pPr>
+            <a:r>
+              <a:rPr lang="ko-KR" altLang="en-US" sz="2000" dirty="0">
+                <a:solidFill>
+                  <a:srgbClr val="222222"/>
+                </a:solidFill>
+                <a:latin typeface="Arial Narrow" panose="020B0606020202030204" pitchFamily="34" charset="0"/>
+              </a:rPr>
+              <a:t>②</a:t>
+            </a:r>
+            <a:r>
+              <a:rPr lang="en-US" altLang="ko-KR" sz="2000" dirty="0">
+                <a:solidFill>
+                  <a:srgbClr val="222222"/>
+                </a:solidFill>
+                <a:latin typeface="Arial Narrow" panose="020B0606020202030204" pitchFamily="34" charset="0"/>
+              </a:rPr>
+              <a:t> Conducting 5-fold cross validation</a:t>
+            </a:r>
+          </a:p>
+          <a:p>
+            <a:pPr lvl="1">
+              <a:lnSpc>
+                <a:spcPct val="150000"/>
+              </a:lnSpc>
+            </a:pPr>
+            <a:r>
+              <a:rPr lang="ko-KR" altLang="en-US" sz="2000" dirty="0">
+                <a:solidFill>
+                  <a:srgbClr val="222222"/>
+                </a:solidFill>
+                <a:latin typeface="Arial Narrow" panose="020B0606020202030204" pitchFamily="34" charset="0"/>
+              </a:rPr>
+              <a:t>③ </a:t>
+            </a:r>
+            <a:r>
+              <a:rPr lang="en-US" altLang="ko-KR" sz="2000" dirty="0">
+                <a:solidFill>
+                  <a:srgbClr val="222222"/>
+                </a:solidFill>
+                <a:latin typeface="Arial Narrow" panose="020B0606020202030204" pitchFamily="34" charset="0"/>
+              </a:rPr>
+              <a:t>Visualization of both training and validation accuracies over epochs per fold</a:t>
+            </a:r>
+          </a:p>
+          <a:p>
+            <a:pPr lvl="1">
+              <a:lnSpc>
+                <a:spcPct val="150000"/>
+              </a:lnSpc>
+            </a:pPr>
+            <a:endParaRPr lang="en-US" altLang="ko-KR" sz="2000" dirty="0">
+              <a:solidFill>
+                <a:srgbClr val="222222"/>
+              </a:solidFill>
+              <a:latin typeface="Arial Narrow" panose="020B0606020202030204" pitchFamily="34" charset="0"/>
+            </a:endParaRPr>
+          </a:p>
+        </p:txBody>
+      </p:sp>
+      <p:sp>
+        <p:nvSpPr>
+          <p:cNvPr id="2" name="TextBox 1">
+            <a:extLst>
+              <a:ext uri="{FF2B5EF4-FFF2-40B4-BE49-F238E27FC236}">
+                <a16:creationId xmlns:a16="http://schemas.microsoft.com/office/drawing/2014/main" id="{A15B167C-193F-DC17-F66C-3E7E7F853512}"/>
+              </a:ext>
+            </a:extLst>
+          </p:cNvPr>
+          <p:cNvSpPr txBox="1"/>
+          <p:nvPr/>
+        </p:nvSpPr>
+        <p:spPr>
+          <a:xfrm>
+            <a:off x="2055756" y="3798332"/>
+            <a:ext cx="4754880" cy="923330"/>
+          </a:xfrm>
+          <a:prstGeom prst="rect">
+            <a:avLst/>
+          </a:prstGeom>
+          <a:noFill/>
+        </p:spPr>
+        <p:txBody>
+          <a:bodyPr wrap="square">
+            <a:spAutoFit/>
+          </a:bodyPr>
+          <a:lstStyle/>
+          <a:p>
+            <a:r>
+              <a:rPr lang="en-US" altLang="ko-KR" dirty="0">
+                <a:hlinkClick r:id="rId3"/>
+              </a:rPr>
+              <a:t>https://colab.research.google.com/github/JunetaeKim/DeepLearningClass/blob/main/Week10/Exercise.ipynb</a:t>
+            </a:r>
+            <a:endParaRPr lang="ko-KR" altLang="en-US" dirty="0"/>
+          </a:p>
+        </p:txBody>
+      </p:sp>
+      <p:sp>
+        <p:nvSpPr>
+          <p:cNvPr id="3" name="TextBox 2">
+            <a:extLst>
+              <a:ext uri="{FF2B5EF4-FFF2-40B4-BE49-F238E27FC236}">
+                <a16:creationId xmlns:a16="http://schemas.microsoft.com/office/drawing/2014/main" id="{8152975B-2B7C-7CAF-8BA1-CD0EBC88D9D7}"/>
+              </a:ext>
+            </a:extLst>
+          </p:cNvPr>
+          <p:cNvSpPr txBox="1"/>
+          <p:nvPr/>
+        </p:nvSpPr>
+        <p:spPr>
+          <a:xfrm>
+            <a:off x="2055756" y="3429000"/>
+            <a:ext cx="4572000" cy="369332"/>
+          </a:xfrm>
+          <a:prstGeom prst="rect">
+            <a:avLst/>
+          </a:prstGeom>
+          <a:noFill/>
+        </p:spPr>
+        <p:txBody>
+          <a:bodyPr wrap="square">
+            <a:spAutoFit/>
+          </a:bodyPr>
+          <a:lstStyle/>
+          <a:p>
+            <a:r>
+              <a:rPr lang="en-US" altLang="ko-KR" sz="1800" dirty="0">
+                <a:solidFill>
+                  <a:srgbClr val="222222"/>
+                </a:solidFill>
+                <a:latin typeface="Arial Narrow" panose="020B0606020202030204" pitchFamily="34" charset="0"/>
+              </a:rPr>
+              <a:t>For students</a:t>
+            </a:r>
+            <a:endParaRPr lang="ko-KR" altLang="en-US" dirty="0"/>
+          </a:p>
+        </p:txBody>
+      </p:sp>
+      <p:sp>
+        <p:nvSpPr>
+          <p:cNvPr id="10" name="TextBox 9">
+            <a:extLst>
+              <a:ext uri="{FF2B5EF4-FFF2-40B4-BE49-F238E27FC236}">
+                <a16:creationId xmlns:a16="http://schemas.microsoft.com/office/drawing/2014/main" id="{0817E0D3-8915-D44F-8D88-C73C05F2FE22}"/>
+              </a:ext>
+            </a:extLst>
+          </p:cNvPr>
+          <p:cNvSpPr txBox="1"/>
+          <p:nvPr/>
+        </p:nvSpPr>
+        <p:spPr>
+          <a:xfrm>
+            <a:off x="2055756" y="5528748"/>
+            <a:ext cx="4853940" cy="923330"/>
+          </a:xfrm>
+          <a:prstGeom prst="rect">
+            <a:avLst/>
+          </a:prstGeom>
+          <a:noFill/>
+        </p:spPr>
+        <p:txBody>
+          <a:bodyPr wrap="square">
+            <a:spAutoFit/>
+          </a:bodyPr>
+          <a:lstStyle/>
+          <a:p>
+            <a:r>
+              <a:rPr lang="en-US" altLang="ko-KR" dirty="0">
+                <a:hlinkClick r:id="rId4"/>
+              </a:rPr>
+              <a:t>https://colab.research.google.com/github/JunetaeKim/DeepLearningClass/blob/main/Week10/ExerciseSolution.ipynb</a:t>
+            </a:r>
+            <a:endParaRPr lang="ko-KR" altLang="en-US" dirty="0"/>
+          </a:p>
+        </p:txBody>
+      </p:sp>
+      <p:sp>
+        <p:nvSpPr>
+          <p:cNvPr id="25" name="TextBox 24">
+            <a:extLst>
+              <a:ext uri="{FF2B5EF4-FFF2-40B4-BE49-F238E27FC236}">
+                <a16:creationId xmlns:a16="http://schemas.microsoft.com/office/drawing/2014/main" id="{F96AD90E-5A63-F944-7F44-85F0D1B793DD}"/>
+              </a:ext>
+            </a:extLst>
+          </p:cNvPr>
+          <p:cNvSpPr txBox="1"/>
+          <p:nvPr/>
+        </p:nvSpPr>
+        <p:spPr>
+          <a:xfrm>
+            <a:off x="2055756" y="5159416"/>
+            <a:ext cx="4572000" cy="369332"/>
+          </a:xfrm>
+          <a:prstGeom prst="rect">
+            <a:avLst/>
+          </a:prstGeom>
+          <a:noFill/>
+        </p:spPr>
+        <p:txBody>
+          <a:bodyPr wrap="square">
+            <a:spAutoFit/>
+          </a:bodyPr>
+          <a:lstStyle/>
+          <a:p>
+            <a:r>
+              <a:rPr lang="en-US" altLang="ko-KR" sz="1800" dirty="0">
+                <a:solidFill>
+                  <a:srgbClr val="222222"/>
+                </a:solidFill>
+                <a:latin typeface="Arial Narrow" panose="020B0606020202030204" pitchFamily="34" charset="0"/>
+              </a:rPr>
+              <a:t>For solutions</a:t>
+            </a:r>
+            <a:endParaRPr lang="ko-KR" altLang="en-US" dirty="0"/>
+          </a:p>
+        </p:txBody>
+      </p:sp>
+    </p:spTree>
+    <p:extLst>
+      <p:ext uri="{BB962C8B-B14F-4D97-AF65-F5344CB8AC3E}">
+        <p14:creationId xmlns:p14="http://schemas.microsoft.com/office/powerpoint/2010/main" val="1520933093"/>
       </p:ext>
     </p:extLst>
   </p:cSld>

--- a/Week10/week10 Introduction to tensorflow.pptx
+++ b/Week10/week10 Introduction to tensorflow.pptx
@@ -39395,7 +39395,21 @@
               <a:rPr lang="en-US" altLang="ko-KR" dirty="0">
                 <a:hlinkClick r:id="rId3"/>
               </a:rPr>
-              <a:t>https://colab.research.google.com/github/JunetaeKim/DeepLearningClass/blob/main/Week10/IrisClassification.ipynb</a:t>
+              <a:t>https://colab.research.google.com/github/JunetaeKim/DeepLearningClass/blob/main/Week10/</a:t>
+            </a:r>
+            <a:r>
+              <a:rPr lang="en-US" altLang="ko-KR" b="0" i="0" u="none" strike="noStrike" dirty="0">
+                <a:effectLst/>
+                <a:latin typeface="-apple-system"/>
+                <a:hlinkClick r:id="rId3"/>
+              </a:rPr>
+              <a:t>IrisPairPlot</a:t>
+            </a:r>
+            <a:r>
+              <a:rPr lang="en-US" altLang="ko-KR" dirty="0">
+                <a:hlinkClick r:id="rId3"/>
+              </a:rPr>
+              <a:t>.ipynb</a:t>
             </a:r>
             <a:endParaRPr lang="ko-KR" altLang="en-US" dirty="0"/>
           </a:p>
